--- a/pg-buffer.pptx
+++ b/pg-buffer.pptx
@@ -5,11 +5,25 @@
     <p:sldMasterId id="2147483648" r:id="rId1"/>
   </p:sldMasterIdLst>
   <p:notesMasterIdLst>
-    <p:notesMasterId r:id="rId4"/>
+    <p:notesMasterId r:id="rId18"/>
   </p:notesMasterIdLst>
   <p:sldIdLst>
     <p:sldId id="256" r:id="rId2"/>
     <p:sldId id="257" r:id="rId3"/>
+    <p:sldId id="278" r:id="rId4"/>
+    <p:sldId id="277" r:id="rId5"/>
+    <p:sldId id="273" r:id="rId6"/>
+    <p:sldId id="274" r:id="rId7"/>
+    <p:sldId id="260" r:id="rId8"/>
+    <p:sldId id="275" r:id="rId9"/>
+    <p:sldId id="262" r:id="rId10"/>
+    <p:sldId id="279" r:id="rId11"/>
+    <p:sldId id="263" r:id="rId12"/>
+    <p:sldId id="268" r:id="rId13"/>
+    <p:sldId id="280" r:id="rId14"/>
+    <p:sldId id="267" r:id="rId15"/>
+    <p:sldId id="271" r:id="rId16"/>
+    <p:sldId id="272" r:id="rId17"/>
   </p:sldIdLst>
   <p:sldSz cx="12192000" cy="6858000"/>
   <p:notesSz cx="6858000" cy="9144000"/>
@@ -108,6 +122,11 @@
       </a:defRPr>
     </a:lvl9pPr>
   </p:defaultTextStyle>
+  <p:extLst>
+    <p:ext uri="{EFAFB233-063F-42B5-8137-9DF3F51BA10A}">
+      <p15:sldGuideLst xmlns:p15="http://schemas.microsoft.com/office/powerpoint/2012/main"/>
+    </p:ext>
+  </p:extLst>
 </p:presentation>
 </file>
 
@@ -193,7 +212,7 @@
           <a:p>
             <a:fld id="{B3FE15F5-6E8A-304E-A626-99BFA75D3031}" type="datetimeFigureOut">
               <a:rPr kumimoji="1" lang="zh-CN" altLang="en-US" smtClean="0"/>
-              <a:t>2019/11/3</a:t>
+              <a:t>2019/11/5</a:t>
             </a:fld>
             <a:endParaRPr kumimoji="1" lang="zh-CN" altLang="en-US"/>
           </a:p>
@@ -576,6 +595,178 @@
 </p:notes>
 </file>
 
+<file path=ppt/notesSlides/notesSlide2.xml><?xml version="1.0" encoding="utf-8"?>
+<p:notes xmlns:a="http://schemas.openxmlformats.org/drawingml/2006/main" xmlns:r="http://schemas.openxmlformats.org/officeDocument/2006/relationships" xmlns:p="http://schemas.openxmlformats.org/presentationml/2006/main">
+  <p:cSld>
+    <p:spTree>
+      <p:nvGrpSpPr>
+        <p:cNvPr id="1" name=""/>
+        <p:cNvGrpSpPr/>
+        <p:nvPr/>
+      </p:nvGrpSpPr>
+      <p:grpSpPr>
+        <a:xfrm>
+          <a:off x="0" y="0"/>
+          <a:ext cx="0" cy="0"/>
+          <a:chOff x="0" y="0"/>
+          <a:chExt cx="0" cy="0"/>
+        </a:xfrm>
+      </p:grpSpPr>
+      <p:sp>
+        <p:nvSpPr>
+          <p:cNvPr id="2" name="幻灯片图像占位符 1"/>
+          <p:cNvSpPr>
+            <a:spLocks noGrp="1" noRot="1" noChangeAspect="1"/>
+          </p:cNvSpPr>
+          <p:nvPr>
+            <p:ph type="sldImg"/>
+          </p:nvPr>
+        </p:nvSpPr>
+        <p:spPr/>
+      </p:sp>
+      <p:sp>
+        <p:nvSpPr>
+          <p:cNvPr id="3" name="备注占位符 2"/>
+          <p:cNvSpPr>
+            <a:spLocks noGrp="1"/>
+          </p:cNvSpPr>
+          <p:nvPr>
+            <p:ph type="body" idx="1"/>
+          </p:nvPr>
+        </p:nvSpPr>
+        <p:spPr/>
+        <p:txBody>
+          <a:bodyPr/>
+          <a:lstStyle/>
+          <a:p>
+            <a:r>
+              <a:rPr kumimoji="1" lang="zh-CN" altLang="en-US" dirty="0" smtClean="0"/>
+              <a:t>计算机系统充满了各种抽象，但是要自己的抽象接口的行为是对的。</a:t>
+            </a:r>
+            <a:endParaRPr kumimoji="1" lang="zh-CN" altLang="en-US" dirty="0"/>
+          </a:p>
+        </p:txBody>
+      </p:sp>
+      <p:sp>
+        <p:nvSpPr>
+          <p:cNvPr id="4" name="幻灯片编号占位符 3"/>
+          <p:cNvSpPr>
+            <a:spLocks noGrp="1"/>
+          </p:cNvSpPr>
+          <p:nvPr>
+            <p:ph type="sldNum" sz="quarter" idx="10"/>
+          </p:nvPr>
+        </p:nvSpPr>
+        <p:spPr/>
+        <p:txBody>
+          <a:bodyPr/>
+          <a:lstStyle/>
+          <a:p>
+            <a:fld id="{70A40FC4-4BF0-C949-B638-8140D736F858}" type="slidenum">
+              <a:rPr kumimoji="1" lang="zh-CN" altLang="en-US" smtClean="0"/>
+              <a:t>4</a:t>
+            </a:fld>
+            <a:endParaRPr kumimoji="1" lang="zh-CN" altLang="en-US"/>
+          </a:p>
+        </p:txBody>
+      </p:sp>
+    </p:spTree>
+    <p:extLst>
+      <p:ext uri="{BB962C8B-B14F-4D97-AF65-F5344CB8AC3E}">
+        <p14:creationId xmlns:p14="http://schemas.microsoft.com/office/powerpoint/2010/main" val="655473774"/>
+      </p:ext>
+    </p:extLst>
+  </p:cSld>
+  <p:clrMapOvr>
+    <a:masterClrMapping/>
+  </p:clrMapOvr>
+</p:notes>
+</file>
+
+<file path=ppt/notesSlides/notesSlide3.xml><?xml version="1.0" encoding="utf-8"?>
+<p:notes xmlns:a="http://schemas.openxmlformats.org/drawingml/2006/main" xmlns:r="http://schemas.openxmlformats.org/officeDocument/2006/relationships" xmlns:p="http://schemas.openxmlformats.org/presentationml/2006/main">
+  <p:cSld>
+    <p:spTree>
+      <p:nvGrpSpPr>
+        <p:cNvPr id="1" name=""/>
+        <p:cNvGrpSpPr/>
+        <p:nvPr/>
+      </p:nvGrpSpPr>
+      <p:grpSpPr>
+        <a:xfrm>
+          <a:off x="0" y="0"/>
+          <a:ext cx="0" cy="0"/>
+          <a:chOff x="0" y="0"/>
+          <a:chExt cx="0" cy="0"/>
+        </a:xfrm>
+      </p:grpSpPr>
+      <p:sp>
+        <p:nvSpPr>
+          <p:cNvPr id="2" name="幻灯片图像占位符 1"/>
+          <p:cNvSpPr>
+            <a:spLocks noGrp="1" noRot="1" noChangeAspect="1"/>
+          </p:cNvSpPr>
+          <p:nvPr>
+            <p:ph type="sldImg"/>
+          </p:nvPr>
+        </p:nvSpPr>
+        <p:spPr/>
+      </p:sp>
+      <p:sp>
+        <p:nvSpPr>
+          <p:cNvPr id="3" name="备注占位符 2"/>
+          <p:cNvSpPr>
+            <a:spLocks noGrp="1"/>
+          </p:cNvSpPr>
+          <p:nvPr>
+            <p:ph type="body" idx="1"/>
+          </p:nvPr>
+        </p:nvSpPr>
+        <p:spPr/>
+        <p:txBody>
+          <a:bodyPr/>
+          <a:lstStyle/>
+          <a:p>
+            <a:endParaRPr kumimoji="1" lang="zh-CN" altLang="en-US" dirty="0"/>
+          </a:p>
+        </p:txBody>
+      </p:sp>
+      <p:sp>
+        <p:nvSpPr>
+          <p:cNvPr id="4" name="幻灯片编号占位符 3"/>
+          <p:cNvSpPr>
+            <a:spLocks noGrp="1"/>
+          </p:cNvSpPr>
+          <p:nvPr>
+            <p:ph type="sldNum" sz="quarter" idx="10"/>
+          </p:nvPr>
+        </p:nvSpPr>
+        <p:spPr/>
+        <p:txBody>
+          <a:bodyPr/>
+          <a:lstStyle/>
+          <a:p>
+            <a:fld id="{70A40FC4-4BF0-C949-B638-8140D736F858}" type="slidenum">
+              <a:rPr kumimoji="1" lang="zh-CN" altLang="en-US" smtClean="0"/>
+              <a:t>7</a:t>
+            </a:fld>
+            <a:endParaRPr kumimoji="1" lang="zh-CN" altLang="en-US"/>
+          </a:p>
+        </p:txBody>
+      </p:sp>
+    </p:spTree>
+    <p:extLst>
+      <p:ext uri="{BB962C8B-B14F-4D97-AF65-F5344CB8AC3E}">
+        <p14:creationId xmlns:p14="http://schemas.microsoft.com/office/powerpoint/2010/main" val="8464189"/>
+      </p:ext>
+    </p:extLst>
+  </p:cSld>
+  <p:clrMapOvr>
+    <a:masterClrMapping/>
+  </p:clrMapOvr>
+</p:notes>
+</file>
+
 <file path=ppt/slideLayouts/slideLayout1.xml><?xml version="1.0" encoding="utf-8"?>
 <p:sldLayout xmlns:a="http://schemas.openxmlformats.org/drawingml/2006/main" xmlns:r="http://schemas.openxmlformats.org/officeDocument/2006/relationships" xmlns:p="http://schemas.openxmlformats.org/presentationml/2006/main" type="title" preserve="1">
   <p:cSld name="标题幻灯片">
@@ -707,7 +898,7 @@
           <a:p>
             <a:fld id="{2606237A-B1B2-7B4A-96C8-8424FC8FC192}" type="datetimeFigureOut">
               <a:rPr kumimoji="1" lang="zh-CN" altLang="en-US" smtClean="0"/>
-              <a:t>2019/11/3</a:t>
+              <a:t>2019/11/5</a:t>
             </a:fld>
             <a:endParaRPr kumimoji="1" lang="zh-CN" altLang="en-US"/>
           </a:p>
@@ -877,7 +1068,7 @@
           <a:p>
             <a:fld id="{2606237A-B1B2-7B4A-96C8-8424FC8FC192}" type="datetimeFigureOut">
               <a:rPr kumimoji="1" lang="zh-CN" altLang="en-US" smtClean="0"/>
-              <a:t>2019/11/3</a:t>
+              <a:t>2019/11/5</a:t>
             </a:fld>
             <a:endParaRPr kumimoji="1" lang="zh-CN" altLang="en-US"/>
           </a:p>
@@ -1057,7 +1248,7 @@
           <a:p>
             <a:fld id="{2606237A-B1B2-7B4A-96C8-8424FC8FC192}" type="datetimeFigureOut">
               <a:rPr kumimoji="1" lang="zh-CN" altLang="en-US" smtClean="0"/>
-              <a:t>2019/11/3</a:t>
+              <a:t>2019/11/5</a:t>
             </a:fld>
             <a:endParaRPr kumimoji="1" lang="zh-CN" altLang="en-US"/>
           </a:p>
@@ -1227,7 +1418,7 @@
           <a:p>
             <a:fld id="{2606237A-B1B2-7B4A-96C8-8424FC8FC192}" type="datetimeFigureOut">
               <a:rPr kumimoji="1" lang="zh-CN" altLang="en-US" smtClean="0"/>
-              <a:t>2019/11/3</a:t>
+              <a:t>2019/11/5</a:t>
             </a:fld>
             <a:endParaRPr kumimoji="1" lang="zh-CN" altLang="en-US"/>
           </a:p>
@@ -1473,7 +1664,7 @@
           <a:p>
             <a:fld id="{2606237A-B1B2-7B4A-96C8-8424FC8FC192}" type="datetimeFigureOut">
               <a:rPr kumimoji="1" lang="zh-CN" altLang="en-US" smtClean="0"/>
-              <a:t>2019/11/3</a:t>
+              <a:t>2019/11/5</a:t>
             </a:fld>
             <a:endParaRPr kumimoji="1" lang="zh-CN" altLang="en-US"/>
           </a:p>
@@ -1705,7 +1896,7 @@
           <a:p>
             <a:fld id="{2606237A-B1B2-7B4A-96C8-8424FC8FC192}" type="datetimeFigureOut">
               <a:rPr kumimoji="1" lang="zh-CN" altLang="en-US" smtClean="0"/>
-              <a:t>2019/11/3</a:t>
+              <a:t>2019/11/5</a:t>
             </a:fld>
             <a:endParaRPr kumimoji="1" lang="zh-CN" altLang="en-US"/>
           </a:p>
@@ -2072,7 +2263,7 @@
           <a:p>
             <a:fld id="{2606237A-B1B2-7B4A-96C8-8424FC8FC192}" type="datetimeFigureOut">
               <a:rPr kumimoji="1" lang="zh-CN" altLang="en-US" smtClean="0"/>
-              <a:t>2019/11/3</a:t>
+              <a:t>2019/11/5</a:t>
             </a:fld>
             <a:endParaRPr kumimoji="1" lang="zh-CN" altLang="en-US"/>
           </a:p>
@@ -2190,7 +2381,7 @@
           <a:p>
             <a:fld id="{2606237A-B1B2-7B4A-96C8-8424FC8FC192}" type="datetimeFigureOut">
               <a:rPr kumimoji="1" lang="zh-CN" altLang="en-US" smtClean="0"/>
-              <a:t>2019/11/3</a:t>
+              <a:t>2019/11/5</a:t>
             </a:fld>
             <a:endParaRPr kumimoji="1" lang="zh-CN" altLang="en-US"/>
           </a:p>
@@ -2285,7 +2476,7 @@
           <a:p>
             <a:fld id="{2606237A-B1B2-7B4A-96C8-8424FC8FC192}" type="datetimeFigureOut">
               <a:rPr kumimoji="1" lang="zh-CN" altLang="en-US" smtClean="0"/>
-              <a:t>2019/11/3</a:t>
+              <a:t>2019/11/5</a:t>
             </a:fld>
             <a:endParaRPr kumimoji="1" lang="zh-CN" altLang="en-US"/>
           </a:p>
@@ -2562,7 +2753,7 @@
           <a:p>
             <a:fld id="{2606237A-B1B2-7B4A-96C8-8424FC8FC192}" type="datetimeFigureOut">
               <a:rPr kumimoji="1" lang="zh-CN" altLang="en-US" smtClean="0"/>
-              <a:t>2019/11/3</a:t>
+              <a:t>2019/11/5</a:t>
             </a:fld>
             <a:endParaRPr kumimoji="1" lang="zh-CN" altLang="en-US"/>
           </a:p>
@@ -2815,7 +3006,7 @@
           <a:p>
             <a:fld id="{2606237A-B1B2-7B4A-96C8-8424FC8FC192}" type="datetimeFigureOut">
               <a:rPr kumimoji="1" lang="zh-CN" altLang="en-US" smtClean="0"/>
-              <a:t>2019/11/3</a:t>
+              <a:t>2019/11/5</a:t>
             </a:fld>
             <a:endParaRPr kumimoji="1" lang="zh-CN" altLang="en-US"/>
           </a:p>
@@ -3028,7 +3219,7 @@
           <a:p>
             <a:fld id="{2606237A-B1B2-7B4A-96C8-8424FC8FC192}" type="datetimeFigureOut">
               <a:rPr kumimoji="1" lang="zh-CN" altLang="en-US" smtClean="0"/>
-              <a:t>2019/11/3</a:t>
+              <a:t>2019/11/5</a:t>
             </a:fld>
             <a:endParaRPr kumimoji="1" lang="zh-CN" altLang="en-US"/>
           </a:p>
@@ -3450,7 +3641,7 @@
           <a:p>
             <a:r>
               <a:rPr kumimoji="1" lang="zh-CN" altLang="en-US" dirty="0" smtClean="0"/>
-              <a:t>从一个问题开始了解</a:t>
+              <a:t>再谈</a:t>
             </a:r>
             <a:r>
               <a:rPr kumimoji="1" lang="en-US" altLang="zh-CN" dirty="0" err="1" smtClean="0"/>
@@ -3488,6 +3679,943 @@
     <p:extLst>
       <p:ext uri="{BB962C8B-B14F-4D97-AF65-F5344CB8AC3E}">
         <p14:creationId xmlns:p14="http://schemas.microsoft.com/office/powerpoint/2010/main" val="1546775706"/>
+      </p:ext>
+    </p:extLst>
+  </p:cSld>
+  <p:clrMapOvr>
+    <a:masterClrMapping/>
+  </p:clrMapOvr>
+</p:sld>
+</file>
+
+<file path=ppt/slides/slide10.xml><?xml version="1.0" encoding="utf-8"?>
+<p:sld xmlns:a="http://schemas.openxmlformats.org/drawingml/2006/main" xmlns:r="http://schemas.openxmlformats.org/officeDocument/2006/relationships" xmlns:p="http://schemas.openxmlformats.org/presentationml/2006/main">
+  <p:cSld>
+    <p:spTree>
+      <p:nvGrpSpPr>
+        <p:cNvPr id="1" name=""/>
+        <p:cNvGrpSpPr/>
+        <p:nvPr/>
+      </p:nvGrpSpPr>
+      <p:grpSpPr>
+        <a:xfrm>
+          <a:off x="0" y="0"/>
+          <a:ext cx="0" cy="0"/>
+          <a:chOff x="0" y="0"/>
+          <a:chExt cx="0" cy="0"/>
+        </a:xfrm>
+      </p:grpSpPr>
+      <p:sp>
+        <p:nvSpPr>
+          <p:cNvPr id="2" name="标题 1"/>
+          <p:cNvSpPr>
+            <a:spLocks noGrp="1"/>
+          </p:cNvSpPr>
+          <p:nvPr>
+            <p:ph type="title"/>
+          </p:nvPr>
+        </p:nvSpPr>
+        <p:spPr/>
+        <p:txBody>
+          <a:bodyPr/>
+          <a:lstStyle/>
+          <a:p>
+            <a:r>
+              <a:rPr kumimoji="1" lang="en-US" altLang="zh-CN" dirty="0" smtClean="0"/>
+              <a:t>outline</a:t>
+            </a:r>
+            <a:endParaRPr kumimoji="1" lang="zh-CN" altLang="en-US" dirty="0"/>
+          </a:p>
+        </p:txBody>
+      </p:sp>
+      <p:sp>
+        <p:nvSpPr>
+          <p:cNvPr id="3" name="内容占位符 2"/>
+          <p:cNvSpPr>
+            <a:spLocks noGrp="1"/>
+          </p:cNvSpPr>
+          <p:nvPr>
+            <p:ph idx="1"/>
+          </p:nvPr>
+        </p:nvSpPr>
+        <p:spPr/>
+        <p:txBody>
+          <a:bodyPr/>
+          <a:lstStyle/>
+          <a:p>
+            <a:r>
+              <a:rPr kumimoji="1" lang="en-US" altLang="zh-CN" dirty="0">
+                <a:solidFill>
+                  <a:schemeClr val="bg1">
+                    <a:lumMod val="75000"/>
+                  </a:schemeClr>
+                </a:solidFill>
+              </a:rPr>
+              <a:t>d</a:t>
+            </a:r>
+            <a:r>
+              <a:rPr kumimoji="1" lang="en-US" altLang="zh-CN" dirty="0" smtClean="0">
+                <a:solidFill>
+                  <a:schemeClr val="bg1">
+                    <a:lumMod val="75000"/>
+                  </a:schemeClr>
+                </a:solidFill>
+              </a:rPr>
+              <a:t>ouble</a:t>
+            </a:r>
+            <a:r>
+              <a:rPr kumimoji="1" lang="zh-CN" altLang="en-US" dirty="0" smtClean="0">
+                <a:solidFill>
+                  <a:schemeClr val="bg1">
+                    <a:lumMod val="75000"/>
+                  </a:schemeClr>
+                </a:solidFill>
+              </a:rPr>
+              <a:t> </a:t>
+            </a:r>
+            <a:r>
+              <a:rPr kumimoji="1" lang="en-US" altLang="zh-CN" dirty="0" smtClean="0">
+                <a:solidFill>
+                  <a:schemeClr val="bg1">
+                    <a:lumMod val="75000"/>
+                  </a:schemeClr>
+                </a:solidFill>
+              </a:rPr>
+              <a:t>buffer</a:t>
+            </a:r>
+            <a:r>
+              <a:rPr kumimoji="1" lang="zh-CN" altLang="en-US" dirty="0" smtClean="0">
+                <a:solidFill>
+                  <a:schemeClr val="bg1">
+                    <a:lumMod val="75000"/>
+                  </a:schemeClr>
+                </a:solidFill>
+              </a:rPr>
+              <a:t> </a:t>
+            </a:r>
+            <a:r>
+              <a:rPr kumimoji="1" lang="en-US" altLang="zh-CN" dirty="0" smtClean="0">
+                <a:solidFill>
+                  <a:schemeClr val="bg1">
+                    <a:lumMod val="75000"/>
+                  </a:schemeClr>
+                </a:solidFill>
+              </a:rPr>
+              <a:t>in</a:t>
+            </a:r>
+            <a:r>
+              <a:rPr kumimoji="1" lang="zh-CN" altLang="en-US" dirty="0" smtClean="0">
+                <a:solidFill>
+                  <a:schemeClr val="bg1">
+                    <a:lumMod val="75000"/>
+                  </a:schemeClr>
+                </a:solidFill>
+              </a:rPr>
+              <a:t> </a:t>
+            </a:r>
+            <a:r>
+              <a:rPr kumimoji="1" lang="en-US" altLang="zh-CN" dirty="0" smtClean="0">
+                <a:solidFill>
+                  <a:schemeClr val="bg1">
+                    <a:lumMod val="75000"/>
+                  </a:schemeClr>
+                </a:solidFill>
+              </a:rPr>
+              <a:t>PostgreSQL</a:t>
+            </a:r>
+            <a:endParaRPr kumimoji="1" lang="en-US" altLang="zh-CN" dirty="0">
+              <a:solidFill>
+                <a:schemeClr val="bg1">
+                  <a:lumMod val="75000"/>
+                </a:schemeClr>
+              </a:solidFill>
+            </a:endParaRPr>
+          </a:p>
+          <a:p>
+            <a:r>
+              <a:rPr kumimoji="1" lang="en-US" altLang="zh-CN" dirty="0"/>
+              <a:t>c</a:t>
+            </a:r>
+            <a:r>
+              <a:rPr kumimoji="1" lang="en-US" altLang="zh-CN" dirty="0" smtClean="0"/>
+              <a:t>heckpoint</a:t>
+            </a:r>
+            <a:r>
+              <a:rPr kumimoji="1" lang="zh-CN" altLang="en-US" dirty="0" smtClean="0"/>
+              <a:t> </a:t>
+            </a:r>
+            <a:r>
+              <a:rPr kumimoji="1" lang="en-US" altLang="zh-CN" dirty="0" smtClean="0"/>
+              <a:t>in</a:t>
+            </a:r>
+            <a:r>
+              <a:rPr kumimoji="1" lang="zh-CN" altLang="en-US" dirty="0" smtClean="0"/>
+              <a:t> </a:t>
+            </a:r>
+            <a:r>
+              <a:rPr kumimoji="1" lang="en-US" altLang="zh-CN" dirty="0" smtClean="0"/>
+              <a:t>PostgreSQL</a:t>
+            </a:r>
+          </a:p>
+          <a:p>
+            <a:r>
+              <a:rPr kumimoji="1" lang="en-US" altLang="zh-CN" dirty="0" err="1">
+                <a:solidFill>
+                  <a:schemeClr val="bg1">
+                    <a:lumMod val="75000"/>
+                  </a:schemeClr>
+                </a:solidFill>
+              </a:rPr>
+              <a:t>fsync</a:t>
+            </a:r>
+            <a:r>
+              <a:rPr kumimoji="1" lang="zh-CN" altLang="en-US" dirty="0">
+                <a:solidFill>
+                  <a:schemeClr val="bg1">
+                    <a:lumMod val="75000"/>
+                  </a:schemeClr>
+                </a:solidFill>
+              </a:rPr>
+              <a:t> </a:t>
+            </a:r>
+            <a:r>
+              <a:rPr kumimoji="1" lang="en-US" altLang="zh-CN" dirty="0">
+                <a:solidFill>
+                  <a:schemeClr val="bg1">
+                    <a:lumMod val="75000"/>
+                  </a:schemeClr>
+                </a:solidFill>
+              </a:rPr>
+              <a:t>in</a:t>
+            </a:r>
+            <a:r>
+              <a:rPr kumimoji="1" lang="zh-CN" altLang="en-US" dirty="0">
+                <a:solidFill>
+                  <a:schemeClr val="bg1">
+                    <a:lumMod val="75000"/>
+                  </a:schemeClr>
+                </a:solidFill>
+              </a:rPr>
+              <a:t> </a:t>
+            </a:r>
+            <a:r>
+              <a:rPr kumimoji="1" lang="en-US" altLang="zh-CN" dirty="0" smtClean="0">
+                <a:solidFill>
+                  <a:schemeClr val="bg1">
+                    <a:lumMod val="75000"/>
+                  </a:schemeClr>
+                </a:solidFill>
+              </a:rPr>
+              <a:t>PostgreSQL</a:t>
+            </a:r>
+            <a:endParaRPr kumimoji="1" lang="en-US" altLang="zh-CN" dirty="0" smtClean="0">
+              <a:solidFill>
+                <a:schemeClr val="bg1">
+                  <a:lumMod val="75000"/>
+                </a:schemeClr>
+              </a:solidFill>
+            </a:endParaRPr>
+          </a:p>
+          <a:p>
+            <a:endParaRPr kumimoji="1" lang="en-US" altLang="zh-CN" dirty="0" smtClean="0"/>
+          </a:p>
+        </p:txBody>
+      </p:sp>
+    </p:spTree>
+    <p:extLst>
+      <p:ext uri="{BB962C8B-B14F-4D97-AF65-F5344CB8AC3E}">
+        <p14:creationId xmlns:p14="http://schemas.microsoft.com/office/powerpoint/2010/main" val="1932687378"/>
+      </p:ext>
+    </p:extLst>
+  </p:cSld>
+  <p:clrMapOvr>
+    <a:masterClrMapping/>
+  </p:clrMapOvr>
+</p:sld>
+</file>
+
+<file path=ppt/slides/slide11.xml><?xml version="1.0" encoding="utf-8"?>
+<p:sld xmlns:a="http://schemas.openxmlformats.org/drawingml/2006/main" xmlns:r="http://schemas.openxmlformats.org/officeDocument/2006/relationships" xmlns:p="http://schemas.openxmlformats.org/presentationml/2006/main">
+  <p:cSld>
+    <p:spTree>
+      <p:nvGrpSpPr>
+        <p:cNvPr id="1" name=""/>
+        <p:cNvGrpSpPr/>
+        <p:nvPr/>
+      </p:nvGrpSpPr>
+      <p:grpSpPr>
+        <a:xfrm>
+          <a:off x="0" y="0"/>
+          <a:ext cx="0" cy="0"/>
+          <a:chOff x="0" y="0"/>
+          <a:chExt cx="0" cy="0"/>
+        </a:xfrm>
+      </p:grpSpPr>
+      <p:sp>
+        <p:nvSpPr>
+          <p:cNvPr id="2" name="标题 1"/>
+          <p:cNvSpPr>
+            <a:spLocks noGrp="1"/>
+          </p:cNvSpPr>
+          <p:nvPr>
+            <p:ph type="title"/>
+          </p:nvPr>
+        </p:nvSpPr>
+        <p:spPr/>
+        <p:txBody>
+          <a:bodyPr/>
+          <a:lstStyle/>
+          <a:p>
+            <a:r>
+              <a:rPr kumimoji="1" lang="en-US" altLang="zh-CN" dirty="0" err="1" smtClean="0"/>
+              <a:t>bufferpool</a:t>
+            </a:r>
+            <a:endParaRPr kumimoji="1" lang="zh-CN" altLang="en-US" dirty="0"/>
+          </a:p>
+        </p:txBody>
+      </p:sp>
+      <p:sp>
+        <p:nvSpPr>
+          <p:cNvPr id="3" name="内容占位符 2"/>
+          <p:cNvSpPr>
+            <a:spLocks noGrp="1"/>
+          </p:cNvSpPr>
+          <p:nvPr>
+            <p:ph sz="half" idx="2"/>
+          </p:nvPr>
+        </p:nvSpPr>
+        <p:spPr/>
+        <p:txBody>
+          <a:bodyPr/>
+          <a:lstStyle/>
+          <a:p>
+            <a:endParaRPr lang="en-US" altLang="zh-CN" dirty="0" smtClean="0"/>
+          </a:p>
+          <a:p>
+            <a:endParaRPr kumimoji="1" lang="zh-CN" altLang="en-US" dirty="0"/>
+          </a:p>
+        </p:txBody>
+      </p:sp>
+      <p:pic>
+        <p:nvPicPr>
+          <p:cNvPr id="18" name="图片 17"/>
+          <p:cNvPicPr>
+            <a:picLocks noChangeAspect="1"/>
+          </p:cNvPicPr>
+          <p:nvPr/>
+        </p:nvPicPr>
+        <p:blipFill>
+          <a:blip r:embed="rId2"/>
+          <a:stretch>
+            <a:fillRect/>
+          </a:stretch>
+        </p:blipFill>
+        <p:spPr>
+          <a:xfrm>
+            <a:off x="839788" y="1717675"/>
+            <a:ext cx="3848100" cy="4445000"/>
+          </a:xfrm>
+          <a:prstGeom prst="rect">
+            <a:avLst/>
+          </a:prstGeom>
+        </p:spPr>
+      </p:pic>
+      <p:pic>
+        <p:nvPicPr>
+          <p:cNvPr id="22" name="内容占位符 21"/>
+          <p:cNvPicPr>
+            <a:picLocks noGrp="1" noChangeAspect="1"/>
+          </p:cNvPicPr>
+          <p:nvPr>
+            <p:ph sz="quarter" idx="4"/>
+          </p:nvPr>
+        </p:nvPicPr>
+        <p:blipFill>
+          <a:blip r:embed="rId3"/>
+          <a:stretch>
+            <a:fillRect/>
+          </a:stretch>
+        </p:blipFill>
+        <p:spPr>
+          <a:xfrm>
+            <a:off x="6097588" y="1690687"/>
+            <a:ext cx="4696994" cy="4471988"/>
+          </a:xfrm>
+          <a:prstGeom prst="rect">
+            <a:avLst/>
+          </a:prstGeom>
+        </p:spPr>
+      </p:pic>
+    </p:spTree>
+    <p:extLst>
+      <p:ext uri="{BB962C8B-B14F-4D97-AF65-F5344CB8AC3E}">
+        <p14:creationId xmlns:p14="http://schemas.microsoft.com/office/powerpoint/2010/main" val="888379898"/>
+      </p:ext>
+    </p:extLst>
+  </p:cSld>
+  <p:clrMapOvr>
+    <a:masterClrMapping/>
+  </p:clrMapOvr>
+</p:sld>
+</file>
+
+<file path=ppt/slides/slide12.xml><?xml version="1.0" encoding="utf-8"?>
+<p:sld xmlns:a="http://schemas.openxmlformats.org/drawingml/2006/main" xmlns:r="http://schemas.openxmlformats.org/officeDocument/2006/relationships" xmlns:p="http://schemas.openxmlformats.org/presentationml/2006/main">
+  <p:cSld>
+    <p:spTree>
+      <p:nvGrpSpPr>
+        <p:cNvPr id="1" name=""/>
+        <p:cNvGrpSpPr/>
+        <p:nvPr/>
+      </p:nvGrpSpPr>
+      <p:grpSpPr>
+        <a:xfrm>
+          <a:off x="0" y="0"/>
+          <a:ext cx="0" cy="0"/>
+          <a:chOff x="0" y="0"/>
+          <a:chExt cx="0" cy="0"/>
+        </a:xfrm>
+      </p:grpSpPr>
+      <p:sp>
+        <p:nvSpPr>
+          <p:cNvPr id="2" name="标题 1"/>
+          <p:cNvSpPr>
+            <a:spLocks noGrp="1"/>
+          </p:cNvSpPr>
+          <p:nvPr>
+            <p:ph type="title"/>
+          </p:nvPr>
+        </p:nvSpPr>
+        <p:spPr/>
+        <p:txBody>
+          <a:bodyPr/>
+          <a:lstStyle/>
+          <a:p>
+            <a:r>
+              <a:rPr kumimoji="1" lang="en-US" altLang="zh-CN" dirty="0" err="1"/>
+              <a:t>sync_file_range</a:t>
+            </a:r>
+            <a:endParaRPr kumimoji="1" lang="zh-CN" altLang="en-US" dirty="0"/>
+          </a:p>
+        </p:txBody>
+      </p:sp>
+      <p:pic>
+        <p:nvPicPr>
+          <p:cNvPr id="9" name="内容占位符 8"/>
+          <p:cNvPicPr>
+            <a:picLocks noGrp="1" noChangeAspect="1"/>
+          </p:cNvPicPr>
+          <p:nvPr>
+            <p:ph sz="half" idx="1"/>
+          </p:nvPr>
+        </p:nvPicPr>
+        <p:blipFill>
+          <a:blip r:embed="rId2"/>
+          <a:stretch>
+            <a:fillRect/>
+          </a:stretch>
+        </p:blipFill>
+        <p:spPr>
+          <a:xfrm>
+            <a:off x="1857247" y="1690688"/>
+            <a:ext cx="8477505" cy="4426307"/>
+          </a:xfrm>
+          <a:prstGeom prst="rect">
+            <a:avLst/>
+          </a:prstGeom>
+        </p:spPr>
+      </p:pic>
+    </p:spTree>
+    <p:extLst>
+      <p:ext uri="{BB962C8B-B14F-4D97-AF65-F5344CB8AC3E}">
+        <p14:creationId xmlns:p14="http://schemas.microsoft.com/office/powerpoint/2010/main" val="463440639"/>
+      </p:ext>
+    </p:extLst>
+  </p:cSld>
+  <p:clrMapOvr>
+    <a:masterClrMapping/>
+  </p:clrMapOvr>
+</p:sld>
+</file>
+
+<file path=ppt/slides/slide13.xml><?xml version="1.0" encoding="utf-8"?>
+<p:sld xmlns:a="http://schemas.openxmlformats.org/drawingml/2006/main" xmlns:r="http://schemas.openxmlformats.org/officeDocument/2006/relationships" xmlns:p="http://schemas.openxmlformats.org/presentationml/2006/main">
+  <p:cSld>
+    <p:spTree>
+      <p:nvGrpSpPr>
+        <p:cNvPr id="1" name=""/>
+        <p:cNvGrpSpPr/>
+        <p:nvPr/>
+      </p:nvGrpSpPr>
+      <p:grpSpPr>
+        <a:xfrm>
+          <a:off x="0" y="0"/>
+          <a:ext cx="0" cy="0"/>
+          <a:chOff x="0" y="0"/>
+          <a:chExt cx="0" cy="0"/>
+        </a:xfrm>
+      </p:grpSpPr>
+      <p:sp>
+        <p:nvSpPr>
+          <p:cNvPr id="2" name="标题 1"/>
+          <p:cNvSpPr>
+            <a:spLocks noGrp="1"/>
+          </p:cNvSpPr>
+          <p:nvPr>
+            <p:ph type="title"/>
+          </p:nvPr>
+        </p:nvSpPr>
+        <p:spPr/>
+        <p:txBody>
+          <a:bodyPr/>
+          <a:lstStyle/>
+          <a:p>
+            <a:r>
+              <a:rPr kumimoji="1" lang="en-US" altLang="zh-CN" dirty="0" smtClean="0"/>
+              <a:t>outline</a:t>
+            </a:r>
+            <a:endParaRPr kumimoji="1" lang="zh-CN" altLang="en-US" dirty="0"/>
+          </a:p>
+        </p:txBody>
+      </p:sp>
+      <p:sp>
+        <p:nvSpPr>
+          <p:cNvPr id="3" name="内容占位符 2"/>
+          <p:cNvSpPr>
+            <a:spLocks noGrp="1"/>
+          </p:cNvSpPr>
+          <p:nvPr>
+            <p:ph idx="1"/>
+          </p:nvPr>
+        </p:nvSpPr>
+        <p:spPr/>
+        <p:txBody>
+          <a:bodyPr/>
+          <a:lstStyle/>
+          <a:p>
+            <a:r>
+              <a:rPr kumimoji="1" lang="en-US" altLang="zh-CN" dirty="0">
+                <a:solidFill>
+                  <a:schemeClr val="bg1">
+                    <a:lumMod val="75000"/>
+                  </a:schemeClr>
+                </a:solidFill>
+              </a:rPr>
+              <a:t>d</a:t>
+            </a:r>
+            <a:r>
+              <a:rPr kumimoji="1" lang="en-US" altLang="zh-CN" dirty="0" smtClean="0">
+                <a:solidFill>
+                  <a:schemeClr val="bg1">
+                    <a:lumMod val="75000"/>
+                  </a:schemeClr>
+                </a:solidFill>
+              </a:rPr>
+              <a:t>ouble</a:t>
+            </a:r>
+            <a:r>
+              <a:rPr kumimoji="1" lang="zh-CN" altLang="en-US" dirty="0" smtClean="0">
+                <a:solidFill>
+                  <a:schemeClr val="bg1">
+                    <a:lumMod val="75000"/>
+                  </a:schemeClr>
+                </a:solidFill>
+              </a:rPr>
+              <a:t> </a:t>
+            </a:r>
+            <a:r>
+              <a:rPr kumimoji="1" lang="en-US" altLang="zh-CN" dirty="0" smtClean="0">
+                <a:solidFill>
+                  <a:schemeClr val="bg1">
+                    <a:lumMod val="75000"/>
+                  </a:schemeClr>
+                </a:solidFill>
+              </a:rPr>
+              <a:t>buffer</a:t>
+            </a:r>
+            <a:r>
+              <a:rPr kumimoji="1" lang="zh-CN" altLang="en-US" dirty="0" smtClean="0">
+                <a:solidFill>
+                  <a:schemeClr val="bg1">
+                    <a:lumMod val="75000"/>
+                  </a:schemeClr>
+                </a:solidFill>
+              </a:rPr>
+              <a:t> </a:t>
+            </a:r>
+            <a:r>
+              <a:rPr kumimoji="1" lang="en-US" altLang="zh-CN" dirty="0" smtClean="0">
+                <a:solidFill>
+                  <a:schemeClr val="bg1">
+                    <a:lumMod val="75000"/>
+                  </a:schemeClr>
+                </a:solidFill>
+              </a:rPr>
+              <a:t>in</a:t>
+            </a:r>
+            <a:r>
+              <a:rPr kumimoji="1" lang="zh-CN" altLang="en-US" dirty="0" smtClean="0">
+                <a:solidFill>
+                  <a:schemeClr val="bg1">
+                    <a:lumMod val="75000"/>
+                  </a:schemeClr>
+                </a:solidFill>
+              </a:rPr>
+              <a:t> </a:t>
+            </a:r>
+            <a:r>
+              <a:rPr kumimoji="1" lang="en-US" altLang="zh-CN" dirty="0" smtClean="0">
+                <a:solidFill>
+                  <a:schemeClr val="bg1">
+                    <a:lumMod val="75000"/>
+                  </a:schemeClr>
+                </a:solidFill>
+              </a:rPr>
+              <a:t>PostgreSQL</a:t>
+            </a:r>
+            <a:endParaRPr kumimoji="1" lang="en-US" altLang="zh-CN" dirty="0">
+              <a:solidFill>
+                <a:schemeClr val="bg1">
+                  <a:lumMod val="75000"/>
+                </a:schemeClr>
+              </a:solidFill>
+            </a:endParaRPr>
+          </a:p>
+          <a:p>
+            <a:r>
+              <a:rPr kumimoji="1" lang="en-US" altLang="zh-CN" dirty="0">
+                <a:solidFill>
+                  <a:schemeClr val="bg1">
+                    <a:lumMod val="75000"/>
+                  </a:schemeClr>
+                </a:solidFill>
+              </a:rPr>
+              <a:t>c</a:t>
+            </a:r>
+            <a:r>
+              <a:rPr kumimoji="1" lang="en-US" altLang="zh-CN" dirty="0" smtClean="0">
+                <a:solidFill>
+                  <a:schemeClr val="bg1">
+                    <a:lumMod val="75000"/>
+                  </a:schemeClr>
+                </a:solidFill>
+              </a:rPr>
+              <a:t>heckpoint</a:t>
+            </a:r>
+            <a:r>
+              <a:rPr kumimoji="1" lang="zh-CN" altLang="en-US" dirty="0" smtClean="0">
+                <a:solidFill>
+                  <a:schemeClr val="bg1">
+                    <a:lumMod val="75000"/>
+                  </a:schemeClr>
+                </a:solidFill>
+              </a:rPr>
+              <a:t> </a:t>
+            </a:r>
+            <a:r>
+              <a:rPr kumimoji="1" lang="en-US" altLang="zh-CN" dirty="0" smtClean="0">
+                <a:solidFill>
+                  <a:schemeClr val="bg1">
+                    <a:lumMod val="75000"/>
+                  </a:schemeClr>
+                </a:solidFill>
+              </a:rPr>
+              <a:t>in</a:t>
+            </a:r>
+            <a:r>
+              <a:rPr kumimoji="1" lang="zh-CN" altLang="en-US" dirty="0" smtClean="0">
+                <a:solidFill>
+                  <a:schemeClr val="bg1">
+                    <a:lumMod val="75000"/>
+                  </a:schemeClr>
+                </a:solidFill>
+              </a:rPr>
+              <a:t> </a:t>
+            </a:r>
+            <a:r>
+              <a:rPr kumimoji="1" lang="en-US" altLang="zh-CN" dirty="0" smtClean="0">
+                <a:solidFill>
+                  <a:schemeClr val="bg1">
+                    <a:lumMod val="75000"/>
+                  </a:schemeClr>
+                </a:solidFill>
+              </a:rPr>
+              <a:t>PostgreSQL</a:t>
+            </a:r>
+          </a:p>
+          <a:p>
+            <a:r>
+              <a:rPr kumimoji="1" lang="en-US" altLang="zh-CN" dirty="0" err="1"/>
+              <a:t>fsync</a:t>
+            </a:r>
+            <a:r>
+              <a:rPr kumimoji="1" lang="zh-CN" altLang="en-US" dirty="0"/>
+              <a:t> </a:t>
+            </a:r>
+            <a:r>
+              <a:rPr kumimoji="1" lang="en-US" altLang="zh-CN" dirty="0"/>
+              <a:t>in</a:t>
+            </a:r>
+            <a:r>
+              <a:rPr kumimoji="1" lang="zh-CN" altLang="en-US" dirty="0"/>
+              <a:t> </a:t>
+            </a:r>
+            <a:r>
+              <a:rPr kumimoji="1" lang="en-US" altLang="zh-CN" dirty="0" smtClean="0"/>
+              <a:t>PostgreSQL</a:t>
+            </a:r>
+            <a:endParaRPr kumimoji="1" lang="en-US" altLang="zh-CN" dirty="0" smtClean="0"/>
+          </a:p>
+          <a:p>
+            <a:endParaRPr kumimoji="1" lang="en-US" altLang="zh-CN" dirty="0" smtClean="0">
+              <a:solidFill>
+                <a:schemeClr val="bg1">
+                  <a:lumMod val="75000"/>
+                </a:schemeClr>
+              </a:solidFill>
+            </a:endParaRPr>
+          </a:p>
+        </p:txBody>
+      </p:sp>
+    </p:spTree>
+    <p:extLst>
+      <p:ext uri="{BB962C8B-B14F-4D97-AF65-F5344CB8AC3E}">
+        <p14:creationId xmlns:p14="http://schemas.microsoft.com/office/powerpoint/2010/main" val="1695806127"/>
+      </p:ext>
+    </p:extLst>
+  </p:cSld>
+  <p:clrMapOvr>
+    <a:masterClrMapping/>
+  </p:clrMapOvr>
+</p:sld>
+</file>
+
+<file path=ppt/slides/slide14.xml><?xml version="1.0" encoding="utf-8"?>
+<p:sld xmlns:a="http://schemas.openxmlformats.org/drawingml/2006/main" xmlns:r="http://schemas.openxmlformats.org/officeDocument/2006/relationships" xmlns:p="http://schemas.openxmlformats.org/presentationml/2006/main">
+  <p:cSld>
+    <p:spTree>
+      <p:nvGrpSpPr>
+        <p:cNvPr id="1" name=""/>
+        <p:cNvGrpSpPr/>
+        <p:nvPr/>
+      </p:nvGrpSpPr>
+      <p:grpSpPr>
+        <a:xfrm>
+          <a:off x="0" y="0"/>
+          <a:ext cx="0" cy="0"/>
+          <a:chOff x="0" y="0"/>
+          <a:chExt cx="0" cy="0"/>
+        </a:xfrm>
+      </p:grpSpPr>
+      <p:sp>
+        <p:nvSpPr>
+          <p:cNvPr id="2" name="标题 1"/>
+          <p:cNvSpPr>
+            <a:spLocks noGrp="1"/>
+          </p:cNvSpPr>
+          <p:nvPr>
+            <p:ph type="title"/>
+          </p:nvPr>
+        </p:nvSpPr>
+        <p:spPr/>
+        <p:txBody>
+          <a:bodyPr/>
+          <a:lstStyle/>
+          <a:p>
+            <a:r>
+              <a:rPr kumimoji="1" lang="en-US" altLang="zh-CN" dirty="0" err="1" smtClean="0"/>
+              <a:t>fsync</a:t>
+            </a:r>
+            <a:endParaRPr kumimoji="1" lang="zh-CN" altLang="en-US" dirty="0"/>
+          </a:p>
+        </p:txBody>
+      </p:sp>
+      <p:sp>
+        <p:nvSpPr>
+          <p:cNvPr id="4" name="内容占位符 3"/>
+          <p:cNvSpPr>
+            <a:spLocks noGrp="1"/>
+          </p:cNvSpPr>
+          <p:nvPr>
+            <p:ph sz="half" idx="1"/>
+          </p:nvPr>
+        </p:nvSpPr>
+        <p:spPr/>
+        <p:txBody>
+          <a:bodyPr/>
+          <a:lstStyle/>
+          <a:p>
+            <a:endParaRPr kumimoji="1" lang="zh-CN" altLang="en-US"/>
+          </a:p>
+        </p:txBody>
+      </p:sp>
+      <p:sp>
+        <p:nvSpPr>
+          <p:cNvPr id="5" name="内容占位符 4"/>
+          <p:cNvSpPr>
+            <a:spLocks noGrp="1"/>
+          </p:cNvSpPr>
+          <p:nvPr>
+            <p:ph sz="half" idx="2"/>
+          </p:nvPr>
+        </p:nvSpPr>
+        <p:spPr/>
+        <p:txBody>
+          <a:bodyPr/>
+          <a:lstStyle/>
+          <a:p>
+            <a:endParaRPr kumimoji="1" lang="zh-CN" altLang="en-US"/>
+          </a:p>
+        </p:txBody>
+      </p:sp>
+    </p:spTree>
+    <p:extLst>
+      <p:ext uri="{BB962C8B-B14F-4D97-AF65-F5344CB8AC3E}">
+        <p14:creationId xmlns:p14="http://schemas.microsoft.com/office/powerpoint/2010/main" val="59059802"/>
+      </p:ext>
+    </p:extLst>
+  </p:cSld>
+  <p:clrMapOvr>
+    <a:masterClrMapping/>
+  </p:clrMapOvr>
+</p:sld>
+</file>
+
+<file path=ppt/slides/slide15.xml><?xml version="1.0" encoding="utf-8"?>
+<p:sld xmlns:a="http://schemas.openxmlformats.org/drawingml/2006/main" xmlns:r="http://schemas.openxmlformats.org/officeDocument/2006/relationships" xmlns:p="http://schemas.openxmlformats.org/presentationml/2006/main">
+  <p:cSld>
+    <p:spTree>
+      <p:nvGrpSpPr>
+        <p:cNvPr id="1" name=""/>
+        <p:cNvGrpSpPr/>
+        <p:nvPr/>
+      </p:nvGrpSpPr>
+      <p:grpSpPr>
+        <a:xfrm>
+          <a:off x="0" y="0"/>
+          <a:ext cx="0" cy="0"/>
+          <a:chOff x="0" y="0"/>
+          <a:chExt cx="0" cy="0"/>
+        </a:xfrm>
+      </p:grpSpPr>
+      <p:sp>
+        <p:nvSpPr>
+          <p:cNvPr id="2" name="标题 1"/>
+          <p:cNvSpPr>
+            <a:spLocks noGrp="1"/>
+          </p:cNvSpPr>
+          <p:nvPr>
+            <p:ph type="title"/>
+          </p:nvPr>
+        </p:nvSpPr>
+        <p:spPr/>
+        <p:txBody>
+          <a:bodyPr/>
+          <a:lstStyle/>
+          <a:p>
+            <a:r>
+              <a:rPr kumimoji="1" lang="en-US" altLang="zh-CN" dirty="0" smtClean="0"/>
+              <a:t>Links</a:t>
+            </a:r>
+            <a:endParaRPr kumimoji="1" lang="zh-CN" altLang="en-US" dirty="0"/>
+          </a:p>
+        </p:txBody>
+      </p:sp>
+      <p:sp>
+        <p:nvSpPr>
+          <p:cNvPr id="3" name="内容占位符 2"/>
+          <p:cNvSpPr>
+            <a:spLocks noGrp="1"/>
+          </p:cNvSpPr>
+          <p:nvPr>
+            <p:ph idx="1"/>
+          </p:nvPr>
+        </p:nvSpPr>
+        <p:spPr/>
+        <p:txBody>
+          <a:bodyPr/>
+          <a:lstStyle/>
+          <a:p>
+            <a:endParaRPr kumimoji="1" lang="zh-CN" altLang="en-US"/>
+          </a:p>
+        </p:txBody>
+      </p:sp>
+    </p:spTree>
+    <p:extLst>
+      <p:ext uri="{BB962C8B-B14F-4D97-AF65-F5344CB8AC3E}">
+        <p14:creationId xmlns:p14="http://schemas.microsoft.com/office/powerpoint/2010/main" val="728422877"/>
+      </p:ext>
+    </p:extLst>
+  </p:cSld>
+  <p:clrMapOvr>
+    <a:masterClrMapping/>
+  </p:clrMapOvr>
+</p:sld>
+</file>
+
+<file path=ppt/slides/slide16.xml><?xml version="1.0" encoding="utf-8"?>
+<p:sld xmlns:a="http://schemas.openxmlformats.org/drawingml/2006/main" xmlns:r="http://schemas.openxmlformats.org/officeDocument/2006/relationships" xmlns:p="http://schemas.openxmlformats.org/presentationml/2006/main">
+  <p:cSld>
+    <p:spTree>
+      <p:nvGrpSpPr>
+        <p:cNvPr id="1" name=""/>
+        <p:cNvGrpSpPr/>
+        <p:nvPr/>
+      </p:nvGrpSpPr>
+      <p:grpSpPr>
+        <a:xfrm>
+          <a:off x="0" y="0"/>
+          <a:ext cx="0" cy="0"/>
+          <a:chOff x="0" y="0"/>
+          <a:chExt cx="0" cy="0"/>
+        </a:xfrm>
+      </p:grpSpPr>
+      <p:sp>
+        <p:nvSpPr>
+          <p:cNvPr id="2" name="标题 1"/>
+          <p:cNvSpPr>
+            <a:spLocks noGrp="1"/>
+          </p:cNvSpPr>
+          <p:nvPr>
+            <p:ph type="title"/>
+          </p:nvPr>
+        </p:nvSpPr>
+        <p:spPr/>
+        <p:txBody>
+          <a:bodyPr/>
+          <a:lstStyle/>
+          <a:p>
+            <a:r>
+              <a:rPr kumimoji="1" lang="en-US" altLang="zh-CN" dirty="0" smtClean="0"/>
+              <a:t>Thanks</a:t>
+            </a:r>
+            <a:endParaRPr kumimoji="1" lang="zh-CN" altLang="en-US" dirty="0"/>
+          </a:p>
+        </p:txBody>
+      </p:sp>
+      <p:sp>
+        <p:nvSpPr>
+          <p:cNvPr id="3" name="内容占位符 2"/>
+          <p:cNvSpPr>
+            <a:spLocks noGrp="1"/>
+          </p:cNvSpPr>
+          <p:nvPr>
+            <p:ph idx="1"/>
+          </p:nvPr>
+        </p:nvSpPr>
+        <p:spPr/>
+        <p:txBody>
+          <a:bodyPr/>
+          <a:lstStyle/>
+          <a:p>
+            <a:endParaRPr kumimoji="1" lang="zh-CN" altLang="en-US" dirty="0"/>
+          </a:p>
+        </p:txBody>
+      </p:sp>
+    </p:spTree>
+    <p:extLst>
+      <p:ext uri="{BB962C8B-B14F-4D97-AF65-F5344CB8AC3E}">
+        <p14:creationId xmlns:p14="http://schemas.microsoft.com/office/powerpoint/2010/main" val="1550735716"/>
       </p:ext>
     </p:extLst>
   </p:cSld>
@@ -3553,119 +4681,8 @@
           <a:lstStyle/>
           <a:p>
             <a:r>
-              <a:rPr lang="en-US" altLang="zh-CN" dirty="0" smtClean="0"/>
+              <a:rPr kumimoji="1" lang="en-US" altLang="zh-CN" dirty="0" smtClean="0"/>
               <a:t>Double</a:t>
-            </a:r>
-            <a:r>
-              <a:rPr lang="zh-CN" altLang="en-US" dirty="0" smtClean="0"/>
-              <a:t> </a:t>
-            </a:r>
-            <a:r>
-              <a:rPr lang="en-US" altLang="zh-CN" dirty="0" smtClean="0"/>
-              <a:t>Buffer</a:t>
-            </a:r>
-            <a:r>
-              <a:rPr lang="zh-CN" altLang="en-US" dirty="0" smtClean="0"/>
-              <a:t>问题</a:t>
-            </a:r>
-            <a:endParaRPr lang="en-US" altLang="zh-CN" dirty="0" smtClean="0"/>
-          </a:p>
-          <a:p>
-            <a:r>
-              <a:rPr lang="en-US" altLang="zh-CN" dirty="0" err="1" smtClean="0"/>
-              <a:t>Shared_buffer</a:t>
-            </a:r>
-            <a:r>
-              <a:rPr lang="zh-CN" altLang="en-US" dirty="0" smtClean="0"/>
-              <a:t>结构</a:t>
-            </a:r>
-            <a:endParaRPr lang="en-US" altLang="zh-CN" dirty="0" smtClean="0"/>
-          </a:p>
-          <a:p>
-            <a:r>
-              <a:rPr kumimoji="1" lang="zh-CN" altLang="en-US" dirty="0" smtClean="0"/>
-              <a:t>读</a:t>
-            </a:r>
-            <a:endParaRPr kumimoji="1" lang="en-US" altLang="zh-CN" dirty="0" smtClean="0"/>
-          </a:p>
-          <a:p>
-            <a:pPr lvl="1"/>
-            <a:r>
-              <a:rPr lang="en-US" altLang="zh-CN" dirty="0" err="1" smtClean="0"/>
-              <a:t>BufFreeList</a:t>
-            </a:r>
-            <a:r>
-              <a:rPr lang="en-US" altLang="zh-CN" dirty="0" smtClean="0"/>
-              <a:t> </a:t>
-            </a:r>
-            <a:r>
-              <a:rPr lang="en-US" altLang="zh-CN" dirty="0" err="1" smtClean="0"/>
-              <a:t>LWLock</a:t>
-            </a:r>
-            <a:endParaRPr kumimoji="1" lang="en-US" altLang="zh-CN" dirty="0" smtClean="0"/>
-          </a:p>
-          <a:p>
-            <a:pPr lvl="1"/>
-            <a:r>
-              <a:rPr lang="en-US" altLang="zh-CN" dirty="0" err="1" smtClean="0"/>
-              <a:t>Hashtable</a:t>
-            </a:r>
-            <a:r>
-              <a:rPr lang="zh-CN" altLang="en-US" dirty="0"/>
-              <a:t> </a:t>
-            </a:r>
-            <a:r>
-              <a:rPr lang="en-US" altLang="zh-CN" dirty="0" err="1" smtClean="0"/>
-              <a:t>LWLock</a:t>
-            </a:r>
-            <a:endParaRPr lang="en-US" altLang="zh-CN" dirty="0" smtClean="0"/>
-          </a:p>
-          <a:p>
-            <a:r>
-              <a:rPr lang="zh-CN" altLang="en-US" smtClean="0"/>
-              <a:t>写</a:t>
-            </a:r>
-            <a:endParaRPr lang="en-US" altLang="zh-CN" dirty="0" smtClean="0"/>
-          </a:p>
-          <a:p>
-            <a:pPr lvl="1"/>
-            <a:r>
-              <a:rPr lang="zh-CN" altLang="en-US" dirty="0" smtClean="0"/>
-              <a:t>刷盘：</a:t>
-            </a:r>
-            <a:r>
-              <a:rPr lang="en-US" altLang="zh-CN" dirty="0" err="1" smtClean="0"/>
-              <a:t>sync_file_range</a:t>
-            </a:r>
-            <a:r>
-              <a:rPr lang="en-US" altLang="zh-CN" dirty="0" smtClean="0"/>
-              <a:t> </a:t>
-            </a:r>
-            <a:r>
-              <a:rPr lang="zh-CN" altLang="en-US" dirty="0" smtClean="0"/>
-              <a:t>；</a:t>
-            </a:r>
-            <a:r>
-              <a:rPr lang="en-US" altLang="zh-CN" dirty="0" smtClean="0"/>
-              <a:t>CHECKPOINT</a:t>
-            </a:r>
-            <a:r>
-              <a:rPr lang="zh-CN" altLang="en-US" dirty="0" smtClean="0"/>
-              <a:t>的平滑优化</a:t>
-            </a:r>
-            <a:endParaRPr lang="en-US" altLang="zh-CN" dirty="0" smtClean="0">
-              <a:effectLst/>
-            </a:endParaRPr>
-          </a:p>
-          <a:p>
-            <a:pPr lvl="1"/>
-            <a:r>
-              <a:rPr kumimoji="1" lang="zh-CN" altLang="en-US" dirty="0" smtClean="0"/>
-              <a:t>淘汰：</a:t>
-            </a:r>
-            <a:r>
-              <a:rPr kumimoji="1" lang="en-US" altLang="zh-CN" dirty="0" smtClean="0"/>
-              <a:t>Clock</a:t>
             </a:r>
             <a:r>
               <a:rPr kumimoji="1" lang="zh-CN" altLang="en-US" dirty="0" smtClean="0"/>
@@ -3673,19 +4690,42 @@
             </a:r>
             <a:r>
               <a:rPr kumimoji="1" lang="en-US" altLang="zh-CN" dirty="0" smtClean="0"/>
-              <a:t>swap</a:t>
+              <a:t>buffer</a:t>
             </a:r>
             <a:r>
               <a:rPr kumimoji="1" lang="zh-CN" altLang="en-US" dirty="0" smtClean="0"/>
-              <a:t>的锁竞争</a:t>
-            </a:r>
-            <a:endParaRPr kumimoji="1" lang="en-US" altLang="zh-CN" dirty="0" smtClean="0"/>
-          </a:p>
-          <a:p>
-            <a:pPr lvl="1"/>
-            <a:endParaRPr kumimoji="1" lang="en-US" altLang="zh-CN" dirty="0" smtClean="0"/>
-          </a:p>
-          <a:p>
+              <a:t> </a:t>
+            </a:r>
+            <a:r>
+              <a:rPr kumimoji="1" lang="en-US" altLang="zh-CN" dirty="0" smtClean="0"/>
+              <a:t>in</a:t>
+            </a:r>
+            <a:r>
+              <a:rPr kumimoji="1" lang="zh-CN" altLang="en-US" dirty="0" smtClean="0"/>
+              <a:t> </a:t>
+            </a:r>
+            <a:r>
+              <a:rPr kumimoji="1" lang="en-US" altLang="zh-CN" dirty="0" smtClean="0"/>
+              <a:t>PostgreSQL</a:t>
+            </a:r>
+            <a:endParaRPr kumimoji="1" lang="en-US" altLang="zh-CN" dirty="0"/>
+          </a:p>
+          <a:p>
+            <a:r>
+              <a:rPr kumimoji="1" lang="en-US" altLang="zh-CN" dirty="0" err="1" smtClean="0"/>
+              <a:t>data_sync_retry</a:t>
+            </a:r>
+            <a:endParaRPr kumimoji="1" lang="en-US" altLang="zh-CN" dirty="0"/>
+          </a:p>
+          <a:p>
+            <a:r>
+              <a:rPr kumimoji="1" lang="en-US" altLang="zh-CN" dirty="0" err="1" smtClean="0"/>
+              <a:t>s</a:t>
+            </a:r>
+            <a:r>
+              <a:rPr kumimoji="1" lang="en-US" altLang="zh-CN" dirty="0" err="1" smtClean="0"/>
+              <a:t>ync_file_range</a:t>
+            </a:r>
             <a:endParaRPr kumimoji="1" lang="en-US" altLang="zh-CN" dirty="0" smtClean="0"/>
           </a:p>
           <a:p>
@@ -3697,6 +4737,957 @@
     <p:extLst>
       <p:ext uri="{BB962C8B-B14F-4D97-AF65-F5344CB8AC3E}">
         <p14:creationId xmlns:p14="http://schemas.microsoft.com/office/powerpoint/2010/main" val="263371279"/>
+      </p:ext>
+    </p:extLst>
+  </p:cSld>
+  <p:clrMapOvr>
+    <a:masterClrMapping/>
+  </p:clrMapOvr>
+</p:sld>
+</file>
+
+<file path=ppt/slides/slide3.xml><?xml version="1.0" encoding="utf-8"?>
+<p:sld xmlns:a="http://schemas.openxmlformats.org/drawingml/2006/main" xmlns:r="http://schemas.openxmlformats.org/officeDocument/2006/relationships" xmlns:p="http://schemas.openxmlformats.org/presentationml/2006/main">
+  <p:cSld>
+    <p:spTree>
+      <p:nvGrpSpPr>
+        <p:cNvPr id="1" name=""/>
+        <p:cNvGrpSpPr/>
+        <p:nvPr/>
+      </p:nvGrpSpPr>
+      <p:grpSpPr>
+        <a:xfrm>
+          <a:off x="0" y="0"/>
+          <a:ext cx="0" cy="0"/>
+          <a:chOff x="0" y="0"/>
+          <a:chExt cx="0" cy="0"/>
+        </a:xfrm>
+      </p:grpSpPr>
+      <p:sp>
+        <p:nvSpPr>
+          <p:cNvPr id="2" name="标题 1"/>
+          <p:cNvSpPr>
+            <a:spLocks noGrp="1"/>
+          </p:cNvSpPr>
+          <p:nvPr>
+            <p:ph type="title"/>
+          </p:nvPr>
+        </p:nvSpPr>
+        <p:spPr/>
+        <p:txBody>
+          <a:bodyPr/>
+          <a:lstStyle/>
+          <a:p>
+            <a:r>
+              <a:rPr kumimoji="1" lang="en-US" altLang="zh-CN" dirty="0" smtClean="0"/>
+              <a:t>outline</a:t>
+            </a:r>
+            <a:endParaRPr kumimoji="1" lang="zh-CN" altLang="en-US" dirty="0"/>
+          </a:p>
+        </p:txBody>
+      </p:sp>
+      <p:sp>
+        <p:nvSpPr>
+          <p:cNvPr id="3" name="内容占位符 2"/>
+          <p:cNvSpPr>
+            <a:spLocks noGrp="1"/>
+          </p:cNvSpPr>
+          <p:nvPr>
+            <p:ph idx="1"/>
+          </p:nvPr>
+        </p:nvSpPr>
+        <p:spPr/>
+        <p:txBody>
+          <a:bodyPr/>
+          <a:lstStyle/>
+          <a:p>
+            <a:r>
+              <a:rPr kumimoji="1" lang="en-US" altLang="zh-CN" dirty="0"/>
+              <a:t>double</a:t>
+            </a:r>
+            <a:r>
+              <a:rPr kumimoji="1" lang="zh-CN" altLang="en-US" dirty="0"/>
+              <a:t> </a:t>
+            </a:r>
+            <a:r>
+              <a:rPr kumimoji="1" lang="en-US" altLang="zh-CN" dirty="0"/>
+              <a:t>buffer</a:t>
+            </a:r>
+            <a:r>
+              <a:rPr kumimoji="1" lang="zh-CN" altLang="en-US" dirty="0"/>
+              <a:t> </a:t>
+            </a:r>
+            <a:r>
+              <a:rPr kumimoji="1" lang="en-US" altLang="zh-CN" dirty="0"/>
+              <a:t>in</a:t>
+            </a:r>
+            <a:r>
+              <a:rPr kumimoji="1" lang="zh-CN" altLang="en-US" dirty="0"/>
+              <a:t> </a:t>
+            </a:r>
+            <a:r>
+              <a:rPr kumimoji="1" lang="en-US" altLang="zh-CN" dirty="0"/>
+              <a:t>PostgreSQL</a:t>
+            </a:r>
+          </a:p>
+          <a:p>
+            <a:r>
+              <a:rPr kumimoji="1" lang="en-US" altLang="zh-CN" dirty="0">
+                <a:solidFill>
+                  <a:schemeClr val="bg1">
+                    <a:lumMod val="75000"/>
+                  </a:schemeClr>
+                </a:solidFill>
+              </a:rPr>
+              <a:t>checkpoint</a:t>
+            </a:r>
+            <a:r>
+              <a:rPr kumimoji="1" lang="zh-CN" altLang="en-US" dirty="0">
+                <a:solidFill>
+                  <a:schemeClr val="bg1">
+                    <a:lumMod val="75000"/>
+                  </a:schemeClr>
+                </a:solidFill>
+              </a:rPr>
+              <a:t> </a:t>
+            </a:r>
+            <a:r>
+              <a:rPr kumimoji="1" lang="en-US" altLang="zh-CN" dirty="0">
+                <a:solidFill>
+                  <a:schemeClr val="bg1">
+                    <a:lumMod val="75000"/>
+                  </a:schemeClr>
+                </a:solidFill>
+              </a:rPr>
+              <a:t>in</a:t>
+            </a:r>
+            <a:r>
+              <a:rPr kumimoji="1" lang="zh-CN" altLang="en-US" dirty="0">
+                <a:solidFill>
+                  <a:schemeClr val="bg1">
+                    <a:lumMod val="75000"/>
+                  </a:schemeClr>
+                </a:solidFill>
+              </a:rPr>
+              <a:t> </a:t>
+            </a:r>
+            <a:r>
+              <a:rPr kumimoji="1" lang="en-US" altLang="zh-CN" dirty="0">
+                <a:solidFill>
+                  <a:schemeClr val="bg1">
+                    <a:lumMod val="75000"/>
+                  </a:schemeClr>
+                </a:solidFill>
+              </a:rPr>
+              <a:t>PostgreSQL</a:t>
+            </a:r>
+          </a:p>
+          <a:p>
+            <a:r>
+              <a:rPr kumimoji="1" lang="en-US" altLang="zh-CN" dirty="0" err="1">
+                <a:solidFill>
+                  <a:schemeClr val="bg1">
+                    <a:lumMod val="75000"/>
+                  </a:schemeClr>
+                </a:solidFill>
+              </a:rPr>
+              <a:t>fsync</a:t>
+            </a:r>
+            <a:r>
+              <a:rPr kumimoji="1" lang="zh-CN" altLang="en-US" dirty="0">
+                <a:solidFill>
+                  <a:schemeClr val="bg1">
+                    <a:lumMod val="75000"/>
+                  </a:schemeClr>
+                </a:solidFill>
+              </a:rPr>
+              <a:t> </a:t>
+            </a:r>
+            <a:r>
+              <a:rPr kumimoji="1" lang="en-US" altLang="zh-CN" dirty="0">
+                <a:solidFill>
+                  <a:schemeClr val="bg1">
+                    <a:lumMod val="75000"/>
+                  </a:schemeClr>
+                </a:solidFill>
+              </a:rPr>
+              <a:t>in</a:t>
+            </a:r>
+            <a:r>
+              <a:rPr kumimoji="1" lang="zh-CN" altLang="en-US" dirty="0">
+                <a:solidFill>
+                  <a:schemeClr val="bg1">
+                    <a:lumMod val="75000"/>
+                  </a:schemeClr>
+                </a:solidFill>
+              </a:rPr>
+              <a:t> </a:t>
+            </a:r>
+            <a:r>
+              <a:rPr kumimoji="1" lang="en-US" altLang="zh-CN" dirty="0" smtClean="0">
+                <a:solidFill>
+                  <a:schemeClr val="bg1">
+                    <a:lumMod val="75000"/>
+                  </a:schemeClr>
+                </a:solidFill>
+              </a:rPr>
+              <a:t>PostgreSQL</a:t>
+            </a:r>
+            <a:endParaRPr kumimoji="1" lang="en-US" altLang="zh-CN" dirty="0">
+              <a:solidFill>
+                <a:schemeClr val="bg1">
+                  <a:lumMod val="75000"/>
+                </a:schemeClr>
+              </a:solidFill>
+            </a:endParaRPr>
+          </a:p>
+        </p:txBody>
+      </p:sp>
+    </p:spTree>
+    <p:extLst>
+      <p:ext uri="{BB962C8B-B14F-4D97-AF65-F5344CB8AC3E}">
+        <p14:creationId xmlns:p14="http://schemas.microsoft.com/office/powerpoint/2010/main" val="1023093213"/>
+      </p:ext>
+    </p:extLst>
+  </p:cSld>
+  <p:clrMapOvr>
+    <a:masterClrMapping/>
+  </p:clrMapOvr>
+</p:sld>
+</file>
+
+<file path=ppt/slides/slide4.xml><?xml version="1.0" encoding="utf-8"?>
+<p:sld xmlns:a="http://schemas.openxmlformats.org/drawingml/2006/main" xmlns:r="http://schemas.openxmlformats.org/officeDocument/2006/relationships" xmlns:p="http://schemas.openxmlformats.org/presentationml/2006/main">
+  <p:cSld>
+    <p:spTree>
+      <p:nvGrpSpPr>
+        <p:cNvPr id="1" name=""/>
+        <p:cNvGrpSpPr/>
+        <p:nvPr/>
+      </p:nvGrpSpPr>
+      <p:grpSpPr>
+        <a:xfrm>
+          <a:off x="0" y="0"/>
+          <a:ext cx="0" cy="0"/>
+          <a:chOff x="0" y="0"/>
+          <a:chExt cx="0" cy="0"/>
+        </a:xfrm>
+      </p:grpSpPr>
+      <p:sp>
+        <p:nvSpPr>
+          <p:cNvPr id="2" name="标题 1"/>
+          <p:cNvSpPr>
+            <a:spLocks noGrp="1"/>
+          </p:cNvSpPr>
+          <p:nvPr>
+            <p:ph type="title"/>
+          </p:nvPr>
+        </p:nvSpPr>
+        <p:spPr/>
+        <p:txBody>
+          <a:bodyPr/>
+          <a:lstStyle/>
+          <a:p>
+            <a:r>
+              <a:rPr kumimoji="1" lang="en-US" altLang="zh-CN" dirty="0" smtClean="0"/>
+              <a:t>Linux</a:t>
+            </a:r>
+            <a:r>
+              <a:rPr kumimoji="1" lang="zh-CN" altLang="en-US" dirty="0" smtClean="0"/>
+              <a:t> </a:t>
+            </a:r>
+            <a:r>
+              <a:rPr kumimoji="1" lang="en-US" altLang="zh-CN" dirty="0" smtClean="0"/>
+              <a:t>File</a:t>
+            </a:r>
+            <a:r>
+              <a:rPr kumimoji="1" lang="zh-CN" altLang="en-US" dirty="0" smtClean="0"/>
+              <a:t> </a:t>
+            </a:r>
+            <a:r>
+              <a:rPr kumimoji="1" lang="en-US" altLang="zh-CN" dirty="0" smtClean="0"/>
+              <a:t>I/O</a:t>
+            </a:r>
+            <a:endParaRPr kumimoji="1" lang="zh-CN" altLang="en-US" dirty="0"/>
+          </a:p>
+        </p:txBody>
+      </p:sp>
+      <p:sp>
+        <p:nvSpPr>
+          <p:cNvPr id="4" name="内容占位符 3"/>
+          <p:cNvSpPr>
+            <a:spLocks noGrp="1"/>
+          </p:cNvSpPr>
+          <p:nvPr>
+            <p:ph sz="half" idx="2"/>
+          </p:nvPr>
+        </p:nvSpPr>
+        <p:spPr/>
+        <p:txBody>
+          <a:bodyPr/>
+          <a:lstStyle/>
+          <a:p>
+            <a:r>
+              <a:rPr kumimoji="1" lang="en-US" altLang="zh-CN" b="1" dirty="0" smtClean="0"/>
+              <a:t>DIRECT</a:t>
+            </a:r>
+            <a:r>
+              <a:rPr kumimoji="1" lang="zh-CN" altLang="en-US" b="1" dirty="0" smtClean="0"/>
+              <a:t> </a:t>
+            </a:r>
+            <a:r>
+              <a:rPr kumimoji="1" lang="en-US" altLang="zh-CN" b="1" dirty="0" smtClean="0"/>
+              <a:t>I/O</a:t>
+            </a:r>
+          </a:p>
+          <a:p>
+            <a:r>
+              <a:rPr kumimoji="1" lang="en-US" altLang="zh-CN" b="1" dirty="0" smtClean="0"/>
+              <a:t>BUFFER</a:t>
+            </a:r>
+            <a:r>
+              <a:rPr kumimoji="1" lang="zh-CN" altLang="en-US" b="1" dirty="0" smtClean="0"/>
+              <a:t> </a:t>
+            </a:r>
+            <a:r>
+              <a:rPr kumimoji="1" lang="en-US" altLang="zh-CN" b="1" dirty="0" smtClean="0"/>
+              <a:t>I/O</a:t>
+            </a:r>
+          </a:p>
+          <a:p>
+            <a:r>
+              <a:rPr lang="en-US" altLang="zh-CN" b="1" dirty="0"/>
+              <a:t>Synchronized </a:t>
+            </a:r>
+            <a:r>
+              <a:rPr lang="en-US" altLang="zh-CN" b="1" dirty="0" smtClean="0"/>
+              <a:t>I/O</a:t>
+            </a:r>
+            <a:endParaRPr kumimoji="1" lang="en-US" altLang="zh-CN" b="1" dirty="0" smtClean="0"/>
+          </a:p>
+          <a:p>
+            <a:r>
+              <a:rPr kumimoji="1" lang="en-US" altLang="zh-CN" b="1" dirty="0" smtClean="0"/>
+              <a:t>-----------------------</a:t>
+            </a:r>
+          </a:p>
+          <a:p>
+            <a:r>
+              <a:rPr kumimoji="1" lang="en-US" altLang="zh-CN" b="1" dirty="0" smtClean="0"/>
+              <a:t>Block</a:t>
+            </a:r>
+            <a:r>
+              <a:rPr kumimoji="1" lang="zh-CN" altLang="en-US" b="1" dirty="0" smtClean="0"/>
+              <a:t> </a:t>
+            </a:r>
+            <a:r>
+              <a:rPr kumimoji="1" lang="en-US" altLang="zh-CN" b="1" dirty="0" smtClean="0"/>
+              <a:t>storage</a:t>
+            </a:r>
+          </a:p>
+          <a:p>
+            <a:r>
+              <a:rPr kumimoji="1" lang="en-US" altLang="zh-CN" b="1" dirty="0" smtClean="0"/>
+              <a:t>File</a:t>
+            </a:r>
+            <a:r>
+              <a:rPr kumimoji="1" lang="zh-CN" altLang="en-US" b="1" dirty="0" smtClean="0"/>
+              <a:t> </a:t>
+            </a:r>
+            <a:r>
+              <a:rPr kumimoji="1" lang="en-US" altLang="zh-CN" b="1" dirty="0" smtClean="0"/>
+              <a:t>storage</a:t>
+            </a:r>
+          </a:p>
+          <a:p>
+            <a:r>
+              <a:rPr kumimoji="1" lang="en-US" altLang="zh-CN" b="1" dirty="0" smtClean="0"/>
+              <a:t>Object</a:t>
+            </a:r>
+            <a:r>
+              <a:rPr kumimoji="1" lang="zh-CN" altLang="en-US" b="1" dirty="0" smtClean="0"/>
+              <a:t> </a:t>
+            </a:r>
+            <a:r>
+              <a:rPr kumimoji="1" lang="en-US" altLang="zh-CN" b="1" dirty="0" smtClean="0"/>
+              <a:t>storage</a:t>
+            </a:r>
+          </a:p>
+        </p:txBody>
+      </p:sp>
+      <p:pic>
+        <p:nvPicPr>
+          <p:cNvPr id="9" name="内容占位符 8"/>
+          <p:cNvPicPr>
+            <a:picLocks noGrp="1" noChangeAspect="1"/>
+          </p:cNvPicPr>
+          <p:nvPr>
+            <p:ph sz="half" idx="1"/>
+          </p:nvPr>
+        </p:nvPicPr>
+        <p:blipFill>
+          <a:blip r:embed="rId3"/>
+          <a:stretch>
+            <a:fillRect/>
+          </a:stretch>
+        </p:blipFill>
+        <p:spPr>
+          <a:xfrm>
+            <a:off x="183620" y="1690688"/>
+            <a:ext cx="5988580" cy="4263675"/>
+          </a:xfrm>
+          <a:prstGeom prst="rect">
+            <a:avLst/>
+          </a:prstGeom>
+        </p:spPr>
+      </p:pic>
+    </p:spTree>
+    <p:extLst>
+      <p:ext uri="{BB962C8B-B14F-4D97-AF65-F5344CB8AC3E}">
+        <p14:creationId xmlns:p14="http://schemas.microsoft.com/office/powerpoint/2010/main" val="1848950178"/>
+      </p:ext>
+    </p:extLst>
+  </p:cSld>
+  <p:clrMapOvr>
+    <a:masterClrMapping/>
+  </p:clrMapOvr>
+</p:sld>
+</file>
+
+<file path=ppt/slides/slide5.xml><?xml version="1.0" encoding="utf-8"?>
+<p:sld xmlns:a="http://schemas.openxmlformats.org/drawingml/2006/main" xmlns:r="http://schemas.openxmlformats.org/officeDocument/2006/relationships" xmlns:p="http://schemas.openxmlformats.org/presentationml/2006/main">
+  <p:cSld>
+    <p:spTree>
+      <p:nvGrpSpPr>
+        <p:cNvPr id="1" name=""/>
+        <p:cNvGrpSpPr/>
+        <p:nvPr/>
+      </p:nvGrpSpPr>
+      <p:grpSpPr>
+        <a:xfrm>
+          <a:off x="0" y="0"/>
+          <a:ext cx="0" cy="0"/>
+          <a:chOff x="0" y="0"/>
+          <a:chExt cx="0" cy="0"/>
+        </a:xfrm>
+      </p:grpSpPr>
+      <p:sp>
+        <p:nvSpPr>
+          <p:cNvPr id="2" name="标题 1"/>
+          <p:cNvSpPr>
+            <a:spLocks noGrp="1"/>
+          </p:cNvSpPr>
+          <p:nvPr>
+            <p:ph type="title"/>
+          </p:nvPr>
+        </p:nvSpPr>
+        <p:spPr/>
+        <p:txBody>
+          <a:bodyPr/>
+          <a:lstStyle/>
+          <a:p>
+            <a:r>
+              <a:rPr kumimoji="1" lang="zh-CN" altLang="en-US" dirty="0" smtClean="0"/>
+              <a:t>对</a:t>
+            </a:r>
+            <a:r>
+              <a:rPr kumimoji="1" lang="en-US" altLang="zh-CN" dirty="0" smtClean="0"/>
+              <a:t>Db</a:t>
+            </a:r>
+            <a:r>
+              <a:rPr kumimoji="1" lang="zh-CN" altLang="en-US" dirty="0" smtClean="0"/>
+              <a:t>应用来说呢？</a:t>
+            </a:r>
+            <a:endParaRPr kumimoji="1" lang="zh-CN" altLang="en-US" dirty="0"/>
+          </a:p>
+        </p:txBody>
+      </p:sp>
+      <p:pic>
+        <p:nvPicPr>
+          <p:cNvPr id="6" name="内容占位符 5"/>
+          <p:cNvPicPr>
+            <a:picLocks noGrp="1" noChangeAspect="1"/>
+          </p:cNvPicPr>
+          <p:nvPr>
+            <p:ph sz="half" idx="2"/>
+          </p:nvPr>
+        </p:nvPicPr>
+        <p:blipFill>
+          <a:blip r:embed="rId2"/>
+          <a:stretch>
+            <a:fillRect/>
+          </a:stretch>
+        </p:blipFill>
+        <p:spPr>
+          <a:xfrm>
+            <a:off x="7142945" y="1825625"/>
+            <a:ext cx="3240109" cy="4351338"/>
+          </a:xfrm>
+          <a:prstGeom prst="rect">
+            <a:avLst/>
+          </a:prstGeom>
+        </p:spPr>
+      </p:pic>
+      <p:pic>
+        <p:nvPicPr>
+          <p:cNvPr id="11" name="内容占位符 10"/>
+          <p:cNvPicPr>
+            <a:picLocks noGrp="1" noChangeAspect="1"/>
+          </p:cNvPicPr>
+          <p:nvPr>
+            <p:ph sz="half" idx="1"/>
+          </p:nvPr>
+        </p:nvPicPr>
+        <p:blipFill>
+          <a:blip r:embed="rId3"/>
+          <a:stretch>
+            <a:fillRect/>
+          </a:stretch>
+        </p:blipFill>
+        <p:spPr>
+          <a:xfrm>
+            <a:off x="1732324" y="1825625"/>
+            <a:ext cx="3393351" cy="4351338"/>
+          </a:xfrm>
+          <a:prstGeom prst="rect">
+            <a:avLst/>
+          </a:prstGeom>
+        </p:spPr>
+      </p:pic>
+    </p:spTree>
+    <p:extLst>
+      <p:ext uri="{BB962C8B-B14F-4D97-AF65-F5344CB8AC3E}">
+        <p14:creationId xmlns:p14="http://schemas.microsoft.com/office/powerpoint/2010/main" val="1393019265"/>
+      </p:ext>
+    </p:extLst>
+  </p:cSld>
+  <p:clrMapOvr>
+    <a:masterClrMapping/>
+  </p:clrMapOvr>
+</p:sld>
+</file>
+
+<file path=ppt/slides/slide6.xml><?xml version="1.0" encoding="utf-8"?>
+<p:sld xmlns:a="http://schemas.openxmlformats.org/drawingml/2006/main" xmlns:r="http://schemas.openxmlformats.org/officeDocument/2006/relationships" xmlns:p="http://schemas.openxmlformats.org/presentationml/2006/main">
+  <p:cSld>
+    <p:spTree>
+      <p:nvGrpSpPr>
+        <p:cNvPr id="1" name=""/>
+        <p:cNvGrpSpPr/>
+        <p:nvPr/>
+      </p:nvGrpSpPr>
+      <p:grpSpPr>
+        <a:xfrm>
+          <a:off x="0" y="0"/>
+          <a:ext cx="0" cy="0"/>
+          <a:chOff x="0" y="0"/>
+          <a:chExt cx="0" cy="0"/>
+        </a:xfrm>
+      </p:grpSpPr>
+      <p:sp>
+        <p:nvSpPr>
+          <p:cNvPr id="2" name="标题 1"/>
+          <p:cNvSpPr>
+            <a:spLocks noGrp="1"/>
+          </p:cNvSpPr>
+          <p:nvPr>
+            <p:ph type="title"/>
+          </p:nvPr>
+        </p:nvSpPr>
+        <p:spPr/>
+        <p:txBody>
+          <a:bodyPr/>
+          <a:lstStyle/>
+          <a:p>
+            <a:pPr algn="ctr"/>
+            <a:r>
+              <a:rPr kumimoji="1" lang="en-US" altLang="zh-CN" dirty="0"/>
+              <a:t>PostgreSQL</a:t>
+            </a:r>
+            <a:r>
+              <a:rPr kumimoji="1" lang="zh-CN" altLang="en-US" dirty="0"/>
+              <a:t>为什么这么设计</a:t>
+            </a:r>
+            <a:r>
+              <a:rPr kumimoji="1" lang="zh-CN" altLang="en-US" dirty="0" smtClean="0"/>
+              <a:t>？</a:t>
+            </a:r>
+            <a:r>
+              <a:rPr kumimoji="1" lang="en-US" altLang="zh-CN" dirty="0" smtClean="0"/>
+              <a:t/>
+            </a:r>
+            <a:br>
+              <a:rPr kumimoji="1" lang="en-US" altLang="zh-CN" dirty="0" smtClean="0"/>
+            </a:br>
+            <a:endParaRPr kumimoji="1" lang="zh-CN" altLang="en-US" dirty="0"/>
+          </a:p>
+        </p:txBody>
+      </p:sp>
+    </p:spTree>
+    <p:extLst>
+      <p:ext uri="{BB962C8B-B14F-4D97-AF65-F5344CB8AC3E}">
+        <p14:creationId xmlns:p14="http://schemas.microsoft.com/office/powerpoint/2010/main" val="995632508"/>
+      </p:ext>
+    </p:extLst>
+  </p:cSld>
+  <p:clrMapOvr>
+    <a:masterClrMapping/>
+  </p:clrMapOvr>
+</p:sld>
+</file>
+
+<file path=ppt/slides/slide7.xml><?xml version="1.0" encoding="utf-8"?>
+<p:sld xmlns:a="http://schemas.openxmlformats.org/drawingml/2006/main" xmlns:r="http://schemas.openxmlformats.org/officeDocument/2006/relationships" xmlns:p="http://schemas.openxmlformats.org/presentationml/2006/main">
+  <p:cSld>
+    <p:spTree>
+      <p:nvGrpSpPr>
+        <p:cNvPr id="1" name=""/>
+        <p:cNvGrpSpPr/>
+        <p:nvPr/>
+      </p:nvGrpSpPr>
+      <p:grpSpPr>
+        <a:xfrm>
+          <a:off x="0" y="0"/>
+          <a:ext cx="0" cy="0"/>
+          <a:chOff x="0" y="0"/>
+          <a:chExt cx="0" cy="0"/>
+        </a:xfrm>
+      </p:grpSpPr>
+      <p:sp>
+        <p:nvSpPr>
+          <p:cNvPr id="2" name="标题 1"/>
+          <p:cNvSpPr>
+            <a:spLocks noGrp="1"/>
+          </p:cNvSpPr>
+          <p:nvPr>
+            <p:ph type="title"/>
+          </p:nvPr>
+        </p:nvSpPr>
+        <p:spPr/>
+        <p:txBody>
+          <a:bodyPr/>
+          <a:lstStyle/>
+          <a:p>
+            <a:r>
+              <a:rPr kumimoji="1" lang="zh-CN" altLang="en-US" dirty="0" smtClean="0"/>
+              <a:t>个人见解</a:t>
+            </a:r>
+            <a:endParaRPr kumimoji="1" lang="zh-CN" altLang="en-US" dirty="0"/>
+          </a:p>
+        </p:txBody>
+      </p:sp>
+      <p:sp>
+        <p:nvSpPr>
+          <p:cNvPr id="3" name="内容占位符 2"/>
+          <p:cNvSpPr>
+            <a:spLocks noGrp="1"/>
+          </p:cNvSpPr>
+          <p:nvPr>
+            <p:ph idx="1"/>
+          </p:nvPr>
+        </p:nvSpPr>
+        <p:spPr/>
+        <p:txBody>
+          <a:bodyPr/>
+          <a:lstStyle/>
+          <a:p>
+            <a:r>
+              <a:rPr kumimoji="1" lang="zh-CN" altLang="en-US" dirty="0" smtClean="0"/>
+              <a:t>诞生</a:t>
+            </a:r>
+            <a:r>
+              <a:rPr kumimoji="1" lang="en-US" altLang="zh-CN" dirty="0" smtClean="0"/>
+              <a:t>PostgreSQL</a:t>
+            </a:r>
+            <a:r>
+              <a:rPr kumimoji="1" lang="zh-CN" altLang="en-US" dirty="0" smtClean="0"/>
+              <a:t>时的历史原因</a:t>
+            </a:r>
+            <a:endParaRPr kumimoji="1" lang="en-US" altLang="zh-CN" dirty="0" smtClean="0"/>
+          </a:p>
+          <a:p>
+            <a:r>
+              <a:rPr kumimoji="1" lang="zh-CN" altLang="en-US" dirty="0" smtClean="0"/>
+              <a:t>多进程和多线程的并发机制的不同，其对内存的使用方式也会有差别。</a:t>
+            </a:r>
+            <a:endParaRPr kumimoji="1" lang="zh-CN" altLang="en-US" dirty="0"/>
+          </a:p>
+        </p:txBody>
+      </p:sp>
+      <p:pic>
+        <p:nvPicPr>
+          <p:cNvPr id="4" name="图片 3"/>
+          <p:cNvPicPr>
+            <a:picLocks noChangeAspect="1"/>
+          </p:cNvPicPr>
+          <p:nvPr/>
+        </p:nvPicPr>
+        <p:blipFill>
+          <a:blip r:embed="rId3"/>
+          <a:stretch>
+            <a:fillRect/>
+          </a:stretch>
+        </p:blipFill>
+        <p:spPr>
+          <a:xfrm>
+            <a:off x="1958501" y="3228976"/>
+            <a:ext cx="8274997" cy="3443287"/>
+          </a:xfrm>
+          <a:prstGeom prst="rect">
+            <a:avLst/>
+          </a:prstGeom>
+        </p:spPr>
+      </p:pic>
+    </p:spTree>
+    <p:extLst>
+      <p:ext uri="{BB962C8B-B14F-4D97-AF65-F5344CB8AC3E}">
+        <p14:creationId xmlns:p14="http://schemas.microsoft.com/office/powerpoint/2010/main" val="1869688028"/>
+      </p:ext>
+    </p:extLst>
+  </p:cSld>
+  <p:clrMapOvr>
+    <a:masterClrMapping/>
+  </p:clrMapOvr>
+</p:sld>
+</file>
+
+<file path=ppt/slides/slide8.xml><?xml version="1.0" encoding="utf-8"?>
+<p:sld xmlns:a="http://schemas.openxmlformats.org/drawingml/2006/main" xmlns:r="http://schemas.openxmlformats.org/officeDocument/2006/relationships" xmlns:p="http://schemas.openxmlformats.org/presentationml/2006/main">
+  <p:cSld>
+    <p:spTree>
+      <p:nvGrpSpPr>
+        <p:cNvPr id="1" name=""/>
+        <p:cNvGrpSpPr/>
+        <p:nvPr/>
+      </p:nvGrpSpPr>
+      <p:grpSpPr>
+        <a:xfrm>
+          <a:off x="0" y="0"/>
+          <a:ext cx="0" cy="0"/>
+          <a:chOff x="0" y="0"/>
+          <a:chExt cx="0" cy="0"/>
+        </a:xfrm>
+      </p:grpSpPr>
+      <p:sp>
+        <p:nvSpPr>
+          <p:cNvPr id="2" name="标题 1"/>
+          <p:cNvSpPr>
+            <a:spLocks noGrp="1"/>
+          </p:cNvSpPr>
+          <p:nvPr>
+            <p:ph type="title"/>
+          </p:nvPr>
+        </p:nvSpPr>
+        <p:spPr/>
+        <p:txBody>
+          <a:bodyPr/>
+          <a:lstStyle/>
+          <a:p>
+            <a:r>
+              <a:rPr lang="en-US" altLang="zh-CN" smtClean="0"/>
+              <a:t>xlog.c</a:t>
+            </a:r>
+            <a:endParaRPr lang="zh-CN" altLang="en-US" dirty="0"/>
+          </a:p>
+        </p:txBody>
+      </p:sp>
+      <p:pic>
+        <p:nvPicPr>
+          <p:cNvPr id="4" name="内容占位符 3"/>
+          <p:cNvPicPr>
+            <a:picLocks noGrp="1" noChangeAspect="1"/>
+          </p:cNvPicPr>
+          <p:nvPr>
+            <p:ph sz="half" idx="1"/>
+          </p:nvPr>
+        </p:nvPicPr>
+        <p:blipFill>
+          <a:blip r:embed="rId2"/>
+          <a:stretch>
+            <a:fillRect/>
+          </a:stretch>
+        </p:blipFill>
+        <p:spPr>
+          <a:xfrm>
+            <a:off x="838200" y="1917121"/>
+            <a:ext cx="5181600" cy="4168345"/>
+          </a:xfrm>
+        </p:spPr>
+      </p:pic>
+      <p:sp>
+        <p:nvSpPr>
+          <p:cNvPr id="7" name="内容占位符 6"/>
+          <p:cNvSpPr>
+            <a:spLocks noGrp="1"/>
+          </p:cNvSpPr>
+          <p:nvPr>
+            <p:ph sz="half" idx="2"/>
+          </p:nvPr>
+        </p:nvSpPr>
+        <p:spPr/>
+        <p:txBody>
+          <a:bodyPr/>
+          <a:lstStyle/>
+          <a:p>
+            <a:r>
+              <a:rPr kumimoji="1" lang="en-US" altLang="zh-CN" dirty="0" err="1" smtClean="0"/>
+              <a:t>Wal</a:t>
+            </a:r>
+            <a:r>
+              <a:rPr kumimoji="1" lang="zh-CN" altLang="en-US" dirty="0" smtClean="0"/>
+              <a:t>会使用</a:t>
+            </a:r>
+            <a:r>
+              <a:rPr kumimoji="1" lang="en-US" altLang="zh-CN" dirty="0" smtClean="0"/>
+              <a:t>DIRECT</a:t>
+            </a:r>
+            <a:r>
+              <a:rPr kumimoji="1" lang="zh-CN" altLang="en-US" dirty="0" smtClean="0"/>
+              <a:t> </a:t>
+            </a:r>
+            <a:r>
+              <a:rPr kumimoji="1" lang="en-US" altLang="zh-CN" dirty="0" smtClean="0"/>
+              <a:t>IO</a:t>
+            </a:r>
+            <a:endParaRPr kumimoji="1" lang="zh-CN" altLang="en-US" dirty="0"/>
+          </a:p>
+        </p:txBody>
+      </p:sp>
+    </p:spTree>
+    <p:extLst>
+      <p:ext uri="{BB962C8B-B14F-4D97-AF65-F5344CB8AC3E}">
+        <p14:creationId xmlns:p14="http://schemas.microsoft.com/office/powerpoint/2010/main" val="1466639998"/>
+      </p:ext>
+    </p:extLst>
+  </p:cSld>
+  <p:clrMapOvr>
+    <a:masterClrMapping/>
+  </p:clrMapOvr>
+</p:sld>
+</file>
+
+<file path=ppt/slides/slide9.xml><?xml version="1.0" encoding="utf-8"?>
+<p:sld xmlns:a="http://schemas.openxmlformats.org/drawingml/2006/main" xmlns:r="http://schemas.openxmlformats.org/officeDocument/2006/relationships" xmlns:p="http://schemas.openxmlformats.org/presentationml/2006/main">
+  <p:cSld>
+    <p:spTree>
+      <p:nvGrpSpPr>
+        <p:cNvPr id="1" name=""/>
+        <p:cNvGrpSpPr/>
+        <p:nvPr/>
+      </p:nvGrpSpPr>
+      <p:grpSpPr>
+        <a:xfrm>
+          <a:off x="0" y="0"/>
+          <a:ext cx="0" cy="0"/>
+          <a:chOff x="0" y="0"/>
+          <a:chExt cx="0" cy="0"/>
+        </a:xfrm>
+      </p:grpSpPr>
+      <p:sp>
+        <p:nvSpPr>
+          <p:cNvPr id="2" name="标题 1"/>
+          <p:cNvSpPr>
+            <a:spLocks noGrp="1"/>
+          </p:cNvSpPr>
+          <p:nvPr>
+            <p:ph type="title"/>
+          </p:nvPr>
+        </p:nvSpPr>
+        <p:spPr/>
+        <p:txBody>
+          <a:bodyPr/>
+          <a:lstStyle/>
+          <a:p>
+            <a:r>
+              <a:rPr kumimoji="1" lang="zh-CN" altLang="en-US" dirty="0" smtClean="0"/>
+              <a:t>实践经验</a:t>
+            </a:r>
+            <a:endParaRPr kumimoji="1" lang="zh-CN" altLang="en-US" dirty="0"/>
+          </a:p>
+        </p:txBody>
+      </p:sp>
+      <p:sp>
+        <p:nvSpPr>
+          <p:cNvPr id="3" name="内容占位符 2"/>
+          <p:cNvSpPr>
+            <a:spLocks noGrp="1"/>
+          </p:cNvSpPr>
+          <p:nvPr>
+            <p:ph idx="1"/>
+          </p:nvPr>
+        </p:nvSpPr>
+        <p:spPr/>
+        <p:txBody>
+          <a:bodyPr/>
+          <a:lstStyle/>
+          <a:p>
+            <a:r>
+              <a:rPr kumimoji="1" lang="zh-CN" altLang="en-US" dirty="0" smtClean="0"/>
+              <a:t>监控：除了</a:t>
+            </a:r>
+            <a:r>
+              <a:rPr kumimoji="1" lang="en-US" altLang="zh-CN" dirty="0" err="1" smtClean="0"/>
+              <a:t>BufferPool</a:t>
+            </a:r>
+            <a:r>
+              <a:rPr kumimoji="1" lang="zh-CN" altLang="en-US" dirty="0" smtClean="0"/>
+              <a:t>，</a:t>
+            </a:r>
+            <a:r>
+              <a:rPr kumimoji="1" lang="en-US" altLang="zh-CN" dirty="0" smtClean="0"/>
+              <a:t>Kernel</a:t>
+            </a:r>
+            <a:r>
+              <a:rPr kumimoji="1" lang="zh-CN" altLang="en-US" dirty="0"/>
+              <a:t> </a:t>
+            </a:r>
+            <a:r>
+              <a:rPr kumimoji="1" lang="en-US" altLang="zh-CN" dirty="0" smtClean="0"/>
+              <a:t>Buffer</a:t>
+            </a:r>
+            <a:r>
+              <a:rPr kumimoji="1" lang="zh-CN" altLang="en-US" dirty="0" smtClean="0"/>
+              <a:t>是否被充满，同样重要</a:t>
+            </a:r>
+            <a:endParaRPr kumimoji="1" lang="en-US" altLang="zh-CN" dirty="0" smtClean="0"/>
+          </a:p>
+          <a:p>
+            <a:r>
+              <a:rPr kumimoji="1" lang="zh-CN" altLang="en-US" dirty="0" smtClean="0"/>
+              <a:t>操作：注意</a:t>
+            </a:r>
+            <a:r>
+              <a:rPr kumimoji="1" lang="en-US" altLang="zh-CN" dirty="0" smtClean="0"/>
+              <a:t>Vacuum</a:t>
+            </a:r>
+            <a:r>
+              <a:rPr kumimoji="1" lang="zh-CN" altLang="en-US" dirty="0" smtClean="0"/>
+              <a:t>操作时 </a:t>
+            </a:r>
+            <a:r>
+              <a:rPr kumimoji="1" lang="en-US" altLang="zh-CN" dirty="0" smtClean="0"/>
+              <a:t>Kernel</a:t>
+            </a:r>
+            <a:r>
+              <a:rPr kumimoji="1" lang="zh-CN" altLang="en-US" dirty="0" smtClean="0"/>
+              <a:t> </a:t>
+            </a:r>
+            <a:r>
+              <a:rPr kumimoji="1" lang="en-US" altLang="zh-CN" dirty="0" smtClean="0"/>
+              <a:t>Buffer</a:t>
+            </a:r>
+            <a:r>
+              <a:rPr kumimoji="1" lang="zh-CN" altLang="en-US" dirty="0" smtClean="0"/>
+              <a:t>是否被刷空。</a:t>
+            </a:r>
+            <a:endParaRPr kumimoji="1" lang="zh-CN" altLang="en-US" dirty="0"/>
+          </a:p>
+        </p:txBody>
+      </p:sp>
+    </p:spTree>
+    <p:extLst>
+      <p:ext uri="{BB962C8B-B14F-4D97-AF65-F5344CB8AC3E}">
+        <p14:creationId xmlns:p14="http://schemas.microsoft.com/office/powerpoint/2010/main" val="1377947095"/>
       </p:ext>
     </p:extLst>
   </p:cSld>

--- a/pg-buffer.pptx
+++ b/pg-buffer.pptx
@@ -5,7 +5,7 @@
     <p:sldMasterId id="2147483648" r:id="rId1"/>
   </p:sldMasterIdLst>
   <p:notesMasterIdLst>
-    <p:notesMasterId r:id="rId18"/>
+    <p:notesMasterId r:id="rId20"/>
   </p:notesMasterIdLst>
   <p:sldIdLst>
     <p:sldId id="256" r:id="rId2"/>
@@ -21,9 +21,11 @@
     <p:sldId id="263" r:id="rId12"/>
     <p:sldId id="268" r:id="rId13"/>
     <p:sldId id="280" r:id="rId14"/>
-    <p:sldId id="267" r:id="rId15"/>
-    <p:sldId id="271" r:id="rId16"/>
-    <p:sldId id="272" r:id="rId17"/>
+    <p:sldId id="281" r:id="rId15"/>
+    <p:sldId id="267" r:id="rId16"/>
+    <p:sldId id="282" r:id="rId17"/>
+    <p:sldId id="271" r:id="rId18"/>
+    <p:sldId id="272" r:id="rId19"/>
   </p:sldIdLst>
   <p:sldSz cx="12192000" cy="6858000"/>
   <p:notesSz cx="6858000" cy="9144000"/>
@@ -212,7 +214,7 @@
           <a:p>
             <a:fld id="{B3FE15F5-6E8A-304E-A626-99BFA75D3031}" type="datetimeFigureOut">
               <a:rPr kumimoji="1" lang="zh-CN" altLang="en-US" smtClean="0"/>
-              <a:t>2019/11/5</a:t>
+              <a:t>2019/11/7</a:t>
             </a:fld>
             <a:endParaRPr kumimoji="1" lang="zh-CN" altLang="en-US"/>
           </a:p>
@@ -767,6 +769,90 @@
 </p:notes>
 </file>
 
+<file path=ppt/notesSlides/notesSlide4.xml><?xml version="1.0" encoding="utf-8"?>
+<p:notes xmlns:a="http://schemas.openxmlformats.org/drawingml/2006/main" xmlns:r="http://schemas.openxmlformats.org/officeDocument/2006/relationships" xmlns:p="http://schemas.openxmlformats.org/presentationml/2006/main">
+  <p:cSld>
+    <p:spTree>
+      <p:nvGrpSpPr>
+        <p:cNvPr id="1" name=""/>
+        <p:cNvGrpSpPr/>
+        <p:nvPr/>
+      </p:nvGrpSpPr>
+      <p:grpSpPr>
+        <a:xfrm>
+          <a:off x="0" y="0"/>
+          <a:ext cx="0" cy="0"/>
+          <a:chOff x="0" y="0"/>
+          <a:chExt cx="0" cy="0"/>
+        </a:xfrm>
+      </p:grpSpPr>
+      <p:sp>
+        <p:nvSpPr>
+          <p:cNvPr id="2" name="幻灯片图像占位符 1"/>
+          <p:cNvSpPr>
+            <a:spLocks noGrp="1" noRot="1" noChangeAspect="1"/>
+          </p:cNvSpPr>
+          <p:nvPr>
+            <p:ph type="sldImg"/>
+          </p:nvPr>
+        </p:nvSpPr>
+        <p:spPr/>
+      </p:sp>
+      <p:sp>
+        <p:nvSpPr>
+          <p:cNvPr id="3" name="备注占位符 2"/>
+          <p:cNvSpPr>
+            <a:spLocks noGrp="1"/>
+          </p:cNvSpPr>
+          <p:nvPr>
+            <p:ph type="body" idx="1"/>
+          </p:nvPr>
+        </p:nvSpPr>
+        <p:spPr/>
+        <p:txBody>
+          <a:bodyPr/>
+          <a:lstStyle/>
+          <a:p>
+            <a:endParaRPr kumimoji="1" lang="zh-CN" altLang="en-US" dirty="0"/>
+          </a:p>
+        </p:txBody>
+      </p:sp>
+      <p:sp>
+        <p:nvSpPr>
+          <p:cNvPr id="4" name="幻灯片编号占位符 3"/>
+          <p:cNvSpPr>
+            <a:spLocks noGrp="1"/>
+          </p:cNvSpPr>
+          <p:nvPr>
+            <p:ph type="sldNum" sz="quarter" idx="10"/>
+          </p:nvPr>
+        </p:nvSpPr>
+        <p:spPr/>
+        <p:txBody>
+          <a:bodyPr/>
+          <a:lstStyle/>
+          <a:p>
+            <a:fld id="{70A40FC4-4BF0-C949-B638-8140D736F858}" type="slidenum">
+              <a:rPr kumimoji="1" lang="zh-CN" altLang="en-US" smtClean="0"/>
+              <a:t>17</a:t>
+            </a:fld>
+            <a:endParaRPr kumimoji="1" lang="zh-CN" altLang="en-US"/>
+          </a:p>
+        </p:txBody>
+      </p:sp>
+    </p:spTree>
+    <p:extLst>
+      <p:ext uri="{BB962C8B-B14F-4D97-AF65-F5344CB8AC3E}">
+        <p14:creationId xmlns:p14="http://schemas.microsoft.com/office/powerpoint/2010/main" val="651600257"/>
+      </p:ext>
+    </p:extLst>
+  </p:cSld>
+  <p:clrMapOvr>
+    <a:masterClrMapping/>
+  </p:clrMapOvr>
+</p:notes>
+</file>
+
 <file path=ppt/slideLayouts/slideLayout1.xml><?xml version="1.0" encoding="utf-8"?>
 <p:sldLayout xmlns:a="http://schemas.openxmlformats.org/drawingml/2006/main" xmlns:r="http://schemas.openxmlformats.org/officeDocument/2006/relationships" xmlns:p="http://schemas.openxmlformats.org/presentationml/2006/main" type="title" preserve="1">
   <p:cSld name="标题幻灯片">
@@ -898,7 +984,7 @@
           <a:p>
             <a:fld id="{2606237A-B1B2-7B4A-96C8-8424FC8FC192}" type="datetimeFigureOut">
               <a:rPr kumimoji="1" lang="zh-CN" altLang="en-US" smtClean="0"/>
-              <a:t>2019/11/5</a:t>
+              <a:t>2019/11/7</a:t>
             </a:fld>
             <a:endParaRPr kumimoji="1" lang="zh-CN" altLang="en-US"/>
           </a:p>
@@ -1068,7 +1154,7 @@
           <a:p>
             <a:fld id="{2606237A-B1B2-7B4A-96C8-8424FC8FC192}" type="datetimeFigureOut">
               <a:rPr kumimoji="1" lang="zh-CN" altLang="en-US" smtClean="0"/>
-              <a:t>2019/11/5</a:t>
+              <a:t>2019/11/7</a:t>
             </a:fld>
             <a:endParaRPr kumimoji="1" lang="zh-CN" altLang="en-US"/>
           </a:p>
@@ -1248,7 +1334,7 @@
           <a:p>
             <a:fld id="{2606237A-B1B2-7B4A-96C8-8424FC8FC192}" type="datetimeFigureOut">
               <a:rPr kumimoji="1" lang="zh-CN" altLang="en-US" smtClean="0"/>
-              <a:t>2019/11/5</a:t>
+              <a:t>2019/11/7</a:t>
             </a:fld>
             <a:endParaRPr kumimoji="1" lang="zh-CN" altLang="en-US"/>
           </a:p>
@@ -1418,7 +1504,7 @@
           <a:p>
             <a:fld id="{2606237A-B1B2-7B4A-96C8-8424FC8FC192}" type="datetimeFigureOut">
               <a:rPr kumimoji="1" lang="zh-CN" altLang="en-US" smtClean="0"/>
-              <a:t>2019/11/5</a:t>
+              <a:t>2019/11/7</a:t>
             </a:fld>
             <a:endParaRPr kumimoji="1" lang="zh-CN" altLang="en-US"/>
           </a:p>
@@ -1664,7 +1750,7 @@
           <a:p>
             <a:fld id="{2606237A-B1B2-7B4A-96C8-8424FC8FC192}" type="datetimeFigureOut">
               <a:rPr kumimoji="1" lang="zh-CN" altLang="en-US" smtClean="0"/>
-              <a:t>2019/11/5</a:t>
+              <a:t>2019/11/7</a:t>
             </a:fld>
             <a:endParaRPr kumimoji="1" lang="zh-CN" altLang="en-US"/>
           </a:p>
@@ -1896,7 +1982,7 @@
           <a:p>
             <a:fld id="{2606237A-B1B2-7B4A-96C8-8424FC8FC192}" type="datetimeFigureOut">
               <a:rPr kumimoji="1" lang="zh-CN" altLang="en-US" smtClean="0"/>
-              <a:t>2019/11/5</a:t>
+              <a:t>2019/11/7</a:t>
             </a:fld>
             <a:endParaRPr kumimoji="1" lang="zh-CN" altLang="en-US"/>
           </a:p>
@@ -2263,7 +2349,7 @@
           <a:p>
             <a:fld id="{2606237A-B1B2-7B4A-96C8-8424FC8FC192}" type="datetimeFigureOut">
               <a:rPr kumimoji="1" lang="zh-CN" altLang="en-US" smtClean="0"/>
-              <a:t>2019/11/5</a:t>
+              <a:t>2019/11/7</a:t>
             </a:fld>
             <a:endParaRPr kumimoji="1" lang="zh-CN" altLang="en-US"/>
           </a:p>
@@ -2381,7 +2467,7 @@
           <a:p>
             <a:fld id="{2606237A-B1B2-7B4A-96C8-8424FC8FC192}" type="datetimeFigureOut">
               <a:rPr kumimoji="1" lang="zh-CN" altLang="en-US" smtClean="0"/>
-              <a:t>2019/11/5</a:t>
+              <a:t>2019/11/7</a:t>
             </a:fld>
             <a:endParaRPr kumimoji="1" lang="zh-CN" altLang="en-US"/>
           </a:p>
@@ -2476,7 +2562,7 @@
           <a:p>
             <a:fld id="{2606237A-B1B2-7B4A-96C8-8424FC8FC192}" type="datetimeFigureOut">
               <a:rPr kumimoji="1" lang="zh-CN" altLang="en-US" smtClean="0"/>
-              <a:t>2019/11/5</a:t>
+              <a:t>2019/11/7</a:t>
             </a:fld>
             <a:endParaRPr kumimoji="1" lang="zh-CN" altLang="en-US"/>
           </a:p>
@@ -2753,7 +2839,7 @@
           <a:p>
             <a:fld id="{2606237A-B1B2-7B4A-96C8-8424FC8FC192}" type="datetimeFigureOut">
               <a:rPr kumimoji="1" lang="zh-CN" altLang="en-US" smtClean="0"/>
-              <a:t>2019/11/5</a:t>
+              <a:t>2019/11/7</a:t>
             </a:fld>
             <a:endParaRPr kumimoji="1" lang="zh-CN" altLang="en-US"/>
           </a:p>
@@ -3006,7 +3092,7 @@
           <a:p>
             <a:fld id="{2606237A-B1B2-7B4A-96C8-8424FC8FC192}" type="datetimeFigureOut">
               <a:rPr kumimoji="1" lang="zh-CN" altLang="en-US" smtClean="0"/>
-              <a:t>2019/11/5</a:t>
+              <a:t>2019/11/7</a:t>
             </a:fld>
             <a:endParaRPr kumimoji="1" lang="zh-CN" altLang="en-US"/>
           </a:p>
@@ -3219,7 +3305,7 @@
           <a:p>
             <a:fld id="{2606237A-B1B2-7B4A-96C8-8424FC8FC192}" type="datetimeFigureOut">
               <a:rPr kumimoji="1" lang="zh-CN" altLang="en-US" smtClean="0"/>
-              <a:t>2019/11/5</a:t>
+              <a:t>2019/11/7</a:t>
             </a:fld>
             <a:endParaRPr kumimoji="1" lang="zh-CN" altLang="en-US"/>
           </a:p>
@@ -3685,6 +3771,13 @@
   <p:clrMapOvr>
     <a:masterClrMapping/>
   </p:clrMapOvr>
+  <p:timing>
+    <p:tnLst>
+      <p:par>
+        <p:cTn id="1" dur="indefinite" restart="never" nodeType="tmRoot"/>
+      </p:par>
+    </p:tnLst>
+  </p:timing>
 </p:sld>
 </file>
 
@@ -3908,13 +4001,6 @@
               </a:rPr>
               <a:t>PostgreSQL</a:t>
             </a:r>
-            <a:endParaRPr kumimoji="1" lang="en-US" altLang="zh-CN" dirty="0" smtClean="0">
-              <a:solidFill>
-                <a:schemeClr val="bg1">
-                  <a:lumMod val="75000"/>
-                </a:schemeClr>
-              </a:solidFill>
-            </a:endParaRPr>
           </a:p>
           <a:p>
             <a:endParaRPr kumimoji="1" lang="en-US" altLang="zh-CN" dirty="0" smtClean="0"/>
@@ -3931,6 +4017,13 @@
   <p:clrMapOvr>
     <a:masterClrMapping/>
   </p:clrMapOvr>
+  <p:timing>
+    <p:tnLst>
+      <p:par>
+        <p:cTn id="1" dur="indefinite" restart="never" nodeType="tmRoot"/>
+      </p:par>
+    </p:tnLst>
+  </p:timing>
 </p:sld>
 </file>
 
@@ -4056,6 +4149,13 @@
   <p:clrMapOvr>
     <a:masterClrMapping/>
   </p:clrMapOvr>
+  <p:timing>
+    <p:tnLst>
+      <p:par>
+        <p:cTn id="1" dur="indefinite" restart="never" nodeType="tmRoot"/>
+      </p:par>
+    </p:tnLst>
+  </p:timing>
 </p:sld>
 </file>
 
@@ -4135,6 +4235,13 @@
   <p:clrMapOvr>
     <a:masterClrMapping/>
   </p:clrMapOvr>
+  <p:timing>
+    <p:tnLst>
+      <p:par>
+        <p:cTn id="1" dur="indefinite" restart="never" nodeType="tmRoot"/>
+      </p:par>
+    </p:tnLst>
+  </p:timing>
 </p:sld>
 </file>
 
@@ -4364,7 +4471,6 @@
               <a:rPr kumimoji="1" lang="en-US" altLang="zh-CN" dirty="0" smtClean="0"/>
               <a:t>PostgreSQL</a:t>
             </a:r>
-            <a:endParaRPr kumimoji="1" lang="en-US" altLang="zh-CN" dirty="0" smtClean="0"/>
           </a:p>
           <a:p>
             <a:endParaRPr kumimoji="1" lang="en-US" altLang="zh-CN" dirty="0" smtClean="0">
@@ -4387,6 +4493,13 @@
   <p:clrMapOvr>
     <a:masterClrMapping/>
   </p:clrMapOvr>
+  <p:timing>
+    <p:tnLst>
+      <p:par>
+        <p:cTn id="1" dur="indefinite" restart="never" nodeType="tmRoot"/>
+      </p:par>
+    </p:tnLst>
+  </p:timing>
 </p:sld>
 </file>
 
@@ -4423,8 +4536,8 @@
           <a:lstStyle/>
           <a:p>
             <a:r>
-              <a:rPr kumimoji="1" lang="en-US" altLang="zh-CN" dirty="0" err="1" smtClean="0"/>
-              <a:t>fsync</a:t>
+              <a:rPr kumimoji="1" lang="zh-CN" altLang="en-US" dirty="0" smtClean="0"/>
+              <a:t>块存储介质</a:t>
             </a:r>
             <a:endParaRPr kumimoji="1" lang="zh-CN" altLang="en-US" dirty="0"/>
           </a:p>
@@ -4437,47 +4550,202 @@
             <a:spLocks noGrp="1"/>
           </p:cNvSpPr>
           <p:nvPr>
+            <p:ph sz="half" idx="2"/>
+          </p:nvPr>
+        </p:nvSpPr>
+        <p:spPr>
+          <a:xfrm>
+            <a:off x="6662056" y="1825625"/>
+            <a:ext cx="4691743" cy="4351338"/>
+          </a:xfrm>
+        </p:spPr>
+        <p:txBody>
+          <a:bodyPr>
+            <a:normAutofit/>
+          </a:bodyPr>
+          <a:lstStyle/>
+          <a:p>
+            <a:r>
+              <a:rPr kumimoji="1" lang="en-US" altLang="zh-CN" b="1" dirty="0"/>
+              <a:t>Block</a:t>
+            </a:r>
+            <a:r>
+              <a:rPr kumimoji="1" lang="zh-CN" altLang="en-US" b="1" dirty="0"/>
+              <a:t> </a:t>
+            </a:r>
+            <a:r>
+              <a:rPr kumimoji="1" lang="en-US" altLang="zh-CN" b="1" dirty="0" smtClean="0"/>
+              <a:t>storage</a:t>
+            </a:r>
+          </a:p>
+          <a:p>
+            <a:pPr lvl="1"/>
+            <a:r>
+              <a:rPr kumimoji="1" lang="en-US" altLang="zh-CN" b="1" dirty="0" smtClean="0"/>
+              <a:t>HDD</a:t>
+            </a:r>
+          </a:p>
+          <a:p>
+            <a:pPr lvl="1"/>
+            <a:r>
+              <a:rPr kumimoji="1" lang="en-US" altLang="zh-CN" b="1" dirty="0" smtClean="0"/>
+              <a:t>SSD</a:t>
+            </a:r>
+          </a:p>
+          <a:p>
+            <a:pPr lvl="1"/>
+            <a:r>
+              <a:rPr kumimoji="1" lang="en-US" altLang="zh-CN" b="1" dirty="0" err="1" smtClean="0"/>
+              <a:t>NVMe</a:t>
+            </a:r>
+            <a:endParaRPr kumimoji="1" lang="en-US" altLang="zh-CN" b="1" dirty="0" smtClean="0"/>
+          </a:p>
+          <a:p>
+            <a:pPr lvl="1"/>
+            <a:r>
+              <a:rPr kumimoji="1" lang="en-US" altLang="zh-CN" b="1" dirty="0" smtClean="0"/>
+              <a:t>SAN</a:t>
+            </a:r>
+            <a:endParaRPr kumimoji="1" lang="en-US" altLang="zh-CN" b="1" dirty="0"/>
+          </a:p>
+          <a:p>
+            <a:pPr lvl="1"/>
+            <a:r>
+              <a:rPr kumimoji="1" lang="en-US" altLang="zh-CN" b="1" dirty="0" smtClean="0"/>
+              <a:t>EBS</a:t>
+            </a:r>
+            <a:endParaRPr kumimoji="1" lang="en-US" altLang="zh-CN" b="1" dirty="0"/>
+          </a:p>
+          <a:p>
+            <a:pPr lvl="1"/>
+            <a:r>
+              <a:rPr kumimoji="1" lang="en-US" altLang="zh-CN" b="1" dirty="0" smtClean="0"/>
+              <a:t>NFS</a:t>
+            </a:r>
+          </a:p>
+          <a:p>
+            <a:pPr lvl="1"/>
+            <a:endParaRPr kumimoji="1" lang="en-US" altLang="zh-CN" b="1" dirty="0"/>
+          </a:p>
+          <a:p>
+            <a:r>
+              <a:rPr kumimoji="1" lang="en-US" altLang="zh-CN" b="1" dirty="0">
+                <a:solidFill>
+                  <a:schemeClr val="bg1">
+                    <a:lumMod val="75000"/>
+                  </a:schemeClr>
+                </a:solidFill>
+              </a:rPr>
+              <a:t>File</a:t>
+            </a:r>
+            <a:r>
+              <a:rPr kumimoji="1" lang="zh-CN" altLang="en-US" b="1" dirty="0">
+                <a:solidFill>
+                  <a:schemeClr val="bg1">
+                    <a:lumMod val="75000"/>
+                  </a:schemeClr>
+                </a:solidFill>
+              </a:rPr>
+              <a:t> </a:t>
+            </a:r>
+            <a:r>
+              <a:rPr kumimoji="1" lang="en-US" altLang="zh-CN" b="1" dirty="0" smtClean="0">
+                <a:solidFill>
+                  <a:schemeClr val="bg1">
+                    <a:lumMod val="75000"/>
+                  </a:schemeClr>
+                </a:solidFill>
+              </a:rPr>
+              <a:t>storage</a:t>
+            </a:r>
+            <a:endParaRPr kumimoji="1" lang="en-US" altLang="zh-CN" b="1" dirty="0">
+              <a:solidFill>
+                <a:schemeClr val="bg1">
+                  <a:lumMod val="75000"/>
+                </a:schemeClr>
+              </a:solidFill>
+            </a:endParaRPr>
+          </a:p>
+          <a:p>
+            <a:r>
+              <a:rPr kumimoji="1" lang="en-US" altLang="zh-CN" b="1" dirty="0">
+                <a:solidFill>
+                  <a:schemeClr val="bg1">
+                    <a:lumMod val="75000"/>
+                  </a:schemeClr>
+                </a:solidFill>
+              </a:rPr>
+              <a:t>Object</a:t>
+            </a:r>
+            <a:r>
+              <a:rPr kumimoji="1" lang="zh-CN" altLang="en-US" b="1" dirty="0">
+                <a:solidFill>
+                  <a:schemeClr val="bg1">
+                    <a:lumMod val="75000"/>
+                  </a:schemeClr>
+                </a:solidFill>
+              </a:rPr>
+              <a:t> </a:t>
+            </a:r>
+            <a:r>
+              <a:rPr kumimoji="1" lang="en-US" altLang="zh-CN" b="1" dirty="0">
+                <a:solidFill>
+                  <a:schemeClr val="bg1">
+                    <a:lumMod val="75000"/>
+                  </a:schemeClr>
+                </a:solidFill>
+              </a:rPr>
+              <a:t>storage</a:t>
+            </a:r>
+          </a:p>
+          <a:p>
+            <a:endParaRPr kumimoji="1" lang="zh-CN" altLang="en-US" dirty="0"/>
+          </a:p>
+        </p:txBody>
+      </p:sp>
+      <p:pic>
+        <p:nvPicPr>
+          <p:cNvPr id="10" name="内容占位符 9"/>
+          <p:cNvPicPr>
+            <a:picLocks noGrp="1" noChangeAspect="1"/>
+          </p:cNvPicPr>
+          <p:nvPr>
             <p:ph sz="half" idx="1"/>
           </p:nvPr>
-        </p:nvSpPr>
-        <p:spPr/>
-        <p:txBody>
-          <a:bodyPr/>
-          <a:lstStyle/>
-          <a:p>
-            <a:endParaRPr kumimoji="1" lang="zh-CN" altLang="en-US"/>
-          </a:p>
-        </p:txBody>
-      </p:sp>
-      <p:sp>
-        <p:nvSpPr>
-          <p:cNvPr id="5" name="内容占位符 4"/>
-          <p:cNvSpPr>
-            <a:spLocks noGrp="1"/>
-          </p:cNvSpPr>
-          <p:nvPr>
-            <p:ph sz="half" idx="2"/>
-          </p:nvPr>
-        </p:nvSpPr>
-        <p:spPr/>
-        <p:txBody>
-          <a:bodyPr/>
-          <a:lstStyle/>
-          <a:p>
-            <a:endParaRPr kumimoji="1" lang="zh-CN" altLang="en-US"/>
-          </a:p>
-        </p:txBody>
-      </p:sp>
+        </p:nvPicPr>
+        <p:blipFill>
+          <a:blip r:embed="rId2"/>
+          <a:stretch>
+            <a:fillRect/>
+          </a:stretch>
+        </p:blipFill>
+        <p:spPr>
+          <a:xfrm>
+            <a:off x="838200" y="2045658"/>
+            <a:ext cx="5181600" cy="3911272"/>
+          </a:xfrm>
+          <a:prstGeom prst="rect">
+            <a:avLst/>
+          </a:prstGeom>
+        </p:spPr>
+      </p:pic>
     </p:spTree>
     <p:extLst>
       <p:ext uri="{BB962C8B-B14F-4D97-AF65-F5344CB8AC3E}">
-        <p14:creationId xmlns:p14="http://schemas.microsoft.com/office/powerpoint/2010/main" val="59059802"/>
+        <p14:creationId xmlns:p14="http://schemas.microsoft.com/office/powerpoint/2010/main" val="1199800108"/>
       </p:ext>
     </p:extLst>
   </p:cSld>
   <p:clrMapOvr>
     <a:masterClrMapping/>
   </p:clrMapOvr>
+  <p:timing>
+    <p:tnLst>
+      <p:par>
+        <p:cTn id="1" dur="indefinite" restart="never" nodeType="tmRoot"/>
+      </p:par>
+    </p:tnLst>
+  </p:timing>
 </p:sld>
 </file>
 
@@ -4514,8 +4782,8 @@
           <a:lstStyle/>
           <a:p>
             <a:r>
-              <a:rPr kumimoji="1" lang="en-US" altLang="zh-CN" dirty="0" smtClean="0"/>
-              <a:t>Links</a:t>
+              <a:rPr kumimoji="1" lang="en-US" altLang="zh-CN" dirty="0" err="1" smtClean="0"/>
+              <a:t>fsync</a:t>
             </a:r>
             <a:endParaRPr kumimoji="1" lang="zh-CN" altLang="en-US" dirty="0"/>
           </a:p>
@@ -4523,33 +4791,232 @@
       </p:sp>
       <p:sp>
         <p:nvSpPr>
-          <p:cNvPr id="3" name="内容占位符 2"/>
-          <p:cNvSpPr>
-            <a:spLocks noGrp="1"/>
-          </p:cNvSpPr>
-          <p:nvPr>
-            <p:ph idx="1"/>
-          </p:nvPr>
-        </p:nvSpPr>
-        <p:spPr/>
-        <p:txBody>
-          <a:bodyPr/>
-          <a:lstStyle/>
-          <a:p>
-            <a:endParaRPr kumimoji="1" lang="zh-CN" altLang="en-US"/>
-          </a:p>
-        </p:txBody>
-      </p:sp>
+          <p:cNvPr id="4" name="内容占位符 3"/>
+          <p:cNvSpPr>
+            <a:spLocks noGrp="1"/>
+          </p:cNvSpPr>
+          <p:nvPr>
+            <p:ph sz="half" idx="1"/>
+          </p:nvPr>
+        </p:nvSpPr>
+        <p:spPr/>
+        <p:txBody>
+          <a:bodyPr/>
+          <a:lstStyle/>
+          <a:p>
+            <a:r>
+              <a:rPr kumimoji="1" lang="en-US" altLang="zh-CN" dirty="0" smtClean="0">
+                <a:latin typeface="Baoli SC" charset="-122"/>
+                <a:ea typeface="Baoli SC" charset="-122"/>
+                <a:cs typeface="Baoli SC" charset="-122"/>
+              </a:rPr>
+              <a:t>PostgreSQL</a:t>
+            </a:r>
+            <a:r>
+              <a:rPr kumimoji="1" lang="zh-CN" altLang="en-US" dirty="0" smtClean="0">
+                <a:latin typeface="Baoli SC" charset="-122"/>
+                <a:ea typeface="Baoli SC" charset="-122"/>
+                <a:cs typeface="Baoli SC" charset="-122"/>
+              </a:rPr>
+              <a:t>之前对图中的行为假设为</a:t>
+            </a:r>
+            <a:r>
+              <a:rPr kumimoji="1" lang="zh-CN" altLang="en-US" dirty="0" smtClean="0"/>
+              <a:t>：</a:t>
+            </a:r>
+            <a:endParaRPr kumimoji="1" lang="en-US" altLang="zh-CN" dirty="0" smtClean="0"/>
+          </a:p>
+          <a:p>
+            <a:pPr lvl="1"/>
+            <a:r>
+              <a:rPr lang="en-US" altLang="zh-CN" dirty="0">
+                <a:latin typeface="American Typewriter" charset="0"/>
+                <a:ea typeface="American Typewriter" charset="0"/>
+                <a:cs typeface="American Typewriter" charset="0"/>
+              </a:rPr>
+              <a:t>"all writes since the last </a:t>
+            </a:r>
+            <a:r>
+              <a:rPr lang="en-US" altLang="zh-CN" u="sng" dirty="0">
+                <a:latin typeface="American Typewriter" charset="0"/>
+                <a:ea typeface="American Typewriter" charset="0"/>
+                <a:cs typeface="American Typewriter" charset="0"/>
+              </a:rPr>
+              <a:t>SUCCESSFUL</a:t>
+            </a:r>
+            <a:r>
+              <a:rPr lang="en-US" altLang="zh-CN" dirty="0">
+                <a:latin typeface="American Typewriter" charset="0"/>
+                <a:ea typeface="American Typewriter" charset="0"/>
+                <a:cs typeface="American Typewriter" charset="0"/>
+              </a:rPr>
+              <a:t> </a:t>
+            </a:r>
+            <a:r>
+              <a:rPr lang="en-US" altLang="zh-CN" dirty="0" err="1">
+                <a:latin typeface="American Typewriter" charset="0"/>
+                <a:ea typeface="American Typewriter" charset="0"/>
+                <a:cs typeface="American Typewriter" charset="0"/>
+              </a:rPr>
+              <a:t>fsync</a:t>
+            </a:r>
+            <a:r>
+              <a:rPr lang="en-US" altLang="zh-CN" dirty="0">
+                <a:latin typeface="American Typewriter" charset="0"/>
+                <a:ea typeface="American Typewriter" charset="0"/>
+                <a:cs typeface="American Typewriter" charset="0"/>
+              </a:rPr>
+              <a:t> have hit disk</a:t>
+            </a:r>
+            <a:r>
+              <a:rPr lang="en-US" altLang="zh-CN" dirty="0" smtClean="0">
+                <a:latin typeface="American Typewriter" charset="0"/>
+                <a:ea typeface="American Typewriter" charset="0"/>
+                <a:cs typeface="American Typewriter" charset="0"/>
+              </a:rPr>
+              <a:t>".</a:t>
+            </a:r>
+          </a:p>
+          <a:p>
+            <a:r>
+              <a:rPr kumimoji="1" lang="zh-CN" altLang="en-US" dirty="0" smtClean="0">
+                <a:latin typeface="Baoli SC" charset="-122"/>
+                <a:ea typeface="Baoli SC" charset="-122"/>
+                <a:cs typeface="Baoli SC" charset="-122"/>
+              </a:rPr>
+              <a:t>实际上应该理解为：</a:t>
+            </a:r>
+            <a:endParaRPr kumimoji="1" lang="en-US" altLang="zh-CN" dirty="0" smtClean="0">
+              <a:latin typeface="Baoli SC" charset="-122"/>
+              <a:ea typeface="Baoli SC" charset="-122"/>
+              <a:cs typeface="Baoli SC" charset="-122"/>
+            </a:endParaRPr>
+          </a:p>
+          <a:p>
+            <a:pPr lvl="1"/>
+            <a:r>
+              <a:rPr lang="zh-CN" altLang="en-US" dirty="0">
+                <a:latin typeface="American Typewriter" charset="0"/>
+                <a:ea typeface="American Typewriter" charset="0"/>
+                <a:cs typeface="American Typewriter" charset="0"/>
+              </a:rPr>
+              <a:t>“</a:t>
+            </a:r>
+            <a:r>
+              <a:rPr lang="en-US" altLang="zh-CN" dirty="0" smtClean="0">
+                <a:latin typeface="American Typewriter" charset="0"/>
+                <a:ea typeface="American Typewriter" charset="0"/>
+                <a:cs typeface="American Typewriter" charset="0"/>
+              </a:rPr>
+              <a:t>all </a:t>
+            </a:r>
+            <a:r>
+              <a:rPr lang="en-US" altLang="zh-CN" dirty="0">
+                <a:latin typeface="American Typewriter" charset="0"/>
+                <a:ea typeface="American Typewriter" charset="0"/>
+                <a:cs typeface="American Typewriter" charset="0"/>
+              </a:rPr>
+              <a:t>writes since the last </a:t>
+            </a:r>
+            <a:r>
+              <a:rPr lang="en-US" altLang="zh-CN" dirty="0" smtClean="0">
+                <a:latin typeface="American Typewriter" charset="0"/>
+                <a:ea typeface="American Typewriter" charset="0"/>
+                <a:cs typeface="American Typewriter" charset="0"/>
+              </a:rPr>
+              <a:t>	</a:t>
+            </a:r>
+            <a:r>
+              <a:rPr lang="en-US" altLang="zh-CN" u="sng" dirty="0" smtClean="0">
+                <a:latin typeface="American Typewriter" charset="0"/>
+                <a:ea typeface="American Typewriter" charset="0"/>
+                <a:cs typeface="American Typewriter" charset="0"/>
+              </a:rPr>
+              <a:t>			</a:t>
+            </a:r>
+            <a:r>
+              <a:rPr lang="zh-CN" altLang="en-US" dirty="0" smtClean="0">
+                <a:latin typeface="American Typewriter" charset="0"/>
+                <a:ea typeface="American Typewriter" charset="0"/>
+                <a:cs typeface="American Typewriter" charset="0"/>
+              </a:rPr>
+              <a:t> </a:t>
+            </a:r>
+            <a:r>
+              <a:rPr lang="en-US" altLang="zh-CN" dirty="0" err="1" smtClean="0">
+                <a:latin typeface="American Typewriter" charset="0"/>
+                <a:ea typeface="American Typewriter" charset="0"/>
+                <a:cs typeface="American Typewriter" charset="0"/>
+              </a:rPr>
+              <a:t>fsync</a:t>
+            </a:r>
+            <a:r>
+              <a:rPr lang="en-US" altLang="zh-CN" dirty="0" smtClean="0">
+                <a:latin typeface="American Typewriter" charset="0"/>
+                <a:ea typeface="American Typewriter" charset="0"/>
+                <a:cs typeface="American Typewriter" charset="0"/>
+              </a:rPr>
+              <a:t> </a:t>
+            </a:r>
+            <a:r>
+              <a:rPr lang="en-US" altLang="zh-CN" dirty="0">
+                <a:latin typeface="American Typewriter" charset="0"/>
+                <a:ea typeface="American Typewriter" charset="0"/>
+                <a:cs typeface="American Typewriter" charset="0"/>
+              </a:rPr>
+              <a:t>have hit disk"</a:t>
+            </a:r>
+            <a:endParaRPr kumimoji="1" lang="zh-CN" altLang="en-US" dirty="0">
+              <a:latin typeface="American Typewriter" charset="0"/>
+              <a:ea typeface="American Typewriter" charset="0"/>
+              <a:cs typeface="American Typewriter" charset="0"/>
+            </a:endParaRPr>
+          </a:p>
+        </p:txBody>
+      </p:sp>
+      <p:pic>
+        <p:nvPicPr>
+          <p:cNvPr id="6" name="内容占位符 5"/>
+          <p:cNvPicPr>
+            <a:picLocks noGrp="1" noChangeAspect="1"/>
+          </p:cNvPicPr>
+          <p:nvPr>
+            <p:ph sz="half" idx="2"/>
+          </p:nvPr>
+        </p:nvPicPr>
+        <p:blipFill>
+          <a:blip r:embed="rId2"/>
+          <a:stretch>
+            <a:fillRect/>
+          </a:stretch>
+        </p:blipFill>
+        <p:spPr>
+          <a:xfrm>
+            <a:off x="6253663" y="685800"/>
+            <a:ext cx="4833437" cy="5923687"/>
+          </a:xfrm>
+          <a:prstGeom prst="rect">
+            <a:avLst/>
+          </a:prstGeom>
+        </p:spPr>
+      </p:pic>
     </p:spTree>
     <p:extLst>
       <p:ext uri="{BB962C8B-B14F-4D97-AF65-F5344CB8AC3E}">
-        <p14:creationId xmlns:p14="http://schemas.microsoft.com/office/powerpoint/2010/main" val="728422877"/>
+        <p14:creationId xmlns:p14="http://schemas.microsoft.com/office/powerpoint/2010/main" val="59059802"/>
       </p:ext>
     </p:extLst>
   </p:cSld>
   <p:clrMapOvr>
     <a:masterClrMapping/>
   </p:clrMapOvr>
+  <p:timing>
+    <p:tnLst>
+      <p:par>
+        <p:cTn id="1" dur="indefinite" restart="never" nodeType="tmRoot"/>
+      </p:par>
+    </p:tnLst>
+  </p:timing>
 </p:sld>
 </file>
 
@@ -4586,8 +5053,8 @@
           <a:lstStyle/>
           <a:p>
             <a:r>
-              <a:rPr kumimoji="1" lang="en-US" altLang="zh-CN" dirty="0" smtClean="0"/>
-              <a:t>Thanks</a:t>
+              <a:rPr kumimoji="1" lang="zh-CN" altLang="en-US" dirty="0" smtClean="0"/>
+              <a:t>之前为啥没问题？</a:t>
             </a:r>
             <a:endParaRPr kumimoji="1" lang="zh-CN" altLang="en-US" dirty="0"/>
           </a:p>
@@ -4595,6 +5062,85 @@
       </p:sp>
       <p:sp>
         <p:nvSpPr>
+          <p:cNvPr id="5" name="内容占位符 4"/>
+          <p:cNvSpPr>
+            <a:spLocks noGrp="1"/>
+          </p:cNvSpPr>
+          <p:nvPr>
+            <p:ph idx="1"/>
+          </p:nvPr>
+        </p:nvSpPr>
+        <p:spPr/>
+        <p:txBody>
+          <a:bodyPr/>
+          <a:lstStyle/>
+          <a:p>
+            <a:endParaRPr kumimoji="1" lang="zh-CN" altLang="en-US" dirty="0"/>
+          </a:p>
+        </p:txBody>
+      </p:sp>
+    </p:spTree>
+    <p:extLst>
+      <p:ext uri="{BB962C8B-B14F-4D97-AF65-F5344CB8AC3E}">
+        <p14:creationId xmlns:p14="http://schemas.microsoft.com/office/powerpoint/2010/main" val="96589992"/>
+      </p:ext>
+    </p:extLst>
+  </p:cSld>
+  <p:clrMapOvr>
+    <a:masterClrMapping/>
+  </p:clrMapOvr>
+  <p:timing>
+    <p:tnLst>
+      <p:par>
+        <p:cTn id="1" dur="indefinite" restart="never" nodeType="tmRoot"/>
+      </p:par>
+    </p:tnLst>
+  </p:timing>
+</p:sld>
+</file>
+
+<file path=ppt/slides/slide17.xml><?xml version="1.0" encoding="utf-8"?>
+<p:sld xmlns:a="http://schemas.openxmlformats.org/drawingml/2006/main" xmlns:r="http://schemas.openxmlformats.org/officeDocument/2006/relationships" xmlns:p="http://schemas.openxmlformats.org/presentationml/2006/main">
+  <p:cSld>
+    <p:spTree>
+      <p:nvGrpSpPr>
+        <p:cNvPr id="1" name=""/>
+        <p:cNvGrpSpPr/>
+        <p:nvPr/>
+      </p:nvGrpSpPr>
+      <p:grpSpPr>
+        <a:xfrm>
+          <a:off x="0" y="0"/>
+          <a:ext cx="0" cy="0"/>
+          <a:chOff x="0" y="0"/>
+          <a:chExt cx="0" cy="0"/>
+        </a:xfrm>
+      </p:grpSpPr>
+      <p:sp>
+        <p:nvSpPr>
+          <p:cNvPr id="2" name="标题 1"/>
+          <p:cNvSpPr>
+            <a:spLocks noGrp="1"/>
+          </p:cNvSpPr>
+          <p:nvPr>
+            <p:ph type="title"/>
+          </p:nvPr>
+        </p:nvSpPr>
+        <p:spPr/>
+        <p:txBody>
+          <a:bodyPr/>
+          <a:lstStyle/>
+          <a:p>
+            <a:r>
+              <a:rPr lang="en-US" altLang="zh-CN" dirty="0" smtClean="0"/>
+              <a:t>Links</a:t>
+            </a:r>
+            <a:endParaRPr lang="zh-CN" altLang="en-US" dirty="0"/>
+          </a:p>
+        </p:txBody>
+      </p:sp>
+      <p:sp>
+        <p:nvSpPr>
           <p:cNvPr id="3" name="内容占位符 2"/>
           <p:cNvSpPr>
             <a:spLocks noGrp="1"/>
@@ -4605,13 +5151,326 @@
         </p:nvSpPr>
         <p:spPr/>
         <p:txBody>
-          <a:bodyPr/>
-          <a:lstStyle/>
-          <a:p>
-            <a:endParaRPr kumimoji="1" lang="zh-CN" altLang="en-US" dirty="0"/>
-          </a:p>
-        </p:txBody>
-      </p:sp>
+          <a:bodyPr>
+            <a:normAutofit fontScale="55000" lnSpcReduction="20000"/>
+          </a:bodyPr>
+          <a:lstStyle/>
+          <a:p>
+            <a:r>
+              <a:rPr lang="en-US" altLang="zh-CN" dirty="0" smtClean="0"/>
+              <a:t>Double</a:t>
+            </a:r>
+            <a:r>
+              <a:rPr lang="zh-CN" altLang="en-US" dirty="0" smtClean="0"/>
+              <a:t> </a:t>
+            </a:r>
+            <a:r>
+              <a:rPr lang="en-US" altLang="zh-CN" dirty="0" smtClean="0"/>
+              <a:t>Buffer</a:t>
+            </a:r>
+          </a:p>
+          <a:p>
+            <a:pPr lvl="1"/>
+            <a:r>
+              <a:rPr lang="en-US" altLang="zh-CN" dirty="0" smtClean="0">
+                <a:hlinkClick r:id="rId3"/>
+              </a:rPr>
+              <a:t>http://liuyangming.tech/10-2019/INNODB-vs-PgSQL-buffer.html</a:t>
+            </a:r>
+            <a:endParaRPr lang="en-US" altLang="zh-CN" dirty="0" smtClean="0"/>
+          </a:p>
+          <a:p>
+            <a:pPr lvl="1"/>
+            <a:r>
+              <a:rPr lang="en-US" altLang="zh-CN" dirty="0">
+                <a:hlinkClick r:id="rId4"/>
+              </a:rPr>
+              <a:t>https://lwn.net/Articles/457667</a:t>
+            </a:r>
+            <a:r>
+              <a:rPr lang="en-US" altLang="zh-CN" dirty="0" smtClean="0">
+                <a:hlinkClick r:id="rId4"/>
+              </a:rPr>
+              <a:t>/</a:t>
+            </a:r>
+            <a:endParaRPr lang="en-US" altLang="zh-CN" dirty="0" smtClean="0"/>
+          </a:p>
+          <a:p>
+            <a:pPr lvl="1"/>
+            <a:r>
+              <a:rPr lang="en-US" altLang="zh-CN" dirty="0">
+                <a:hlinkClick r:id="rId5"/>
+              </a:rPr>
+              <a:t>https://www.postgresql-archive.org/a-question-about-Direct-I-O-and-double-buffering-td2062191.html</a:t>
+            </a:r>
+            <a:endParaRPr lang="en-US" altLang="zh-CN" dirty="0" smtClean="0"/>
+          </a:p>
+          <a:p>
+            <a:r>
+              <a:rPr lang="en-US" altLang="zh-CN" dirty="0" smtClean="0"/>
+              <a:t>Checkpoint</a:t>
+            </a:r>
+          </a:p>
+          <a:p>
+            <a:pPr lvl="1"/>
+            <a:r>
+              <a:rPr lang="en-US" altLang="zh-CN" dirty="0">
+                <a:hlinkClick r:id="rId6"/>
+              </a:rPr>
+              <a:t>https://</a:t>
+            </a:r>
+            <a:r>
+              <a:rPr lang="en-US" altLang="zh-CN" dirty="0" smtClean="0">
+                <a:hlinkClick r:id="rId6"/>
+              </a:rPr>
+              <a:t>billtian.github.io/digoal.blog/2016/09/28/01.html</a:t>
+            </a:r>
+            <a:endParaRPr lang="en-US" altLang="zh-CN" dirty="0" smtClean="0"/>
+          </a:p>
+          <a:p>
+            <a:pPr lvl="1"/>
+            <a:r>
+              <a:rPr lang="en-US" altLang="zh-CN" dirty="0">
+                <a:hlinkClick r:id="rId7"/>
+              </a:rPr>
+              <a:t>http://</a:t>
+            </a:r>
+            <a:r>
+              <a:rPr lang="en-US" altLang="zh-CN" dirty="0" smtClean="0">
+                <a:hlinkClick r:id="rId7"/>
+              </a:rPr>
+              <a:t>yoshinorimatsunobu.blogspot.com/2014/03/how-syncfilerange-really-works.html</a:t>
+            </a:r>
+            <a:endParaRPr lang="en-US" altLang="zh-CN" dirty="0" smtClean="0"/>
+          </a:p>
+          <a:p>
+            <a:pPr lvl="1"/>
+            <a:r>
+              <a:rPr lang="en-US" altLang="zh-CN" dirty="0">
+                <a:hlinkClick r:id="rId8"/>
+              </a:rPr>
+              <a:t>https://git.postgresql.org/gitweb/?</a:t>
+            </a:r>
+            <a:r>
+              <a:rPr lang="en-US" altLang="zh-CN" dirty="0" smtClean="0">
+                <a:hlinkClick r:id="rId8"/>
+              </a:rPr>
+              <a:t>p=postgresql.git;a=commit;h=428b1d6b29ca599c5700d4bc4f4ce4c5880369bf</a:t>
+            </a:r>
+            <a:endParaRPr lang="en-US" altLang="zh-CN" dirty="0" smtClean="0"/>
+          </a:p>
+          <a:p>
+            <a:pPr lvl="1"/>
+            <a:r>
+              <a:rPr lang="en-US" altLang="zh-CN" u="sng" dirty="0">
+                <a:hlinkClick r:id="rId9"/>
+              </a:rPr>
+              <a:t>https://git.postgresql.org/gitweb</a:t>
+            </a:r>
+            <a:r>
+              <a:rPr lang="en-US" altLang="zh-CN" u="sng" dirty="0" smtClean="0">
+                <a:hlinkClick r:id="rId9"/>
+              </a:rPr>
+              <a:t>/?p=postgresql.git;a=commitdiff;h=9cd00c457e6a1ebb984167ac556a9961812a683c</a:t>
+            </a:r>
+            <a:endParaRPr lang="en-US" altLang="zh-CN" u="sng" dirty="0" smtClean="0"/>
+          </a:p>
+          <a:p>
+            <a:pPr lvl="1"/>
+            <a:r>
+              <a:rPr lang="en-US" altLang="zh-CN" dirty="0">
+                <a:hlinkClick r:id="rId7"/>
+              </a:rPr>
+              <a:t>http://yoshinorimatsunobu.blogspot.com/2014/03/how-syncfilerange-really-works.html</a:t>
+            </a:r>
+            <a:endParaRPr lang="en-US" altLang="zh-CN" u="sng" dirty="0" smtClean="0"/>
+          </a:p>
+          <a:p>
+            <a:pPr lvl="1"/>
+            <a:r>
+              <a:rPr lang="en-US" altLang="zh-CN" u="sng" dirty="0">
+                <a:hlinkClick r:id="rId10"/>
+              </a:rPr>
+              <a:t>https://</a:t>
+            </a:r>
+            <a:r>
+              <a:rPr lang="en-US" altLang="zh-CN" u="sng" dirty="0" smtClean="0">
+                <a:hlinkClick r:id="rId10"/>
+              </a:rPr>
+              <a:t>www.postgresql.org/docs/10/runtime-config-error-handling.html#GUC-DATA-SYNC-RETRY</a:t>
+            </a:r>
+            <a:endParaRPr lang="en-US" altLang="zh-CN" u="sng" dirty="0" smtClean="0"/>
+          </a:p>
+          <a:p>
+            <a:pPr lvl="1"/>
+            <a:r>
+              <a:rPr lang="en-US" altLang="zh-CN" dirty="0">
+                <a:hlinkClick r:id="rId11"/>
+              </a:rPr>
+              <a:t>https://news.ycombinator.com/item?id=11512653</a:t>
+            </a:r>
+            <a:endParaRPr lang="en-US" altLang="zh-CN" dirty="0" smtClean="0"/>
+          </a:p>
+          <a:p>
+            <a:r>
+              <a:rPr lang="en-US" altLang="zh-CN" dirty="0" err="1" smtClean="0"/>
+              <a:t>Fsync</a:t>
+            </a:r>
+            <a:endParaRPr lang="en-US" altLang="zh-CN" dirty="0" smtClean="0"/>
+          </a:p>
+          <a:p>
+            <a:pPr lvl="1"/>
+            <a:r>
+              <a:rPr lang="en-US" altLang="zh-CN" dirty="0">
+                <a:hlinkClick r:id="rId12"/>
+              </a:rPr>
+              <a:t>https://www.postgresql.org/message-id/flat/CAMsr%2BYHh%2B5Oq4xziwwoEfhoTZgr07vdGG%2Bhu%3D1adXx59aTeaoQ%40mail.gmail.com</a:t>
+            </a:r>
+            <a:endParaRPr lang="en-US" altLang="zh-CN" dirty="0" smtClean="0"/>
+          </a:p>
+          <a:p>
+            <a:pPr lvl="1"/>
+            <a:r>
+              <a:rPr lang="en-US" altLang="zh-CN" dirty="0">
+                <a:hlinkClick r:id="rId13"/>
+              </a:rPr>
+              <a:t>https://lwn.net/Articles/752063</a:t>
+            </a:r>
+            <a:r>
+              <a:rPr lang="en-US" altLang="zh-CN" dirty="0" smtClean="0">
+                <a:hlinkClick r:id="rId13"/>
+              </a:rPr>
+              <a:t>/</a:t>
+            </a:r>
+            <a:endParaRPr lang="en-US" altLang="zh-CN" dirty="0" smtClean="0"/>
+          </a:p>
+          <a:p>
+            <a:pPr lvl="1"/>
+            <a:r>
+              <a:rPr lang="en-US" altLang="zh-CN" dirty="0">
+                <a:hlinkClick r:id="rId14"/>
+              </a:rPr>
+              <a:t>https://wiki.postgresql.org/wiki/Fsync_Errors</a:t>
+            </a:r>
+            <a:endParaRPr lang="en-US" altLang="zh-CN" dirty="0" smtClean="0"/>
+          </a:p>
+          <a:p>
+            <a:pPr lvl="1"/>
+            <a:r>
+              <a:rPr lang="en-US" altLang="zh-CN" dirty="0">
+                <a:hlinkClick r:id="rId15"/>
+              </a:rPr>
+              <a:t>https://www.redhat.com/en/topics/data-storage/file-block-object-storage#:~:text=File%20storage%20organizes%20and%20represents,links%20it%20to%20associated%20metadata.</a:t>
+            </a:r>
+            <a:endParaRPr lang="en-US" altLang="zh-CN" dirty="0" smtClean="0"/>
+          </a:p>
+          <a:p>
+            <a:pPr lvl="1"/>
+            <a:r>
+              <a:rPr lang="en-US" altLang="zh-CN" dirty="0" smtClean="0">
+                <a:hlinkClick r:id="rId16"/>
+              </a:rPr>
+              <a:t>https://</a:t>
+            </a:r>
+            <a:r>
+              <a:rPr lang="en-US" altLang="zh-CN" dirty="0">
+                <a:hlinkClick r:id="rId16"/>
+              </a:rPr>
+              <a:t>www.percona.com/blog/2019/02/22/postgresql-fsync-failure-fixed-minor-versions-released-feb-14-2019</a:t>
+            </a:r>
+            <a:r>
+              <a:rPr lang="en-US" altLang="zh-CN" dirty="0" smtClean="0">
+                <a:hlinkClick r:id="rId16"/>
+              </a:rPr>
+              <a:t>/</a:t>
+            </a:r>
+            <a:endParaRPr lang="en-US" altLang="zh-CN" dirty="0" smtClean="0"/>
+          </a:p>
+          <a:p>
+            <a:pPr lvl="1"/>
+            <a:r>
+              <a:rPr lang="en-US" altLang="zh-CN" u="sng" dirty="0">
+                <a:hlinkClick r:id="rId17"/>
+              </a:rPr>
+              <a:t>https://fosdem.org/2019/schedule/event/postgresql_fsync</a:t>
+            </a:r>
+            <a:r>
+              <a:rPr lang="en-US" altLang="zh-CN" u="sng" dirty="0" smtClean="0">
+                <a:hlinkClick r:id="rId17"/>
+              </a:rPr>
+              <a:t>/</a:t>
+            </a:r>
+            <a:endParaRPr lang="en-US" altLang="zh-CN" u="sng" dirty="0" smtClean="0"/>
+          </a:p>
+          <a:p>
+            <a:pPr lvl="1"/>
+            <a:endParaRPr lang="zh-CN" altLang="en-US" dirty="0"/>
+          </a:p>
+        </p:txBody>
+      </p:sp>
+    </p:spTree>
+    <p:extLst>
+      <p:ext uri="{BB962C8B-B14F-4D97-AF65-F5344CB8AC3E}">
+        <p14:creationId xmlns:p14="http://schemas.microsoft.com/office/powerpoint/2010/main" val="728422877"/>
+      </p:ext>
+    </p:extLst>
+  </p:cSld>
+  <p:clrMapOvr>
+    <a:masterClrMapping/>
+  </p:clrMapOvr>
+  <p:timing>
+    <p:tnLst>
+      <p:par>
+        <p:cTn id="1" dur="indefinite" restart="never" nodeType="tmRoot"/>
+      </p:par>
+    </p:tnLst>
+  </p:timing>
+</p:sld>
+</file>
+
+<file path=ppt/slides/slide18.xml><?xml version="1.0" encoding="utf-8"?>
+<p:sld xmlns:a="http://schemas.openxmlformats.org/drawingml/2006/main" xmlns:r="http://schemas.openxmlformats.org/officeDocument/2006/relationships" xmlns:p="http://schemas.openxmlformats.org/presentationml/2006/main">
+  <p:cSld>
+    <p:spTree>
+      <p:nvGrpSpPr>
+        <p:cNvPr id="1" name=""/>
+        <p:cNvGrpSpPr/>
+        <p:nvPr/>
+      </p:nvGrpSpPr>
+      <p:grpSpPr>
+        <a:xfrm>
+          <a:off x="0" y="0"/>
+          <a:ext cx="0" cy="0"/>
+          <a:chOff x="0" y="0"/>
+          <a:chExt cx="0" cy="0"/>
+        </a:xfrm>
+      </p:grpSpPr>
+      <p:pic>
+        <p:nvPicPr>
+          <p:cNvPr id="6" name="内容占位符 5"/>
+          <p:cNvPicPr>
+            <a:picLocks noGrp="1" noChangeAspect="1"/>
+          </p:cNvPicPr>
+          <p:nvPr>
+            <p:ph idx="1"/>
+          </p:nvPr>
+        </p:nvPicPr>
+        <p:blipFill>
+          <a:blip r:embed="rId2"/>
+          <a:stretch>
+            <a:fillRect/>
+          </a:stretch>
+        </p:blipFill>
+        <p:spPr>
+          <a:xfrm>
+            <a:off x="4049485" y="858513"/>
+            <a:ext cx="4252686" cy="5094045"/>
+          </a:xfrm>
+          <a:prstGeom prst="rect">
+            <a:avLst/>
+          </a:prstGeom>
+        </p:spPr>
+      </p:pic>
     </p:spTree>
     <p:extLst>
       <p:ext uri="{BB962C8B-B14F-4D97-AF65-F5344CB8AC3E}">
@@ -4622,6 +5481,13 @@
   <p:clrMapOvr>
     <a:masterClrMapping/>
   </p:clrMapOvr>
+  <p:timing>
+    <p:tnLst>
+      <p:par>
+        <p:cTn id="1" dur="indefinite" restart="never" nodeType="tmRoot"/>
+      </p:par>
+    </p:tnLst>
+  </p:timing>
 </p:sld>
 </file>
 
@@ -4720,11 +5586,7 @@
           <a:p>
             <a:r>
               <a:rPr kumimoji="1" lang="en-US" altLang="zh-CN" dirty="0" err="1" smtClean="0"/>
-              <a:t>s</a:t>
-            </a:r>
-            <a:r>
-              <a:rPr kumimoji="1" lang="en-US" altLang="zh-CN" dirty="0" err="1" smtClean="0"/>
-              <a:t>ync_file_range</a:t>
+              <a:t>sync_file_range</a:t>
             </a:r>
             <a:endParaRPr kumimoji="1" lang="en-US" altLang="zh-CN" dirty="0" smtClean="0"/>
           </a:p>
@@ -4743,6 +5605,13 @@
   <p:clrMapOvr>
     <a:masterClrMapping/>
   </p:clrMapOvr>
+  <p:timing>
+    <p:tnLst>
+      <p:par>
+        <p:cTn id="1" dur="indefinite" restart="never" nodeType="tmRoot"/>
+      </p:par>
+    </p:tnLst>
+  </p:timing>
 </p:sld>
 </file>
 
@@ -4953,6 +5822,13 @@
   <p:clrMapOvr>
     <a:masterClrMapping/>
   </p:clrMapOvr>
+  <p:timing>
+    <p:tnLst>
+      <p:par>
+        <p:cTn id="1" dur="indefinite" restart="never" nodeType="tmRoot"/>
+      </p:par>
+    </p:tnLst>
+  </p:timing>
 </p:sld>
 </file>
 
@@ -5064,54 +5940,6 @@
               <a:t>I/O</a:t>
             </a:r>
             <a:endParaRPr kumimoji="1" lang="en-US" altLang="zh-CN" b="1" dirty="0" smtClean="0"/>
-          </a:p>
-          <a:p>
-            <a:r>
-              <a:rPr kumimoji="1" lang="en-US" altLang="zh-CN" b="1" dirty="0" smtClean="0"/>
-              <a:t>-----------------------</a:t>
-            </a:r>
-          </a:p>
-          <a:p>
-            <a:r>
-              <a:rPr kumimoji="1" lang="en-US" altLang="zh-CN" b="1" dirty="0" smtClean="0"/>
-              <a:t>Block</a:t>
-            </a:r>
-            <a:r>
-              <a:rPr kumimoji="1" lang="zh-CN" altLang="en-US" b="1" dirty="0" smtClean="0"/>
-              <a:t> </a:t>
-            </a:r>
-            <a:r>
-              <a:rPr kumimoji="1" lang="en-US" altLang="zh-CN" b="1" dirty="0" smtClean="0"/>
-              <a:t>storage</a:t>
-            </a:r>
-          </a:p>
-          <a:p>
-            <a:r>
-              <a:rPr kumimoji="1" lang="en-US" altLang="zh-CN" b="1" dirty="0" smtClean="0"/>
-              <a:t>File</a:t>
-            </a:r>
-            <a:r>
-              <a:rPr kumimoji="1" lang="zh-CN" altLang="en-US" b="1" dirty="0" smtClean="0"/>
-              <a:t> </a:t>
-            </a:r>
-            <a:r>
-              <a:rPr kumimoji="1" lang="en-US" altLang="zh-CN" b="1" dirty="0" smtClean="0"/>
-              <a:t>storage</a:t>
-            </a:r>
-          </a:p>
-          <a:p>
-            <a:r>
-              <a:rPr kumimoji="1" lang="en-US" altLang="zh-CN" b="1" dirty="0" smtClean="0"/>
-              <a:t>Object</a:t>
-            </a:r>
-            <a:r>
-              <a:rPr kumimoji="1" lang="zh-CN" altLang="en-US" b="1" dirty="0" smtClean="0"/>
-              <a:t> </a:t>
-            </a:r>
-            <a:r>
-              <a:rPr kumimoji="1" lang="en-US" altLang="zh-CN" b="1" dirty="0" smtClean="0"/>
-              <a:t>storage</a:t>
-            </a:r>
           </a:p>
         </p:txBody>
       </p:sp>
@@ -5151,6 +5979,13 @@
   <p:clrMapOvr>
     <a:masterClrMapping/>
   </p:clrMapOvr>
+  <p:timing>
+    <p:tnLst>
+      <p:par>
+        <p:cTn id="1" dur="indefinite" restart="never" nodeType="tmRoot"/>
+      </p:par>
+    </p:tnLst>
+  </p:timing>
 </p:sld>
 </file>
 
@@ -5264,6 +6099,13 @@
   <p:clrMapOvr>
     <a:masterClrMapping/>
   </p:clrMapOvr>
+  <p:timing>
+    <p:tnLst>
+      <p:par>
+        <p:cTn id="1" dur="indefinite" restart="never" nodeType="tmRoot"/>
+      </p:par>
+    </p:tnLst>
+  </p:timing>
 </p:sld>
 </file>
 
@@ -5333,6 +6175,13 @@
   <p:clrMapOvr>
     <a:masterClrMapping/>
   </p:clrMapOvr>
+  <p:timing>
+    <p:tnLst>
+      <p:par>
+        <p:cTn id="1" dur="indefinite" restart="never" nodeType="tmRoot"/>
+      </p:par>
+    </p:tnLst>
+  </p:timing>
 </p:sld>
 </file>
 
@@ -5401,7 +6250,47 @@
             </a:r>
             <a:r>
               <a:rPr kumimoji="1" lang="zh-CN" altLang="en-US" dirty="0" smtClean="0"/>
-              <a:t>时的历史原因</a:t>
+              <a:t>时的历史</a:t>
+            </a:r>
+            <a:r>
+              <a:rPr kumimoji="1" lang="zh-CN" altLang="en-US" dirty="0" smtClean="0"/>
+              <a:t>原因</a:t>
+            </a:r>
+            <a:endParaRPr kumimoji="1" lang="en-US" altLang="zh-CN" dirty="0" smtClean="0"/>
+          </a:p>
+          <a:p>
+            <a:pPr lvl="1"/>
+            <a:r>
+              <a:rPr kumimoji="1" lang="zh-CN" altLang="en-US" dirty="0" smtClean="0"/>
+              <a:t>数据库原理的研究性项目，充分利用</a:t>
+            </a:r>
+            <a:r>
+              <a:rPr kumimoji="1" lang="en-US" altLang="zh-CN" dirty="0" err="1" smtClean="0"/>
+              <a:t>Os</a:t>
+            </a:r>
+            <a:r>
+              <a:rPr kumimoji="1" lang="zh-CN" altLang="en-US" dirty="0" smtClean="0"/>
+              <a:t>机制，可以专注在数据库内核上</a:t>
+            </a:r>
+            <a:endParaRPr kumimoji="1" lang="en-US" altLang="zh-CN" dirty="0" smtClean="0"/>
+          </a:p>
+          <a:p>
+            <a:pPr lvl="1"/>
+            <a:r>
+              <a:rPr kumimoji="1" lang="en-US" altLang="zh-CN" dirty="0" smtClean="0"/>
+              <a:t>IO</a:t>
+            </a:r>
+            <a:r>
+              <a:rPr kumimoji="1" lang="zh-CN" altLang="en-US" dirty="0" smtClean="0"/>
+              <a:t>栈的开发需要一定工作量，研究人员有限</a:t>
+            </a:r>
+            <a:endParaRPr kumimoji="1" lang="en-US" altLang="zh-CN" dirty="0" smtClean="0"/>
+          </a:p>
+          <a:p>
+            <a:pPr lvl="1"/>
+            <a:r>
+              <a:rPr kumimoji="1" lang="zh-CN" altLang="en-US" dirty="0" smtClean="0"/>
+              <a:t>其实用起来差不了不少</a:t>
             </a:r>
             <a:endParaRPr kumimoji="1" lang="en-US" altLang="zh-CN" dirty="0" smtClean="0"/>
           </a:p>
@@ -5430,8 +6319,8 @@
         </p:blipFill>
         <p:spPr>
           <a:xfrm>
-            <a:off x="1958501" y="3228976"/>
-            <a:ext cx="8274997" cy="3443287"/>
+            <a:off x="4892202" y="4169282"/>
+            <a:ext cx="6461598" cy="2688718"/>
           </a:xfrm>
           <a:prstGeom prst="rect">
             <a:avLst/>
@@ -5448,6 +6337,13 @@
   <p:clrMapOvr>
     <a:masterClrMapping/>
   </p:clrMapOvr>
+  <p:timing>
+    <p:tnLst>
+      <p:par>
+        <p:cTn id="1" dur="indefinite" restart="never" nodeType="tmRoot"/>
+      </p:par>
+    </p:tnLst>
+  </p:timing>
 </p:sld>
 </file>
 
@@ -5563,6 +6459,13 @@
   <p:clrMapOvr>
     <a:masterClrMapping/>
   </p:clrMapOvr>
+  <p:timing>
+    <p:tnLst>
+      <p:par>
+        <p:cTn id="1" dur="indefinite" restart="never" nodeType="tmRoot"/>
+      </p:par>
+    </p:tnLst>
+  </p:timing>
 </p:sld>
 </file>
 
@@ -5694,6 +6597,13 @@
   <p:clrMapOvr>
     <a:masterClrMapping/>
   </p:clrMapOvr>
+  <p:timing>
+    <p:tnLst>
+      <p:par>
+        <p:cTn id="1" dur="indefinite" restart="never" nodeType="tmRoot"/>
+      </p:par>
+    </p:tnLst>
+  </p:timing>
 </p:sld>
 </file>
 

--- a/pg-buffer.pptx
+++ b/pg-buffer.pptx
@@ -10,15 +10,15 @@
   <p:sldIdLst>
     <p:sldId id="256" r:id="rId2"/>
     <p:sldId id="257" r:id="rId3"/>
-    <p:sldId id="278" r:id="rId4"/>
-    <p:sldId id="277" r:id="rId5"/>
-    <p:sldId id="273" r:id="rId6"/>
-    <p:sldId id="274" r:id="rId7"/>
-    <p:sldId id="260" r:id="rId8"/>
-    <p:sldId id="275" r:id="rId9"/>
-    <p:sldId id="262" r:id="rId10"/>
-    <p:sldId id="279" r:id="rId11"/>
-    <p:sldId id="263" r:id="rId12"/>
+    <p:sldId id="273" r:id="rId4"/>
+    <p:sldId id="283" r:id="rId5"/>
+    <p:sldId id="277" r:id="rId6"/>
+    <p:sldId id="263" r:id="rId7"/>
+    <p:sldId id="274" r:id="rId8"/>
+    <p:sldId id="260" r:id="rId9"/>
+    <p:sldId id="275" r:id="rId10"/>
+    <p:sldId id="262" r:id="rId11"/>
+    <p:sldId id="279" r:id="rId12"/>
     <p:sldId id="268" r:id="rId13"/>
     <p:sldId id="280" r:id="rId14"/>
     <p:sldId id="281" r:id="rId15"/>
@@ -214,7 +214,7 @@
           <a:p>
             <a:fld id="{B3FE15F5-6E8A-304E-A626-99BFA75D3031}" type="datetimeFigureOut">
               <a:rPr kumimoji="1" lang="zh-CN" altLang="en-US" smtClean="0"/>
-              <a:t>2019/11/7</a:t>
+              <a:t>2019/11/8</a:t>
             </a:fld>
             <a:endParaRPr kumimoji="1" lang="zh-CN" altLang="en-US"/>
           </a:p>
@@ -666,7 +666,7 @@
           <a:p>
             <a:fld id="{70A40FC4-4BF0-C949-B638-8140D736F858}" type="slidenum">
               <a:rPr kumimoji="1" lang="zh-CN" altLang="en-US" smtClean="0"/>
-              <a:t>4</a:t>
+              <a:t>5</a:t>
             </a:fld>
             <a:endParaRPr kumimoji="1" lang="zh-CN" altLang="en-US"/>
           </a:p>
@@ -750,7 +750,7 @@
           <a:p>
             <a:fld id="{70A40FC4-4BF0-C949-B638-8140D736F858}" type="slidenum">
               <a:rPr kumimoji="1" lang="zh-CN" altLang="en-US" smtClean="0"/>
-              <a:t>7</a:t>
+              <a:t>8</a:t>
             </a:fld>
             <a:endParaRPr kumimoji="1" lang="zh-CN" altLang="en-US"/>
           </a:p>
@@ -984,7 +984,7 @@
           <a:p>
             <a:fld id="{2606237A-B1B2-7B4A-96C8-8424FC8FC192}" type="datetimeFigureOut">
               <a:rPr kumimoji="1" lang="zh-CN" altLang="en-US" smtClean="0"/>
-              <a:t>2019/11/7</a:t>
+              <a:t>2019/11/8</a:t>
             </a:fld>
             <a:endParaRPr kumimoji="1" lang="zh-CN" altLang="en-US"/>
           </a:p>
@@ -1154,7 +1154,7 @@
           <a:p>
             <a:fld id="{2606237A-B1B2-7B4A-96C8-8424FC8FC192}" type="datetimeFigureOut">
               <a:rPr kumimoji="1" lang="zh-CN" altLang="en-US" smtClean="0"/>
-              <a:t>2019/11/7</a:t>
+              <a:t>2019/11/8</a:t>
             </a:fld>
             <a:endParaRPr kumimoji="1" lang="zh-CN" altLang="en-US"/>
           </a:p>
@@ -1334,7 +1334,7 @@
           <a:p>
             <a:fld id="{2606237A-B1B2-7B4A-96C8-8424FC8FC192}" type="datetimeFigureOut">
               <a:rPr kumimoji="1" lang="zh-CN" altLang="en-US" smtClean="0"/>
-              <a:t>2019/11/7</a:t>
+              <a:t>2019/11/8</a:t>
             </a:fld>
             <a:endParaRPr kumimoji="1" lang="zh-CN" altLang="en-US"/>
           </a:p>
@@ -1504,7 +1504,7 @@
           <a:p>
             <a:fld id="{2606237A-B1B2-7B4A-96C8-8424FC8FC192}" type="datetimeFigureOut">
               <a:rPr kumimoji="1" lang="zh-CN" altLang="en-US" smtClean="0"/>
-              <a:t>2019/11/7</a:t>
+              <a:t>2019/11/8</a:t>
             </a:fld>
             <a:endParaRPr kumimoji="1" lang="zh-CN" altLang="en-US"/>
           </a:p>
@@ -1750,7 +1750,7 @@
           <a:p>
             <a:fld id="{2606237A-B1B2-7B4A-96C8-8424FC8FC192}" type="datetimeFigureOut">
               <a:rPr kumimoji="1" lang="zh-CN" altLang="en-US" smtClean="0"/>
-              <a:t>2019/11/7</a:t>
+              <a:t>2019/11/8</a:t>
             </a:fld>
             <a:endParaRPr kumimoji="1" lang="zh-CN" altLang="en-US"/>
           </a:p>
@@ -1982,7 +1982,7 @@
           <a:p>
             <a:fld id="{2606237A-B1B2-7B4A-96C8-8424FC8FC192}" type="datetimeFigureOut">
               <a:rPr kumimoji="1" lang="zh-CN" altLang="en-US" smtClean="0"/>
-              <a:t>2019/11/7</a:t>
+              <a:t>2019/11/8</a:t>
             </a:fld>
             <a:endParaRPr kumimoji="1" lang="zh-CN" altLang="en-US"/>
           </a:p>
@@ -2349,7 +2349,7 @@
           <a:p>
             <a:fld id="{2606237A-B1B2-7B4A-96C8-8424FC8FC192}" type="datetimeFigureOut">
               <a:rPr kumimoji="1" lang="zh-CN" altLang="en-US" smtClean="0"/>
-              <a:t>2019/11/7</a:t>
+              <a:t>2019/11/8</a:t>
             </a:fld>
             <a:endParaRPr kumimoji="1" lang="zh-CN" altLang="en-US"/>
           </a:p>
@@ -2467,7 +2467,7 @@
           <a:p>
             <a:fld id="{2606237A-B1B2-7B4A-96C8-8424FC8FC192}" type="datetimeFigureOut">
               <a:rPr kumimoji="1" lang="zh-CN" altLang="en-US" smtClean="0"/>
-              <a:t>2019/11/7</a:t>
+              <a:t>2019/11/8</a:t>
             </a:fld>
             <a:endParaRPr kumimoji="1" lang="zh-CN" altLang="en-US"/>
           </a:p>
@@ -2562,7 +2562,7 @@
           <a:p>
             <a:fld id="{2606237A-B1B2-7B4A-96C8-8424FC8FC192}" type="datetimeFigureOut">
               <a:rPr kumimoji="1" lang="zh-CN" altLang="en-US" smtClean="0"/>
-              <a:t>2019/11/7</a:t>
+              <a:t>2019/11/8</a:t>
             </a:fld>
             <a:endParaRPr kumimoji="1" lang="zh-CN" altLang="en-US"/>
           </a:p>
@@ -2839,7 +2839,7 @@
           <a:p>
             <a:fld id="{2606237A-B1B2-7B4A-96C8-8424FC8FC192}" type="datetimeFigureOut">
               <a:rPr kumimoji="1" lang="zh-CN" altLang="en-US" smtClean="0"/>
-              <a:t>2019/11/7</a:t>
+              <a:t>2019/11/8</a:t>
             </a:fld>
             <a:endParaRPr kumimoji="1" lang="zh-CN" altLang="en-US"/>
           </a:p>
@@ -3092,7 +3092,7 @@
           <a:p>
             <a:fld id="{2606237A-B1B2-7B4A-96C8-8424FC8FC192}" type="datetimeFigureOut">
               <a:rPr kumimoji="1" lang="zh-CN" altLang="en-US" smtClean="0"/>
-              <a:t>2019/11/7</a:t>
+              <a:t>2019/11/8</a:t>
             </a:fld>
             <a:endParaRPr kumimoji="1" lang="zh-CN" altLang="en-US"/>
           </a:p>
@@ -3305,7 +3305,7 @@
           <a:p>
             <a:fld id="{2606237A-B1B2-7B4A-96C8-8424FC8FC192}" type="datetimeFigureOut">
               <a:rPr kumimoji="1" lang="zh-CN" altLang="en-US" smtClean="0"/>
-              <a:t>2019/11/7</a:t>
+              <a:t>2019/11/8</a:t>
             </a:fld>
             <a:endParaRPr kumimoji="1" lang="zh-CN" altLang="en-US"/>
           </a:p>
@@ -3754,8 +3754,46 @@
           <a:p>
             <a:pPr algn="r"/>
             <a:r>
+              <a:rPr kumimoji="1" lang="en-US" altLang="zh-CN" dirty="0" smtClean="0">
+                <a:solidFill>
+                  <a:schemeClr val="bg1">
+                    <a:lumMod val="50000"/>
+                  </a:schemeClr>
+                </a:solidFill>
+              </a:rPr>
+              <a:t>——</a:t>
+            </a:r>
+            <a:r>
+              <a:rPr kumimoji="1" lang="zh-CN" altLang="en-US" dirty="0" smtClean="0">
+                <a:solidFill>
+                  <a:schemeClr val="bg1">
+                    <a:lumMod val="50000"/>
+                  </a:schemeClr>
+                </a:solidFill>
+              </a:rPr>
+              <a:t> 一个小问题的思考总结</a:t>
+            </a:r>
+            <a:endParaRPr kumimoji="1" lang="en-US" altLang="zh-CN" dirty="0" smtClean="0">
+              <a:solidFill>
+                <a:schemeClr val="bg1">
+                  <a:lumMod val="50000"/>
+                </a:schemeClr>
+              </a:solidFill>
+            </a:endParaRPr>
+          </a:p>
+          <a:p>
+            <a:pPr algn="r"/>
+            <a:endParaRPr kumimoji="1" lang="en-US" altLang="zh-CN" dirty="0" smtClean="0"/>
+          </a:p>
+          <a:p>
+            <a:pPr algn="r"/>
+            <a:r>
               <a:rPr kumimoji="1" lang="zh-CN" altLang="en-US" dirty="0" smtClean="0"/>
-              <a:t>刘阳明</a:t>
+              <a:t>刘</a:t>
+            </a:r>
+            <a:r>
+              <a:rPr kumimoji="1" lang="zh-CN" altLang="en-US" dirty="0" smtClean="0"/>
+              <a:t>阳明</a:t>
             </a:r>
             <a:endParaRPr kumimoji="1" lang="zh-CN" altLang="en-US" dirty="0"/>
           </a:p>
@@ -3771,6 +3809,14 @@
   <p:clrMapOvr>
     <a:masterClrMapping/>
   </p:clrMapOvr>
+  <mc:AlternateContent xmlns:mc="http://schemas.openxmlformats.org/markup-compatibility/2006">
+    <mc:Choice xmlns:p14="http://schemas.microsoft.com/office/powerpoint/2010/main" Requires="p14">
+      <p:transition spd="slow" p14:dur="2000" advTm="6541"/>
+    </mc:Choice>
+    <mc:Fallback>
+      <p:transition spd="slow" advTm="6541"/>
+    </mc:Fallback>
+  </mc:AlternateContent>
   <p:timing>
     <p:tnLst>
       <p:par>
@@ -3814,124 +3860,74 @@
           <a:lstStyle/>
           <a:p>
             <a:r>
+              <a:rPr kumimoji="1" lang="zh-CN" altLang="en-US" dirty="0" smtClean="0"/>
+              <a:t>实践经验</a:t>
+            </a:r>
+            <a:endParaRPr kumimoji="1" lang="zh-CN" altLang="en-US" dirty="0"/>
+          </a:p>
+        </p:txBody>
+      </p:sp>
+      <p:sp>
+        <p:nvSpPr>
+          <p:cNvPr id="3" name="内容占位符 2"/>
+          <p:cNvSpPr>
+            <a:spLocks noGrp="1"/>
+          </p:cNvSpPr>
+          <p:nvPr>
+            <p:ph idx="1"/>
+          </p:nvPr>
+        </p:nvSpPr>
+        <p:spPr/>
+        <p:txBody>
+          <a:bodyPr/>
+          <a:lstStyle/>
+          <a:p>
+            <a:r>
+              <a:rPr kumimoji="1" lang="zh-CN" altLang="en-US" dirty="0" smtClean="0"/>
+              <a:t>监控：除了</a:t>
+            </a:r>
+            <a:r>
+              <a:rPr kumimoji="1" lang="en-US" altLang="zh-CN" dirty="0" err="1" smtClean="0"/>
+              <a:t>BufferPool</a:t>
+            </a:r>
+            <a:r>
+              <a:rPr kumimoji="1" lang="zh-CN" altLang="en-US" dirty="0" smtClean="0"/>
+              <a:t>，</a:t>
+            </a:r>
+            <a:r>
               <a:rPr kumimoji="1" lang="en-US" altLang="zh-CN" dirty="0" smtClean="0"/>
-              <a:t>outline</a:t>
-            </a:r>
-            <a:endParaRPr kumimoji="1" lang="zh-CN" altLang="en-US" dirty="0"/>
-          </a:p>
-        </p:txBody>
-      </p:sp>
-      <p:sp>
-        <p:nvSpPr>
-          <p:cNvPr id="3" name="内容占位符 2"/>
-          <p:cNvSpPr>
-            <a:spLocks noGrp="1"/>
-          </p:cNvSpPr>
-          <p:nvPr>
-            <p:ph idx="1"/>
-          </p:nvPr>
-        </p:nvSpPr>
-        <p:spPr/>
-        <p:txBody>
-          <a:bodyPr/>
-          <a:lstStyle/>
-          <a:p>
-            <a:r>
-              <a:rPr kumimoji="1" lang="en-US" altLang="zh-CN" dirty="0">
-                <a:solidFill>
-                  <a:schemeClr val="bg1">
-                    <a:lumMod val="75000"/>
-                  </a:schemeClr>
-                </a:solidFill>
-              </a:rPr>
-              <a:t>d</a:t>
-            </a:r>
-            <a:r>
-              <a:rPr kumimoji="1" lang="en-US" altLang="zh-CN" dirty="0" smtClean="0">
-                <a:solidFill>
-                  <a:schemeClr val="bg1">
-                    <a:lumMod val="75000"/>
-                  </a:schemeClr>
-                </a:solidFill>
-              </a:rPr>
-              <a:t>ouble</a:t>
-            </a:r>
-            <a:r>
-              <a:rPr kumimoji="1" lang="zh-CN" altLang="en-US" dirty="0" smtClean="0">
-                <a:solidFill>
-                  <a:schemeClr val="bg1">
-                    <a:lumMod val="75000"/>
-                  </a:schemeClr>
-                </a:solidFill>
-              </a:rPr>
+              <a:t>Kernel</a:t>
+            </a:r>
+            <a:r>
+              <a:rPr kumimoji="1" lang="zh-CN" altLang="en-US" dirty="0"/>
               <a:t> </a:t>
             </a:r>
             <a:r>
-              <a:rPr kumimoji="1" lang="en-US" altLang="zh-CN" dirty="0" smtClean="0">
-                <a:solidFill>
-                  <a:schemeClr val="bg1">
-                    <a:lumMod val="75000"/>
-                  </a:schemeClr>
-                </a:solidFill>
-              </a:rPr>
-              <a:t>buffer</a:t>
-            </a:r>
-            <a:r>
-              <a:rPr kumimoji="1" lang="zh-CN" altLang="en-US" dirty="0" smtClean="0">
-                <a:solidFill>
-                  <a:schemeClr val="bg1">
-                    <a:lumMod val="75000"/>
-                  </a:schemeClr>
-                </a:solidFill>
-              </a:rPr>
-              <a:t> </a:t>
-            </a:r>
-            <a:r>
-              <a:rPr kumimoji="1" lang="en-US" altLang="zh-CN" dirty="0" smtClean="0">
-                <a:solidFill>
-                  <a:schemeClr val="bg1">
-                    <a:lumMod val="75000"/>
-                  </a:schemeClr>
-                </a:solidFill>
-              </a:rPr>
-              <a:t>in</a:t>
-            </a:r>
-            <a:r>
-              <a:rPr kumimoji="1" lang="zh-CN" altLang="en-US" dirty="0" smtClean="0">
-                <a:solidFill>
-                  <a:schemeClr val="bg1">
-                    <a:lumMod val="75000"/>
-                  </a:schemeClr>
-                </a:solidFill>
-              </a:rPr>
-              <a:t> </a:t>
-            </a:r>
-            <a:r>
-              <a:rPr kumimoji="1" lang="en-US" altLang="zh-CN" dirty="0" smtClean="0">
-                <a:solidFill>
-                  <a:schemeClr val="bg1">
-                    <a:lumMod val="75000"/>
-                  </a:schemeClr>
-                </a:solidFill>
-              </a:rPr>
-              <a:t>PostgreSQL</a:t>
-            </a:r>
-            <a:endParaRPr kumimoji="1" lang="en-US" altLang="zh-CN" dirty="0">
-              <a:solidFill>
-                <a:schemeClr val="bg1">
-                  <a:lumMod val="75000"/>
-                </a:schemeClr>
-              </a:solidFill>
-            </a:endParaRPr>
-          </a:p>
-          <a:p>
-            <a:r>
-              <a:rPr kumimoji="1" lang="en-US" altLang="zh-CN" dirty="0"/>
-              <a:t>c</a:t>
-            </a:r>
-            <a:r>
               <a:rPr kumimoji="1" lang="en-US" altLang="zh-CN" dirty="0" smtClean="0"/>
-              <a:t>heckpoint</a:t>
+              <a:t>Buffer</a:t>
+            </a:r>
+            <a:r>
+              <a:rPr kumimoji="1" lang="zh-CN" altLang="en-US" dirty="0" smtClean="0"/>
+              <a:t>是否被充满，同样重要</a:t>
+            </a:r>
+            <a:endParaRPr kumimoji="1" lang="en-US" altLang="zh-CN" dirty="0" smtClean="0"/>
+          </a:p>
+          <a:p>
+            <a:r>
+              <a:rPr kumimoji="1" lang="zh-CN" altLang="en-US" dirty="0" smtClean="0"/>
+              <a:t>操作：注意</a:t>
+            </a:r>
+            <a:r>
+              <a:rPr kumimoji="1" lang="en-US" altLang="zh-CN" dirty="0" smtClean="0"/>
+              <a:t>Vacuum</a:t>
+            </a:r>
+            <a:r>
+              <a:rPr kumimoji="1" lang="zh-CN" altLang="en-US" dirty="0" smtClean="0"/>
+              <a:t>操作时 </a:t>
+            </a:r>
+            <a:r>
+              <a:rPr kumimoji="1" lang="en-US" altLang="zh-CN" dirty="0" smtClean="0"/>
+              <a:t>Kernel</a:t>
             </a:r>
             <a:r>
               <a:rPr kumimoji="1" lang="zh-CN" altLang="en-US" dirty="0" smtClean="0"/>
@@ -3939,78 +3935,20 @@
             </a:r>
             <a:r>
               <a:rPr kumimoji="1" lang="en-US" altLang="zh-CN" dirty="0" smtClean="0"/>
-              <a:t>in</a:t>
+              <a:t>Buffer</a:t>
             </a:r>
             <a:r>
               <a:rPr kumimoji="1" lang="zh-CN" altLang="en-US" dirty="0" smtClean="0"/>
-              <a:t> </a:t>
-            </a:r>
-            <a:r>
-              <a:rPr kumimoji="1" lang="en-US" altLang="zh-CN" dirty="0" smtClean="0"/>
-              <a:t>PostgreSQL</a:t>
-            </a:r>
-          </a:p>
-          <a:p>
-            <a:r>
-              <a:rPr kumimoji="1" lang="en-US" altLang="zh-CN" dirty="0" err="1">
-                <a:solidFill>
-                  <a:schemeClr val="bg1">
-                    <a:lumMod val="75000"/>
-                  </a:schemeClr>
-                </a:solidFill>
-              </a:rPr>
-              <a:t>fsync</a:t>
-            </a:r>
-            <a:r>
-              <a:rPr kumimoji="1" lang="zh-CN" altLang="en-US" dirty="0">
-                <a:solidFill>
-                  <a:schemeClr val="bg1">
-                    <a:lumMod val="75000"/>
-                  </a:schemeClr>
-                </a:solidFill>
-              </a:rPr>
-              <a:t> </a:t>
-            </a:r>
-            <a:r>
-              <a:rPr kumimoji="1" lang="en-US" altLang="zh-CN" dirty="0">
-                <a:solidFill>
-                  <a:schemeClr val="bg1">
-                    <a:lumMod val="75000"/>
-                  </a:schemeClr>
-                </a:solidFill>
-              </a:rPr>
-              <a:t>in</a:t>
-            </a:r>
-            <a:r>
-              <a:rPr kumimoji="1" lang="zh-CN" altLang="en-US" dirty="0">
-                <a:solidFill>
-                  <a:schemeClr val="bg1">
-                    <a:lumMod val="75000"/>
-                  </a:schemeClr>
-                </a:solidFill>
-              </a:rPr>
-              <a:t> </a:t>
-            </a:r>
-            <a:r>
-              <a:rPr kumimoji="1" lang="en-US" altLang="zh-CN" dirty="0" smtClean="0">
-                <a:solidFill>
-                  <a:schemeClr val="bg1">
-                    <a:lumMod val="75000"/>
-                  </a:schemeClr>
-                </a:solidFill>
-              </a:rPr>
-              <a:t>PostgreSQL</a:t>
-            </a:r>
-          </a:p>
-          <a:p>
-            <a:endParaRPr kumimoji="1" lang="en-US" altLang="zh-CN" dirty="0" smtClean="0"/>
+              <a:t>是否被刷空。</a:t>
+            </a:r>
+            <a:endParaRPr kumimoji="1" lang="zh-CN" altLang="en-US" dirty="0"/>
           </a:p>
         </p:txBody>
       </p:sp>
     </p:spTree>
     <p:extLst>
       <p:ext uri="{BB962C8B-B14F-4D97-AF65-F5344CB8AC3E}">
-        <p14:creationId xmlns:p14="http://schemas.microsoft.com/office/powerpoint/2010/main" val="1932687378"/>
+        <p14:creationId xmlns:p14="http://schemas.microsoft.com/office/powerpoint/2010/main" val="1377947095"/>
       </p:ext>
     </p:extLst>
   </p:cSld>
@@ -4060,8 +3998,8 @@
           <a:lstStyle/>
           <a:p>
             <a:r>
-              <a:rPr kumimoji="1" lang="en-US" altLang="zh-CN" dirty="0" err="1" smtClean="0"/>
-              <a:t>bufferpool</a:t>
+              <a:rPr kumimoji="1" lang="en-US" altLang="zh-CN" dirty="0" smtClean="0"/>
+              <a:t>outline</a:t>
             </a:r>
             <a:endParaRPr kumimoji="1" lang="zh-CN" altLang="en-US" dirty="0"/>
           </a:p>
@@ -4074,75 +4012,189 @@
             <a:spLocks noGrp="1"/>
           </p:cNvSpPr>
           <p:nvPr>
-            <p:ph sz="half" idx="2"/>
-          </p:nvPr>
-        </p:nvSpPr>
-        <p:spPr/>
-        <p:txBody>
-          <a:bodyPr/>
-          <a:lstStyle/>
-          <a:p>
-            <a:endParaRPr lang="en-US" altLang="zh-CN" dirty="0" smtClean="0"/>
-          </a:p>
-          <a:p>
-            <a:endParaRPr kumimoji="1" lang="zh-CN" altLang="en-US" dirty="0"/>
-          </a:p>
-        </p:txBody>
-      </p:sp>
-      <p:pic>
-        <p:nvPicPr>
-          <p:cNvPr id="18" name="图片 17"/>
-          <p:cNvPicPr>
-            <a:picLocks noChangeAspect="1"/>
-          </p:cNvPicPr>
-          <p:nvPr/>
-        </p:nvPicPr>
-        <p:blipFill>
-          <a:blip r:embed="rId2"/>
-          <a:stretch>
-            <a:fillRect/>
-          </a:stretch>
-        </p:blipFill>
-        <p:spPr>
-          <a:xfrm>
-            <a:off x="839788" y="1717675"/>
-            <a:ext cx="3848100" cy="4445000"/>
-          </a:xfrm>
-          <a:prstGeom prst="rect">
-            <a:avLst/>
-          </a:prstGeom>
-        </p:spPr>
-      </p:pic>
-      <p:pic>
-        <p:nvPicPr>
-          <p:cNvPr id="22" name="内容占位符 21"/>
-          <p:cNvPicPr>
-            <a:picLocks noGrp="1" noChangeAspect="1"/>
-          </p:cNvPicPr>
-          <p:nvPr>
-            <p:ph sz="quarter" idx="4"/>
-          </p:nvPr>
-        </p:nvPicPr>
-        <p:blipFill>
-          <a:blip r:embed="rId3"/>
-          <a:stretch>
-            <a:fillRect/>
-          </a:stretch>
-        </p:blipFill>
-        <p:spPr>
-          <a:xfrm>
-            <a:off x="6097588" y="1690687"/>
-            <a:ext cx="4696994" cy="4471988"/>
-          </a:xfrm>
-          <a:prstGeom prst="rect">
-            <a:avLst/>
-          </a:prstGeom>
-        </p:spPr>
-      </p:pic>
+            <p:ph idx="1"/>
+          </p:nvPr>
+        </p:nvSpPr>
+        <p:spPr/>
+        <p:txBody>
+          <a:bodyPr/>
+          <a:lstStyle/>
+          <a:p>
+            <a:r>
+              <a:rPr kumimoji="1" lang="en-US" altLang="zh-CN" dirty="0">
+                <a:solidFill>
+                  <a:schemeClr val="bg1">
+                    <a:lumMod val="75000"/>
+                  </a:schemeClr>
+                </a:solidFill>
+              </a:rPr>
+              <a:t>d</a:t>
+            </a:r>
+            <a:r>
+              <a:rPr kumimoji="1" lang="en-US" altLang="zh-CN" dirty="0" smtClean="0">
+                <a:solidFill>
+                  <a:schemeClr val="bg1">
+                    <a:lumMod val="75000"/>
+                  </a:schemeClr>
+                </a:solidFill>
+              </a:rPr>
+              <a:t>ouble</a:t>
+            </a:r>
+            <a:r>
+              <a:rPr kumimoji="1" lang="zh-CN" altLang="en-US" dirty="0" smtClean="0">
+                <a:solidFill>
+                  <a:schemeClr val="bg1">
+                    <a:lumMod val="75000"/>
+                  </a:schemeClr>
+                </a:solidFill>
+              </a:rPr>
+              <a:t> </a:t>
+            </a:r>
+            <a:r>
+              <a:rPr kumimoji="1" lang="en-US" altLang="zh-CN" dirty="0" smtClean="0">
+                <a:solidFill>
+                  <a:schemeClr val="bg1">
+                    <a:lumMod val="75000"/>
+                  </a:schemeClr>
+                </a:solidFill>
+              </a:rPr>
+              <a:t>buffer</a:t>
+            </a:r>
+            <a:r>
+              <a:rPr kumimoji="1" lang="zh-CN" altLang="en-US" dirty="0" smtClean="0">
+                <a:solidFill>
+                  <a:schemeClr val="bg1">
+                    <a:lumMod val="75000"/>
+                  </a:schemeClr>
+                </a:solidFill>
+              </a:rPr>
+              <a:t> </a:t>
+            </a:r>
+            <a:r>
+              <a:rPr kumimoji="1" lang="en-US" altLang="zh-CN" dirty="0" smtClean="0">
+                <a:solidFill>
+                  <a:schemeClr val="bg1">
+                    <a:lumMod val="75000"/>
+                  </a:schemeClr>
+                </a:solidFill>
+              </a:rPr>
+              <a:t>in</a:t>
+            </a:r>
+            <a:r>
+              <a:rPr kumimoji="1" lang="zh-CN" altLang="en-US" dirty="0" smtClean="0">
+                <a:solidFill>
+                  <a:schemeClr val="bg1">
+                    <a:lumMod val="75000"/>
+                  </a:schemeClr>
+                </a:solidFill>
+              </a:rPr>
+              <a:t> </a:t>
+            </a:r>
+            <a:r>
+              <a:rPr kumimoji="1" lang="en-US" altLang="zh-CN" dirty="0" smtClean="0">
+                <a:solidFill>
+                  <a:schemeClr val="bg1">
+                    <a:lumMod val="75000"/>
+                  </a:schemeClr>
+                </a:solidFill>
+              </a:rPr>
+              <a:t>PostgreSQL</a:t>
+            </a:r>
+            <a:endParaRPr kumimoji="1" lang="en-US" altLang="zh-CN" dirty="0">
+              <a:solidFill>
+                <a:schemeClr val="bg1">
+                  <a:lumMod val="75000"/>
+                </a:schemeClr>
+              </a:solidFill>
+            </a:endParaRPr>
+          </a:p>
+          <a:p>
+            <a:r>
+              <a:rPr kumimoji="1" lang="en-US" altLang="zh-CN" dirty="0"/>
+              <a:t>c</a:t>
+            </a:r>
+            <a:r>
+              <a:rPr kumimoji="1" lang="en-US" altLang="zh-CN" dirty="0" smtClean="0"/>
+              <a:t>heckpoint</a:t>
+            </a:r>
+            <a:r>
+              <a:rPr kumimoji="1" lang="zh-CN" altLang="en-US" dirty="0" smtClean="0"/>
+              <a:t> </a:t>
+            </a:r>
+            <a:r>
+              <a:rPr kumimoji="1" lang="en-US" altLang="zh-CN" dirty="0" smtClean="0"/>
+              <a:t>in</a:t>
+            </a:r>
+            <a:r>
+              <a:rPr kumimoji="1" lang="zh-CN" altLang="en-US" dirty="0" smtClean="0"/>
+              <a:t> </a:t>
+            </a:r>
+            <a:r>
+              <a:rPr kumimoji="1" lang="en-US" altLang="zh-CN" dirty="0" smtClean="0"/>
+              <a:t>PostgreSQL</a:t>
+            </a:r>
+          </a:p>
+          <a:p>
+            <a:r>
+              <a:rPr kumimoji="1" lang="en-US" altLang="zh-CN" dirty="0" err="1">
+                <a:solidFill>
+                  <a:schemeClr val="bg1">
+                    <a:lumMod val="75000"/>
+                  </a:schemeClr>
+                </a:solidFill>
+              </a:rPr>
+              <a:t>fsync</a:t>
+            </a:r>
+            <a:r>
+              <a:rPr kumimoji="1" lang="zh-CN" altLang="en-US" dirty="0">
+                <a:solidFill>
+                  <a:schemeClr val="bg1">
+                    <a:lumMod val="75000"/>
+                  </a:schemeClr>
+                </a:solidFill>
+              </a:rPr>
+              <a:t> </a:t>
+            </a:r>
+            <a:r>
+              <a:rPr kumimoji="1" lang="en-US" altLang="zh-CN" dirty="0">
+                <a:solidFill>
+                  <a:schemeClr val="bg1">
+                    <a:lumMod val="75000"/>
+                  </a:schemeClr>
+                </a:solidFill>
+              </a:rPr>
+              <a:t>in</a:t>
+            </a:r>
+            <a:r>
+              <a:rPr kumimoji="1" lang="zh-CN" altLang="en-US" dirty="0">
+                <a:solidFill>
+                  <a:schemeClr val="bg1">
+                    <a:lumMod val="75000"/>
+                  </a:schemeClr>
+                </a:solidFill>
+              </a:rPr>
+              <a:t> </a:t>
+            </a:r>
+            <a:r>
+              <a:rPr kumimoji="1" lang="en-US" altLang="zh-CN" dirty="0" smtClean="0">
+                <a:solidFill>
+                  <a:schemeClr val="bg1">
+                    <a:lumMod val="75000"/>
+                  </a:schemeClr>
+                </a:solidFill>
+              </a:rPr>
+              <a:t>PostgreSQL</a:t>
+            </a:r>
+          </a:p>
+          <a:p>
+            <a:endParaRPr kumimoji="1" lang="en-US" altLang="zh-CN" dirty="0" smtClean="0"/>
+          </a:p>
+        </p:txBody>
+      </p:sp>
     </p:spTree>
     <p:extLst>
       <p:ext uri="{BB962C8B-B14F-4D97-AF65-F5344CB8AC3E}">
-        <p14:creationId xmlns:p14="http://schemas.microsoft.com/office/powerpoint/2010/main" val="888379898"/>
+        <p14:creationId xmlns:p14="http://schemas.microsoft.com/office/powerpoint/2010/main" val="1932687378"/>
       </p:ext>
     </p:extLst>
   </p:cSld>
@@ -5548,7 +5600,7 @@
           <a:p>
             <a:r>
               <a:rPr kumimoji="1" lang="en-US" altLang="zh-CN" dirty="0" smtClean="0"/>
-              <a:t>Double</a:t>
+              <a:t>double</a:t>
             </a:r>
             <a:r>
               <a:rPr kumimoji="1" lang="zh-CN" altLang="en-US" dirty="0" smtClean="0"/>
@@ -5558,39 +5610,12 @@
               <a:rPr kumimoji="1" lang="en-US" altLang="zh-CN" dirty="0" smtClean="0"/>
               <a:t>buffer</a:t>
             </a:r>
-            <a:r>
-              <a:rPr kumimoji="1" lang="zh-CN" altLang="en-US" dirty="0" smtClean="0"/>
-              <a:t> </a:t>
-            </a:r>
+          </a:p>
+          <a:p>
             <a:r>
               <a:rPr kumimoji="1" lang="en-US" altLang="zh-CN" dirty="0" smtClean="0"/>
-              <a:t>in</a:t>
-            </a:r>
-            <a:r>
-              <a:rPr kumimoji="1" lang="zh-CN" altLang="en-US" dirty="0" smtClean="0"/>
-              <a:t> </a:t>
-            </a:r>
-            <a:r>
-              <a:rPr kumimoji="1" lang="en-US" altLang="zh-CN" dirty="0" smtClean="0"/>
-              <a:t>PostgreSQL</a:t>
-            </a:r>
-            <a:endParaRPr kumimoji="1" lang="en-US" altLang="zh-CN" dirty="0"/>
-          </a:p>
-          <a:p>
-            <a:r>
-              <a:rPr kumimoji="1" lang="en-US" altLang="zh-CN" dirty="0" err="1" smtClean="0"/>
-              <a:t>data_sync_retry</a:t>
-            </a:r>
-            <a:endParaRPr kumimoji="1" lang="en-US" altLang="zh-CN" dirty="0"/>
-          </a:p>
-          <a:p>
-            <a:r>
-              <a:rPr kumimoji="1" lang="en-US" altLang="zh-CN" dirty="0" err="1" smtClean="0"/>
-              <a:t>sync_file_range</a:t>
-            </a:r>
-            <a:endParaRPr kumimoji="1" lang="en-US" altLang="zh-CN" dirty="0" smtClean="0"/>
-          </a:p>
-          <a:p>
+              <a:t>checkpoint</a:t>
+            </a:r>
             <a:endParaRPr kumimoji="1" lang="en-US" altLang="zh-CN" dirty="0" smtClean="0"/>
           </a:p>
         </p:txBody>
@@ -5649,173 +5674,76 @@
           <a:p>
             <a:r>
               <a:rPr kumimoji="1" lang="en-US" altLang="zh-CN" dirty="0" smtClean="0"/>
-              <a:t>outline</a:t>
+              <a:t>Buffer</a:t>
+            </a:r>
+            <a:r>
+              <a:rPr kumimoji="1" lang="zh-CN" altLang="en-US" dirty="0" smtClean="0"/>
+              <a:t> </a:t>
+            </a:r>
+            <a:r>
+              <a:rPr kumimoji="1" lang="en-US" altLang="zh-CN" dirty="0" smtClean="0"/>
+              <a:t>pool</a:t>
             </a:r>
             <a:endParaRPr kumimoji="1" lang="zh-CN" altLang="en-US" dirty="0"/>
           </a:p>
         </p:txBody>
       </p:sp>
-      <p:sp>
-        <p:nvSpPr>
-          <p:cNvPr id="3" name="内容占位符 2"/>
-          <p:cNvSpPr>
-            <a:spLocks noGrp="1"/>
-          </p:cNvSpPr>
-          <p:nvPr>
-            <p:ph idx="1"/>
-          </p:nvPr>
-        </p:nvSpPr>
-        <p:spPr/>
-        <p:txBody>
-          <a:bodyPr/>
-          <a:lstStyle/>
-          <a:p>
-            <a:r>
-              <a:rPr kumimoji="1" lang="en-US" altLang="zh-CN" dirty="0"/>
-              <a:t>double</a:t>
-            </a:r>
-            <a:r>
-              <a:rPr kumimoji="1" lang="zh-CN" altLang="en-US" dirty="0"/>
-              <a:t> </a:t>
-            </a:r>
-            <a:r>
-              <a:rPr kumimoji="1" lang="en-US" altLang="zh-CN" dirty="0"/>
-              <a:t>buffer</a:t>
-            </a:r>
-            <a:r>
-              <a:rPr kumimoji="1" lang="zh-CN" altLang="en-US" dirty="0"/>
-              <a:t> </a:t>
-            </a:r>
-            <a:r>
-              <a:rPr kumimoji="1" lang="en-US" altLang="zh-CN" dirty="0"/>
-              <a:t>in</a:t>
-            </a:r>
-            <a:r>
-              <a:rPr kumimoji="1" lang="zh-CN" altLang="en-US" dirty="0"/>
-              <a:t> </a:t>
-            </a:r>
-            <a:r>
-              <a:rPr kumimoji="1" lang="en-US" altLang="zh-CN" dirty="0"/>
-              <a:t>PostgreSQL</a:t>
-            </a:r>
-          </a:p>
-          <a:p>
-            <a:r>
-              <a:rPr kumimoji="1" lang="en-US" altLang="zh-CN" dirty="0">
-                <a:solidFill>
-                  <a:schemeClr val="bg1">
-                    <a:lumMod val="75000"/>
-                  </a:schemeClr>
-                </a:solidFill>
-              </a:rPr>
-              <a:t>checkpoint</a:t>
-            </a:r>
-            <a:r>
-              <a:rPr kumimoji="1" lang="zh-CN" altLang="en-US" dirty="0">
-                <a:solidFill>
-                  <a:schemeClr val="bg1">
-                    <a:lumMod val="75000"/>
-                  </a:schemeClr>
-                </a:solidFill>
-              </a:rPr>
-              <a:t> </a:t>
-            </a:r>
-            <a:r>
-              <a:rPr kumimoji="1" lang="en-US" altLang="zh-CN" dirty="0">
-                <a:solidFill>
-                  <a:schemeClr val="bg1">
-                    <a:lumMod val="75000"/>
-                  </a:schemeClr>
-                </a:solidFill>
-              </a:rPr>
-              <a:t>in</a:t>
-            </a:r>
-            <a:r>
-              <a:rPr kumimoji="1" lang="zh-CN" altLang="en-US" dirty="0">
-                <a:solidFill>
-                  <a:schemeClr val="bg1">
-                    <a:lumMod val="75000"/>
-                  </a:schemeClr>
-                </a:solidFill>
-              </a:rPr>
-              <a:t> </a:t>
-            </a:r>
-            <a:r>
-              <a:rPr kumimoji="1" lang="en-US" altLang="zh-CN" dirty="0">
-                <a:solidFill>
-                  <a:schemeClr val="bg1">
-                    <a:lumMod val="75000"/>
-                  </a:schemeClr>
-                </a:solidFill>
-              </a:rPr>
-              <a:t>PostgreSQL</a:t>
-            </a:r>
-          </a:p>
-          <a:p>
-            <a:r>
-              <a:rPr kumimoji="1" lang="en-US" altLang="zh-CN" dirty="0" err="1">
-                <a:solidFill>
-                  <a:schemeClr val="bg1">
-                    <a:lumMod val="75000"/>
-                  </a:schemeClr>
-                </a:solidFill>
-              </a:rPr>
-              <a:t>fsync</a:t>
-            </a:r>
-            <a:r>
-              <a:rPr kumimoji="1" lang="zh-CN" altLang="en-US" dirty="0">
-                <a:solidFill>
-                  <a:schemeClr val="bg1">
-                    <a:lumMod val="75000"/>
-                  </a:schemeClr>
-                </a:solidFill>
-              </a:rPr>
-              <a:t> </a:t>
-            </a:r>
-            <a:r>
-              <a:rPr kumimoji="1" lang="en-US" altLang="zh-CN" dirty="0">
-                <a:solidFill>
-                  <a:schemeClr val="bg1">
-                    <a:lumMod val="75000"/>
-                  </a:schemeClr>
-                </a:solidFill>
-              </a:rPr>
-              <a:t>in</a:t>
-            </a:r>
-            <a:r>
-              <a:rPr kumimoji="1" lang="zh-CN" altLang="en-US" dirty="0">
-                <a:solidFill>
-                  <a:schemeClr val="bg1">
-                    <a:lumMod val="75000"/>
-                  </a:schemeClr>
-                </a:solidFill>
-              </a:rPr>
-              <a:t> </a:t>
-            </a:r>
-            <a:r>
-              <a:rPr kumimoji="1" lang="en-US" altLang="zh-CN" dirty="0" smtClean="0">
-                <a:solidFill>
-                  <a:schemeClr val="bg1">
-                    <a:lumMod val="75000"/>
-                  </a:schemeClr>
-                </a:solidFill>
-              </a:rPr>
-              <a:t>PostgreSQL</a:t>
-            </a:r>
-            <a:endParaRPr kumimoji="1" lang="en-US" altLang="zh-CN" dirty="0">
-              <a:solidFill>
-                <a:schemeClr val="bg1">
-                  <a:lumMod val="75000"/>
-                </a:schemeClr>
-              </a:solidFill>
-            </a:endParaRPr>
-          </a:p>
-        </p:txBody>
-      </p:sp>
+      <p:pic>
+        <p:nvPicPr>
+          <p:cNvPr id="9" name="内容占位符 8"/>
+          <p:cNvPicPr>
+            <a:picLocks noGrp="1" noChangeAspect="1"/>
+          </p:cNvPicPr>
+          <p:nvPr>
+            <p:ph sz="half" idx="1"/>
+          </p:nvPr>
+        </p:nvPicPr>
+        <p:blipFill>
+          <a:blip r:embed="rId2"/>
+          <a:stretch>
+            <a:fillRect/>
+          </a:stretch>
+        </p:blipFill>
+        <p:spPr>
+          <a:xfrm>
+            <a:off x="1500188" y="1607554"/>
+            <a:ext cx="3786187" cy="5421719"/>
+          </a:xfrm>
+          <a:prstGeom prst="rect">
+            <a:avLst/>
+          </a:prstGeom>
+        </p:spPr>
+      </p:pic>
+      <p:pic>
+        <p:nvPicPr>
+          <p:cNvPr id="12" name="内容占位符 11"/>
+          <p:cNvPicPr>
+            <a:picLocks noGrp="1" noChangeAspect="1"/>
+          </p:cNvPicPr>
+          <p:nvPr>
+            <p:ph sz="half" idx="2"/>
+          </p:nvPr>
+        </p:nvPicPr>
+        <p:blipFill>
+          <a:blip r:embed="rId3"/>
+          <a:stretch>
+            <a:fillRect/>
+          </a:stretch>
+        </p:blipFill>
+        <p:spPr>
+          <a:xfrm>
+            <a:off x="7229476" y="1678943"/>
+            <a:ext cx="3514724" cy="5322658"/>
+          </a:xfrm>
+          <a:prstGeom prst="rect">
+            <a:avLst/>
+          </a:prstGeom>
+        </p:spPr>
+      </p:pic>
     </p:spTree>
     <p:extLst>
       <p:ext uri="{BB962C8B-B14F-4D97-AF65-F5344CB8AC3E}">
-        <p14:creationId xmlns:p14="http://schemas.microsoft.com/office/powerpoint/2010/main" val="1023093213"/>
+        <p14:creationId xmlns:p14="http://schemas.microsoft.com/office/powerpoint/2010/main" val="1393019265"/>
       </p:ext>
     </p:extLst>
   </p:cSld>
@@ -5833,6 +5761,107 @@
 </file>
 
 <file path=ppt/slides/slide4.xml><?xml version="1.0" encoding="utf-8"?>
+<p:sld xmlns:a="http://schemas.openxmlformats.org/drawingml/2006/main" xmlns:r="http://schemas.openxmlformats.org/officeDocument/2006/relationships" xmlns:p="http://schemas.openxmlformats.org/presentationml/2006/main">
+  <p:cSld>
+    <p:spTree>
+      <p:nvGrpSpPr>
+        <p:cNvPr id="1" name=""/>
+        <p:cNvGrpSpPr/>
+        <p:nvPr/>
+      </p:nvGrpSpPr>
+      <p:grpSpPr>
+        <a:xfrm>
+          <a:off x="0" y="0"/>
+          <a:ext cx="0" cy="0"/>
+          <a:chOff x="0" y="0"/>
+          <a:chExt cx="0" cy="0"/>
+        </a:xfrm>
+      </p:grpSpPr>
+      <p:sp>
+        <p:nvSpPr>
+          <p:cNvPr id="4" name="标题 3"/>
+          <p:cNvSpPr>
+            <a:spLocks noGrp="1"/>
+          </p:cNvSpPr>
+          <p:nvPr>
+            <p:ph type="title"/>
+          </p:nvPr>
+        </p:nvSpPr>
+        <p:spPr/>
+        <p:txBody>
+          <a:bodyPr/>
+          <a:lstStyle/>
+          <a:p>
+            <a:r>
+              <a:rPr kumimoji="1" lang="en-US" altLang="zh-CN" dirty="0"/>
+              <a:t>Why</a:t>
+            </a:r>
+            <a:r>
+              <a:rPr kumimoji="1" lang="zh-CN" altLang="en-US" dirty="0"/>
+              <a:t> </a:t>
+            </a:r>
+            <a:r>
+              <a:rPr kumimoji="1" lang="en-US" altLang="zh-CN" dirty="0"/>
+              <a:t>PostgreSQL</a:t>
+            </a:r>
+            <a:r>
+              <a:rPr kumimoji="1" lang="zh-CN" altLang="en-US" dirty="0"/>
+              <a:t> </a:t>
+            </a:r>
+            <a:r>
+              <a:rPr kumimoji="1" lang="en-US" altLang="zh-CN" dirty="0"/>
+              <a:t>25%</a:t>
+            </a:r>
+            <a:r>
+              <a:rPr kumimoji="1" lang="zh-CN" altLang="en-US" dirty="0"/>
+              <a:t> </a:t>
+            </a:r>
+            <a:r>
+              <a:rPr kumimoji="1" lang="en-US" altLang="zh-CN" dirty="0"/>
+              <a:t>?</a:t>
+            </a:r>
+            <a:r>
+              <a:rPr kumimoji="1" lang="zh-CN" altLang="en-US" dirty="0"/>
+              <a:t> </a:t>
+            </a:r>
+            <a:r>
+              <a:rPr kumimoji="1" lang="en-US" altLang="zh-CN" dirty="0"/>
+              <a:t>MySQL/</a:t>
+            </a:r>
+            <a:r>
+              <a:rPr kumimoji="1" lang="en-US" altLang="zh-CN" dirty="0" err="1"/>
+              <a:t>InnoDB</a:t>
+            </a:r>
+            <a:r>
+              <a:rPr kumimoji="1" lang="zh-CN" altLang="en-US" dirty="0"/>
+              <a:t> </a:t>
+            </a:r>
+            <a:r>
+              <a:rPr kumimoji="1" lang="en-US" altLang="zh-CN" dirty="0"/>
+              <a:t>80</a:t>
+            </a:r>
+            <a:r>
+              <a:rPr kumimoji="1" lang="en-US" altLang="zh-CN" dirty="0" smtClean="0"/>
+              <a:t>%?</a:t>
+            </a:r>
+            <a:endParaRPr kumimoji="1" lang="zh-CN" altLang="en-US" dirty="0"/>
+          </a:p>
+        </p:txBody>
+      </p:sp>
+    </p:spTree>
+    <p:extLst>
+      <p:ext uri="{BB962C8B-B14F-4D97-AF65-F5344CB8AC3E}">
+        <p14:creationId xmlns:p14="http://schemas.microsoft.com/office/powerpoint/2010/main" val="1868427083"/>
+      </p:ext>
+    </p:extLst>
+  </p:cSld>
+  <p:clrMapOvr>
+    <a:masterClrMapping/>
+  </p:clrMapOvr>
+</p:sld>
+</file>
+
+<file path=ppt/slides/slide5.xml><?xml version="1.0" encoding="utf-8"?>
 <p:sld xmlns:a="http://schemas.openxmlformats.org/drawingml/2006/main" xmlns:r="http://schemas.openxmlformats.org/officeDocument/2006/relationships" xmlns:p="http://schemas.openxmlformats.org/presentationml/2006/main">
   <p:cSld>
     <p:spTree>
@@ -5989,126 +6018,6 @@
 </p:sld>
 </file>
 
-<file path=ppt/slides/slide5.xml><?xml version="1.0" encoding="utf-8"?>
-<p:sld xmlns:a="http://schemas.openxmlformats.org/drawingml/2006/main" xmlns:r="http://schemas.openxmlformats.org/officeDocument/2006/relationships" xmlns:p="http://schemas.openxmlformats.org/presentationml/2006/main">
-  <p:cSld>
-    <p:spTree>
-      <p:nvGrpSpPr>
-        <p:cNvPr id="1" name=""/>
-        <p:cNvGrpSpPr/>
-        <p:nvPr/>
-      </p:nvGrpSpPr>
-      <p:grpSpPr>
-        <a:xfrm>
-          <a:off x="0" y="0"/>
-          <a:ext cx="0" cy="0"/>
-          <a:chOff x="0" y="0"/>
-          <a:chExt cx="0" cy="0"/>
-        </a:xfrm>
-      </p:grpSpPr>
-      <p:sp>
-        <p:nvSpPr>
-          <p:cNvPr id="2" name="标题 1"/>
-          <p:cNvSpPr>
-            <a:spLocks noGrp="1"/>
-          </p:cNvSpPr>
-          <p:nvPr>
-            <p:ph type="title"/>
-          </p:nvPr>
-        </p:nvSpPr>
-        <p:spPr/>
-        <p:txBody>
-          <a:bodyPr/>
-          <a:lstStyle/>
-          <a:p>
-            <a:r>
-              <a:rPr kumimoji="1" lang="zh-CN" altLang="en-US" dirty="0" smtClean="0"/>
-              <a:t>对</a:t>
-            </a:r>
-            <a:r>
-              <a:rPr kumimoji="1" lang="en-US" altLang="zh-CN" dirty="0" smtClean="0"/>
-              <a:t>Db</a:t>
-            </a:r>
-            <a:r>
-              <a:rPr kumimoji="1" lang="zh-CN" altLang="en-US" dirty="0" smtClean="0"/>
-              <a:t>应用来说呢？</a:t>
-            </a:r>
-            <a:endParaRPr kumimoji="1" lang="zh-CN" altLang="en-US" dirty="0"/>
-          </a:p>
-        </p:txBody>
-      </p:sp>
-      <p:pic>
-        <p:nvPicPr>
-          <p:cNvPr id="6" name="内容占位符 5"/>
-          <p:cNvPicPr>
-            <a:picLocks noGrp="1" noChangeAspect="1"/>
-          </p:cNvPicPr>
-          <p:nvPr>
-            <p:ph sz="half" idx="2"/>
-          </p:nvPr>
-        </p:nvPicPr>
-        <p:blipFill>
-          <a:blip r:embed="rId2"/>
-          <a:stretch>
-            <a:fillRect/>
-          </a:stretch>
-        </p:blipFill>
-        <p:spPr>
-          <a:xfrm>
-            <a:off x="7142945" y="1825625"/>
-            <a:ext cx="3240109" cy="4351338"/>
-          </a:xfrm>
-          <a:prstGeom prst="rect">
-            <a:avLst/>
-          </a:prstGeom>
-        </p:spPr>
-      </p:pic>
-      <p:pic>
-        <p:nvPicPr>
-          <p:cNvPr id="11" name="内容占位符 10"/>
-          <p:cNvPicPr>
-            <a:picLocks noGrp="1" noChangeAspect="1"/>
-          </p:cNvPicPr>
-          <p:nvPr>
-            <p:ph sz="half" idx="1"/>
-          </p:nvPr>
-        </p:nvPicPr>
-        <p:blipFill>
-          <a:blip r:embed="rId3"/>
-          <a:stretch>
-            <a:fillRect/>
-          </a:stretch>
-        </p:blipFill>
-        <p:spPr>
-          <a:xfrm>
-            <a:off x="1732324" y="1825625"/>
-            <a:ext cx="3393351" cy="4351338"/>
-          </a:xfrm>
-          <a:prstGeom prst="rect">
-            <a:avLst/>
-          </a:prstGeom>
-        </p:spPr>
-      </p:pic>
-    </p:spTree>
-    <p:extLst>
-      <p:ext uri="{BB962C8B-B14F-4D97-AF65-F5344CB8AC3E}">
-        <p14:creationId xmlns:p14="http://schemas.microsoft.com/office/powerpoint/2010/main" val="1393019265"/>
-      </p:ext>
-    </p:extLst>
-  </p:cSld>
-  <p:clrMapOvr>
-    <a:masterClrMapping/>
-  </p:clrMapOvr>
-  <p:timing>
-    <p:tnLst>
-      <p:par>
-        <p:cTn id="1" dur="indefinite" restart="never" nodeType="tmRoot"/>
-      </p:par>
-    </p:tnLst>
-  </p:timing>
-</p:sld>
-</file>
-
 <file path=ppt/slides/slide6.xml><?xml version="1.0" encoding="utf-8"?>
 <p:sld xmlns:a="http://schemas.openxmlformats.org/drawingml/2006/main" xmlns:r="http://schemas.openxmlformats.org/officeDocument/2006/relationships" xmlns:p="http://schemas.openxmlformats.org/presentationml/2006/main">
   <p:cSld>
@@ -6141,34 +6050,90 @@
           <a:bodyPr/>
           <a:lstStyle/>
           <a:p>
-            <a:pPr algn="ctr"/>
-            <a:r>
-              <a:rPr kumimoji="1" lang="en-US" altLang="zh-CN" dirty="0"/>
-              <a:t>PostgreSQL</a:t>
-            </a:r>
-            <a:r>
-              <a:rPr kumimoji="1" lang="zh-CN" altLang="en-US" dirty="0"/>
-              <a:t>为什么这么设计</a:t>
-            </a:r>
-            <a:r>
-              <a:rPr kumimoji="1" lang="zh-CN" altLang="en-US" dirty="0" smtClean="0"/>
-              <a:t>？</a:t>
-            </a:r>
-            <a:r>
-              <a:rPr kumimoji="1" lang="en-US" altLang="zh-CN" dirty="0" smtClean="0"/>
-              <a:t/>
-            </a:r>
-            <a:br>
-              <a:rPr kumimoji="1" lang="en-US" altLang="zh-CN" dirty="0" smtClean="0"/>
-            </a:br>
+            <a:r>
+              <a:rPr kumimoji="1" lang="en-US" altLang="zh-CN" dirty="0" err="1" smtClean="0"/>
+              <a:t>bufferpool</a:t>
+            </a:r>
             <a:endParaRPr kumimoji="1" lang="zh-CN" altLang="en-US" dirty="0"/>
           </a:p>
         </p:txBody>
       </p:sp>
+      <p:sp>
+        <p:nvSpPr>
+          <p:cNvPr id="3" name="内容占位符 2"/>
+          <p:cNvSpPr>
+            <a:spLocks noGrp="1"/>
+          </p:cNvSpPr>
+          <p:nvPr>
+            <p:ph sz="half" idx="2"/>
+          </p:nvPr>
+        </p:nvSpPr>
+        <p:spPr/>
+        <p:txBody>
+          <a:bodyPr/>
+          <a:lstStyle/>
+          <a:p>
+            <a:endParaRPr lang="en-US" altLang="zh-CN" dirty="0" smtClean="0"/>
+          </a:p>
+          <a:p>
+            <a:endParaRPr kumimoji="1" lang="zh-CN" altLang="en-US" dirty="0"/>
+          </a:p>
+        </p:txBody>
+      </p:sp>
+      <p:pic>
+        <p:nvPicPr>
+          <p:cNvPr id="18" name="图片 17"/>
+          <p:cNvPicPr>
+            <a:picLocks noChangeAspect="1"/>
+          </p:cNvPicPr>
+          <p:nvPr/>
+        </p:nvPicPr>
+        <p:blipFill>
+          <a:blip r:embed="rId2"/>
+          <a:stretch>
+            <a:fillRect/>
+          </a:stretch>
+        </p:blipFill>
+        <p:spPr>
+          <a:xfrm>
+            <a:off x="839788" y="1717675"/>
+            <a:ext cx="3848100" cy="4445000"/>
+          </a:xfrm>
+          <a:prstGeom prst="rect">
+            <a:avLst/>
+          </a:prstGeom>
+        </p:spPr>
+      </p:pic>
+      <p:pic>
+        <p:nvPicPr>
+          <p:cNvPr id="22" name="内容占位符 21"/>
+          <p:cNvPicPr>
+            <a:picLocks noGrp="1" noChangeAspect="1"/>
+          </p:cNvPicPr>
+          <p:nvPr>
+            <p:ph sz="quarter" idx="4"/>
+          </p:nvPr>
+        </p:nvPicPr>
+        <p:blipFill>
+          <a:blip r:embed="rId3"/>
+          <a:stretch>
+            <a:fillRect/>
+          </a:stretch>
+        </p:blipFill>
+        <p:spPr>
+          <a:xfrm>
+            <a:off x="6097588" y="1690687"/>
+            <a:ext cx="4696994" cy="4471988"/>
+          </a:xfrm>
+          <a:prstGeom prst="rect">
+            <a:avLst/>
+          </a:prstGeom>
+        </p:spPr>
+      </p:pic>
     </p:spTree>
     <p:extLst>
       <p:ext uri="{BB962C8B-B14F-4D97-AF65-F5344CB8AC3E}">
-        <p14:creationId xmlns:p14="http://schemas.microsoft.com/office/powerpoint/2010/main" val="995632508"/>
+        <p14:creationId xmlns:p14="http://schemas.microsoft.com/office/powerpoint/2010/main" val="888379898"/>
       </p:ext>
     </p:extLst>
   </p:cSld>
@@ -6217,6 +6182,82 @@
           <a:bodyPr/>
           <a:lstStyle/>
           <a:p>
+            <a:pPr algn="ctr"/>
+            <a:r>
+              <a:rPr kumimoji="1" lang="en-US" altLang="zh-CN" dirty="0"/>
+              <a:t>PostgreSQL</a:t>
+            </a:r>
+            <a:r>
+              <a:rPr kumimoji="1" lang="zh-CN" altLang="en-US" dirty="0"/>
+              <a:t>为什么这么设计</a:t>
+            </a:r>
+            <a:r>
+              <a:rPr kumimoji="1" lang="zh-CN" altLang="en-US" dirty="0" smtClean="0"/>
+              <a:t>？</a:t>
+            </a:r>
+            <a:r>
+              <a:rPr kumimoji="1" lang="en-US" altLang="zh-CN" dirty="0" smtClean="0"/>
+              <a:t/>
+            </a:r>
+            <a:br>
+              <a:rPr kumimoji="1" lang="en-US" altLang="zh-CN" dirty="0" smtClean="0"/>
+            </a:br>
+            <a:endParaRPr kumimoji="1" lang="zh-CN" altLang="en-US" dirty="0"/>
+          </a:p>
+        </p:txBody>
+      </p:sp>
+    </p:spTree>
+    <p:extLst>
+      <p:ext uri="{BB962C8B-B14F-4D97-AF65-F5344CB8AC3E}">
+        <p14:creationId xmlns:p14="http://schemas.microsoft.com/office/powerpoint/2010/main" val="995632508"/>
+      </p:ext>
+    </p:extLst>
+  </p:cSld>
+  <p:clrMapOvr>
+    <a:masterClrMapping/>
+  </p:clrMapOvr>
+  <p:timing>
+    <p:tnLst>
+      <p:par>
+        <p:cTn id="1" dur="indefinite" restart="never" nodeType="tmRoot"/>
+      </p:par>
+    </p:tnLst>
+  </p:timing>
+</p:sld>
+</file>
+
+<file path=ppt/slides/slide8.xml><?xml version="1.0" encoding="utf-8"?>
+<p:sld xmlns:a="http://schemas.openxmlformats.org/drawingml/2006/main" xmlns:r="http://schemas.openxmlformats.org/officeDocument/2006/relationships" xmlns:p="http://schemas.openxmlformats.org/presentationml/2006/main">
+  <p:cSld>
+    <p:spTree>
+      <p:nvGrpSpPr>
+        <p:cNvPr id="1" name=""/>
+        <p:cNvGrpSpPr/>
+        <p:nvPr/>
+      </p:nvGrpSpPr>
+      <p:grpSpPr>
+        <a:xfrm>
+          <a:off x="0" y="0"/>
+          <a:ext cx="0" cy="0"/>
+          <a:chOff x="0" y="0"/>
+          <a:chExt cx="0" cy="0"/>
+        </a:xfrm>
+      </p:grpSpPr>
+      <p:sp>
+        <p:nvSpPr>
+          <p:cNvPr id="2" name="标题 1"/>
+          <p:cNvSpPr>
+            <a:spLocks noGrp="1"/>
+          </p:cNvSpPr>
+          <p:nvPr>
+            <p:ph type="title"/>
+          </p:nvPr>
+        </p:nvSpPr>
+        <p:spPr/>
+        <p:txBody>
+          <a:bodyPr/>
+          <a:lstStyle/>
+          <a:p>
             <a:r>
               <a:rPr kumimoji="1" lang="zh-CN" altLang="en-US" dirty="0" smtClean="0"/>
               <a:t>个人见解</a:t>
@@ -6250,11 +6291,7 @@
             </a:r>
             <a:r>
               <a:rPr kumimoji="1" lang="zh-CN" altLang="en-US" dirty="0" smtClean="0"/>
-              <a:t>时的历史</a:t>
-            </a:r>
-            <a:r>
-              <a:rPr kumimoji="1" lang="zh-CN" altLang="en-US" dirty="0" smtClean="0"/>
-              <a:t>原因</a:t>
+              <a:t>时的历史原因</a:t>
             </a:r>
             <a:endParaRPr kumimoji="1" lang="en-US" altLang="zh-CN" dirty="0" smtClean="0"/>
           </a:p>
@@ -6347,128 +6384,6 @@
 </p:sld>
 </file>
 
-<file path=ppt/slides/slide8.xml><?xml version="1.0" encoding="utf-8"?>
-<p:sld xmlns:a="http://schemas.openxmlformats.org/drawingml/2006/main" xmlns:r="http://schemas.openxmlformats.org/officeDocument/2006/relationships" xmlns:p="http://schemas.openxmlformats.org/presentationml/2006/main">
-  <p:cSld>
-    <p:spTree>
-      <p:nvGrpSpPr>
-        <p:cNvPr id="1" name=""/>
-        <p:cNvGrpSpPr/>
-        <p:nvPr/>
-      </p:nvGrpSpPr>
-      <p:grpSpPr>
-        <a:xfrm>
-          <a:off x="0" y="0"/>
-          <a:ext cx="0" cy="0"/>
-          <a:chOff x="0" y="0"/>
-          <a:chExt cx="0" cy="0"/>
-        </a:xfrm>
-      </p:grpSpPr>
-      <p:sp>
-        <p:nvSpPr>
-          <p:cNvPr id="2" name="标题 1"/>
-          <p:cNvSpPr>
-            <a:spLocks noGrp="1"/>
-          </p:cNvSpPr>
-          <p:nvPr>
-            <p:ph type="title"/>
-          </p:nvPr>
-        </p:nvSpPr>
-        <p:spPr/>
-        <p:txBody>
-          <a:bodyPr/>
-          <a:lstStyle/>
-          <a:p>
-            <a:r>
-              <a:rPr lang="en-US" altLang="zh-CN" smtClean="0"/>
-              <a:t>xlog.c</a:t>
-            </a:r>
-            <a:endParaRPr lang="zh-CN" altLang="en-US" dirty="0"/>
-          </a:p>
-        </p:txBody>
-      </p:sp>
-      <p:pic>
-        <p:nvPicPr>
-          <p:cNvPr id="4" name="内容占位符 3"/>
-          <p:cNvPicPr>
-            <a:picLocks noGrp="1" noChangeAspect="1"/>
-          </p:cNvPicPr>
-          <p:nvPr>
-            <p:ph sz="half" idx="1"/>
-          </p:nvPr>
-        </p:nvPicPr>
-        <p:blipFill>
-          <a:blip r:embed="rId2"/>
-          <a:stretch>
-            <a:fillRect/>
-          </a:stretch>
-        </p:blipFill>
-        <p:spPr>
-          <a:xfrm>
-            <a:off x="838200" y="1917121"/>
-            <a:ext cx="5181600" cy="4168345"/>
-          </a:xfrm>
-        </p:spPr>
-      </p:pic>
-      <p:sp>
-        <p:nvSpPr>
-          <p:cNvPr id="7" name="内容占位符 6"/>
-          <p:cNvSpPr>
-            <a:spLocks noGrp="1"/>
-          </p:cNvSpPr>
-          <p:nvPr>
-            <p:ph sz="half" idx="2"/>
-          </p:nvPr>
-        </p:nvSpPr>
-        <p:spPr/>
-        <p:txBody>
-          <a:bodyPr/>
-          <a:lstStyle/>
-          <a:p>
-            <a:r>
-              <a:rPr kumimoji="1" lang="en-US" altLang="zh-CN" dirty="0" err="1" smtClean="0"/>
-              <a:t>Wal</a:t>
-            </a:r>
-            <a:r>
-              <a:rPr kumimoji="1" lang="zh-CN" altLang="en-US" dirty="0" smtClean="0"/>
-              <a:t>会使用</a:t>
-            </a:r>
-            <a:r>
-              <a:rPr kumimoji="1" lang="en-US" altLang="zh-CN" dirty="0" smtClean="0"/>
-              <a:t>DIRECT</a:t>
-            </a:r>
-            <a:r>
-              <a:rPr kumimoji="1" lang="zh-CN" altLang="en-US" dirty="0" smtClean="0"/>
-              <a:t> </a:t>
-            </a:r>
-            <a:r>
-              <a:rPr kumimoji="1" lang="en-US" altLang="zh-CN" dirty="0" smtClean="0"/>
-              <a:t>IO</a:t>
-            </a:r>
-            <a:endParaRPr kumimoji="1" lang="zh-CN" altLang="en-US" dirty="0"/>
-          </a:p>
-        </p:txBody>
-      </p:sp>
-    </p:spTree>
-    <p:extLst>
-      <p:ext uri="{BB962C8B-B14F-4D97-AF65-F5344CB8AC3E}">
-        <p14:creationId xmlns:p14="http://schemas.microsoft.com/office/powerpoint/2010/main" val="1466639998"/>
-      </p:ext>
-    </p:extLst>
-  </p:cSld>
-  <p:clrMapOvr>
-    <a:masterClrMapping/>
-  </p:clrMapOvr>
-  <p:timing>
-    <p:tnLst>
-      <p:par>
-        <p:cTn id="1" dur="indefinite" restart="never" nodeType="tmRoot"/>
-      </p:par>
-    </p:tnLst>
-  </p:timing>
-</p:sld>
-</file>
-
 <file path=ppt/slides/slide9.xml><?xml version="1.0" encoding="utf-8"?>
 <p:sld xmlns:a="http://schemas.openxmlformats.org/drawingml/2006/main" xmlns:r="http://schemas.openxmlformats.org/officeDocument/2006/relationships" xmlns:p="http://schemas.openxmlformats.org/presentationml/2006/main">
   <p:cSld>
@@ -6502,74 +6417,62 @@
           <a:lstStyle/>
           <a:p>
             <a:r>
+              <a:rPr lang="en-US" altLang="zh-CN" smtClean="0"/>
+              <a:t>xlog.c</a:t>
+            </a:r>
+            <a:endParaRPr lang="zh-CN" altLang="en-US" dirty="0"/>
+          </a:p>
+        </p:txBody>
+      </p:sp>
+      <p:pic>
+        <p:nvPicPr>
+          <p:cNvPr id="4" name="内容占位符 3"/>
+          <p:cNvPicPr>
+            <a:picLocks noGrp="1" noChangeAspect="1"/>
+          </p:cNvPicPr>
+          <p:nvPr>
+            <p:ph sz="half" idx="1"/>
+          </p:nvPr>
+        </p:nvPicPr>
+        <p:blipFill>
+          <a:blip r:embed="rId2"/>
+          <a:stretch>
+            <a:fillRect/>
+          </a:stretch>
+        </p:blipFill>
+        <p:spPr>
+          <a:xfrm>
+            <a:off x="838200" y="1917121"/>
+            <a:ext cx="5181600" cy="4168345"/>
+          </a:xfrm>
+        </p:spPr>
+      </p:pic>
+      <p:sp>
+        <p:nvSpPr>
+          <p:cNvPr id="7" name="内容占位符 6"/>
+          <p:cNvSpPr>
+            <a:spLocks noGrp="1"/>
+          </p:cNvSpPr>
+          <p:nvPr>
+            <p:ph sz="half" idx="2"/>
+          </p:nvPr>
+        </p:nvSpPr>
+        <p:spPr/>
+        <p:txBody>
+          <a:bodyPr/>
+          <a:lstStyle/>
+          <a:p>
+            <a:r>
+              <a:rPr kumimoji="1" lang="en-US" altLang="zh-CN" dirty="0" err="1" smtClean="0"/>
+              <a:t>Wal</a:t>
+            </a:r>
+            <a:r>
               <a:rPr kumimoji="1" lang="zh-CN" altLang="en-US" dirty="0" smtClean="0"/>
-              <a:t>实践经验</a:t>
-            </a:r>
-            <a:endParaRPr kumimoji="1" lang="zh-CN" altLang="en-US" dirty="0"/>
-          </a:p>
-        </p:txBody>
-      </p:sp>
-      <p:sp>
-        <p:nvSpPr>
-          <p:cNvPr id="3" name="内容占位符 2"/>
-          <p:cNvSpPr>
-            <a:spLocks noGrp="1"/>
-          </p:cNvSpPr>
-          <p:nvPr>
-            <p:ph idx="1"/>
-          </p:nvPr>
-        </p:nvSpPr>
-        <p:spPr/>
-        <p:txBody>
-          <a:bodyPr/>
-          <a:lstStyle/>
-          <a:p>
-            <a:r>
-              <a:rPr kumimoji="1" lang="zh-CN" altLang="en-US" dirty="0" smtClean="0"/>
-              <a:t>监控：除了</a:t>
-            </a:r>
-            <a:r>
-              <a:rPr kumimoji="1" lang="en-US" altLang="zh-CN" dirty="0" err="1" smtClean="0"/>
-              <a:t>BufferPool</a:t>
-            </a:r>
-            <a:r>
-              <a:rPr kumimoji="1" lang="zh-CN" altLang="en-US" dirty="0" smtClean="0"/>
-              <a:t>，</a:t>
+              <a:t>会使用</a:t>
             </a:r>
             <a:r>
               <a:rPr kumimoji="1" lang="en-US" altLang="zh-CN" dirty="0" smtClean="0"/>
-              <a:t>Kernel</a:t>
-            </a:r>
-            <a:r>
-              <a:rPr kumimoji="1" lang="zh-CN" altLang="en-US" dirty="0"/>
-              <a:t> </a:t>
-            </a:r>
-            <a:r>
-              <a:rPr kumimoji="1" lang="en-US" altLang="zh-CN" dirty="0" smtClean="0"/>
-              <a:t>Buffer</a:t>
-            </a:r>
-            <a:r>
-              <a:rPr kumimoji="1" lang="zh-CN" altLang="en-US" dirty="0" smtClean="0"/>
-              <a:t>是否被充满，同样重要</a:t>
-            </a:r>
-            <a:endParaRPr kumimoji="1" lang="en-US" altLang="zh-CN" dirty="0" smtClean="0"/>
-          </a:p>
-          <a:p>
-            <a:r>
-              <a:rPr kumimoji="1" lang="zh-CN" altLang="en-US" dirty="0" smtClean="0"/>
-              <a:t>操作：注意</a:t>
-            </a:r>
-            <a:r>
-              <a:rPr kumimoji="1" lang="en-US" altLang="zh-CN" dirty="0" smtClean="0"/>
-              <a:t>Vacuum</a:t>
-            </a:r>
-            <a:r>
-              <a:rPr kumimoji="1" lang="zh-CN" altLang="en-US" dirty="0" smtClean="0"/>
-              <a:t>操作时 </a:t>
-            </a:r>
-            <a:r>
-              <a:rPr kumimoji="1" lang="en-US" altLang="zh-CN" dirty="0" smtClean="0"/>
-              <a:t>Kernel</a:t>
+              <a:t>DIRECT</a:t>
             </a:r>
             <a:r>
               <a:rPr kumimoji="1" lang="zh-CN" altLang="en-US" dirty="0" smtClean="0"/>
@@ -6577,11 +6480,7 @@
             </a:r>
             <a:r>
               <a:rPr kumimoji="1" lang="en-US" altLang="zh-CN" dirty="0" smtClean="0"/>
-              <a:t>Buffer</a:t>
-            </a:r>
-            <a:r>
-              <a:rPr kumimoji="1" lang="zh-CN" altLang="en-US" dirty="0" smtClean="0"/>
-              <a:t>是否被刷空。</a:t>
+              <a:t>IO</a:t>
             </a:r>
             <a:endParaRPr kumimoji="1" lang="zh-CN" altLang="en-US" dirty="0"/>
           </a:p>
@@ -6590,7 +6489,7 @@
     </p:spTree>
     <p:extLst>
       <p:ext uri="{BB962C8B-B14F-4D97-AF65-F5344CB8AC3E}">
-        <p14:creationId xmlns:p14="http://schemas.microsoft.com/office/powerpoint/2010/main" val="1377947095"/>
+        <p14:creationId xmlns:p14="http://schemas.microsoft.com/office/powerpoint/2010/main" val="1466639998"/>
       </p:ext>
     </p:extLst>
   </p:cSld>

--- a/pg-buffer.pptx
+++ b/pg-buffer.pptx
@@ -5,27 +5,31 @@
     <p:sldMasterId id="2147483648" r:id="rId1"/>
   </p:sldMasterIdLst>
   <p:notesMasterIdLst>
-    <p:notesMasterId r:id="rId20"/>
+    <p:notesMasterId r:id="rId24"/>
   </p:notesMasterIdLst>
   <p:sldIdLst>
     <p:sldId id="256" r:id="rId2"/>
-    <p:sldId id="257" r:id="rId3"/>
-    <p:sldId id="273" r:id="rId4"/>
-    <p:sldId id="283" r:id="rId5"/>
-    <p:sldId id="277" r:id="rId6"/>
-    <p:sldId id="263" r:id="rId7"/>
-    <p:sldId id="274" r:id="rId8"/>
-    <p:sldId id="260" r:id="rId9"/>
-    <p:sldId id="275" r:id="rId10"/>
-    <p:sldId id="262" r:id="rId11"/>
-    <p:sldId id="279" r:id="rId12"/>
-    <p:sldId id="268" r:id="rId13"/>
-    <p:sldId id="280" r:id="rId14"/>
-    <p:sldId id="281" r:id="rId15"/>
-    <p:sldId id="267" r:id="rId16"/>
-    <p:sldId id="282" r:id="rId17"/>
-    <p:sldId id="271" r:id="rId18"/>
-    <p:sldId id="272" r:id="rId19"/>
+    <p:sldId id="286" r:id="rId3"/>
+    <p:sldId id="285" r:id="rId4"/>
+    <p:sldId id="288" r:id="rId5"/>
+    <p:sldId id="289" r:id="rId6"/>
+    <p:sldId id="257" r:id="rId7"/>
+    <p:sldId id="290" r:id="rId8"/>
+    <p:sldId id="277" r:id="rId9"/>
+    <p:sldId id="273" r:id="rId10"/>
+    <p:sldId id="274" r:id="rId11"/>
+    <p:sldId id="260" r:id="rId12"/>
+    <p:sldId id="262" r:id="rId13"/>
+    <p:sldId id="291" r:id="rId14"/>
+    <p:sldId id="263" r:id="rId15"/>
+    <p:sldId id="292" r:id="rId16"/>
+    <p:sldId id="268" r:id="rId17"/>
+    <p:sldId id="281" r:id="rId18"/>
+    <p:sldId id="267" r:id="rId19"/>
+    <p:sldId id="282" r:id="rId20"/>
+    <p:sldId id="293" r:id="rId21"/>
+    <p:sldId id="271" r:id="rId22"/>
+    <p:sldId id="272" r:id="rId23"/>
   </p:sldIdLst>
   <p:sldSz cx="12192000" cy="6858000"/>
   <p:notesSz cx="6858000" cy="9144000"/>
@@ -214,7 +218,7 @@
           <a:p>
             <a:fld id="{B3FE15F5-6E8A-304E-A626-99BFA75D3031}" type="datetimeFigureOut">
               <a:rPr kumimoji="1" lang="zh-CN" altLang="en-US" smtClean="0"/>
-              <a:t>2019/11/8</a:t>
+              <a:t>2019/11/9</a:t>
             </a:fld>
             <a:endParaRPr kumimoji="1" lang="zh-CN" altLang="en-US"/>
           </a:p>
@@ -666,7 +670,7 @@
           <a:p>
             <a:fld id="{70A40FC4-4BF0-C949-B638-8140D736F858}" type="slidenum">
               <a:rPr kumimoji="1" lang="zh-CN" altLang="en-US" smtClean="0"/>
-              <a:t>5</a:t>
+              <a:t>8</a:t>
             </a:fld>
             <a:endParaRPr kumimoji="1" lang="zh-CN" altLang="en-US"/>
           </a:p>
@@ -750,7 +754,7 @@
           <a:p>
             <a:fld id="{70A40FC4-4BF0-C949-B638-8140D736F858}" type="slidenum">
               <a:rPr kumimoji="1" lang="zh-CN" altLang="en-US" smtClean="0"/>
-              <a:t>8</a:t>
+              <a:t>9</a:t>
             </a:fld>
             <a:endParaRPr kumimoji="1" lang="zh-CN" altLang="en-US"/>
           </a:p>
@@ -759,7 +763,7 @@
     </p:spTree>
     <p:extLst>
       <p:ext uri="{BB962C8B-B14F-4D97-AF65-F5344CB8AC3E}">
-        <p14:creationId xmlns:p14="http://schemas.microsoft.com/office/powerpoint/2010/main" val="8464189"/>
+        <p14:creationId xmlns:p14="http://schemas.microsoft.com/office/powerpoint/2010/main" val="1600916821"/>
       </p:ext>
     </p:extLst>
   </p:cSld>
@@ -834,7 +838,480 @@
           <a:p>
             <a:fld id="{70A40FC4-4BF0-C949-B638-8140D736F858}" type="slidenum">
               <a:rPr kumimoji="1" lang="zh-CN" altLang="en-US" smtClean="0"/>
-              <a:t>17</a:t>
+              <a:t>11</a:t>
+            </a:fld>
+            <a:endParaRPr kumimoji="1" lang="zh-CN" altLang="en-US"/>
+          </a:p>
+        </p:txBody>
+      </p:sp>
+    </p:spTree>
+    <p:extLst>
+      <p:ext uri="{BB962C8B-B14F-4D97-AF65-F5344CB8AC3E}">
+        <p14:creationId xmlns:p14="http://schemas.microsoft.com/office/powerpoint/2010/main" val="8464189"/>
+      </p:ext>
+    </p:extLst>
+  </p:cSld>
+  <p:clrMapOvr>
+    <a:masterClrMapping/>
+  </p:clrMapOvr>
+</p:notes>
+</file>
+
+<file path=ppt/notesSlides/notesSlide5.xml><?xml version="1.0" encoding="utf-8"?>
+<p:notes xmlns:a="http://schemas.openxmlformats.org/drawingml/2006/main" xmlns:r="http://schemas.openxmlformats.org/officeDocument/2006/relationships" xmlns:p="http://schemas.openxmlformats.org/presentationml/2006/main">
+  <p:cSld>
+    <p:spTree>
+      <p:nvGrpSpPr>
+        <p:cNvPr id="1" name=""/>
+        <p:cNvGrpSpPr/>
+        <p:nvPr/>
+      </p:nvGrpSpPr>
+      <p:grpSpPr>
+        <a:xfrm>
+          <a:off x="0" y="0"/>
+          <a:ext cx="0" cy="0"/>
+          <a:chOff x="0" y="0"/>
+          <a:chExt cx="0" cy="0"/>
+        </a:xfrm>
+      </p:grpSpPr>
+      <p:sp>
+        <p:nvSpPr>
+          <p:cNvPr id="2" name="幻灯片图像占位符 1"/>
+          <p:cNvSpPr>
+            <a:spLocks noGrp="1" noRot="1" noChangeAspect="1"/>
+          </p:cNvSpPr>
+          <p:nvPr>
+            <p:ph type="sldImg"/>
+          </p:nvPr>
+        </p:nvSpPr>
+        <p:spPr/>
+      </p:sp>
+      <p:sp>
+        <p:nvSpPr>
+          <p:cNvPr id="3" name="备注占位符 2"/>
+          <p:cNvSpPr>
+            <a:spLocks noGrp="1"/>
+          </p:cNvSpPr>
+          <p:nvPr>
+            <p:ph type="body" idx="1"/>
+          </p:nvPr>
+        </p:nvSpPr>
+        <p:spPr/>
+        <p:txBody>
+          <a:bodyPr/>
+          <a:lstStyle/>
+          <a:p>
+            <a:r>
+              <a:rPr kumimoji="1" lang="zh-CN" altLang="en-US" b="1" dirty="0" smtClean="0"/>
+              <a:t>监控</a:t>
+            </a:r>
+            <a:r>
+              <a:rPr kumimoji="1" lang="zh-CN" altLang="en-US" dirty="0" smtClean="0"/>
+              <a:t>：除了</a:t>
+            </a:r>
+            <a:r>
+              <a:rPr kumimoji="1" lang="en-US" altLang="zh-CN" dirty="0" err="1" smtClean="0"/>
+              <a:t>BufferPool</a:t>
+            </a:r>
+            <a:r>
+              <a:rPr kumimoji="1" lang="zh-CN" altLang="en-US" dirty="0" smtClean="0"/>
+              <a:t>，</a:t>
+            </a:r>
+            <a:r>
+              <a:rPr kumimoji="1" lang="en-US" altLang="zh-CN" dirty="0" smtClean="0"/>
+              <a:t>Kernel</a:t>
+            </a:r>
+            <a:r>
+              <a:rPr kumimoji="1" lang="zh-CN" altLang="en-US" dirty="0" smtClean="0"/>
+              <a:t> </a:t>
+            </a:r>
+            <a:r>
+              <a:rPr kumimoji="1" lang="en-US" altLang="zh-CN" dirty="0" smtClean="0"/>
+              <a:t>Buffer</a:t>
+            </a:r>
+            <a:r>
+              <a:rPr kumimoji="1" lang="zh-CN" altLang="en-US" dirty="0" smtClean="0"/>
+              <a:t>是否被充满，同样重要</a:t>
+            </a:r>
+            <a:endParaRPr kumimoji="1" lang="en-US" altLang="zh-CN" dirty="0" smtClean="0"/>
+          </a:p>
+          <a:p>
+            <a:r>
+              <a:rPr kumimoji="1" lang="zh-CN" altLang="en-US" b="1" dirty="0" smtClean="0"/>
+              <a:t>操作</a:t>
+            </a:r>
+            <a:r>
+              <a:rPr kumimoji="1" lang="zh-CN" altLang="en-US" dirty="0" smtClean="0"/>
+              <a:t>：注意</a:t>
+            </a:r>
+            <a:r>
+              <a:rPr kumimoji="1" lang="en-US" altLang="zh-CN" dirty="0" smtClean="0"/>
+              <a:t>Vacuum</a:t>
+            </a:r>
+            <a:r>
+              <a:rPr kumimoji="1" lang="zh-CN" altLang="en-US" dirty="0" smtClean="0"/>
+              <a:t>操作时 </a:t>
+            </a:r>
+            <a:r>
+              <a:rPr kumimoji="1" lang="en-US" altLang="zh-CN" dirty="0" smtClean="0"/>
+              <a:t>Kernel</a:t>
+            </a:r>
+            <a:r>
+              <a:rPr kumimoji="1" lang="zh-CN" altLang="en-US" dirty="0" smtClean="0"/>
+              <a:t> </a:t>
+            </a:r>
+            <a:r>
+              <a:rPr kumimoji="1" lang="en-US" altLang="zh-CN" dirty="0" smtClean="0"/>
+              <a:t>Buffer</a:t>
+            </a:r>
+            <a:r>
+              <a:rPr kumimoji="1" lang="zh-CN" altLang="en-US" dirty="0" smtClean="0"/>
+              <a:t>是否被刷空。</a:t>
+            </a:r>
+            <a:endParaRPr kumimoji="1" lang="en-US" altLang="zh-CN" dirty="0" smtClean="0"/>
+          </a:p>
+          <a:p>
+            <a:r>
+              <a:rPr kumimoji="1" lang="zh-CN" altLang="en-US" b="1" dirty="0" smtClean="0"/>
+              <a:t>配置</a:t>
+            </a:r>
+            <a:r>
+              <a:rPr kumimoji="1" lang="zh-CN" altLang="en-US" dirty="0" smtClean="0"/>
+              <a:t>：</a:t>
+            </a:r>
+            <a:endParaRPr kumimoji="1" lang="en-US" altLang="zh-CN" dirty="0" smtClean="0"/>
+          </a:p>
+          <a:p>
+            <a:pPr lvl="1"/>
+            <a:r>
+              <a:rPr kumimoji="1" lang="en-US" altLang="zh-CN" dirty="0" smtClean="0"/>
+              <a:t>PostgreSQL</a:t>
+            </a:r>
+            <a:r>
+              <a:rPr kumimoji="1" lang="zh-CN" altLang="en-US" dirty="0" smtClean="0"/>
+              <a:t>参数 </a:t>
+            </a:r>
+            <a:r>
+              <a:rPr kumimoji="1" lang="en-US" altLang="zh-CN" dirty="0" smtClean="0"/>
+              <a:t>TODO</a:t>
+            </a:r>
+          </a:p>
+          <a:p>
+            <a:pPr lvl="1"/>
+            <a:r>
+              <a:rPr kumimoji="1" lang="en-US" altLang="zh-CN" dirty="0" smtClean="0"/>
+              <a:t>Linux</a:t>
+            </a:r>
+            <a:r>
+              <a:rPr kumimoji="1" lang="zh-CN" altLang="en-US" dirty="0" smtClean="0"/>
+              <a:t>参数 </a:t>
+            </a:r>
+            <a:r>
+              <a:rPr kumimoji="1" lang="en-US" altLang="zh-CN" dirty="0" smtClean="0"/>
+              <a:t>TODO</a:t>
+            </a:r>
+          </a:p>
+          <a:p>
+            <a:endParaRPr kumimoji="1" lang="zh-CN" altLang="en-US" dirty="0"/>
+          </a:p>
+        </p:txBody>
+      </p:sp>
+      <p:sp>
+        <p:nvSpPr>
+          <p:cNvPr id="4" name="幻灯片编号占位符 3"/>
+          <p:cNvSpPr>
+            <a:spLocks noGrp="1"/>
+          </p:cNvSpPr>
+          <p:nvPr>
+            <p:ph type="sldNum" sz="quarter" idx="10"/>
+          </p:nvPr>
+        </p:nvSpPr>
+        <p:spPr/>
+        <p:txBody>
+          <a:bodyPr/>
+          <a:lstStyle/>
+          <a:p>
+            <a:fld id="{70A40FC4-4BF0-C949-B638-8140D736F858}" type="slidenum">
+              <a:rPr kumimoji="1" lang="zh-CN" altLang="en-US" smtClean="0"/>
+              <a:t>12</a:t>
+            </a:fld>
+            <a:endParaRPr kumimoji="1" lang="zh-CN" altLang="en-US"/>
+          </a:p>
+        </p:txBody>
+      </p:sp>
+    </p:spTree>
+    <p:extLst>
+      <p:ext uri="{BB962C8B-B14F-4D97-AF65-F5344CB8AC3E}">
+        <p14:creationId xmlns:p14="http://schemas.microsoft.com/office/powerpoint/2010/main" val="856422478"/>
+      </p:ext>
+    </p:extLst>
+  </p:cSld>
+  <p:clrMapOvr>
+    <a:masterClrMapping/>
+  </p:clrMapOvr>
+</p:notes>
+</file>
+
+<file path=ppt/notesSlides/notesSlide6.xml><?xml version="1.0" encoding="utf-8"?>
+<p:notes xmlns:a="http://schemas.openxmlformats.org/drawingml/2006/main" xmlns:r="http://schemas.openxmlformats.org/officeDocument/2006/relationships" xmlns:p="http://schemas.openxmlformats.org/presentationml/2006/main">
+  <p:cSld>
+    <p:spTree>
+      <p:nvGrpSpPr>
+        <p:cNvPr id="1" name=""/>
+        <p:cNvGrpSpPr/>
+        <p:nvPr/>
+      </p:nvGrpSpPr>
+      <p:grpSpPr>
+        <a:xfrm>
+          <a:off x="0" y="0"/>
+          <a:ext cx="0" cy="0"/>
+          <a:chOff x="0" y="0"/>
+          <a:chExt cx="0" cy="0"/>
+        </a:xfrm>
+      </p:grpSpPr>
+      <p:sp>
+        <p:nvSpPr>
+          <p:cNvPr id="2" name="幻灯片图像占位符 1"/>
+          <p:cNvSpPr>
+            <a:spLocks noGrp="1" noRot="1" noChangeAspect="1"/>
+          </p:cNvSpPr>
+          <p:nvPr>
+            <p:ph type="sldImg"/>
+          </p:nvPr>
+        </p:nvSpPr>
+        <p:spPr/>
+      </p:sp>
+      <p:sp>
+        <p:nvSpPr>
+          <p:cNvPr id="3" name="备注占位符 2"/>
+          <p:cNvSpPr>
+            <a:spLocks noGrp="1"/>
+          </p:cNvSpPr>
+          <p:nvPr>
+            <p:ph type="body" idx="1"/>
+          </p:nvPr>
+        </p:nvSpPr>
+        <p:spPr/>
+        <p:txBody>
+          <a:bodyPr/>
+          <a:lstStyle/>
+          <a:p>
+            <a:r>
+              <a:rPr kumimoji="1" lang="zh-CN" altLang="en-US" dirty="0" smtClean="0"/>
+              <a:t>顺序的推进</a:t>
+            </a:r>
+            <a:r>
+              <a:rPr kumimoji="1" lang="en-US" altLang="zh-CN" dirty="0" smtClean="0"/>
+              <a:t>CHECKPOINT_LSN</a:t>
+            </a:r>
+          </a:p>
+          <a:p>
+            <a:r>
+              <a:rPr kumimoji="1" lang="en-US" altLang="zh-CN" dirty="0" smtClean="0"/>
+              <a:t>TODO:</a:t>
+            </a:r>
+            <a:r>
+              <a:rPr kumimoji="1" lang="zh-CN" altLang="en-US" dirty="0" smtClean="0"/>
+              <a:t>按什么排序</a:t>
+            </a:r>
+            <a:endParaRPr kumimoji="1" lang="zh-CN" altLang="en-US" dirty="0"/>
+          </a:p>
+        </p:txBody>
+      </p:sp>
+      <p:sp>
+        <p:nvSpPr>
+          <p:cNvPr id="4" name="幻灯片编号占位符 3"/>
+          <p:cNvSpPr>
+            <a:spLocks noGrp="1"/>
+          </p:cNvSpPr>
+          <p:nvPr>
+            <p:ph type="sldNum" sz="quarter" idx="10"/>
+          </p:nvPr>
+        </p:nvSpPr>
+        <p:spPr/>
+        <p:txBody>
+          <a:bodyPr/>
+          <a:lstStyle/>
+          <a:p>
+            <a:fld id="{70A40FC4-4BF0-C949-B638-8140D736F858}" type="slidenum">
+              <a:rPr kumimoji="1" lang="zh-CN" altLang="en-US" smtClean="0"/>
+              <a:t>14</a:t>
+            </a:fld>
+            <a:endParaRPr kumimoji="1" lang="zh-CN" altLang="en-US"/>
+          </a:p>
+        </p:txBody>
+      </p:sp>
+    </p:spTree>
+    <p:extLst>
+      <p:ext uri="{BB962C8B-B14F-4D97-AF65-F5344CB8AC3E}">
+        <p14:creationId xmlns:p14="http://schemas.microsoft.com/office/powerpoint/2010/main" val="1399194061"/>
+      </p:ext>
+    </p:extLst>
+  </p:cSld>
+  <p:clrMapOvr>
+    <a:masterClrMapping/>
+  </p:clrMapOvr>
+</p:notes>
+</file>
+
+<file path=ppt/notesSlides/notesSlide7.xml><?xml version="1.0" encoding="utf-8"?>
+<p:notes xmlns:a="http://schemas.openxmlformats.org/drawingml/2006/main" xmlns:r="http://schemas.openxmlformats.org/officeDocument/2006/relationships" xmlns:p="http://schemas.openxmlformats.org/presentationml/2006/main">
+  <p:cSld>
+    <p:spTree>
+      <p:nvGrpSpPr>
+        <p:cNvPr id="1" name=""/>
+        <p:cNvGrpSpPr/>
+        <p:nvPr/>
+      </p:nvGrpSpPr>
+      <p:grpSpPr>
+        <a:xfrm>
+          <a:off x="0" y="0"/>
+          <a:ext cx="0" cy="0"/>
+          <a:chOff x="0" y="0"/>
+          <a:chExt cx="0" cy="0"/>
+        </a:xfrm>
+      </p:grpSpPr>
+      <p:sp>
+        <p:nvSpPr>
+          <p:cNvPr id="2" name="幻灯片图像占位符 1"/>
+          <p:cNvSpPr>
+            <a:spLocks noGrp="1" noRot="1" noChangeAspect="1"/>
+          </p:cNvSpPr>
+          <p:nvPr>
+            <p:ph type="sldImg"/>
+          </p:nvPr>
+        </p:nvSpPr>
+        <p:spPr/>
+      </p:sp>
+      <p:sp>
+        <p:nvSpPr>
+          <p:cNvPr id="3" name="备注占位符 2"/>
+          <p:cNvSpPr>
+            <a:spLocks noGrp="1"/>
+          </p:cNvSpPr>
+          <p:nvPr>
+            <p:ph type="body" idx="1"/>
+          </p:nvPr>
+        </p:nvSpPr>
+        <p:spPr/>
+        <p:txBody>
+          <a:bodyPr/>
+          <a:lstStyle/>
+          <a:p>
+            <a:r>
+              <a:rPr kumimoji="1" lang="en-US" altLang="zh-CN" dirty="0" smtClean="0"/>
+              <a:t>TODO</a:t>
+            </a:r>
+            <a:r>
+              <a:rPr kumimoji="1" lang="zh-CN" altLang="en-US" dirty="0" smtClean="0"/>
+              <a:t>：每步都是那个进程在操作？</a:t>
+            </a:r>
+            <a:endParaRPr kumimoji="1" lang="zh-CN" altLang="en-US" dirty="0"/>
+          </a:p>
+        </p:txBody>
+      </p:sp>
+      <p:sp>
+        <p:nvSpPr>
+          <p:cNvPr id="4" name="幻灯片编号占位符 3"/>
+          <p:cNvSpPr>
+            <a:spLocks noGrp="1"/>
+          </p:cNvSpPr>
+          <p:nvPr>
+            <p:ph type="sldNum" sz="quarter" idx="10"/>
+          </p:nvPr>
+        </p:nvSpPr>
+        <p:spPr/>
+        <p:txBody>
+          <a:bodyPr/>
+          <a:lstStyle/>
+          <a:p>
+            <a:fld id="{70A40FC4-4BF0-C949-B638-8140D736F858}" type="slidenum">
+              <a:rPr kumimoji="1" lang="zh-CN" altLang="en-US" smtClean="0"/>
+              <a:t>16</a:t>
+            </a:fld>
+            <a:endParaRPr kumimoji="1" lang="zh-CN" altLang="en-US"/>
+          </a:p>
+        </p:txBody>
+      </p:sp>
+    </p:spTree>
+    <p:extLst>
+      <p:ext uri="{BB962C8B-B14F-4D97-AF65-F5344CB8AC3E}">
+        <p14:creationId xmlns:p14="http://schemas.microsoft.com/office/powerpoint/2010/main" val="1795190964"/>
+      </p:ext>
+    </p:extLst>
+  </p:cSld>
+  <p:clrMapOvr>
+    <a:masterClrMapping/>
+  </p:clrMapOvr>
+</p:notes>
+</file>
+
+<file path=ppt/notesSlides/notesSlide8.xml><?xml version="1.0" encoding="utf-8"?>
+<p:notes xmlns:a="http://schemas.openxmlformats.org/drawingml/2006/main" xmlns:r="http://schemas.openxmlformats.org/officeDocument/2006/relationships" xmlns:p="http://schemas.openxmlformats.org/presentationml/2006/main">
+  <p:cSld>
+    <p:spTree>
+      <p:nvGrpSpPr>
+        <p:cNvPr id="1" name=""/>
+        <p:cNvGrpSpPr/>
+        <p:nvPr/>
+      </p:nvGrpSpPr>
+      <p:grpSpPr>
+        <a:xfrm>
+          <a:off x="0" y="0"/>
+          <a:ext cx="0" cy="0"/>
+          <a:chOff x="0" y="0"/>
+          <a:chExt cx="0" cy="0"/>
+        </a:xfrm>
+      </p:grpSpPr>
+      <p:sp>
+        <p:nvSpPr>
+          <p:cNvPr id="2" name="幻灯片图像占位符 1"/>
+          <p:cNvSpPr>
+            <a:spLocks noGrp="1" noRot="1" noChangeAspect="1"/>
+          </p:cNvSpPr>
+          <p:nvPr>
+            <p:ph type="sldImg"/>
+          </p:nvPr>
+        </p:nvSpPr>
+        <p:spPr/>
+      </p:sp>
+      <p:sp>
+        <p:nvSpPr>
+          <p:cNvPr id="3" name="备注占位符 2"/>
+          <p:cNvSpPr>
+            <a:spLocks noGrp="1"/>
+          </p:cNvSpPr>
+          <p:nvPr>
+            <p:ph type="body" idx="1"/>
+          </p:nvPr>
+        </p:nvSpPr>
+        <p:spPr/>
+        <p:txBody>
+          <a:bodyPr/>
+          <a:lstStyle/>
+          <a:p>
+            <a:endParaRPr kumimoji="1" lang="zh-CN" altLang="en-US" dirty="0"/>
+          </a:p>
+        </p:txBody>
+      </p:sp>
+      <p:sp>
+        <p:nvSpPr>
+          <p:cNvPr id="4" name="幻灯片编号占位符 3"/>
+          <p:cNvSpPr>
+            <a:spLocks noGrp="1"/>
+          </p:cNvSpPr>
+          <p:nvPr>
+            <p:ph type="sldNum" sz="quarter" idx="10"/>
+          </p:nvPr>
+        </p:nvSpPr>
+        <p:spPr/>
+        <p:txBody>
+          <a:bodyPr/>
+          <a:lstStyle/>
+          <a:p>
+            <a:fld id="{70A40FC4-4BF0-C949-B638-8140D736F858}" type="slidenum">
+              <a:rPr kumimoji="1" lang="zh-CN" altLang="en-US" smtClean="0"/>
+              <a:t>21</a:t>
             </a:fld>
             <a:endParaRPr kumimoji="1" lang="zh-CN" altLang="en-US"/>
           </a:p>
@@ -984,7 +1461,7 @@
           <a:p>
             <a:fld id="{2606237A-B1B2-7B4A-96C8-8424FC8FC192}" type="datetimeFigureOut">
               <a:rPr kumimoji="1" lang="zh-CN" altLang="en-US" smtClean="0"/>
-              <a:t>2019/11/8</a:t>
+              <a:t>2019/11/9</a:t>
             </a:fld>
             <a:endParaRPr kumimoji="1" lang="zh-CN" altLang="en-US"/>
           </a:p>
@@ -1154,7 +1631,7 @@
           <a:p>
             <a:fld id="{2606237A-B1B2-7B4A-96C8-8424FC8FC192}" type="datetimeFigureOut">
               <a:rPr kumimoji="1" lang="zh-CN" altLang="en-US" smtClean="0"/>
-              <a:t>2019/11/8</a:t>
+              <a:t>2019/11/9</a:t>
             </a:fld>
             <a:endParaRPr kumimoji="1" lang="zh-CN" altLang="en-US"/>
           </a:p>
@@ -1334,7 +1811,7 @@
           <a:p>
             <a:fld id="{2606237A-B1B2-7B4A-96C8-8424FC8FC192}" type="datetimeFigureOut">
               <a:rPr kumimoji="1" lang="zh-CN" altLang="en-US" smtClean="0"/>
-              <a:t>2019/11/8</a:t>
+              <a:t>2019/11/9</a:t>
             </a:fld>
             <a:endParaRPr kumimoji="1" lang="zh-CN" altLang="en-US"/>
           </a:p>
@@ -1504,7 +1981,7 @@
           <a:p>
             <a:fld id="{2606237A-B1B2-7B4A-96C8-8424FC8FC192}" type="datetimeFigureOut">
               <a:rPr kumimoji="1" lang="zh-CN" altLang="en-US" smtClean="0"/>
-              <a:t>2019/11/8</a:t>
+              <a:t>2019/11/9</a:t>
             </a:fld>
             <a:endParaRPr kumimoji="1" lang="zh-CN" altLang="en-US"/>
           </a:p>
@@ -1750,7 +2227,7 @@
           <a:p>
             <a:fld id="{2606237A-B1B2-7B4A-96C8-8424FC8FC192}" type="datetimeFigureOut">
               <a:rPr kumimoji="1" lang="zh-CN" altLang="en-US" smtClean="0"/>
-              <a:t>2019/11/8</a:t>
+              <a:t>2019/11/9</a:t>
             </a:fld>
             <a:endParaRPr kumimoji="1" lang="zh-CN" altLang="en-US"/>
           </a:p>
@@ -1982,7 +2459,7 @@
           <a:p>
             <a:fld id="{2606237A-B1B2-7B4A-96C8-8424FC8FC192}" type="datetimeFigureOut">
               <a:rPr kumimoji="1" lang="zh-CN" altLang="en-US" smtClean="0"/>
-              <a:t>2019/11/8</a:t>
+              <a:t>2019/11/9</a:t>
             </a:fld>
             <a:endParaRPr kumimoji="1" lang="zh-CN" altLang="en-US"/>
           </a:p>
@@ -2349,7 +2826,7 @@
           <a:p>
             <a:fld id="{2606237A-B1B2-7B4A-96C8-8424FC8FC192}" type="datetimeFigureOut">
               <a:rPr kumimoji="1" lang="zh-CN" altLang="en-US" smtClean="0"/>
-              <a:t>2019/11/8</a:t>
+              <a:t>2019/11/9</a:t>
             </a:fld>
             <a:endParaRPr kumimoji="1" lang="zh-CN" altLang="en-US"/>
           </a:p>
@@ -2467,7 +2944,7 @@
           <a:p>
             <a:fld id="{2606237A-B1B2-7B4A-96C8-8424FC8FC192}" type="datetimeFigureOut">
               <a:rPr kumimoji="1" lang="zh-CN" altLang="en-US" smtClean="0"/>
-              <a:t>2019/11/8</a:t>
+              <a:t>2019/11/9</a:t>
             </a:fld>
             <a:endParaRPr kumimoji="1" lang="zh-CN" altLang="en-US"/>
           </a:p>
@@ -2562,7 +3039,7 @@
           <a:p>
             <a:fld id="{2606237A-B1B2-7B4A-96C8-8424FC8FC192}" type="datetimeFigureOut">
               <a:rPr kumimoji="1" lang="zh-CN" altLang="en-US" smtClean="0"/>
-              <a:t>2019/11/8</a:t>
+              <a:t>2019/11/9</a:t>
             </a:fld>
             <a:endParaRPr kumimoji="1" lang="zh-CN" altLang="en-US"/>
           </a:p>
@@ -2839,7 +3316,7 @@
           <a:p>
             <a:fld id="{2606237A-B1B2-7B4A-96C8-8424FC8FC192}" type="datetimeFigureOut">
               <a:rPr kumimoji="1" lang="zh-CN" altLang="en-US" smtClean="0"/>
-              <a:t>2019/11/8</a:t>
+              <a:t>2019/11/9</a:t>
             </a:fld>
             <a:endParaRPr kumimoji="1" lang="zh-CN" altLang="en-US"/>
           </a:p>
@@ -3092,7 +3569,7 @@
           <a:p>
             <a:fld id="{2606237A-B1B2-7B4A-96C8-8424FC8FC192}" type="datetimeFigureOut">
               <a:rPr kumimoji="1" lang="zh-CN" altLang="en-US" smtClean="0"/>
-              <a:t>2019/11/8</a:t>
+              <a:t>2019/11/9</a:t>
             </a:fld>
             <a:endParaRPr kumimoji="1" lang="zh-CN" altLang="en-US"/>
           </a:p>
@@ -3305,7 +3782,7 @@
           <a:p>
             <a:fld id="{2606237A-B1B2-7B4A-96C8-8424FC8FC192}" type="datetimeFigureOut">
               <a:rPr kumimoji="1" lang="zh-CN" altLang="en-US" smtClean="0"/>
-              <a:t>2019/11/8</a:t>
+              <a:t>2019/11/9</a:t>
             </a:fld>
             <a:endParaRPr kumimoji="1" lang="zh-CN" altLang="en-US"/>
           </a:p>
@@ -3789,11 +4266,7 @@
             <a:pPr algn="r"/>
             <a:r>
               <a:rPr kumimoji="1" lang="zh-CN" altLang="en-US" dirty="0" smtClean="0"/>
-              <a:t>刘</a:t>
-            </a:r>
-            <a:r>
-              <a:rPr kumimoji="1" lang="zh-CN" altLang="en-US" dirty="0" smtClean="0"/>
-              <a:t>阳明</a:t>
+              <a:t>刘阳明</a:t>
             </a:r>
             <a:endParaRPr kumimoji="1" lang="zh-CN" altLang="en-US" dirty="0"/>
           </a:p>
@@ -3811,10 +4284,10 @@
   </p:clrMapOvr>
   <mc:AlternateContent xmlns:mc="http://schemas.openxmlformats.org/markup-compatibility/2006">
     <mc:Choice xmlns:p14="http://schemas.microsoft.com/office/powerpoint/2010/main" Requires="p14">
-      <p:transition spd="slow" p14:dur="2000" advTm="6541"/>
+      <p:transition spd="slow" p14:dur="2000" advTm="58083"/>
     </mc:Choice>
     <mc:Fallback>
-      <p:transition spd="slow" advTm="6541"/>
+      <p:transition spd="slow" advTm="58083"/>
     </mc:Fallback>
   </mc:AlternateContent>
   <p:timing>
@@ -3859,88 +4332,26 @@
           <a:bodyPr/>
           <a:lstStyle/>
           <a:p>
+            <a:pPr algn="ctr"/>
+            <a:r>
+              <a:rPr kumimoji="1" lang="en-US" altLang="zh-CN" dirty="0"/>
+              <a:t>PostgreSQL</a:t>
+            </a:r>
+            <a:r>
+              <a:rPr kumimoji="1" lang="zh-CN" altLang="en-US" dirty="0"/>
+              <a:t>为什么这么设计</a:t>
+            </a:r>
             <a:r>
               <a:rPr kumimoji="1" lang="zh-CN" altLang="en-US" dirty="0" smtClean="0"/>
-              <a:t>实践经验</a:t>
-            </a:r>
-            <a:endParaRPr kumimoji="1" lang="zh-CN" altLang="en-US" dirty="0"/>
-          </a:p>
-        </p:txBody>
-      </p:sp>
-      <p:sp>
-        <p:nvSpPr>
-          <p:cNvPr id="3" name="内容占位符 2"/>
-          <p:cNvSpPr>
-            <a:spLocks noGrp="1"/>
-          </p:cNvSpPr>
-          <p:nvPr>
-            <p:ph idx="1"/>
-          </p:nvPr>
-        </p:nvSpPr>
-        <p:spPr/>
-        <p:txBody>
-          <a:bodyPr/>
-          <a:lstStyle/>
-          <a:p>
-            <a:r>
-              <a:rPr kumimoji="1" lang="zh-CN" altLang="en-US" dirty="0" smtClean="0"/>
-              <a:t>监控：除了</a:t>
-            </a:r>
-            <a:r>
-              <a:rPr kumimoji="1" lang="en-US" altLang="zh-CN" dirty="0" err="1" smtClean="0"/>
-              <a:t>BufferPool</a:t>
-            </a:r>
-            <a:r>
-              <a:rPr kumimoji="1" lang="zh-CN" altLang="en-US" dirty="0" smtClean="0"/>
-              <a:t>，</a:t>
+              <a:t>？</a:t>
             </a:r>
             <a:r>
               <a:rPr kumimoji="1" lang="en-US" altLang="zh-CN" dirty="0" smtClean="0"/>
-              <a:t>Kernel</a:t>
-            </a:r>
-            <a:r>
-              <a:rPr kumimoji="1" lang="zh-CN" altLang="en-US" dirty="0"/>
-              <a:t> </a:t>
-            </a:r>
-            <a:r>
+              <a:t/>
+            </a:r>
+            <a:br>
               <a:rPr kumimoji="1" lang="en-US" altLang="zh-CN" dirty="0" smtClean="0"/>
-              <a:t>Buffer</a:t>
-            </a:r>
-            <a:r>
-              <a:rPr kumimoji="1" lang="zh-CN" altLang="en-US" dirty="0" smtClean="0"/>
-              <a:t>是否被充满，同样重要</a:t>
-            </a:r>
-            <a:endParaRPr kumimoji="1" lang="en-US" altLang="zh-CN" dirty="0" smtClean="0"/>
-          </a:p>
-          <a:p>
-            <a:r>
-              <a:rPr kumimoji="1" lang="zh-CN" altLang="en-US" dirty="0" smtClean="0"/>
-              <a:t>操作：注意</a:t>
-            </a:r>
-            <a:r>
-              <a:rPr kumimoji="1" lang="en-US" altLang="zh-CN" dirty="0" smtClean="0"/>
-              <a:t>Vacuum</a:t>
-            </a:r>
-            <a:r>
-              <a:rPr kumimoji="1" lang="zh-CN" altLang="en-US" dirty="0" smtClean="0"/>
-              <a:t>操作时 </a:t>
-            </a:r>
-            <a:r>
-              <a:rPr kumimoji="1" lang="en-US" altLang="zh-CN" dirty="0" smtClean="0"/>
-              <a:t>Kernel</a:t>
-            </a:r>
-            <a:r>
-              <a:rPr kumimoji="1" lang="zh-CN" altLang="en-US" dirty="0" smtClean="0"/>
-              <a:t> </a:t>
-            </a:r>
-            <a:r>
-              <a:rPr kumimoji="1" lang="en-US" altLang="zh-CN" dirty="0" smtClean="0"/>
-              <a:t>Buffer</a:t>
-            </a:r>
-            <a:r>
-              <a:rPr kumimoji="1" lang="zh-CN" altLang="en-US" dirty="0" smtClean="0"/>
-              <a:t>是否被刷空。</a:t>
-            </a:r>
+            </a:br>
             <a:endParaRPr kumimoji="1" lang="zh-CN" altLang="en-US" dirty="0"/>
           </a:p>
         </p:txBody>
@@ -3948,13 +4359,21 @@
     </p:spTree>
     <p:extLst>
       <p:ext uri="{BB962C8B-B14F-4D97-AF65-F5344CB8AC3E}">
-        <p14:creationId xmlns:p14="http://schemas.microsoft.com/office/powerpoint/2010/main" val="1377947095"/>
+        <p14:creationId xmlns:p14="http://schemas.microsoft.com/office/powerpoint/2010/main" val="995632508"/>
       </p:ext>
     </p:extLst>
   </p:cSld>
   <p:clrMapOvr>
     <a:masterClrMapping/>
   </p:clrMapOvr>
+  <mc:AlternateContent xmlns:mc="http://schemas.openxmlformats.org/markup-compatibility/2006">
+    <mc:Choice xmlns:p14="http://schemas.microsoft.com/office/powerpoint/2010/main" Requires="p14">
+      <p:transition spd="slow" p14:dur="2000" advTm="17713"/>
+    </mc:Choice>
+    <mc:Fallback>
+      <p:transition spd="slow" advTm="17713"/>
+    </mc:Fallback>
+  </mc:AlternateContent>
   <p:timing>
     <p:tnLst>
       <p:par>
@@ -3998,8 +4417,8 @@
           <a:lstStyle/>
           <a:p>
             <a:r>
-              <a:rPr kumimoji="1" lang="en-US" altLang="zh-CN" dirty="0" smtClean="0"/>
-              <a:t>outline</a:t>
+              <a:rPr kumimoji="1" lang="zh-CN" altLang="en-US" dirty="0" smtClean="0"/>
+              <a:t>个人见解</a:t>
             </a:r>
             <a:endParaRPr kumimoji="1" lang="zh-CN" altLang="en-US" dirty="0"/>
           </a:p>
@@ -4015,198 +4434,296 @@
             <p:ph idx="1"/>
           </p:nvPr>
         </p:nvSpPr>
-        <p:spPr/>
-        <p:txBody>
-          <a:bodyPr/>
-          <a:lstStyle/>
-          <a:p>
-            <a:r>
-              <a:rPr kumimoji="1" lang="en-US" altLang="zh-CN" dirty="0">
-                <a:solidFill>
-                  <a:schemeClr val="bg1">
-                    <a:lumMod val="75000"/>
-                  </a:schemeClr>
-                </a:solidFill>
-              </a:rPr>
-              <a:t>d</a:t>
-            </a:r>
-            <a:r>
-              <a:rPr kumimoji="1" lang="en-US" altLang="zh-CN" dirty="0" smtClean="0">
-                <a:solidFill>
-                  <a:schemeClr val="bg1">
-                    <a:lumMod val="75000"/>
-                  </a:schemeClr>
-                </a:solidFill>
-              </a:rPr>
-              <a:t>ouble</a:t>
-            </a:r>
-            <a:r>
-              <a:rPr kumimoji="1" lang="zh-CN" altLang="en-US" dirty="0" smtClean="0">
-                <a:solidFill>
-                  <a:schemeClr val="bg1">
-                    <a:lumMod val="75000"/>
-                  </a:schemeClr>
-                </a:solidFill>
-              </a:rPr>
-              <a:t> </a:t>
-            </a:r>
-            <a:r>
-              <a:rPr kumimoji="1" lang="en-US" altLang="zh-CN" dirty="0" smtClean="0">
-                <a:solidFill>
-                  <a:schemeClr val="bg1">
-                    <a:lumMod val="75000"/>
-                  </a:schemeClr>
-                </a:solidFill>
-              </a:rPr>
-              <a:t>buffer</a:t>
-            </a:r>
-            <a:r>
-              <a:rPr kumimoji="1" lang="zh-CN" altLang="en-US" dirty="0" smtClean="0">
-                <a:solidFill>
-                  <a:schemeClr val="bg1">
-                    <a:lumMod val="75000"/>
-                  </a:schemeClr>
-                </a:solidFill>
-              </a:rPr>
-              <a:t> </a:t>
-            </a:r>
-            <a:r>
-              <a:rPr kumimoji="1" lang="en-US" altLang="zh-CN" dirty="0" smtClean="0">
-                <a:solidFill>
-                  <a:schemeClr val="bg1">
-                    <a:lumMod val="75000"/>
-                  </a:schemeClr>
-                </a:solidFill>
-              </a:rPr>
-              <a:t>in</a:t>
-            </a:r>
-            <a:r>
-              <a:rPr kumimoji="1" lang="zh-CN" altLang="en-US" dirty="0" smtClean="0">
-                <a:solidFill>
-                  <a:schemeClr val="bg1">
-                    <a:lumMod val="75000"/>
-                  </a:schemeClr>
-                </a:solidFill>
-              </a:rPr>
-              <a:t> </a:t>
-            </a:r>
-            <a:r>
-              <a:rPr kumimoji="1" lang="en-US" altLang="zh-CN" dirty="0" smtClean="0">
-                <a:solidFill>
-                  <a:schemeClr val="bg1">
-                    <a:lumMod val="75000"/>
-                  </a:schemeClr>
-                </a:solidFill>
-              </a:rPr>
-              <a:t>PostgreSQL</a:t>
-            </a:r>
-            <a:endParaRPr kumimoji="1" lang="en-US" altLang="zh-CN" dirty="0">
-              <a:solidFill>
-                <a:schemeClr val="bg1">
-                  <a:lumMod val="75000"/>
-                </a:schemeClr>
-              </a:solidFill>
-            </a:endParaRPr>
-          </a:p>
-          <a:p>
-            <a:r>
-              <a:rPr kumimoji="1" lang="en-US" altLang="zh-CN" dirty="0"/>
-              <a:t>c</a:t>
-            </a:r>
-            <a:r>
-              <a:rPr kumimoji="1" lang="en-US" altLang="zh-CN" dirty="0" smtClean="0"/>
-              <a:t>heckpoint</a:t>
-            </a:r>
+        <p:spPr>
+          <a:xfrm>
+            <a:off x="838200" y="1457325"/>
+            <a:ext cx="3842362" cy="5287502"/>
+          </a:xfrm>
+        </p:spPr>
+        <p:txBody>
+          <a:bodyPr>
+            <a:normAutofit lnSpcReduction="10000"/>
+          </a:bodyPr>
+          <a:lstStyle/>
+          <a:p>
             <a:r>
               <a:rPr kumimoji="1" lang="zh-CN" altLang="en-US" dirty="0" smtClean="0"/>
-              <a:t> </a:t>
-            </a:r>
-            <a:r>
-              <a:rPr kumimoji="1" lang="en-US" altLang="zh-CN" dirty="0" smtClean="0"/>
-              <a:t>in</a:t>
-            </a:r>
-            <a:r>
-              <a:rPr kumimoji="1" lang="zh-CN" altLang="en-US" dirty="0" smtClean="0"/>
-              <a:t> </a:t>
+              <a:t>诞生</a:t>
             </a:r>
             <a:r>
               <a:rPr kumimoji="1" lang="en-US" altLang="zh-CN" dirty="0" smtClean="0"/>
               <a:t>PostgreSQL</a:t>
             </a:r>
-          </a:p>
-          <a:p>
-            <a:r>
-              <a:rPr kumimoji="1" lang="en-US" altLang="zh-CN" dirty="0" err="1">
-                <a:solidFill>
-                  <a:schemeClr val="bg1">
-                    <a:lumMod val="75000"/>
-                  </a:schemeClr>
-                </a:solidFill>
-              </a:rPr>
-              <a:t>fsync</a:t>
-            </a:r>
-            <a:r>
-              <a:rPr kumimoji="1" lang="zh-CN" altLang="en-US" dirty="0">
-                <a:solidFill>
-                  <a:schemeClr val="bg1">
-                    <a:lumMod val="75000"/>
-                  </a:schemeClr>
-                </a:solidFill>
-              </a:rPr>
-              <a:t> </a:t>
-            </a:r>
-            <a:r>
-              <a:rPr kumimoji="1" lang="en-US" altLang="zh-CN" dirty="0">
-                <a:solidFill>
-                  <a:schemeClr val="bg1">
-                    <a:lumMod val="75000"/>
-                  </a:schemeClr>
-                </a:solidFill>
-              </a:rPr>
-              <a:t>in</a:t>
-            </a:r>
-            <a:r>
-              <a:rPr kumimoji="1" lang="zh-CN" altLang="en-US" dirty="0">
-                <a:solidFill>
-                  <a:schemeClr val="bg1">
-                    <a:lumMod val="75000"/>
-                  </a:schemeClr>
-                </a:solidFill>
-              </a:rPr>
-              <a:t> </a:t>
-            </a:r>
-            <a:r>
-              <a:rPr kumimoji="1" lang="en-US" altLang="zh-CN" dirty="0" smtClean="0">
-                <a:solidFill>
-                  <a:schemeClr val="bg1">
-                    <a:lumMod val="75000"/>
-                  </a:schemeClr>
-                </a:solidFill>
-              </a:rPr>
-              <a:t>PostgreSQL</a:t>
-            </a:r>
-          </a:p>
-          <a:p>
+            <a:r>
+              <a:rPr kumimoji="1" lang="zh-CN" altLang="en-US" dirty="0" smtClean="0"/>
+              <a:t>时的历史原因</a:t>
+            </a:r>
             <a:endParaRPr kumimoji="1" lang="en-US" altLang="zh-CN" dirty="0" smtClean="0"/>
           </a:p>
+          <a:p>
+            <a:pPr lvl="1"/>
+            <a:r>
+              <a:rPr kumimoji="1" lang="zh-CN" altLang="en-US" dirty="0" smtClean="0"/>
+              <a:t>数据库原理的研究性项目，充分利用</a:t>
+            </a:r>
+            <a:r>
+              <a:rPr kumimoji="1" lang="en-US" altLang="zh-CN" dirty="0" err="1" smtClean="0"/>
+              <a:t>Os</a:t>
+            </a:r>
+            <a:r>
+              <a:rPr kumimoji="1" lang="zh-CN" altLang="en-US" dirty="0" smtClean="0"/>
+              <a:t>机制，可以专注在数据库内核上</a:t>
+            </a:r>
+            <a:endParaRPr kumimoji="1" lang="en-US" altLang="zh-CN" dirty="0" smtClean="0"/>
+          </a:p>
+          <a:p>
+            <a:pPr lvl="1"/>
+            <a:r>
+              <a:rPr kumimoji="1" lang="en-US" altLang="zh-CN" dirty="0" smtClean="0"/>
+              <a:t>IO</a:t>
+            </a:r>
+            <a:r>
+              <a:rPr kumimoji="1" lang="zh-CN" altLang="en-US" dirty="0" smtClean="0"/>
+              <a:t>栈的开发需要一定工作量，研究人员有限</a:t>
+            </a:r>
+            <a:endParaRPr kumimoji="1" lang="en-US" altLang="zh-CN" dirty="0" smtClean="0"/>
+          </a:p>
+          <a:p>
+            <a:pPr lvl="1"/>
+            <a:r>
+              <a:rPr kumimoji="1" lang="zh-CN" altLang="en-US" dirty="0" smtClean="0"/>
+              <a:t>其实用起来差不了不少</a:t>
+            </a:r>
+            <a:endParaRPr kumimoji="1" lang="en-US" altLang="zh-CN" dirty="0" smtClean="0"/>
+          </a:p>
+          <a:p>
+            <a:r>
+              <a:rPr kumimoji="1" lang="zh-CN" altLang="en-US" dirty="0" smtClean="0"/>
+              <a:t>多进程和多线程的并发机制的不同，其对内存的使用方式也会有差别。</a:t>
+            </a:r>
+            <a:endParaRPr kumimoji="1" lang="zh-CN" altLang="en-US" dirty="0"/>
+          </a:p>
+        </p:txBody>
+      </p:sp>
+      <p:pic>
+        <p:nvPicPr>
+          <p:cNvPr id="5" name="内容占位符 3"/>
+          <p:cNvPicPr>
+            <a:picLocks noChangeAspect="1"/>
+          </p:cNvPicPr>
+          <p:nvPr/>
+        </p:nvPicPr>
+        <p:blipFill>
+          <a:blip r:embed="rId4"/>
+          <a:stretch>
+            <a:fillRect/>
+          </a:stretch>
+        </p:blipFill>
+        <p:spPr>
+          <a:xfrm>
+            <a:off x="4875824" y="1457325"/>
+            <a:ext cx="6282714" cy="5054138"/>
+          </a:xfrm>
+          <a:prstGeom prst="rect">
+            <a:avLst/>
+          </a:prstGeom>
+        </p:spPr>
+      </p:pic>
+      <p:sp>
+        <p:nvSpPr>
+          <p:cNvPr id="6" name="矩形 5"/>
+          <p:cNvSpPr/>
+          <p:nvPr/>
+        </p:nvSpPr>
+        <p:spPr>
+          <a:xfrm>
+            <a:off x="5300664" y="3957638"/>
+            <a:ext cx="5857874" cy="757800"/>
+          </a:xfrm>
+          <a:prstGeom prst="rect">
+            <a:avLst/>
+          </a:prstGeom>
+          <a:noFill/>
+          <a:ln w="57150">
+            <a:solidFill>
+              <a:srgbClr val="C00000"/>
+            </a:solidFill>
+          </a:ln>
+        </p:spPr>
+        <p:style>
+          <a:lnRef idx="2">
+            <a:schemeClr val="accent6"/>
+          </a:lnRef>
+          <a:fillRef idx="1">
+            <a:schemeClr val="lt1"/>
+          </a:fillRef>
+          <a:effectRef idx="0">
+            <a:schemeClr val="accent6"/>
+          </a:effectRef>
+          <a:fontRef idx="minor">
+            <a:schemeClr val="dk1"/>
+          </a:fontRef>
+        </p:style>
+        <p:txBody>
+          <a:bodyPr rtlCol="0" anchor="ctr"/>
+          <a:lstStyle/>
+          <a:p>
+            <a:pPr algn="ctr"/>
+            <a:endParaRPr kumimoji="1" lang="zh-CN" altLang="en-US"/>
+          </a:p>
         </p:txBody>
       </p:sp>
     </p:spTree>
+    <p:custDataLst>
+      <p:tags r:id="rId1"/>
+    </p:custDataLst>
     <p:extLst>
       <p:ext uri="{BB962C8B-B14F-4D97-AF65-F5344CB8AC3E}">
-        <p14:creationId xmlns:p14="http://schemas.microsoft.com/office/powerpoint/2010/main" val="1932687378"/>
+        <p14:creationId xmlns:p14="http://schemas.microsoft.com/office/powerpoint/2010/main" val="1869688028"/>
       </p:ext>
     </p:extLst>
   </p:cSld>
   <p:clrMapOvr>
     <a:masterClrMapping/>
   </p:clrMapOvr>
+  <mc:AlternateContent xmlns:mc="http://schemas.openxmlformats.org/markup-compatibility/2006">
+    <mc:Choice xmlns:p14="http://schemas.microsoft.com/office/powerpoint/2010/main" Requires="p14">
+      <p:transition spd="slow" p14:dur="2000" advTm="229907"/>
+    </mc:Choice>
+    <mc:Fallback>
+      <p:transition spd="slow" advTm="229907"/>
+    </mc:Fallback>
+  </mc:AlternateContent>
   <p:timing>
     <p:tnLst>
       <p:par>
-        <p:cTn id="1" dur="indefinite" restart="never" nodeType="tmRoot"/>
+        <p:cTn id="1" dur="indefinite" restart="never" nodeType="tmRoot">
+          <p:childTnLst>
+            <p:seq concurrent="1" nextAc="seek">
+              <p:cTn id="2" dur="indefinite" nodeType="mainSeq">
+                <p:childTnLst>
+                  <p:par>
+                    <p:cTn id="3" fill="hold">
+                      <p:stCondLst>
+                        <p:cond delay="indefinite"/>
+                      </p:stCondLst>
+                      <p:childTnLst>
+                        <p:par>
+                          <p:cTn id="4" fill="hold">
+                            <p:stCondLst>
+                              <p:cond delay="0"/>
+                            </p:stCondLst>
+                            <p:childTnLst>
+                              <p:par>
+                                <p:cTn id="5" presetID="3" presetClass="entr" presetSubtype="10" fill="hold" nodeType="clickEffect">
+                                  <p:stCondLst>
+                                    <p:cond delay="0"/>
+                                  </p:stCondLst>
+                                  <p:childTnLst>
+                                    <p:set>
+                                      <p:cBhvr>
+                                        <p:cTn id="6" dur="1" fill="hold">
+                                          <p:stCondLst>
+                                            <p:cond delay="0"/>
+                                          </p:stCondLst>
+                                        </p:cTn>
+                                        <p:tgtEl>
+                                          <p:spTgt spid="5"/>
+                                        </p:tgtEl>
+                                        <p:attrNameLst>
+                                          <p:attrName>style.visibility</p:attrName>
+                                        </p:attrNameLst>
+                                      </p:cBhvr>
+                                      <p:to>
+                                        <p:strVal val="visible"/>
+                                      </p:to>
+                                    </p:set>
+                                    <p:animEffect transition="in" filter="blinds(horizontal)">
+                                      <p:cBhvr>
+                                        <p:cTn id="7" dur="500"/>
+                                        <p:tgtEl>
+                                          <p:spTgt spid="5"/>
+                                        </p:tgtEl>
+                                      </p:cBhvr>
+                                    </p:animEffect>
+                                  </p:childTnLst>
+                                </p:cTn>
+                              </p:par>
+                            </p:childTnLst>
+                          </p:cTn>
+                        </p:par>
+                      </p:childTnLst>
+                    </p:cTn>
+                  </p:par>
+                  <p:par>
+                    <p:cTn id="8" fill="hold">
+                      <p:stCondLst>
+                        <p:cond delay="indefinite"/>
+                      </p:stCondLst>
+                      <p:childTnLst>
+                        <p:par>
+                          <p:cTn id="9" fill="hold">
+                            <p:stCondLst>
+                              <p:cond delay="0"/>
+                            </p:stCondLst>
+                            <p:childTnLst>
+                              <p:par>
+                                <p:cTn id="10" presetID="1" presetClass="entr" presetSubtype="0" fill="hold" grpId="0" nodeType="clickEffect">
+                                  <p:stCondLst>
+                                    <p:cond delay="0"/>
+                                  </p:stCondLst>
+                                  <p:childTnLst>
+                                    <p:set>
+                                      <p:cBhvr>
+                                        <p:cTn id="11" dur="1" fill="hold">
+                                          <p:stCondLst>
+                                            <p:cond delay="0"/>
+                                          </p:stCondLst>
+                                        </p:cTn>
+                                        <p:tgtEl>
+                                          <p:spTgt spid="6"/>
+                                        </p:tgtEl>
+                                        <p:attrNameLst>
+                                          <p:attrName>style.visibility</p:attrName>
+                                        </p:attrNameLst>
+                                      </p:cBhvr>
+                                      <p:to>
+                                        <p:strVal val="visible"/>
+                                      </p:to>
+                                    </p:set>
+                                  </p:childTnLst>
+                                </p:cTn>
+                              </p:par>
+                            </p:childTnLst>
+                          </p:cTn>
+                        </p:par>
+                      </p:childTnLst>
+                    </p:cTn>
+                  </p:par>
+                </p:childTnLst>
+              </p:cTn>
+              <p:prevCondLst>
+                <p:cond evt="onPrev" delay="0">
+                  <p:tgtEl>
+                    <p:sldTgt/>
+                  </p:tgtEl>
+                </p:cond>
+              </p:prevCondLst>
+              <p:nextCondLst>
+                <p:cond evt="onNext" delay="0">
+                  <p:tgtEl>
+                    <p:sldTgt/>
+                  </p:tgtEl>
+                </p:cond>
+              </p:nextCondLst>
+            </p:seq>
+          </p:childTnLst>
+        </p:cTn>
       </p:par>
     </p:tnLst>
+    <p:bldLst>
+      <p:bldP spid="6" grpId="0" animBg="1"/>
+    </p:bldLst>
   </p:timing>
 </p:sld>
 </file>
@@ -4244,49 +4761,269 @@
           <a:lstStyle/>
           <a:p>
             <a:r>
-              <a:rPr kumimoji="1" lang="en-US" altLang="zh-CN" dirty="0" err="1"/>
-              <a:t>sync_file_range</a:t>
+              <a:rPr kumimoji="1" lang="zh-CN" altLang="en-US" dirty="0" smtClean="0"/>
+              <a:t>配置</a:t>
+            </a:r>
+            <a:r>
+              <a:rPr kumimoji="1" lang="en-US" altLang="zh-CN" dirty="0" err="1" smtClean="0"/>
+              <a:t>shared_buffer</a:t>
+            </a:r>
+            <a:r>
+              <a:rPr kumimoji="1" lang="zh-CN" altLang="en-US" dirty="0" smtClean="0"/>
+              <a:t>时的思考点</a:t>
             </a:r>
             <a:endParaRPr kumimoji="1" lang="zh-CN" altLang="en-US" dirty="0"/>
           </a:p>
         </p:txBody>
       </p:sp>
-      <p:pic>
-        <p:nvPicPr>
-          <p:cNvPr id="9" name="内容占位符 8"/>
-          <p:cNvPicPr>
-            <a:picLocks noGrp="1" noChangeAspect="1"/>
-          </p:cNvPicPr>
-          <p:nvPr>
-            <p:ph sz="half" idx="1"/>
-          </p:nvPr>
-        </p:nvPicPr>
-        <p:blipFill>
-          <a:blip r:embed="rId2"/>
-          <a:stretch>
-            <a:fillRect/>
-          </a:stretch>
-        </p:blipFill>
-        <p:spPr>
-          <a:xfrm>
-            <a:off x="1857247" y="1690688"/>
-            <a:ext cx="8477505" cy="4426307"/>
-          </a:xfrm>
-          <a:prstGeom prst="rect">
-            <a:avLst/>
-          </a:prstGeom>
-        </p:spPr>
-      </p:pic>
+      <p:sp>
+        <p:nvSpPr>
+          <p:cNvPr id="3" name="内容占位符 2"/>
+          <p:cNvSpPr>
+            <a:spLocks noGrp="1"/>
+          </p:cNvSpPr>
+          <p:nvPr>
+            <p:ph idx="1"/>
+          </p:nvPr>
+        </p:nvSpPr>
+        <p:spPr/>
+        <p:txBody>
+          <a:bodyPr/>
+          <a:lstStyle/>
+          <a:p>
+            <a:r>
+              <a:rPr kumimoji="1" lang="en-US" altLang="zh-CN" dirty="0" smtClean="0"/>
+              <a:t>Double</a:t>
+            </a:r>
+            <a:r>
+              <a:rPr kumimoji="1" lang="zh-CN" altLang="en-US" dirty="0" smtClean="0"/>
+              <a:t> </a:t>
+            </a:r>
+            <a:r>
+              <a:rPr kumimoji="1" lang="en-US" altLang="zh-CN" dirty="0" smtClean="0"/>
+              <a:t>buffer</a:t>
+            </a:r>
+            <a:r>
+              <a:rPr kumimoji="1" lang="zh-CN" altLang="en-US" dirty="0" smtClean="0"/>
+              <a:t>的存在，数据会在</a:t>
+            </a:r>
+            <a:r>
+              <a:rPr kumimoji="1" lang="en-US" altLang="zh-CN" dirty="0" err="1" smtClean="0"/>
+              <a:t>shared_buffer</a:t>
+            </a:r>
+            <a:r>
+              <a:rPr kumimoji="1" lang="zh-CN" altLang="en-US" dirty="0" smtClean="0"/>
+              <a:t>和</a:t>
+            </a:r>
+            <a:r>
+              <a:rPr kumimoji="1" lang="en-US" altLang="zh-CN" dirty="0" smtClean="0"/>
+              <a:t>page</a:t>
+            </a:r>
+            <a:r>
+              <a:rPr kumimoji="1" lang="zh-CN" altLang="en-US" dirty="0" smtClean="0"/>
+              <a:t> </a:t>
+            </a:r>
+            <a:r>
+              <a:rPr kumimoji="1" lang="en-US" altLang="zh-CN" dirty="0" smtClean="0"/>
+              <a:t>cache</a:t>
+            </a:r>
+            <a:r>
+              <a:rPr kumimoji="1" lang="zh-CN" altLang="en-US" dirty="0" smtClean="0"/>
+              <a:t>中存在两份</a:t>
+            </a:r>
+            <a:r>
+              <a:rPr kumimoji="1" lang="en-US" altLang="zh-CN" dirty="0" smtClean="0"/>
+              <a:t>[(25%~40%</a:t>
+            </a:r>
+            <a:r>
+              <a:rPr kumimoji="1" lang="en-US" altLang="zh-CN" dirty="0"/>
+              <a:t>)</a:t>
+            </a:r>
+            <a:r>
+              <a:rPr kumimoji="1" lang="zh-CN" altLang="en-US" dirty="0" smtClean="0"/>
+              <a:t>* </a:t>
+            </a:r>
+            <a:r>
+              <a:rPr kumimoji="1" lang="en-US" altLang="zh-CN" dirty="0" smtClean="0"/>
+              <a:t>2</a:t>
+            </a:r>
+            <a:r>
+              <a:rPr kumimoji="1" lang="zh-CN" altLang="en-US" dirty="0" smtClean="0"/>
+              <a:t> </a:t>
+            </a:r>
+            <a:r>
+              <a:rPr kumimoji="1" lang="en-US" altLang="zh-CN" dirty="0" smtClean="0"/>
+              <a:t>=</a:t>
+            </a:r>
+            <a:r>
+              <a:rPr kumimoji="1" lang="zh-CN" altLang="en-US" dirty="0" smtClean="0"/>
+              <a:t> </a:t>
+            </a:r>
+            <a:r>
+              <a:rPr kumimoji="1" lang="en-US" altLang="zh-CN" dirty="0" smtClean="0"/>
+              <a:t>(50%~80%)]</a:t>
+            </a:r>
+          </a:p>
+          <a:p>
+            <a:r>
+              <a:rPr kumimoji="1" lang="zh-CN" altLang="en-US" dirty="0" smtClean="0"/>
+              <a:t>可将</a:t>
+            </a:r>
+            <a:r>
+              <a:rPr kumimoji="1" lang="en-US" altLang="zh-CN" dirty="0" smtClean="0"/>
+              <a:t>double</a:t>
+            </a:r>
+            <a:r>
+              <a:rPr kumimoji="1" lang="zh-CN" altLang="en-US" dirty="0" smtClean="0"/>
+              <a:t> </a:t>
+            </a:r>
+            <a:r>
+              <a:rPr kumimoji="1" lang="en-US" altLang="zh-CN" dirty="0" smtClean="0"/>
+              <a:t>buffer</a:t>
+            </a:r>
+            <a:r>
+              <a:rPr kumimoji="1" lang="zh-CN" altLang="en-US" dirty="0" smtClean="0"/>
+              <a:t>看做两级缓存，</a:t>
+            </a:r>
+            <a:r>
+              <a:rPr kumimoji="1" lang="en-US" altLang="zh-CN" dirty="0" err="1" smtClean="0"/>
+              <a:t>shared_buffer</a:t>
+            </a:r>
+            <a:r>
+              <a:rPr kumimoji="1" lang="zh-CN" altLang="en-US" dirty="0" smtClean="0"/>
+              <a:t>为第一级</a:t>
+            </a:r>
+            <a:endParaRPr kumimoji="1" lang="en-US" altLang="zh-CN" dirty="0" smtClean="0"/>
+          </a:p>
+          <a:p>
+            <a:r>
+              <a:rPr kumimoji="1" lang="zh-CN" altLang="en-US" dirty="0" smtClean="0"/>
+              <a:t>根据数据库工作集大小</a:t>
+            </a:r>
+            <a:r>
+              <a:rPr kumimoji="1" lang="en-US" altLang="zh-CN" dirty="0" smtClean="0"/>
+              <a:t>(</a:t>
+            </a:r>
+            <a:r>
+              <a:rPr kumimoji="1" lang="en-US" altLang="zh-CN" dirty="0" err="1" smtClean="0"/>
+              <a:t>db_work_set_size</a:t>
+            </a:r>
+            <a:r>
+              <a:rPr kumimoji="1" lang="en-US" altLang="zh-CN" dirty="0" smtClean="0"/>
+              <a:t>)</a:t>
+            </a:r>
+            <a:r>
+              <a:rPr kumimoji="1" lang="zh-CN" altLang="en-US" dirty="0" smtClean="0"/>
+              <a:t> 和 内存的大小进行配置</a:t>
+            </a:r>
+            <a:endParaRPr kumimoji="1" lang="en-US" altLang="zh-CN" dirty="0" smtClean="0"/>
+          </a:p>
+          <a:p>
+            <a:r>
+              <a:rPr kumimoji="1" lang="zh-CN" altLang="en-US" dirty="0" smtClean="0"/>
+              <a:t>也要注意给</a:t>
+            </a:r>
+            <a:r>
+              <a:rPr kumimoji="1" lang="en-US" altLang="zh-CN" dirty="0" smtClean="0"/>
+              <a:t>backend</a:t>
+            </a:r>
+            <a:r>
+              <a:rPr kumimoji="1" lang="zh-CN" altLang="en-US" dirty="0" smtClean="0"/>
+              <a:t> </a:t>
+            </a:r>
+            <a:r>
+              <a:rPr kumimoji="1" lang="en-US" altLang="zh-CN" dirty="0" smtClean="0"/>
+              <a:t>worker</a:t>
+            </a:r>
+            <a:r>
+              <a:rPr kumimoji="1" lang="zh-CN" altLang="en-US" dirty="0" smtClean="0"/>
+              <a:t>留下</a:t>
+            </a:r>
+            <a:r>
+              <a:rPr kumimoji="1" lang="en-US" altLang="zh-CN" dirty="0" err="1" smtClean="0"/>
+              <a:t>work_mem</a:t>
+            </a:r>
+            <a:r>
+              <a:rPr kumimoji="1" lang="zh-CN" altLang="en-US" dirty="0" smtClean="0"/>
+              <a:t>的空间；</a:t>
+            </a:r>
+            <a:endParaRPr kumimoji="1" lang="en-US" altLang="zh-CN" dirty="0" smtClean="0"/>
+          </a:p>
+          <a:p>
+            <a:r>
+              <a:rPr kumimoji="1" lang="zh-CN" altLang="en-US" dirty="0" smtClean="0"/>
+              <a:t>另外，</a:t>
+            </a:r>
+            <a:r>
+              <a:rPr kumimoji="1" lang="en-US" altLang="zh-CN" dirty="0" err="1" smtClean="0"/>
+              <a:t>shared_buffer</a:t>
+            </a:r>
+            <a:r>
+              <a:rPr kumimoji="1" lang="zh-CN" altLang="en-US" dirty="0" smtClean="0"/>
+              <a:t>的页在每个</a:t>
+            </a:r>
+            <a:r>
+              <a:rPr kumimoji="1" lang="en-US" altLang="zh-CN" dirty="0" smtClean="0"/>
+              <a:t>PostgreSQL</a:t>
+            </a:r>
+            <a:r>
+              <a:rPr kumimoji="1" lang="zh-CN" altLang="en-US" dirty="0"/>
+              <a:t> </a:t>
+            </a:r>
+            <a:r>
+              <a:rPr kumimoji="1" lang="en-US" altLang="zh-CN" dirty="0" smtClean="0"/>
+              <a:t>backend</a:t>
+            </a:r>
+            <a:r>
+              <a:rPr kumimoji="1" lang="zh-CN" altLang="en-US" dirty="0" smtClean="0"/>
+              <a:t> </a:t>
+            </a:r>
+            <a:r>
+              <a:rPr kumimoji="1" lang="en-US" altLang="zh-CN" dirty="0" smtClean="0"/>
+              <a:t>worker</a:t>
+            </a:r>
+            <a:r>
+              <a:rPr kumimoji="1" lang="zh-CN" altLang="en-US" dirty="0" smtClean="0"/>
+              <a:t>进程中都存在一份页表，考虑</a:t>
+            </a:r>
+            <a:r>
+              <a:rPr kumimoji="1" lang="en-US" altLang="zh-CN" dirty="0" smtClean="0"/>
+              <a:t>TLB</a:t>
+            </a:r>
+            <a:r>
+              <a:rPr kumimoji="1" lang="zh-CN" altLang="en-US" dirty="0" smtClean="0"/>
+              <a:t> </a:t>
+            </a:r>
+            <a:r>
+              <a:rPr kumimoji="1" lang="en-US" altLang="zh-CN" dirty="0" smtClean="0"/>
+              <a:t>miss</a:t>
+            </a:r>
+            <a:r>
+              <a:rPr kumimoji="1" lang="zh-CN" altLang="en-US" dirty="0" smtClean="0"/>
+              <a:t>的问题</a:t>
+            </a:r>
+            <a:endParaRPr kumimoji="1" lang="en-US" altLang="zh-CN" dirty="0" smtClean="0"/>
+          </a:p>
+        </p:txBody>
+      </p:sp>
     </p:spTree>
     <p:extLst>
       <p:ext uri="{BB962C8B-B14F-4D97-AF65-F5344CB8AC3E}">
-        <p14:creationId xmlns:p14="http://schemas.microsoft.com/office/powerpoint/2010/main" val="463440639"/>
+        <p14:creationId xmlns:p14="http://schemas.microsoft.com/office/powerpoint/2010/main" val="1377947095"/>
       </p:ext>
     </p:extLst>
   </p:cSld>
   <p:clrMapOvr>
     <a:masterClrMapping/>
   </p:clrMapOvr>
+  <mc:AlternateContent xmlns:mc="http://schemas.openxmlformats.org/markup-compatibility/2006">
+    <mc:Choice xmlns:p14="http://schemas.microsoft.com/office/powerpoint/2010/main" Requires="p14">
+      <p:transition spd="slow" p14:dur="2000" advTm="446"/>
+    </mc:Choice>
+    <mc:Fallback>
+      <p:transition spd="slow" advTm="446"/>
+    </mc:Fallback>
+  </mc:AlternateContent>
   <p:timing>
     <p:tnLst>
       <p:par>
@@ -4353,16 +5090,6 @@
           <a:lstStyle/>
           <a:p>
             <a:r>
-              <a:rPr kumimoji="1" lang="en-US" altLang="zh-CN" dirty="0">
-                <a:solidFill>
-                  <a:schemeClr val="bg1">
-                    <a:lumMod val="75000"/>
-                  </a:schemeClr>
-                </a:solidFill>
-              </a:rPr>
-              <a:t>d</a:t>
-            </a:r>
-            <a:r>
               <a:rPr kumimoji="1" lang="en-US" altLang="zh-CN" dirty="0" smtClean="0">
                 <a:solidFill>
                   <a:schemeClr val="bg1">
@@ -4370,7 +5097,7 @@
                   </a:schemeClr>
                 </a:solidFill>
               </a:rPr>
-              <a:t>ouble</a:t>
+              <a:t>double</a:t>
             </a:r>
             <a:r>
               <a:rPr kumimoji="1" lang="zh-CN" altLang="en-US" dirty="0" smtClean="0">
@@ -4392,46 +5119,6 @@
               </a:rPr>
               <a:t>buffer</a:t>
             </a:r>
-            <a:r>
-              <a:rPr kumimoji="1" lang="zh-CN" altLang="en-US" dirty="0" smtClean="0">
-                <a:solidFill>
-                  <a:schemeClr val="bg1">
-                    <a:lumMod val="75000"/>
-                  </a:schemeClr>
-                </a:solidFill>
-              </a:rPr>
-              <a:t> </a:t>
-            </a:r>
-            <a:r>
-              <a:rPr kumimoji="1" lang="en-US" altLang="zh-CN" dirty="0" smtClean="0">
-                <a:solidFill>
-                  <a:schemeClr val="bg1">
-                    <a:lumMod val="75000"/>
-                  </a:schemeClr>
-                </a:solidFill>
-              </a:rPr>
-              <a:t>in</a:t>
-            </a:r>
-            <a:r>
-              <a:rPr kumimoji="1" lang="zh-CN" altLang="en-US" dirty="0" smtClean="0">
-                <a:solidFill>
-                  <a:schemeClr val="bg1">
-                    <a:lumMod val="75000"/>
-                  </a:schemeClr>
-                </a:solidFill>
-              </a:rPr>
-              <a:t> </a:t>
-            </a:r>
-            <a:r>
-              <a:rPr kumimoji="1" lang="en-US" altLang="zh-CN" dirty="0" smtClean="0">
-                <a:solidFill>
-                  <a:schemeClr val="bg1">
-                    <a:lumMod val="75000"/>
-                  </a:schemeClr>
-                </a:solidFill>
-              </a:rPr>
-              <a:t>PostgreSQL</a:t>
-            </a:r>
             <a:endParaRPr kumimoji="1" lang="en-US" altLang="zh-CN" dirty="0">
               <a:solidFill>
                 <a:schemeClr val="bg1">
@@ -4442,109 +5129,39 @@
           </a:p>
           <a:p>
             <a:r>
-              <a:rPr kumimoji="1" lang="en-US" altLang="zh-CN" dirty="0">
-                <a:solidFill>
-                  <a:schemeClr val="bg1">
-                    <a:lumMod val="75000"/>
-                  </a:schemeClr>
-                </a:solidFill>
-              </a:rPr>
-              <a:t>c</a:t>
-            </a:r>
-            <a:r>
-              <a:rPr kumimoji="1" lang="en-US" altLang="zh-CN" dirty="0" smtClean="0">
-                <a:solidFill>
-                  <a:schemeClr val="bg1">
-                    <a:lumMod val="75000"/>
-                  </a:schemeClr>
-                </a:solidFill>
-              </a:rPr>
-              <a:t>heckpoint</a:t>
-            </a:r>
-            <a:r>
-              <a:rPr kumimoji="1" lang="zh-CN" altLang="en-US" dirty="0" smtClean="0">
-                <a:solidFill>
-                  <a:schemeClr val="bg1">
-                    <a:lumMod val="75000"/>
-                  </a:schemeClr>
-                </a:solidFill>
-              </a:rPr>
+              <a:rPr kumimoji="1" lang="en-US" altLang="zh-CN" dirty="0" smtClean="0"/>
+              <a:t>Write</a:t>
+            </a:r>
+            <a:r>
+              <a:rPr kumimoji="1" lang="zh-CN" altLang="en-US" dirty="0" smtClean="0"/>
               <a:t> </a:t>
             </a:r>
             <a:r>
-              <a:rPr kumimoji="1" lang="en-US" altLang="zh-CN" dirty="0" smtClean="0">
-                <a:solidFill>
-                  <a:schemeClr val="bg1">
-                    <a:lumMod val="75000"/>
-                  </a:schemeClr>
-                </a:solidFill>
-              </a:rPr>
-              <a:t>in</a:t>
-            </a:r>
-            <a:r>
-              <a:rPr kumimoji="1" lang="zh-CN" altLang="en-US" dirty="0" smtClean="0">
-                <a:solidFill>
-                  <a:schemeClr val="bg1">
-                    <a:lumMod val="75000"/>
-                  </a:schemeClr>
-                </a:solidFill>
-              </a:rPr>
-              <a:t> </a:t>
-            </a:r>
-            <a:r>
-              <a:rPr kumimoji="1" lang="en-US" altLang="zh-CN" dirty="0" smtClean="0">
-                <a:solidFill>
-                  <a:schemeClr val="bg1">
-                    <a:lumMod val="75000"/>
-                  </a:schemeClr>
-                </a:solidFill>
-              </a:rPr>
-              <a:t>PostgreSQL</a:t>
-            </a:r>
-          </a:p>
-          <a:p>
-            <a:r>
-              <a:rPr kumimoji="1" lang="en-US" altLang="zh-CN" dirty="0" err="1"/>
-              <a:t>fsync</a:t>
-            </a:r>
-            <a:r>
-              <a:rPr kumimoji="1" lang="zh-CN" altLang="en-US" dirty="0"/>
-              <a:t> </a:t>
-            </a:r>
-            <a:r>
-              <a:rPr kumimoji="1" lang="en-US" altLang="zh-CN" dirty="0"/>
-              <a:t>in</a:t>
-            </a:r>
-            <a:r>
-              <a:rPr kumimoji="1" lang="zh-CN" altLang="en-US" dirty="0"/>
-              <a:t> </a:t>
-            </a:r>
-            <a:r>
               <a:rPr kumimoji="1" lang="en-US" altLang="zh-CN" dirty="0" smtClean="0"/>
-              <a:t>PostgreSQL</a:t>
-            </a:r>
-          </a:p>
-          <a:p>
-            <a:endParaRPr kumimoji="1" lang="en-US" altLang="zh-CN" dirty="0" smtClean="0">
-              <a:solidFill>
-                <a:schemeClr val="bg1">
-                  <a:lumMod val="75000"/>
-                </a:schemeClr>
-              </a:solidFill>
-            </a:endParaRPr>
+              <a:t>back</a:t>
+            </a:r>
+            <a:endParaRPr kumimoji="1" lang="en-US" altLang="zh-CN" dirty="0"/>
           </a:p>
         </p:txBody>
       </p:sp>
     </p:spTree>
     <p:extLst>
       <p:ext uri="{BB962C8B-B14F-4D97-AF65-F5344CB8AC3E}">
-        <p14:creationId xmlns:p14="http://schemas.microsoft.com/office/powerpoint/2010/main" val="1695806127"/>
+        <p14:creationId xmlns:p14="http://schemas.microsoft.com/office/powerpoint/2010/main" val="672193868"/>
       </p:ext>
     </p:extLst>
   </p:cSld>
   <p:clrMapOvr>
     <a:masterClrMapping/>
   </p:clrMapOvr>
+  <mc:AlternateContent xmlns:mc="http://schemas.openxmlformats.org/markup-compatibility/2006">
+    <mc:Choice xmlns:p14="http://schemas.microsoft.com/office/powerpoint/2010/main" Requires="p14">
+      <p:transition spd="slow" p14:dur="2000" advTm="2381"/>
+    </mc:Choice>
+    <mc:Fallback>
+      <p:transition spd="slow" advTm="2381"/>
+    </mc:Fallback>
+  </mc:AlternateContent>
   <p:timing>
     <p:tnLst>
       <p:par>
@@ -4588,8 +5205,16 @@
           <a:lstStyle/>
           <a:p>
             <a:r>
+              <a:rPr kumimoji="1" lang="en-US" altLang="zh-CN" dirty="0" err="1" smtClean="0"/>
+              <a:t>Shared_buffer</a:t>
+            </a:r>
+            <a:r>
               <a:rPr kumimoji="1" lang="zh-CN" altLang="en-US" dirty="0" smtClean="0"/>
-              <a:t>块存储介质</a:t>
+              <a:t>的回写，要平滑地且</a:t>
+            </a:r>
+            <a:r>
+              <a:rPr kumimoji="1" lang="zh-CN" altLang="en-US" dirty="0" smtClean="0"/>
+              <a:t>顺序地</a:t>
             </a:r>
             <a:endParaRPr kumimoji="1" lang="zh-CN" altLang="en-US" dirty="0"/>
           </a:p>
@@ -4597,7 +5222,7 @@
       </p:sp>
       <p:sp>
         <p:nvSpPr>
-          <p:cNvPr id="4" name="内容占位符 3"/>
+          <p:cNvPr id="3" name="内容占位符 2"/>
           <p:cNvSpPr>
             <a:spLocks noGrp="1"/>
           </p:cNvSpPr>
@@ -4605,150 +5230,12 @@
             <p:ph sz="half" idx="2"/>
           </p:nvPr>
         </p:nvSpPr>
-        <p:spPr>
-          <a:xfrm>
-            <a:off x="6662056" y="1825625"/>
-            <a:ext cx="4691743" cy="4351338"/>
-          </a:xfrm>
-        </p:spPr>
-        <p:txBody>
-          <a:bodyPr>
-            <a:normAutofit/>
-          </a:bodyPr>
-          <a:lstStyle/>
-          <a:p>
-            <a:r>
-              <a:rPr kumimoji="1" lang="en-US" altLang="zh-CN" b="1" dirty="0"/>
-              <a:t>Block</a:t>
-            </a:r>
-            <a:r>
-              <a:rPr kumimoji="1" lang="zh-CN" altLang="en-US" b="1" dirty="0"/>
-              <a:t> </a:t>
-            </a:r>
-            <a:r>
-              <a:rPr kumimoji="1" lang="en-US" altLang="zh-CN" b="1" dirty="0" smtClean="0"/>
-              <a:t>storage</a:t>
-            </a:r>
-          </a:p>
-          <a:p>
-            <a:pPr lvl="1"/>
-            <a:r>
-              <a:rPr kumimoji="1" lang="en-US" altLang="zh-CN" b="1" dirty="0" smtClean="0"/>
-              <a:t>HDD</a:t>
-            </a:r>
-          </a:p>
-          <a:p>
-            <a:pPr lvl="1"/>
-            <a:r>
-              <a:rPr kumimoji="1" lang="en-US" altLang="zh-CN" b="1" dirty="0" smtClean="0"/>
-              <a:t>SSD</a:t>
-            </a:r>
-          </a:p>
-          <a:p>
-            <a:pPr lvl="1"/>
-            <a:r>
-              <a:rPr kumimoji="1" lang="en-US" altLang="zh-CN" b="1" dirty="0" err="1" smtClean="0"/>
-              <a:t>NVMe</a:t>
-            </a:r>
-            <a:endParaRPr kumimoji="1" lang="en-US" altLang="zh-CN" b="1" dirty="0" smtClean="0"/>
-          </a:p>
-          <a:p>
-            <a:pPr lvl="1"/>
-            <a:r>
-              <a:rPr kumimoji="1" lang="en-US" altLang="zh-CN" b="1" dirty="0" smtClean="0"/>
-              <a:t>SAN</a:t>
-            </a:r>
-            <a:endParaRPr kumimoji="1" lang="en-US" altLang="zh-CN" b="1" dirty="0"/>
-          </a:p>
-          <a:p>
-            <a:pPr lvl="1"/>
-            <a:r>
-              <a:rPr kumimoji="1" lang="en-US" altLang="zh-CN" b="1" dirty="0" smtClean="0"/>
-              <a:t>EBS</a:t>
-            </a:r>
-            <a:endParaRPr kumimoji="1" lang="en-US" altLang="zh-CN" b="1" dirty="0"/>
-          </a:p>
-          <a:p>
-            <a:pPr lvl="1"/>
-            <a:r>
-              <a:rPr kumimoji="1" lang="en-US" altLang="zh-CN" b="1" dirty="0" smtClean="0"/>
-              <a:t>NFS</a:t>
-            </a:r>
-          </a:p>
-          <a:p>
-            <a:pPr lvl="1"/>
-            <a:endParaRPr kumimoji="1" lang="en-US" altLang="zh-CN" b="1" dirty="0"/>
-          </a:p>
-          <a:p>
-            <a:r>
-              <a:rPr kumimoji="1" lang="en-US" altLang="zh-CN" b="1" dirty="0">
-                <a:solidFill>
-                  <a:schemeClr val="bg1">
-                    <a:lumMod val="75000"/>
-                  </a:schemeClr>
-                </a:solidFill>
-              </a:rPr>
-              <a:t>File</a:t>
-            </a:r>
-            <a:r>
-              <a:rPr kumimoji="1" lang="zh-CN" altLang="en-US" b="1" dirty="0">
-                <a:solidFill>
-                  <a:schemeClr val="bg1">
-                    <a:lumMod val="75000"/>
-                  </a:schemeClr>
-                </a:solidFill>
-              </a:rPr>
-              <a:t> </a:t>
-            </a:r>
-            <a:r>
-              <a:rPr kumimoji="1" lang="en-US" altLang="zh-CN" b="1" dirty="0" smtClean="0">
-                <a:solidFill>
-                  <a:schemeClr val="bg1">
-                    <a:lumMod val="75000"/>
-                  </a:schemeClr>
-                </a:solidFill>
-              </a:rPr>
-              <a:t>storage</a:t>
-            </a:r>
-            <a:endParaRPr kumimoji="1" lang="en-US" altLang="zh-CN" b="1" dirty="0">
-              <a:solidFill>
-                <a:schemeClr val="bg1">
-                  <a:lumMod val="75000"/>
-                </a:schemeClr>
-              </a:solidFill>
-            </a:endParaRPr>
-          </a:p>
-          <a:p>
-            <a:r>
-              <a:rPr kumimoji="1" lang="en-US" altLang="zh-CN" b="1" dirty="0">
-                <a:solidFill>
-                  <a:schemeClr val="bg1">
-                    <a:lumMod val="75000"/>
-                  </a:schemeClr>
-                </a:solidFill>
-              </a:rPr>
-              <a:t>Object</a:t>
-            </a:r>
-            <a:r>
-              <a:rPr kumimoji="1" lang="zh-CN" altLang="en-US" b="1" dirty="0">
-                <a:solidFill>
-                  <a:schemeClr val="bg1">
-                    <a:lumMod val="75000"/>
-                  </a:schemeClr>
-                </a:solidFill>
-              </a:rPr>
-              <a:t> </a:t>
-            </a:r>
-            <a:r>
-              <a:rPr kumimoji="1" lang="en-US" altLang="zh-CN" b="1" dirty="0">
-                <a:solidFill>
-                  <a:schemeClr val="bg1">
-                    <a:lumMod val="75000"/>
-                  </a:schemeClr>
-                </a:solidFill>
-              </a:rPr>
-              <a:t>storage</a:t>
-            </a:r>
+        <p:spPr/>
+        <p:txBody>
+          <a:bodyPr/>
+          <a:lstStyle/>
+          <a:p>
+            <a:endParaRPr lang="en-US" altLang="zh-CN" dirty="0" smtClean="0"/>
           </a:p>
           <a:p>
             <a:endParaRPr kumimoji="1" lang="zh-CN" altLang="en-US" dirty="0"/>
@@ -4757,46 +5244,220 @@
       </p:sp>
       <p:pic>
         <p:nvPicPr>
-          <p:cNvPr id="10" name="内容占位符 9"/>
+          <p:cNvPr id="18" name="图片 17"/>
           <p:cNvPicPr>
-            <a:picLocks noGrp="1" noChangeAspect="1"/>
+            <a:picLocks noChangeAspect="1"/>
           </p:cNvPicPr>
-          <p:nvPr>
-            <p:ph sz="half" idx="1"/>
-          </p:nvPr>
+          <p:nvPr/>
         </p:nvPicPr>
         <p:blipFill>
-          <a:blip r:embed="rId2"/>
+          <a:blip r:embed="rId4"/>
           <a:stretch>
             <a:fillRect/>
           </a:stretch>
         </p:blipFill>
         <p:spPr>
           <a:xfrm>
-            <a:off x="838200" y="2045658"/>
-            <a:ext cx="5181600" cy="3911272"/>
+            <a:off x="839788" y="1717675"/>
+            <a:ext cx="3848100" cy="4445000"/>
           </a:xfrm>
           <a:prstGeom prst="rect">
             <a:avLst/>
           </a:prstGeom>
         </p:spPr>
       </p:pic>
+      <p:pic>
+        <p:nvPicPr>
+          <p:cNvPr id="22" name="内容占位符 21"/>
+          <p:cNvPicPr>
+            <a:picLocks noGrp="1" noChangeAspect="1"/>
+          </p:cNvPicPr>
+          <p:nvPr>
+            <p:ph sz="quarter" idx="4"/>
+          </p:nvPr>
+        </p:nvPicPr>
+        <p:blipFill>
+          <a:blip r:embed="rId5"/>
+          <a:stretch>
+            <a:fillRect/>
+          </a:stretch>
+        </p:blipFill>
+        <p:spPr>
+          <a:xfrm>
+            <a:off x="6097588" y="1690687"/>
+            <a:ext cx="4696994" cy="4471988"/>
+          </a:xfrm>
+          <a:prstGeom prst="rect">
+            <a:avLst/>
+          </a:prstGeom>
+        </p:spPr>
+      </p:pic>
+      <p:sp>
+        <p:nvSpPr>
+          <p:cNvPr id="5" name="矩形 4"/>
+          <p:cNvSpPr/>
+          <p:nvPr/>
+        </p:nvSpPr>
+        <p:spPr>
+          <a:xfrm>
+            <a:off x="4585239" y="1858744"/>
+            <a:ext cx="1903085" cy="646331"/>
+          </a:xfrm>
+          <a:prstGeom prst="rect">
+            <a:avLst/>
+          </a:prstGeom>
+        </p:spPr>
+        <p:txBody>
+          <a:bodyPr wrap="none">
+            <a:spAutoFit/>
+          </a:bodyPr>
+          <a:lstStyle/>
+          <a:p>
+            <a:r>
+              <a:rPr kumimoji="1" lang="zh-CN" altLang="en-US" b="1" dirty="0" smtClean="0">
+                <a:solidFill>
+                  <a:srgbClr val="FF0000"/>
+                </a:solidFill>
+              </a:rPr>
+              <a:t>为什么要平滑？</a:t>
+            </a:r>
+            <a:endParaRPr kumimoji="1" lang="en-US" altLang="zh-CN" b="1" dirty="0" smtClean="0">
+              <a:solidFill>
+                <a:srgbClr val="FF0000"/>
+              </a:solidFill>
+            </a:endParaRPr>
+          </a:p>
+          <a:p>
+            <a:r>
+              <a:rPr kumimoji="1" lang="zh-CN" altLang="en-US" b="1" dirty="0" smtClean="0">
+                <a:solidFill>
+                  <a:srgbClr val="FF0000"/>
+                </a:solidFill>
+              </a:rPr>
+              <a:t>为什么要有顺序</a:t>
+            </a:r>
+            <a:r>
+              <a:rPr kumimoji="1" lang="en-US" altLang="zh-CN" b="1" dirty="0" smtClean="0">
+                <a:solidFill>
+                  <a:srgbClr val="FF0000"/>
+                </a:solidFill>
+              </a:rPr>
+              <a:t>?</a:t>
+            </a:r>
+            <a:endParaRPr kumimoji="1" lang="zh-CN" altLang="en-US" b="1" dirty="0">
+              <a:solidFill>
+                <a:srgbClr val="FF0000"/>
+              </a:solidFill>
+            </a:endParaRPr>
+          </a:p>
+        </p:txBody>
+      </p:sp>
     </p:spTree>
+    <p:custDataLst>
+      <p:tags r:id="rId1"/>
+    </p:custDataLst>
     <p:extLst>
       <p:ext uri="{BB962C8B-B14F-4D97-AF65-F5344CB8AC3E}">
-        <p14:creationId xmlns:p14="http://schemas.microsoft.com/office/powerpoint/2010/main" val="1199800108"/>
+        <p14:creationId xmlns:p14="http://schemas.microsoft.com/office/powerpoint/2010/main" val="888379898"/>
       </p:ext>
     </p:extLst>
   </p:cSld>
   <p:clrMapOvr>
     <a:masterClrMapping/>
   </p:clrMapOvr>
+  <mc:AlternateContent xmlns:mc="http://schemas.openxmlformats.org/markup-compatibility/2006">
+    <mc:Choice xmlns:p14="http://schemas.microsoft.com/office/powerpoint/2010/main" Requires="p14">
+      <p:transition spd="slow" p14:dur="2000" advTm="1965"/>
+    </mc:Choice>
+    <mc:Fallback>
+      <p:transition spd="slow" advTm="1965"/>
+    </mc:Fallback>
+  </mc:AlternateContent>
   <p:timing>
     <p:tnLst>
       <p:par>
-        <p:cTn id="1" dur="indefinite" restart="never" nodeType="tmRoot"/>
+        <p:cTn id="1" dur="indefinite" restart="never" nodeType="tmRoot">
+          <p:childTnLst>
+            <p:seq concurrent="1" nextAc="seek">
+              <p:cTn id="2" dur="indefinite" nodeType="mainSeq">
+                <p:childTnLst>
+                  <p:par>
+                    <p:cTn id="3" fill="hold">
+                      <p:stCondLst>
+                        <p:cond delay="indefinite"/>
+                      </p:stCondLst>
+                      <p:childTnLst>
+                        <p:par>
+                          <p:cTn id="4" fill="hold">
+                            <p:stCondLst>
+                              <p:cond delay="0"/>
+                            </p:stCondLst>
+                            <p:childTnLst>
+                              <p:par>
+                                <p:cTn id="5" presetID="5" presetClass="entr" presetSubtype="10" fill="hold" grpId="0" nodeType="clickEffect">
+                                  <p:stCondLst>
+                                    <p:cond delay="0"/>
+                                  </p:stCondLst>
+                                  <p:childTnLst>
+                                    <p:set>
+                                      <p:cBhvr>
+                                        <p:cTn id="6" dur="1" fill="hold">
+                                          <p:stCondLst>
+                                            <p:cond delay="0"/>
+                                          </p:stCondLst>
+                                        </p:cTn>
+                                        <p:tgtEl>
+                                          <p:spTgt spid="5"/>
+                                        </p:tgtEl>
+                                        <p:attrNameLst>
+                                          <p:attrName>style.visibility</p:attrName>
+                                        </p:attrNameLst>
+                                      </p:cBhvr>
+                                      <p:to>
+                                        <p:strVal val="visible"/>
+                                      </p:to>
+                                    </p:set>
+                                    <p:animEffect transition="in" filter="checkerboard(across)">
+                                      <p:cBhvr>
+                                        <p:cTn id="7" dur="500"/>
+                                        <p:tgtEl>
+                                          <p:spTgt spid="5"/>
+                                        </p:tgtEl>
+                                      </p:cBhvr>
+                                    </p:animEffect>
+                                  </p:childTnLst>
+                                </p:cTn>
+                              </p:par>
+                            </p:childTnLst>
+                          </p:cTn>
+                        </p:par>
+                      </p:childTnLst>
+                    </p:cTn>
+                  </p:par>
+                </p:childTnLst>
+              </p:cTn>
+              <p:prevCondLst>
+                <p:cond evt="onPrev" delay="0">
+                  <p:tgtEl>
+                    <p:sldTgt/>
+                  </p:tgtEl>
+                </p:cond>
+              </p:prevCondLst>
+              <p:nextCondLst>
+                <p:cond evt="onNext" delay="0">
+                  <p:tgtEl>
+                    <p:sldTgt/>
+                  </p:tgtEl>
+                </p:cond>
+              </p:nextCondLst>
+            </p:seq>
+          </p:childTnLst>
+        </p:cTn>
       </p:par>
     </p:tnLst>
+    <p:bldLst>
+      <p:bldP spid="5" grpId="0"/>
+    </p:bldLst>
   </p:timing>
 </p:sld>
 </file>
@@ -4834,6 +5495,40 @@
           <a:lstStyle/>
           <a:p>
             <a:r>
+              <a:rPr kumimoji="1" lang="zh-CN" altLang="en-US" dirty="0" smtClean="0"/>
+              <a:t>两个系统调用和三个参数</a:t>
+            </a:r>
+            <a:r>
+              <a:rPr kumimoji="1" lang="en-US" altLang="zh-CN" dirty="0" smtClean="0"/>
+              <a:t>(&gt;9.6)</a:t>
+            </a:r>
+            <a:endParaRPr kumimoji="1" lang="zh-CN" altLang="en-US" dirty="0"/>
+          </a:p>
+        </p:txBody>
+      </p:sp>
+      <p:sp>
+        <p:nvSpPr>
+          <p:cNvPr id="3" name="内容占位符 2"/>
+          <p:cNvSpPr>
+            <a:spLocks noGrp="1"/>
+          </p:cNvSpPr>
+          <p:nvPr>
+            <p:ph sz="half" idx="1"/>
+          </p:nvPr>
+        </p:nvSpPr>
+        <p:spPr/>
+        <p:txBody>
+          <a:bodyPr/>
+          <a:lstStyle/>
+          <a:p>
+            <a:r>
+              <a:rPr kumimoji="1" lang="en-US" altLang="zh-CN" dirty="0" err="1" smtClean="0"/>
+              <a:t>sync_file_range</a:t>
+            </a:r>
+            <a:endParaRPr kumimoji="1" lang="en-US" altLang="zh-CN" dirty="0" smtClean="0"/>
+          </a:p>
+          <a:p>
+            <a:r>
               <a:rPr kumimoji="1" lang="en-US" altLang="zh-CN" dirty="0" err="1" smtClean="0"/>
               <a:t>fsync</a:t>
             </a:r>
@@ -4848,220 +5543,57 @@
             <a:spLocks noGrp="1"/>
           </p:cNvSpPr>
           <p:nvPr>
-            <p:ph sz="half" idx="1"/>
-          </p:nvPr>
-        </p:nvSpPr>
-        <p:spPr/>
-        <p:txBody>
-          <a:bodyPr/>
-          <a:lstStyle/>
-          <a:p>
-            <a:r>
-              <a:rPr kumimoji="1" lang="en-US" altLang="zh-CN" dirty="0" smtClean="0">
-                <a:latin typeface="Baoli SC" charset="-122"/>
-                <a:ea typeface="Baoli SC" charset="-122"/>
-                <a:cs typeface="Baoli SC" charset="-122"/>
-              </a:rPr>
-              <a:t>PostgreSQL</a:t>
-            </a:r>
-            <a:r>
-              <a:rPr kumimoji="1" lang="zh-CN" altLang="en-US" dirty="0" smtClean="0">
-                <a:latin typeface="Baoli SC" charset="-122"/>
-                <a:ea typeface="Baoli SC" charset="-122"/>
-                <a:cs typeface="Baoli SC" charset="-122"/>
-              </a:rPr>
-              <a:t>之前对图中的行为假设为</a:t>
-            </a:r>
-            <a:r>
-              <a:rPr kumimoji="1" lang="zh-CN" altLang="en-US" dirty="0" smtClean="0"/>
-              <a:t>：</a:t>
-            </a:r>
-            <a:endParaRPr kumimoji="1" lang="en-US" altLang="zh-CN" dirty="0" smtClean="0"/>
-          </a:p>
-          <a:p>
-            <a:pPr lvl="1"/>
-            <a:r>
-              <a:rPr lang="en-US" altLang="zh-CN" dirty="0">
-                <a:latin typeface="American Typewriter" charset="0"/>
-                <a:ea typeface="American Typewriter" charset="0"/>
-                <a:cs typeface="American Typewriter" charset="0"/>
-              </a:rPr>
-              <a:t>"all writes since the last </a:t>
-            </a:r>
-            <a:r>
-              <a:rPr lang="en-US" altLang="zh-CN" u="sng" dirty="0">
-                <a:latin typeface="American Typewriter" charset="0"/>
-                <a:ea typeface="American Typewriter" charset="0"/>
-                <a:cs typeface="American Typewriter" charset="0"/>
-              </a:rPr>
-              <a:t>SUCCESSFUL</a:t>
-            </a:r>
-            <a:r>
-              <a:rPr lang="en-US" altLang="zh-CN" dirty="0">
-                <a:latin typeface="American Typewriter" charset="0"/>
-                <a:ea typeface="American Typewriter" charset="0"/>
-                <a:cs typeface="American Typewriter" charset="0"/>
-              </a:rPr>
-              <a:t> </a:t>
-            </a:r>
-            <a:r>
-              <a:rPr lang="en-US" altLang="zh-CN" dirty="0" err="1">
-                <a:latin typeface="American Typewriter" charset="0"/>
-                <a:ea typeface="American Typewriter" charset="0"/>
-                <a:cs typeface="American Typewriter" charset="0"/>
-              </a:rPr>
-              <a:t>fsync</a:t>
-            </a:r>
-            <a:r>
-              <a:rPr lang="en-US" altLang="zh-CN" dirty="0">
-                <a:latin typeface="American Typewriter" charset="0"/>
-                <a:ea typeface="American Typewriter" charset="0"/>
-                <a:cs typeface="American Typewriter" charset="0"/>
-              </a:rPr>
-              <a:t> have hit disk</a:t>
-            </a:r>
-            <a:r>
-              <a:rPr lang="en-US" altLang="zh-CN" dirty="0" smtClean="0">
-                <a:latin typeface="American Typewriter" charset="0"/>
-                <a:ea typeface="American Typewriter" charset="0"/>
-                <a:cs typeface="American Typewriter" charset="0"/>
-              </a:rPr>
-              <a:t>".</a:t>
-            </a:r>
-          </a:p>
-          <a:p>
-            <a:r>
-              <a:rPr kumimoji="1" lang="zh-CN" altLang="en-US" dirty="0" smtClean="0">
-                <a:latin typeface="Baoli SC" charset="-122"/>
-                <a:ea typeface="Baoli SC" charset="-122"/>
-                <a:cs typeface="Baoli SC" charset="-122"/>
-              </a:rPr>
-              <a:t>实际上应该理解为：</a:t>
-            </a:r>
-            <a:endParaRPr kumimoji="1" lang="en-US" altLang="zh-CN" dirty="0" smtClean="0">
-              <a:latin typeface="Baoli SC" charset="-122"/>
-              <a:ea typeface="Baoli SC" charset="-122"/>
-              <a:cs typeface="Baoli SC" charset="-122"/>
-            </a:endParaRPr>
-          </a:p>
-          <a:p>
-            <a:pPr lvl="1"/>
-            <a:r>
-              <a:rPr lang="zh-CN" altLang="en-US" dirty="0">
-                <a:latin typeface="American Typewriter" charset="0"/>
-                <a:ea typeface="American Typewriter" charset="0"/>
-                <a:cs typeface="American Typewriter" charset="0"/>
-              </a:rPr>
-              <a:t>“</a:t>
-            </a:r>
-            <a:r>
-              <a:rPr lang="en-US" altLang="zh-CN" dirty="0" smtClean="0">
-                <a:latin typeface="American Typewriter" charset="0"/>
-                <a:ea typeface="American Typewriter" charset="0"/>
-                <a:cs typeface="American Typewriter" charset="0"/>
-              </a:rPr>
-              <a:t>all </a:t>
-            </a:r>
-            <a:r>
-              <a:rPr lang="en-US" altLang="zh-CN" dirty="0">
-                <a:latin typeface="American Typewriter" charset="0"/>
-                <a:ea typeface="American Typewriter" charset="0"/>
-                <a:cs typeface="American Typewriter" charset="0"/>
-              </a:rPr>
-              <a:t>writes since the last </a:t>
-            </a:r>
-            <a:r>
-              <a:rPr lang="en-US" altLang="zh-CN" dirty="0" smtClean="0">
-                <a:latin typeface="American Typewriter" charset="0"/>
-                <a:ea typeface="American Typewriter" charset="0"/>
-                <a:cs typeface="American Typewriter" charset="0"/>
-              </a:rPr>
-              <a:t>	</a:t>
-            </a:r>
-            <a:r>
-              <a:rPr lang="en-US" altLang="zh-CN" u="sng" dirty="0" smtClean="0">
-                <a:latin typeface="American Typewriter" charset="0"/>
-                <a:ea typeface="American Typewriter" charset="0"/>
-                <a:cs typeface="American Typewriter" charset="0"/>
-              </a:rPr>
-              <a:t>			</a:t>
-            </a:r>
-            <a:r>
-              <a:rPr lang="zh-CN" altLang="en-US" dirty="0" smtClean="0">
-                <a:latin typeface="American Typewriter" charset="0"/>
-                <a:ea typeface="American Typewriter" charset="0"/>
-                <a:cs typeface="American Typewriter" charset="0"/>
-              </a:rPr>
-              <a:t> </a:t>
-            </a:r>
-            <a:r>
-              <a:rPr lang="en-US" altLang="zh-CN" dirty="0" err="1" smtClean="0">
-                <a:latin typeface="American Typewriter" charset="0"/>
-                <a:ea typeface="American Typewriter" charset="0"/>
-                <a:cs typeface="American Typewriter" charset="0"/>
-              </a:rPr>
-              <a:t>fsync</a:t>
-            </a:r>
-            <a:r>
-              <a:rPr lang="en-US" altLang="zh-CN" dirty="0" smtClean="0">
-                <a:latin typeface="American Typewriter" charset="0"/>
-                <a:ea typeface="American Typewriter" charset="0"/>
-                <a:cs typeface="American Typewriter" charset="0"/>
-              </a:rPr>
-              <a:t> </a:t>
-            </a:r>
-            <a:r>
-              <a:rPr lang="en-US" altLang="zh-CN" dirty="0">
-                <a:latin typeface="American Typewriter" charset="0"/>
-                <a:ea typeface="American Typewriter" charset="0"/>
-                <a:cs typeface="American Typewriter" charset="0"/>
-              </a:rPr>
-              <a:t>have hit disk"</a:t>
-            </a:r>
-            <a:endParaRPr kumimoji="1" lang="zh-CN" altLang="en-US" dirty="0">
-              <a:latin typeface="American Typewriter" charset="0"/>
-              <a:ea typeface="American Typewriter" charset="0"/>
-              <a:cs typeface="American Typewriter" charset="0"/>
-            </a:endParaRPr>
-          </a:p>
-        </p:txBody>
-      </p:sp>
-      <p:pic>
-        <p:nvPicPr>
-          <p:cNvPr id="6" name="内容占位符 5"/>
-          <p:cNvPicPr>
-            <a:picLocks noGrp="1" noChangeAspect="1"/>
-          </p:cNvPicPr>
-          <p:nvPr>
             <p:ph sz="half" idx="2"/>
           </p:nvPr>
-        </p:nvPicPr>
-        <p:blipFill>
-          <a:blip r:embed="rId2"/>
-          <a:stretch>
-            <a:fillRect/>
-          </a:stretch>
-        </p:blipFill>
-        <p:spPr>
-          <a:xfrm>
-            <a:off x="6253663" y="685800"/>
-            <a:ext cx="4833437" cy="5923687"/>
-          </a:xfrm>
-          <a:prstGeom prst="rect">
-            <a:avLst/>
-          </a:prstGeom>
-        </p:spPr>
-      </p:pic>
+        </p:nvSpPr>
+        <p:spPr/>
+        <p:txBody>
+          <a:bodyPr/>
+          <a:lstStyle/>
+          <a:p>
+            <a:r>
+              <a:rPr lang="en-US" altLang="zh-CN" dirty="0" err="1" smtClean="0"/>
+              <a:t>checkpoint_flush_after</a:t>
+            </a:r>
+            <a:endParaRPr lang="en-US" altLang="zh-CN" dirty="0" smtClean="0"/>
+          </a:p>
+          <a:p>
+            <a:r>
+              <a:rPr lang="en-US" altLang="zh-CN" dirty="0" err="1" smtClean="0"/>
+              <a:t>backend_flush_after</a:t>
+            </a:r>
+            <a:endParaRPr lang="en-US" altLang="zh-CN" dirty="0" smtClean="0"/>
+          </a:p>
+          <a:p>
+            <a:r>
+              <a:rPr lang="en-US" altLang="zh-CN" dirty="0" err="1"/>
+              <a:t>bgwriter_flush_after</a:t>
+            </a:r>
+            <a:endParaRPr kumimoji="1" lang="zh-CN" altLang="en-US" dirty="0"/>
+          </a:p>
+          <a:p>
+            <a:endParaRPr kumimoji="1" lang="zh-CN" altLang="en-US" dirty="0"/>
+          </a:p>
+        </p:txBody>
+      </p:sp>
     </p:spTree>
     <p:extLst>
       <p:ext uri="{BB962C8B-B14F-4D97-AF65-F5344CB8AC3E}">
-        <p14:creationId xmlns:p14="http://schemas.microsoft.com/office/powerpoint/2010/main" val="59059802"/>
+        <p14:creationId xmlns:p14="http://schemas.microsoft.com/office/powerpoint/2010/main" val="253958437"/>
       </p:ext>
     </p:extLst>
   </p:cSld>
   <p:clrMapOvr>
     <a:masterClrMapping/>
   </p:clrMapOvr>
+  <mc:AlternateContent xmlns:mc="http://schemas.openxmlformats.org/markup-compatibility/2006">
+    <mc:Choice xmlns:p14="http://schemas.microsoft.com/office/powerpoint/2010/main" Requires="p14">
+      <p:transition spd="slow" p14:dur="2000" advTm="62814"/>
+    </mc:Choice>
+    <mc:Fallback>
+      <p:transition spd="slow" advTm="62814"/>
+    </mc:Fallback>
+  </mc:AlternateContent>
   <p:timing>
     <p:tnLst>
       <p:par>
@@ -5105,42 +5637,65 @@
           <a:lstStyle/>
           <a:p>
             <a:r>
+              <a:rPr kumimoji="1" lang="en-US" altLang="zh-CN" dirty="0" smtClean="0"/>
+              <a:t>Spread</a:t>
+            </a:r>
+            <a:r>
               <a:rPr kumimoji="1" lang="zh-CN" altLang="en-US" dirty="0" smtClean="0"/>
-              <a:t>之前为啥没问题？</a:t>
+              <a:t> </a:t>
+            </a:r>
+            <a:r>
+              <a:rPr kumimoji="1" lang="en-US" altLang="zh-CN" dirty="0" smtClean="0"/>
+              <a:t>CHECKPOINT</a:t>
             </a:r>
             <a:endParaRPr kumimoji="1" lang="zh-CN" altLang="en-US" dirty="0"/>
           </a:p>
         </p:txBody>
       </p:sp>
-      <p:sp>
-        <p:nvSpPr>
-          <p:cNvPr id="5" name="内容占位符 4"/>
-          <p:cNvSpPr>
-            <a:spLocks noGrp="1"/>
-          </p:cNvSpPr>
-          <p:nvPr>
-            <p:ph idx="1"/>
-          </p:nvPr>
-        </p:nvSpPr>
-        <p:spPr/>
-        <p:txBody>
-          <a:bodyPr/>
-          <a:lstStyle/>
-          <a:p>
-            <a:endParaRPr kumimoji="1" lang="zh-CN" altLang="en-US" dirty="0"/>
-          </a:p>
-        </p:txBody>
-      </p:sp>
+      <p:pic>
+        <p:nvPicPr>
+          <p:cNvPr id="9" name="内容占位符 8"/>
+          <p:cNvPicPr>
+            <a:picLocks noGrp="1" noChangeAspect="1"/>
+          </p:cNvPicPr>
+          <p:nvPr>
+            <p:ph sz="half" idx="1"/>
+          </p:nvPr>
+        </p:nvPicPr>
+        <p:blipFill>
+          <a:blip r:embed="rId3"/>
+          <a:stretch>
+            <a:fillRect/>
+          </a:stretch>
+        </p:blipFill>
+        <p:spPr>
+          <a:xfrm>
+            <a:off x="1857247" y="1690688"/>
+            <a:ext cx="8477505" cy="4426307"/>
+          </a:xfrm>
+          <a:prstGeom prst="rect">
+            <a:avLst/>
+          </a:prstGeom>
+        </p:spPr>
+      </p:pic>
     </p:spTree>
     <p:extLst>
       <p:ext uri="{BB962C8B-B14F-4D97-AF65-F5344CB8AC3E}">
-        <p14:creationId xmlns:p14="http://schemas.microsoft.com/office/powerpoint/2010/main" val="96589992"/>
+        <p14:creationId xmlns:p14="http://schemas.microsoft.com/office/powerpoint/2010/main" val="463440639"/>
       </p:ext>
     </p:extLst>
   </p:cSld>
   <p:clrMapOvr>
     <a:masterClrMapping/>
   </p:clrMapOvr>
+  <mc:AlternateContent xmlns:mc="http://schemas.openxmlformats.org/markup-compatibility/2006">
+    <mc:Choice xmlns:p14="http://schemas.microsoft.com/office/powerpoint/2010/main" Requires="p14">
+      <p:transition spd="slow" p14:dur="2000" advTm="158817"/>
+    </mc:Choice>
+    <mc:Fallback>
+      <p:transition spd="slow" advTm="158817"/>
+    </mc:Fallback>
+  </mc:AlternateContent>
   <p:timing>
     <p:tnLst>
       <p:par>
@@ -5184,6 +5739,1303 @@
           <a:lstStyle/>
           <a:p>
             <a:r>
+              <a:rPr kumimoji="1" lang="en-US" altLang="zh-CN" dirty="0" smtClean="0"/>
+              <a:t>Write</a:t>
+            </a:r>
+            <a:r>
+              <a:rPr kumimoji="1" lang="zh-CN" altLang="en-US" dirty="0" smtClean="0"/>
+              <a:t> </a:t>
+            </a:r>
+            <a:r>
+              <a:rPr kumimoji="1" lang="en-US" altLang="zh-CN" dirty="0" smtClean="0"/>
+              <a:t>back</a:t>
+            </a:r>
+            <a:endParaRPr kumimoji="1" lang="zh-CN" altLang="en-US" dirty="0"/>
+          </a:p>
+        </p:txBody>
+      </p:sp>
+      <p:sp>
+        <p:nvSpPr>
+          <p:cNvPr id="4" name="内容占位符 3"/>
+          <p:cNvSpPr>
+            <a:spLocks noGrp="1"/>
+          </p:cNvSpPr>
+          <p:nvPr>
+            <p:ph sz="half" idx="2"/>
+          </p:nvPr>
+        </p:nvSpPr>
+        <p:spPr>
+          <a:xfrm>
+            <a:off x="6662056" y="1825625"/>
+            <a:ext cx="4691743" cy="4351338"/>
+          </a:xfrm>
+        </p:spPr>
+        <p:txBody>
+          <a:bodyPr>
+            <a:normAutofit/>
+          </a:bodyPr>
+          <a:lstStyle/>
+          <a:p>
+            <a:r>
+              <a:rPr kumimoji="1" lang="en-US" altLang="zh-CN" b="1" dirty="0"/>
+              <a:t>Block</a:t>
+            </a:r>
+            <a:r>
+              <a:rPr kumimoji="1" lang="zh-CN" altLang="en-US" b="1" dirty="0"/>
+              <a:t> </a:t>
+            </a:r>
+            <a:r>
+              <a:rPr kumimoji="1" lang="en-US" altLang="zh-CN" b="1" dirty="0" smtClean="0"/>
+              <a:t>storage</a:t>
+            </a:r>
+          </a:p>
+          <a:p>
+            <a:pPr lvl="1"/>
+            <a:r>
+              <a:rPr kumimoji="1" lang="en-US" altLang="zh-CN" b="1" dirty="0" smtClean="0"/>
+              <a:t>HDD</a:t>
+            </a:r>
+          </a:p>
+          <a:p>
+            <a:pPr lvl="1"/>
+            <a:r>
+              <a:rPr kumimoji="1" lang="en-US" altLang="zh-CN" b="1" dirty="0" smtClean="0"/>
+              <a:t>SSD</a:t>
+            </a:r>
+          </a:p>
+          <a:p>
+            <a:pPr lvl="1"/>
+            <a:r>
+              <a:rPr kumimoji="1" lang="en-US" altLang="zh-CN" b="1" dirty="0" err="1" smtClean="0"/>
+              <a:t>NVMe</a:t>
+            </a:r>
+            <a:endParaRPr kumimoji="1" lang="en-US" altLang="zh-CN" b="1" dirty="0" smtClean="0"/>
+          </a:p>
+          <a:p>
+            <a:pPr lvl="1"/>
+            <a:r>
+              <a:rPr kumimoji="1" lang="en-US" altLang="zh-CN" b="1" dirty="0" smtClean="0"/>
+              <a:t>SAN</a:t>
+            </a:r>
+            <a:endParaRPr kumimoji="1" lang="en-US" altLang="zh-CN" b="1" dirty="0"/>
+          </a:p>
+          <a:p>
+            <a:pPr lvl="1"/>
+            <a:r>
+              <a:rPr kumimoji="1" lang="en-US" altLang="zh-CN" b="1" dirty="0" smtClean="0"/>
+              <a:t>EBS</a:t>
+            </a:r>
+            <a:endParaRPr kumimoji="1" lang="en-US" altLang="zh-CN" b="1" dirty="0"/>
+          </a:p>
+          <a:p>
+            <a:pPr lvl="1"/>
+            <a:r>
+              <a:rPr kumimoji="1" lang="en-US" altLang="zh-CN" b="1" dirty="0" smtClean="0"/>
+              <a:t>NFS</a:t>
+            </a:r>
+          </a:p>
+          <a:p>
+            <a:pPr lvl="1"/>
+            <a:endParaRPr kumimoji="1" lang="en-US" altLang="zh-CN" b="1" dirty="0"/>
+          </a:p>
+          <a:p>
+            <a:r>
+              <a:rPr kumimoji="1" lang="en-US" altLang="zh-CN" b="1" dirty="0">
+                <a:solidFill>
+                  <a:schemeClr val="bg1">
+                    <a:lumMod val="75000"/>
+                  </a:schemeClr>
+                </a:solidFill>
+              </a:rPr>
+              <a:t>File</a:t>
+            </a:r>
+            <a:r>
+              <a:rPr kumimoji="1" lang="zh-CN" altLang="en-US" b="1" dirty="0">
+                <a:solidFill>
+                  <a:schemeClr val="bg1">
+                    <a:lumMod val="75000"/>
+                  </a:schemeClr>
+                </a:solidFill>
+              </a:rPr>
+              <a:t> </a:t>
+            </a:r>
+            <a:r>
+              <a:rPr kumimoji="1" lang="en-US" altLang="zh-CN" b="1" dirty="0" smtClean="0">
+                <a:solidFill>
+                  <a:schemeClr val="bg1">
+                    <a:lumMod val="75000"/>
+                  </a:schemeClr>
+                </a:solidFill>
+              </a:rPr>
+              <a:t>storage</a:t>
+            </a:r>
+            <a:endParaRPr kumimoji="1" lang="en-US" altLang="zh-CN" b="1" dirty="0">
+              <a:solidFill>
+                <a:schemeClr val="bg1">
+                  <a:lumMod val="75000"/>
+                </a:schemeClr>
+              </a:solidFill>
+            </a:endParaRPr>
+          </a:p>
+          <a:p>
+            <a:r>
+              <a:rPr kumimoji="1" lang="en-US" altLang="zh-CN" b="1" dirty="0">
+                <a:solidFill>
+                  <a:schemeClr val="bg1">
+                    <a:lumMod val="75000"/>
+                  </a:schemeClr>
+                </a:solidFill>
+              </a:rPr>
+              <a:t>Object</a:t>
+            </a:r>
+            <a:r>
+              <a:rPr kumimoji="1" lang="zh-CN" altLang="en-US" b="1" dirty="0">
+                <a:solidFill>
+                  <a:schemeClr val="bg1">
+                    <a:lumMod val="75000"/>
+                  </a:schemeClr>
+                </a:solidFill>
+              </a:rPr>
+              <a:t> </a:t>
+            </a:r>
+            <a:r>
+              <a:rPr kumimoji="1" lang="en-US" altLang="zh-CN" b="1" dirty="0">
+                <a:solidFill>
+                  <a:schemeClr val="bg1">
+                    <a:lumMod val="75000"/>
+                  </a:schemeClr>
+                </a:solidFill>
+              </a:rPr>
+              <a:t>storage</a:t>
+            </a:r>
+          </a:p>
+          <a:p>
+            <a:endParaRPr kumimoji="1" lang="zh-CN" altLang="en-US" dirty="0"/>
+          </a:p>
+        </p:txBody>
+      </p:sp>
+      <p:pic>
+        <p:nvPicPr>
+          <p:cNvPr id="10" name="内容占位符 9"/>
+          <p:cNvPicPr>
+            <a:picLocks noGrp="1" noChangeAspect="1"/>
+          </p:cNvPicPr>
+          <p:nvPr>
+            <p:ph sz="half" idx="1"/>
+          </p:nvPr>
+        </p:nvPicPr>
+        <p:blipFill>
+          <a:blip r:embed="rId3"/>
+          <a:stretch>
+            <a:fillRect/>
+          </a:stretch>
+        </p:blipFill>
+        <p:spPr>
+          <a:xfrm>
+            <a:off x="838200" y="2031370"/>
+            <a:ext cx="5181600" cy="3911272"/>
+          </a:xfrm>
+          <a:prstGeom prst="rect">
+            <a:avLst/>
+          </a:prstGeom>
+        </p:spPr>
+      </p:pic>
+      <p:sp>
+        <p:nvSpPr>
+          <p:cNvPr id="5" name="文本框 4"/>
+          <p:cNvSpPr txBox="1"/>
+          <p:nvPr/>
+        </p:nvSpPr>
+        <p:spPr>
+          <a:xfrm>
+            <a:off x="306870" y="4215606"/>
+            <a:ext cx="2262158" cy="369332"/>
+          </a:xfrm>
+          <a:prstGeom prst="rect">
+            <a:avLst/>
+          </a:prstGeom>
+          <a:noFill/>
+        </p:spPr>
+        <p:txBody>
+          <a:bodyPr wrap="none" rtlCol="0">
+            <a:spAutoFit/>
+          </a:bodyPr>
+          <a:lstStyle/>
+          <a:p>
+            <a:r>
+              <a:rPr kumimoji="1" lang="zh-CN" altLang="en-US" b="1" dirty="0" smtClean="0">
+                <a:solidFill>
+                  <a:srgbClr val="FF0000"/>
+                </a:solidFill>
+              </a:rPr>
+              <a:t>写回失败了怎么办？</a:t>
+            </a:r>
+            <a:endParaRPr kumimoji="1" lang="zh-CN" altLang="en-US" b="1" dirty="0">
+              <a:solidFill>
+                <a:srgbClr val="FF0000"/>
+              </a:solidFill>
+            </a:endParaRPr>
+          </a:p>
+        </p:txBody>
+      </p:sp>
+    </p:spTree>
+    <p:custDataLst>
+      <p:tags r:id="rId1"/>
+    </p:custDataLst>
+    <p:extLst>
+      <p:ext uri="{BB962C8B-B14F-4D97-AF65-F5344CB8AC3E}">
+        <p14:creationId xmlns:p14="http://schemas.microsoft.com/office/powerpoint/2010/main" val="1199800108"/>
+      </p:ext>
+    </p:extLst>
+  </p:cSld>
+  <p:clrMapOvr>
+    <a:masterClrMapping/>
+  </p:clrMapOvr>
+  <mc:AlternateContent xmlns:mc="http://schemas.openxmlformats.org/markup-compatibility/2006">
+    <mc:Choice xmlns:p14="http://schemas.microsoft.com/office/powerpoint/2010/main" Requires="p14">
+      <p:transition spd="slow" p14:dur="2000" advTm="74272"/>
+    </mc:Choice>
+    <mc:Fallback>
+      <p:transition spd="slow" advTm="74272"/>
+    </mc:Fallback>
+  </mc:AlternateContent>
+  <p:timing>
+    <p:tnLst>
+      <p:par>
+        <p:cTn id="1" dur="indefinite" restart="never" nodeType="tmRoot">
+          <p:childTnLst>
+            <p:seq concurrent="1" nextAc="seek">
+              <p:cTn id="2" dur="indefinite" nodeType="mainSeq">
+                <p:childTnLst>
+                  <p:par>
+                    <p:cTn id="3" fill="hold">
+                      <p:stCondLst>
+                        <p:cond delay="indefinite"/>
+                      </p:stCondLst>
+                      <p:childTnLst>
+                        <p:par>
+                          <p:cTn id="4" fill="hold">
+                            <p:stCondLst>
+                              <p:cond delay="0"/>
+                            </p:stCondLst>
+                            <p:childTnLst>
+                              <p:par>
+                                <p:cTn id="5" presetID="3" presetClass="entr" presetSubtype="10" fill="hold" nodeType="clickEffect">
+                                  <p:stCondLst>
+                                    <p:cond delay="0"/>
+                                  </p:stCondLst>
+                                  <p:childTnLst>
+                                    <p:set>
+                                      <p:cBhvr>
+                                        <p:cTn id="6" dur="1" fill="hold">
+                                          <p:stCondLst>
+                                            <p:cond delay="0"/>
+                                          </p:stCondLst>
+                                        </p:cTn>
+                                        <p:tgtEl>
+                                          <p:spTgt spid="5">
+                                            <p:txEl>
+                                              <p:pRg st="0" end="0"/>
+                                            </p:txEl>
+                                          </p:spTgt>
+                                        </p:tgtEl>
+                                        <p:attrNameLst>
+                                          <p:attrName>style.visibility</p:attrName>
+                                        </p:attrNameLst>
+                                      </p:cBhvr>
+                                      <p:to>
+                                        <p:strVal val="visible"/>
+                                      </p:to>
+                                    </p:set>
+                                    <p:animEffect transition="in" filter="blinds(horizontal)">
+                                      <p:cBhvr>
+                                        <p:cTn id="7" dur="500"/>
+                                        <p:tgtEl>
+                                          <p:spTgt spid="5">
+                                            <p:txEl>
+                                              <p:pRg st="0" end="0"/>
+                                            </p:txEl>
+                                          </p:spTgt>
+                                        </p:tgtEl>
+                                      </p:cBhvr>
+                                    </p:animEffect>
+                                  </p:childTnLst>
+                                </p:cTn>
+                              </p:par>
+                            </p:childTnLst>
+                          </p:cTn>
+                        </p:par>
+                      </p:childTnLst>
+                    </p:cTn>
+                  </p:par>
+                </p:childTnLst>
+              </p:cTn>
+              <p:prevCondLst>
+                <p:cond evt="onPrev" delay="0">
+                  <p:tgtEl>
+                    <p:sldTgt/>
+                  </p:tgtEl>
+                </p:cond>
+              </p:prevCondLst>
+              <p:nextCondLst>
+                <p:cond evt="onNext" delay="0">
+                  <p:tgtEl>
+                    <p:sldTgt/>
+                  </p:tgtEl>
+                </p:cond>
+              </p:nextCondLst>
+            </p:seq>
+          </p:childTnLst>
+        </p:cTn>
+      </p:par>
+    </p:tnLst>
+  </p:timing>
+</p:sld>
+</file>
+
+<file path=ppt/slides/slide18.xml><?xml version="1.0" encoding="utf-8"?>
+<p:sld xmlns:a="http://schemas.openxmlformats.org/drawingml/2006/main" xmlns:r="http://schemas.openxmlformats.org/officeDocument/2006/relationships" xmlns:p="http://schemas.openxmlformats.org/presentationml/2006/main">
+  <p:cSld>
+    <p:spTree>
+      <p:nvGrpSpPr>
+        <p:cNvPr id="1" name=""/>
+        <p:cNvGrpSpPr/>
+        <p:nvPr/>
+      </p:nvGrpSpPr>
+      <p:grpSpPr>
+        <a:xfrm>
+          <a:off x="0" y="0"/>
+          <a:ext cx="0" cy="0"/>
+          <a:chOff x="0" y="0"/>
+          <a:chExt cx="0" cy="0"/>
+        </a:xfrm>
+      </p:grpSpPr>
+      <p:sp>
+        <p:nvSpPr>
+          <p:cNvPr id="2" name="标题 1"/>
+          <p:cNvSpPr>
+            <a:spLocks noGrp="1"/>
+          </p:cNvSpPr>
+          <p:nvPr>
+            <p:ph type="title"/>
+          </p:nvPr>
+        </p:nvSpPr>
+        <p:spPr/>
+        <p:txBody>
+          <a:bodyPr/>
+          <a:lstStyle/>
+          <a:p>
+            <a:r>
+              <a:rPr kumimoji="1" lang="en-US" altLang="zh-CN" dirty="0" err="1" smtClean="0"/>
+              <a:t>fsync</a:t>
+            </a:r>
+            <a:endParaRPr kumimoji="1" lang="zh-CN" altLang="en-US" dirty="0"/>
+          </a:p>
+        </p:txBody>
+      </p:sp>
+      <p:sp>
+        <p:nvSpPr>
+          <p:cNvPr id="4" name="内容占位符 3"/>
+          <p:cNvSpPr>
+            <a:spLocks noGrp="1"/>
+          </p:cNvSpPr>
+          <p:nvPr>
+            <p:ph sz="half" idx="1"/>
+          </p:nvPr>
+        </p:nvSpPr>
+        <p:spPr/>
+        <p:txBody>
+          <a:bodyPr/>
+          <a:lstStyle/>
+          <a:p>
+            <a:r>
+              <a:rPr kumimoji="1" lang="en-US" altLang="zh-CN" dirty="0" smtClean="0">
+                <a:latin typeface="Baoli SC" charset="-122"/>
+                <a:ea typeface="Baoli SC" charset="-122"/>
+                <a:cs typeface="Baoli SC" charset="-122"/>
+              </a:rPr>
+              <a:t>PostgreSQL</a:t>
+            </a:r>
+            <a:r>
+              <a:rPr kumimoji="1" lang="zh-CN" altLang="en-US" dirty="0" smtClean="0">
+                <a:latin typeface="Baoli SC" charset="-122"/>
+                <a:ea typeface="Baoli SC" charset="-122"/>
+                <a:cs typeface="Baoli SC" charset="-122"/>
+              </a:rPr>
+              <a:t>之前对图中的行为假设为</a:t>
+            </a:r>
+            <a:r>
+              <a:rPr kumimoji="1" lang="zh-CN" altLang="en-US" dirty="0" smtClean="0"/>
+              <a:t>：</a:t>
+            </a:r>
+            <a:endParaRPr kumimoji="1" lang="en-US" altLang="zh-CN" dirty="0" smtClean="0"/>
+          </a:p>
+          <a:p>
+            <a:pPr lvl="1"/>
+            <a:r>
+              <a:rPr lang="en-US" altLang="zh-CN" dirty="0">
+                <a:latin typeface="American Typewriter" charset="0"/>
+                <a:ea typeface="American Typewriter" charset="0"/>
+                <a:cs typeface="American Typewriter" charset="0"/>
+              </a:rPr>
+              <a:t>"all writes since the last </a:t>
+            </a:r>
+            <a:r>
+              <a:rPr lang="en-US" altLang="zh-CN" u="sng" dirty="0">
+                <a:latin typeface="American Typewriter" charset="0"/>
+                <a:ea typeface="American Typewriter" charset="0"/>
+                <a:cs typeface="American Typewriter" charset="0"/>
+              </a:rPr>
+              <a:t>SUCCESSFUL</a:t>
+            </a:r>
+            <a:r>
+              <a:rPr lang="en-US" altLang="zh-CN" dirty="0">
+                <a:latin typeface="American Typewriter" charset="0"/>
+                <a:ea typeface="American Typewriter" charset="0"/>
+                <a:cs typeface="American Typewriter" charset="0"/>
+              </a:rPr>
+              <a:t> </a:t>
+            </a:r>
+            <a:r>
+              <a:rPr lang="en-US" altLang="zh-CN" dirty="0" err="1">
+                <a:latin typeface="American Typewriter" charset="0"/>
+                <a:ea typeface="American Typewriter" charset="0"/>
+                <a:cs typeface="American Typewriter" charset="0"/>
+              </a:rPr>
+              <a:t>fsync</a:t>
+            </a:r>
+            <a:r>
+              <a:rPr lang="en-US" altLang="zh-CN" dirty="0">
+                <a:latin typeface="American Typewriter" charset="0"/>
+                <a:ea typeface="American Typewriter" charset="0"/>
+                <a:cs typeface="American Typewriter" charset="0"/>
+              </a:rPr>
+              <a:t> have hit disk</a:t>
+            </a:r>
+            <a:r>
+              <a:rPr lang="en-US" altLang="zh-CN" dirty="0" smtClean="0">
+                <a:latin typeface="American Typewriter" charset="0"/>
+                <a:ea typeface="American Typewriter" charset="0"/>
+                <a:cs typeface="American Typewriter" charset="0"/>
+              </a:rPr>
+              <a:t>".</a:t>
+            </a:r>
+          </a:p>
+          <a:p>
+            <a:r>
+              <a:rPr kumimoji="1" lang="zh-CN" altLang="en-US" dirty="0" smtClean="0">
+                <a:latin typeface="Baoli SC" charset="-122"/>
+                <a:ea typeface="Baoli SC" charset="-122"/>
+                <a:cs typeface="Baoli SC" charset="-122"/>
+              </a:rPr>
+              <a:t>实际上应该理解为：</a:t>
+            </a:r>
+            <a:endParaRPr kumimoji="1" lang="en-US" altLang="zh-CN" dirty="0" smtClean="0">
+              <a:latin typeface="Baoli SC" charset="-122"/>
+              <a:ea typeface="Baoli SC" charset="-122"/>
+              <a:cs typeface="Baoli SC" charset="-122"/>
+            </a:endParaRPr>
+          </a:p>
+          <a:p>
+            <a:pPr lvl="1"/>
+            <a:r>
+              <a:rPr lang="zh-CN" altLang="en-US" dirty="0">
+                <a:latin typeface="American Typewriter" charset="0"/>
+                <a:ea typeface="American Typewriter" charset="0"/>
+                <a:cs typeface="American Typewriter" charset="0"/>
+              </a:rPr>
+              <a:t>“</a:t>
+            </a:r>
+            <a:r>
+              <a:rPr lang="en-US" altLang="zh-CN" dirty="0" smtClean="0">
+                <a:latin typeface="American Typewriter" charset="0"/>
+                <a:ea typeface="American Typewriter" charset="0"/>
+                <a:cs typeface="American Typewriter" charset="0"/>
+              </a:rPr>
+              <a:t>all </a:t>
+            </a:r>
+            <a:r>
+              <a:rPr lang="en-US" altLang="zh-CN" dirty="0">
+                <a:latin typeface="American Typewriter" charset="0"/>
+                <a:ea typeface="American Typewriter" charset="0"/>
+                <a:cs typeface="American Typewriter" charset="0"/>
+              </a:rPr>
+              <a:t>writes since the last </a:t>
+            </a:r>
+            <a:r>
+              <a:rPr lang="en-US" altLang="zh-CN" dirty="0" smtClean="0">
+                <a:latin typeface="American Typewriter" charset="0"/>
+                <a:ea typeface="American Typewriter" charset="0"/>
+                <a:cs typeface="American Typewriter" charset="0"/>
+              </a:rPr>
+              <a:t>	</a:t>
+            </a:r>
+            <a:r>
+              <a:rPr lang="en-US" altLang="zh-CN" u="sng" dirty="0" smtClean="0">
+                <a:latin typeface="American Typewriter" charset="0"/>
+                <a:ea typeface="American Typewriter" charset="0"/>
+                <a:cs typeface="American Typewriter" charset="0"/>
+              </a:rPr>
+              <a:t>			</a:t>
+            </a:r>
+            <a:r>
+              <a:rPr lang="zh-CN" altLang="en-US" dirty="0" smtClean="0">
+                <a:latin typeface="American Typewriter" charset="0"/>
+                <a:ea typeface="American Typewriter" charset="0"/>
+                <a:cs typeface="American Typewriter" charset="0"/>
+              </a:rPr>
+              <a:t> </a:t>
+            </a:r>
+            <a:r>
+              <a:rPr lang="en-US" altLang="zh-CN" dirty="0" err="1" smtClean="0">
+                <a:latin typeface="American Typewriter" charset="0"/>
+                <a:ea typeface="American Typewriter" charset="0"/>
+                <a:cs typeface="American Typewriter" charset="0"/>
+              </a:rPr>
+              <a:t>fsync</a:t>
+            </a:r>
+            <a:r>
+              <a:rPr lang="en-US" altLang="zh-CN" dirty="0" smtClean="0">
+                <a:latin typeface="American Typewriter" charset="0"/>
+                <a:ea typeface="American Typewriter" charset="0"/>
+                <a:cs typeface="American Typewriter" charset="0"/>
+              </a:rPr>
+              <a:t> </a:t>
+            </a:r>
+            <a:r>
+              <a:rPr lang="en-US" altLang="zh-CN" dirty="0">
+                <a:latin typeface="American Typewriter" charset="0"/>
+                <a:ea typeface="American Typewriter" charset="0"/>
+                <a:cs typeface="American Typewriter" charset="0"/>
+              </a:rPr>
+              <a:t>have hit disk"</a:t>
+            </a:r>
+            <a:endParaRPr kumimoji="1" lang="zh-CN" altLang="en-US" dirty="0">
+              <a:latin typeface="American Typewriter" charset="0"/>
+              <a:ea typeface="American Typewriter" charset="0"/>
+              <a:cs typeface="American Typewriter" charset="0"/>
+            </a:endParaRPr>
+          </a:p>
+        </p:txBody>
+      </p:sp>
+      <p:pic>
+        <p:nvPicPr>
+          <p:cNvPr id="5" name="内容占位符 4"/>
+          <p:cNvPicPr>
+            <a:picLocks noGrp="1" noChangeAspect="1"/>
+          </p:cNvPicPr>
+          <p:nvPr>
+            <p:ph sz="half" idx="2"/>
+          </p:nvPr>
+        </p:nvPicPr>
+        <p:blipFill>
+          <a:blip r:embed="rId2"/>
+          <a:stretch>
+            <a:fillRect/>
+          </a:stretch>
+        </p:blipFill>
+        <p:spPr>
+          <a:xfrm>
+            <a:off x="5791607" y="500063"/>
+            <a:ext cx="5195481" cy="6121904"/>
+          </a:xfrm>
+          <a:prstGeom prst="rect">
+            <a:avLst/>
+          </a:prstGeom>
+        </p:spPr>
+      </p:pic>
+    </p:spTree>
+    <p:extLst>
+      <p:ext uri="{BB962C8B-B14F-4D97-AF65-F5344CB8AC3E}">
+        <p14:creationId xmlns:p14="http://schemas.microsoft.com/office/powerpoint/2010/main" val="59059802"/>
+      </p:ext>
+    </p:extLst>
+  </p:cSld>
+  <p:clrMapOvr>
+    <a:masterClrMapping/>
+  </p:clrMapOvr>
+  <mc:AlternateContent xmlns:mc="http://schemas.openxmlformats.org/markup-compatibility/2006">
+    <mc:Choice xmlns:p14="http://schemas.microsoft.com/office/powerpoint/2010/main" Requires="p14">
+      <p:transition spd="slow" p14:dur="2000" advTm="3882"/>
+    </mc:Choice>
+    <mc:Fallback>
+      <p:transition spd="slow" advTm="3882"/>
+    </mc:Fallback>
+  </mc:AlternateContent>
+  <p:timing>
+    <p:tnLst>
+      <p:par>
+        <p:cTn id="1" dur="indefinite" restart="never" nodeType="tmRoot"/>
+      </p:par>
+    </p:tnLst>
+  </p:timing>
+</p:sld>
+</file>
+
+<file path=ppt/slides/slide19.xml><?xml version="1.0" encoding="utf-8"?>
+<p:sld xmlns:a="http://schemas.openxmlformats.org/drawingml/2006/main" xmlns:r="http://schemas.openxmlformats.org/officeDocument/2006/relationships" xmlns:p="http://schemas.openxmlformats.org/presentationml/2006/main">
+  <p:cSld>
+    <p:spTree>
+      <p:nvGrpSpPr>
+        <p:cNvPr id="1" name=""/>
+        <p:cNvGrpSpPr/>
+        <p:nvPr/>
+      </p:nvGrpSpPr>
+      <p:grpSpPr>
+        <a:xfrm>
+          <a:off x="0" y="0"/>
+          <a:ext cx="0" cy="0"/>
+          <a:chOff x="0" y="0"/>
+          <a:chExt cx="0" cy="0"/>
+        </a:xfrm>
+      </p:grpSpPr>
+      <p:sp>
+        <p:nvSpPr>
+          <p:cNvPr id="2" name="标题 1"/>
+          <p:cNvSpPr>
+            <a:spLocks noGrp="1"/>
+          </p:cNvSpPr>
+          <p:nvPr>
+            <p:ph type="title"/>
+          </p:nvPr>
+        </p:nvSpPr>
+        <p:spPr/>
+        <p:txBody>
+          <a:bodyPr/>
+          <a:lstStyle/>
+          <a:p>
+            <a:r>
+              <a:rPr kumimoji="1" lang="zh-CN" altLang="en-US" dirty="0" smtClean="0"/>
+              <a:t>之前为啥没问题？</a:t>
+            </a:r>
+            <a:endParaRPr kumimoji="1" lang="zh-CN" altLang="en-US" dirty="0"/>
+          </a:p>
+        </p:txBody>
+      </p:sp>
+      <p:sp>
+        <p:nvSpPr>
+          <p:cNvPr id="5" name="内容占位符 4"/>
+          <p:cNvSpPr>
+            <a:spLocks noGrp="1"/>
+          </p:cNvSpPr>
+          <p:nvPr>
+            <p:ph idx="1"/>
+          </p:nvPr>
+        </p:nvSpPr>
+        <p:spPr/>
+        <p:txBody>
+          <a:bodyPr/>
+          <a:lstStyle/>
+          <a:p>
+            <a:r>
+              <a:rPr kumimoji="1" lang="zh-CN" altLang="en-US" dirty="0" smtClean="0"/>
+              <a:t>坏块发生几率很少</a:t>
+            </a:r>
+            <a:endParaRPr kumimoji="1" lang="en-US" altLang="zh-CN" dirty="0" smtClean="0"/>
+          </a:p>
+          <a:p>
+            <a:r>
+              <a:rPr kumimoji="1" lang="zh-CN" altLang="en-US" dirty="0" smtClean="0"/>
+              <a:t>底层针对</a:t>
+            </a:r>
+            <a:endParaRPr kumimoji="1" lang="en-US" altLang="zh-CN" dirty="0" smtClean="0"/>
+          </a:p>
+          <a:p>
+            <a:r>
+              <a:rPr kumimoji="1" lang="zh-CN" altLang="en-US" dirty="0" smtClean="0"/>
+              <a:t>存储应用做了很多优化。</a:t>
+            </a:r>
+            <a:endParaRPr kumimoji="1" lang="en-US" altLang="zh-CN" dirty="0" smtClean="0"/>
+          </a:p>
+          <a:p>
+            <a:endParaRPr kumimoji="1" lang="en-US" altLang="zh-CN" dirty="0"/>
+          </a:p>
+          <a:p>
+            <a:r>
+              <a:rPr kumimoji="1" lang="en-US" altLang="zh-CN" smtClean="0"/>
+              <a:t>TODO</a:t>
+            </a:r>
+            <a:r>
+              <a:rPr kumimoji="1" lang="zh-CN" altLang="en-US" smtClean="0"/>
+              <a:t> </a:t>
+            </a:r>
+            <a:r>
+              <a:rPr kumimoji="1" lang="en-US" altLang="zh-CN" smtClean="0"/>
+              <a:t>commit</a:t>
+            </a:r>
+            <a:r>
+              <a:rPr kumimoji="1" lang="zh-CN" altLang="en-US" smtClean="0"/>
+              <a:t> </a:t>
+            </a:r>
+            <a:r>
+              <a:rPr kumimoji="1" lang="en-US" altLang="zh-CN" smtClean="0"/>
+              <a:t>log</a:t>
+            </a:r>
+            <a:endParaRPr kumimoji="1" lang="zh-CN" altLang="en-US" dirty="0"/>
+          </a:p>
+        </p:txBody>
+      </p:sp>
+    </p:spTree>
+    <p:extLst>
+      <p:ext uri="{BB962C8B-B14F-4D97-AF65-F5344CB8AC3E}">
+        <p14:creationId xmlns:p14="http://schemas.microsoft.com/office/powerpoint/2010/main" val="96589992"/>
+      </p:ext>
+    </p:extLst>
+  </p:cSld>
+  <p:clrMapOvr>
+    <a:masterClrMapping/>
+  </p:clrMapOvr>
+  <mc:AlternateContent xmlns:mc="http://schemas.openxmlformats.org/markup-compatibility/2006">
+    <mc:Choice xmlns:p14="http://schemas.microsoft.com/office/powerpoint/2010/main" Requires="p14">
+      <p:transition spd="slow" p14:dur="2000" advTm="32349"/>
+    </mc:Choice>
+    <mc:Fallback>
+      <p:transition spd="slow" advTm="32349"/>
+    </mc:Fallback>
+  </mc:AlternateContent>
+  <p:timing>
+    <p:tnLst>
+      <p:par>
+        <p:cTn id="1" dur="indefinite" restart="never" nodeType="tmRoot"/>
+      </p:par>
+    </p:tnLst>
+  </p:timing>
+</p:sld>
+</file>
+
+<file path=ppt/slides/slide2.xml><?xml version="1.0" encoding="utf-8"?>
+<p:sld xmlns:a="http://schemas.openxmlformats.org/drawingml/2006/main" xmlns:r="http://schemas.openxmlformats.org/officeDocument/2006/relationships" xmlns:p="http://schemas.openxmlformats.org/presentationml/2006/main">
+  <p:cSld>
+    <p:spTree>
+      <p:nvGrpSpPr>
+        <p:cNvPr id="1" name=""/>
+        <p:cNvGrpSpPr/>
+        <p:nvPr/>
+      </p:nvGrpSpPr>
+      <p:grpSpPr>
+        <a:xfrm>
+          <a:off x="0" y="0"/>
+          <a:ext cx="0" cy="0"/>
+          <a:chOff x="0" y="0"/>
+          <a:chExt cx="0" cy="0"/>
+        </a:xfrm>
+      </p:grpSpPr>
+      <p:sp>
+        <p:nvSpPr>
+          <p:cNvPr id="4" name="标题 3"/>
+          <p:cNvSpPr>
+            <a:spLocks noGrp="1"/>
+          </p:cNvSpPr>
+          <p:nvPr>
+            <p:ph type="title"/>
+          </p:nvPr>
+        </p:nvSpPr>
+        <p:spPr/>
+        <p:txBody>
+          <a:bodyPr/>
+          <a:lstStyle/>
+          <a:p>
+            <a:r>
+              <a:rPr lang="en-US" altLang="zh-CN" dirty="0" err="1"/>
+              <a:t>shared_buffers</a:t>
+            </a:r>
+            <a:r>
+              <a:rPr lang="en-US" altLang="zh-CN" dirty="0"/>
+              <a:t> </a:t>
+            </a:r>
+            <a:endParaRPr kumimoji="1" lang="zh-CN" altLang="en-US" dirty="0"/>
+          </a:p>
+        </p:txBody>
+      </p:sp>
+      <p:sp>
+        <p:nvSpPr>
+          <p:cNvPr id="5" name="内容占位符 4"/>
+          <p:cNvSpPr>
+            <a:spLocks noGrp="1"/>
+          </p:cNvSpPr>
+          <p:nvPr>
+            <p:ph idx="1"/>
+          </p:nvPr>
+        </p:nvSpPr>
+        <p:spPr/>
+        <p:txBody>
+          <a:bodyPr>
+            <a:normAutofit fontScale="77500" lnSpcReduction="20000"/>
+          </a:bodyPr>
+          <a:lstStyle/>
+          <a:p>
+            <a:r>
+              <a:rPr lang="en-US" altLang="zh-CN" dirty="0" smtClean="0"/>
+              <a:t>“Sets the </a:t>
+            </a:r>
+            <a:r>
+              <a:rPr lang="en-US" altLang="zh-CN" dirty="0"/>
+              <a:t>amount of memory the database server uses for shared memory buffers. The default is typically 128 megabytes (128MB), but might be less if your kernel settings will not support it (as determined during </a:t>
+            </a:r>
+            <a:r>
+              <a:rPr lang="en-US" altLang="zh-CN" dirty="0" err="1"/>
+              <a:t>initdb</a:t>
+            </a:r>
+            <a:r>
+              <a:rPr lang="en-US" altLang="zh-CN" dirty="0"/>
+              <a:t>). This setting must be at least 128 kilobytes. (Non-default values of BLCKSZ change the minimum.) However, settings significantly higher than the minimum are usually needed for good performance. This parameter can only be set at server start.</a:t>
+            </a:r>
+          </a:p>
+          <a:p>
+            <a:r>
+              <a:rPr lang="en-US" altLang="zh-CN" dirty="0"/>
+              <a:t>If you have a dedicated database server with 1GB or more of RAM, </a:t>
+            </a:r>
+            <a:r>
+              <a:rPr lang="en-US" altLang="zh-CN" b="1" dirty="0">
+                <a:solidFill>
+                  <a:schemeClr val="accent1">
+                    <a:lumMod val="50000"/>
+                  </a:schemeClr>
+                </a:solidFill>
+              </a:rPr>
+              <a:t>a reasonable </a:t>
+            </a:r>
+            <a:r>
+              <a:rPr lang="en-US" altLang="zh-CN" b="1" dirty="0">
+                <a:solidFill>
+                  <a:srgbClr val="C00000"/>
+                </a:solidFill>
+              </a:rPr>
+              <a:t>starting value </a:t>
+            </a:r>
+            <a:r>
+              <a:rPr lang="en-US" altLang="zh-CN" b="1" dirty="0">
+                <a:solidFill>
+                  <a:schemeClr val="accent1">
+                    <a:lumMod val="50000"/>
+                  </a:schemeClr>
+                </a:solidFill>
+              </a:rPr>
+              <a:t>for </a:t>
+            </a:r>
+            <a:r>
+              <a:rPr lang="en-US" altLang="zh-CN" b="1" dirty="0" err="1">
+                <a:solidFill>
+                  <a:schemeClr val="accent1">
+                    <a:lumMod val="50000"/>
+                  </a:schemeClr>
+                </a:solidFill>
+              </a:rPr>
+              <a:t>shared_buffers</a:t>
+            </a:r>
+            <a:r>
+              <a:rPr lang="en-US" altLang="zh-CN" b="1" dirty="0">
+                <a:solidFill>
+                  <a:schemeClr val="accent1">
+                    <a:lumMod val="50000"/>
+                  </a:schemeClr>
+                </a:solidFill>
+              </a:rPr>
+              <a:t> is </a:t>
+            </a:r>
+            <a:r>
+              <a:rPr lang="en-US" altLang="zh-CN" b="1" dirty="0">
+                <a:solidFill>
+                  <a:srgbClr val="C00000"/>
+                </a:solidFill>
+              </a:rPr>
+              <a:t>25%</a:t>
+            </a:r>
+            <a:r>
+              <a:rPr lang="en-US" altLang="zh-CN" b="1" dirty="0">
+                <a:solidFill>
+                  <a:srgbClr val="FF0000"/>
+                </a:solidFill>
+              </a:rPr>
+              <a:t> </a:t>
+            </a:r>
+            <a:r>
+              <a:rPr lang="en-US" altLang="zh-CN" dirty="0"/>
+              <a:t>of the memory in your system. There are some workloads where even larger settings for </a:t>
+            </a:r>
+            <a:r>
+              <a:rPr lang="en-US" altLang="zh-CN" dirty="0" err="1"/>
+              <a:t>shared_buffers</a:t>
+            </a:r>
+            <a:r>
+              <a:rPr lang="en-US" altLang="zh-CN" dirty="0"/>
+              <a:t> are effective, </a:t>
+            </a:r>
+            <a:r>
+              <a:rPr lang="en-US" altLang="zh-CN" sz="3100" dirty="0"/>
+              <a:t>but because PostgreSQL also relies on the operating system cache</a:t>
+            </a:r>
+            <a:r>
+              <a:rPr lang="en-US" altLang="zh-CN" dirty="0"/>
+              <a:t>, </a:t>
+            </a:r>
+            <a:r>
+              <a:rPr lang="en-US" altLang="zh-CN" b="1" dirty="0">
+                <a:solidFill>
+                  <a:schemeClr val="accent1">
+                    <a:lumMod val="50000"/>
+                  </a:schemeClr>
+                </a:solidFill>
+              </a:rPr>
+              <a:t>it is unlikely that an allocation of more than </a:t>
+            </a:r>
+            <a:r>
+              <a:rPr lang="en-US" altLang="zh-CN" b="1" dirty="0">
+                <a:solidFill>
+                  <a:srgbClr val="C00000"/>
+                </a:solidFill>
+              </a:rPr>
+              <a:t>40%</a:t>
+            </a:r>
+            <a:r>
+              <a:rPr lang="en-US" altLang="zh-CN" b="1" dirty="0">
+                <a:solidFill>
+                  <a:schemeClr val="accent1">
+                    <a:lumMod val="50000"/>
+                  </a:schemeClr>
+                </a:solidFill>
+              </a:rPr>
+              <a:t> of RAM to </a:t>
+            </a:r>
+            <a:r>
+              <a:rPr lang="en-US" altLang="zh-CN" b="1" dirty="0" err="1">
+                <a:solidFill>
+                  <a:schemeClr val="accent1">
+                    <a:lumMod val="50000"/>
+                  </a:schemeClr>
+                </a:solidFill>
+              </a:rPr>
+              <a:t>shared_buffers</a:t>
+            </a:r>
+            <a:r>
+              <a:rPr lang="en-US" altLang="zh-CN" b="1" dirty="0">
+                <a:solidFill>
+                  <a:schemeClr val="accent1">
+                    <a:lumMod val="50000"/>
+                  </a:schemeClr>
+                </a:solidFill>
+              </a:rPr>
+              <a:t> will work better than a smaller amount</a:t>
+            </a:r>
+            <a:r>
+              <a:rPr lang="en-US" altLang="zh-CN" dirty="0"/>
+              <a:t>. Larger settings for </a:t>
+            </a:r>
+            <a:r>
+              <a:rPr lang="en-US" altLang="zh-CN" dirty="0" err="1"/>
+              <a:t>shared_buffers</a:t>
+            </a:r>
+            <a:r>
+              <a:rPr lang="en-US" altLang="zh-CN" dirty="0"/>
+              <a:t> usually require a corresponding increase in </a:t>
+            </a:r>
+            <a:r>
+              <a:rPr lang="en-US" altLang="zh-CN" dirty="0" err="1"/>
+              <a:t>max_wal_size</a:t>
+            </a:r>
+            <a:r>
+              <a:rPr lang="en-US" altLang="zh-CN" dirty="0"/>
+              <a:t>, in order to spread out the process of writing large quantities of new or changed data over a longer period of time.</a:t>
+            </a:r>
+          </a:p>
+          <a:p>
+            <a:r>
+              <a:rPr lang="en-US" altLang="zh-CN" dirty="0"/>
+              <a:t>On systems with less than 1GB of RAM, a smaller percentage of RAM is appropriate, so as to leave adequate space for the operating system</a:t>
+            </a:r>
+            <a:r>
+              <a:rPr lang="en-US" altLang="zh-CN" dirty="0" smtClean="0"/>
+              <a:t>.”</a:t>
+            </a:r>
+            <a:endParaRPr lang="en-US" altLang="zh-CN" dirty="0"/>
+          </a:p>
+          <a:p>
+            <a:endParaRPr kumimoji="1" lang="zh-CN" altLang="en-US" dirty="0"/>
+          </a:p>
+        </p:txBody>
+      </p:sp>
+    </p:spTree>
+    <p:extLst>
+      <p:ext uri="{BB962C8B-B14F-4D97-AF65-F5344CB8AC3E}">
+        <p14:creationId xmlns:p14="http://schemas.microsoft.com/office/powerpoint/2010/main" val="1239041673"/>
+      </p:ext>
+    </p:extLst>
+  </p:cSld>
+  <p:clrMapOvr>
+    <a:masterClrMapping/>
+  </p:clrMapOvr>
+  <mc:AlternateContent xmlns:mc="http://schemas.openxmlformats.org/markup-compatibility/2006">
+    <mc:Choice xmlns:p14="http://schemas.microsoft.com/office/powerpoint/2010/main" Requires="p14">
+      <p:transition spd="slow" p14:dur="2000" advTm="886"/>
+    </mc:Choice>
+    <mc:Fallback>
+      <p:transition spd="slow" advTm="886"/>
+    </mc:Fallback>
+  </mc:AlternateContent>
+  <p:timing>
+    <p:tnLst>
+      <p:par>
+        <p:cTn id="1" dur="indefinite" restart="never" nodeType="tmRoot"/>
+      </p:par>
+    </p:tnLst>
+  </p:timing>
+</p:sld>
+</file>
+
+<file path=ppt/slides/slide20.xml><?xml version="1.0" encoding="utf-8"?>
+<p:sld xmlns:a="http://schemas.openxmlformats.org/drawingml/2006/main" xmlns:r="http://schemas.openxmlformats.org/officeDocument/2006/relationships" xmlns:p="http://schemas.openxmlformats.org/presentationml/2006/main">
+  <p:cSld>
+    <p:spTree>
+      <p:nvGrpSpPr>
+        <p:cNvPr id="1" name=""/>
+        <p:cNvGrpSpPr/>
+        <p:nvPr/>
+      </p:nvGrpSpPr>
+      <p:grpSpPr>
+        <a:xfrm>
+          <a:off x="0" y="0"/>
+          <a:ext cx="0" cy="0"/>
+          <a:chOff x="0" y="0"/>
+          <a:chExt cx="0" cy="0"/>
+        </a:xfrm>
+      </p:grpSpPr>
+      <p:sp>
+        <p:nvSpPr>
+          <p:cNvPr id="2" name="标题 1"/>
+          <p:cNvSpPr>
+            <a:spLocks noGrp="1"/>
+          </p:cNvSpPr>
+          <p:nvPr>
+            <p:ph type="title"/>
+          </p:nvPr>
+        </p:nvSpPr>
+        <p:spPr/>
+        <p:txBody>
+          <a:bodyPr/>
+          <a:lstStyle/>
+          <a:p>
+            <a:r>
+              <a:rPr kumimoji="1" lang="zh-CN" altLang="en-US" dirty="0" smtClean="0"/>
+              <a:t>怎么做</a:t>
+            </a:r>
+            <a:endParaRPr kumimoji="1" lang="zh-CN" altLang="en-US" dirty="0"/>
+          </a:p>
+        </p:txBody>
+      </p:sp>
+      <p:sp>
+        <p:nvSpPr>
+          <p:cNvPr id="3" name="内容占位符 2"/>
+          <p:cNvSpPr>
+            <a:spLocks noGrp="1"/>
+          </p:cNvSpPr>
+          <p:nvPr>
+            <p:ph idx="1"/>
+          </p:nvPr>
+        </p:nvSpPr>
+        <p:spPr/>
+        <p:txBody>
+          <a:bodyPr/>
+          <a:lstStyle/>
+          <a:p>
+            <a:r>
+              <a:rPr kumimoji="1" lang="zh-CN" altLang="en-US" dirty="0" smtClean="0"/>
+              <a:t>升级小版本</a:t>
+            </a:r>
+            <a:endParaRPr kumimoji="1" lang="en-US" altLang="zh-CN" dirty="0" smtClean="0"/>
+          </a:p>
+          <a:p>
+            <a:pPr lvl="1"/>
+            <a:r>
+              <a:rPr lang="is-IS" altLang="zh-CN" dirty="0"/>
+              <a:t>PostgreSQL 11 (</a:t>
+            </a:r>
+            <a:r>
+              <a:rPr lang="is-IS" altLang="zh-CN" dirty="0">
+                <a:hlinkClick r:id="rId2"/>
+              </a:rPr>
+              <a:t>11.2</a:t>
+            </a:r>
+            <a:r>
+              <a:rPr lang="is-IS" altLang="zh-CN" dirty="0"/>
+              <a:t>)</a:t>
+            </a:r>
+          </a:p>
+          <a:p>
+            <a:pPr lvl="1"/>
+            <a:r>
+              <a:rPr lang="is-IS" altLang="zh-CN" dirty="0"/>
+              <a:t>PostgreSQL 10 (</a:t>
+            </a:r>
+            <a:r>
+              <a:rPr lang="is-IS" altLang="zh-CN" dirty="0">
+                <a:hlinkClick r:id="rId3"/>
+              </a:rPr>
+              <a:t>10.7</a:t>
+            </a:r>
+            <a:r>
+              <a:rPr lang="is-IS" altLang="zh-CN" dirty="0"/>
+              <a:t>)</a:t>
+            </a:r>
+          </a:p>
+          <a:p>
+            <a:pPr lvl="1"/>
+            <a:r>
+              <a:rPr lang="is-IS" altLang="zh-CN" dirty="0"/>
+              <a:t>PostgreSQL 9.6 (</a:t>
+            </a:r>
+            <a:r>
+              <a:rPr lang="is-IS" altLang="zh-CN" dirty="0">
+                <a:hlinkClick r:id="rId4"/>
+              </a:rPr>
+              <a:t>9.6.12</a:t>
+            </a:r>
+            <a:r>
+              <a:rPr lang="is-IS" altLang="zh-CN" dirty="0"/>
+              <a:t>)</a:t>
+            </a:r>
+          </a:p>
+          <a:p>
+            <a:pPr lvl="1"/>
+            <a:r>
+              <a:rPr lang="is-IS" altLang="zh-CN" dirty="0"/>
+              <a:t>PostgreSQL 9.5 (</a:t>
+            </a:r>
+            <a:r>
+              <a:rPr lang="is-IS" altLang="zh-CN" dirty="0">
+                <a:hlinkClick r:id="rId5"/>
+              </a:rPr>
+              <a:t>9.5.16</a:t>
+            </a:r>
+            <a:r>
+              <a:rPr lang="is-IS" altLang="zh-CN" dirty="0"/>
+              <a:t>)</a:t>
+            </a:r>
+          </a:p>
+          <a:p>
+            <a:pPr lvl="1"/>
+            <a:r>
+              <a:rPr lang="is-IS" altLang="zh-CN" dirty="0"/>
+              <a:t>PostgreSQL 9.4 (</a:t>
+            </a:r>
+            <a:r>
+              <a:rPr lang="is-IS" altLang="zh-CN" dirty="0">
+                <a:hlinkClick r:id="rId6"/>
+              </a:rPr>
+              <a:t>9.4.21</a:t>
+            </a:r>
+            <a:r>
+              <a:rPr lang="is-IS" altLang="zh-CN" dirty="0" smtClean="0"/>
+              <a:t>)</a:t>
+            </a:r>
+            <a:endParaRPr kumimoji="1" lang="en-US" altLang="zh-CN" dirty="0"/>
+          </a:p>
+          <a:p>
+            <a:r>
+              <a:rPr kumimoji="1" lang="zh-CN" altLang="en-US" dirty="0" smtClean="0"/>
+              <a:t>一个参数</a:t>
+            </a:r>
+            <a:endParaRPr kumimoji="1" lang="en-US" altLang="zh-CN" dirty="0" smtClean="0"/>
+          </a:p>
+          <a:p>
+            <a:pPr lvl="1"/>
+            <a:r>
+              <a:rPr lang="zh-CN" altLang="en-US" dirty="0" smtClean="0"/>
+              <a:t>如果你能确保你的</a:t>
+            </a:r>
+            <a:r>
+              <a:rPr lang="en-US" altLang="zh-CN" dirty="0" smtClean="0"/>
+              <a:t>OS</a:t>
+            </a:r>
+            <a:r>
+              <a:rPr lang="zh-CN" altLang="en-US" dirty="0" smtClean="0"/>
+              <a:t>和存储设备不存在以上问题，那么通过</a:t>
+            </a:r>
+            <a:r>
+              <a:rPr lang="en-US" altLang="zh-CN" dirty="0" err="1" smtClean="0"/>
+              <a:t>data_sync_retry</a:t>
+            </a:r>
+            <a:r>
+              <a:rPr lang="zh-CN" altLang="en-US" dirty="0" smtClean="0"/>
+              <a:t>跳过强制</a:t>
+            </a:r>
+            <a:r>
+              <a:rPr lang="en-US" altLang="zh-CN" dirty="0" smtClean="0"/>
+              <a:t>crash</a:t>
+            </a:r>
+            <a:r>
+              <a:rPr lang="zh-CN" altLang="en-US" dirty="0" smtClean="0"/>
+              <a:t>，否则就要</a:t>
+            </a:r>
+            <a:r>
+              <a:rPr lang="en-US" altLang="zh-CN" dirty="0" smtClean="0"/>
+              <a:t>crash</a:t>
+            </a:r>
+            <a:endParaRPr kumimoji="1" lang="en-US" altLang="zh-CN" dirty="0" smtClean="0"/>
+          </a:p>
+        </p:txBody>
+      </p:sp>
+    </p:spTree>
+    <p:extLst>
+      <p:ext uri="{BB962C8B-B14F-4D97-AF65-F5344CB8AC3E}">
+        <p14:creationId xmlns:p14="http://schemas.microsoft.com/office/powerpoint/2010/main" val="562304336"/>
+      </p:ext>
+    </p:extLst>
+  </p:cSld>
+  <p:clrMapOvr>
+    <a:masterClrMapping/>
+  </p:clrMapOvr>
+  <mc:AlternateContent xmlns:mc="http://schemas.openxmlformats.org/markup-compatibility/2006">
+    <mc:Choice xmlns:p14="http://schemas.microsoft.com/office/powerpoint/2010/main" Requires="p14">
+      <p:transition spd="slow" p14:dur="2000" advTm="745"/>
+    </mc:Choice>
+    <mc:Fallback>
+      <p:transition spd="slow" advTm="745"/>
+    </mc:Fallback>
+  </mc:AlternateContent>
+  <p:timing>
+    <p:tnLst>
+      <p:par>
+        <p:cTn id="1" dur="indefinite" restart="never" nodeType="tmRoot"/>
+      </p:par>
+    </p:tnLst>
+  </p:timing>
+</p:sld>
+</file>
+
+<file path=ppt/slides/slide21.xml><?xml version="1.0" encoding="utf-8"?>
+<p:sld xmlns:a="http://schemas.openxmlformats.org/drawingml/2006/main" xmlns:r="http://schemas.openxmlformats.org/officeDocument/2006/relationships" xmlns:p="http://schemas.openxmlformats.org/presentationml/2006/main">
+  <p:cSld>
+    <p:spTree>
+      <p:nvGrpSpPr>
+        <p:cNvPr id="1" name=""/>
+        <p:cNvGrpSpPr/>
+        <p:nvPr/>
+      </p:nvGrpSpPr>
+      <p:grpSpPr>
+        <a:xfrm>
+          <a:off x="0" y="0"/>
+          <a:ext cx="0" cy="0"/>
+          <a:chOff x="0" y="0"/>
+          <a:chExt cx="0" cy="0"/>
+        </a:xfrm>
+      </p:grpSpPr>
+      <p:sp>
+        <p:nvSpPr>
+          <p:cNvPr id="2" name="标题 1"/>
+          <p:cNvSpPr>
+            <a:spLocks noGrp="1"/>
+          </p:cNvSpPr>
+          <p:nvPr>
+            <p:ph type="title"/>
+          </p:nvPr>
+        </p:nvSpPr>
+        <p:spPr/>
+        <p:txBody>
+          <a:bodyPr/>
+          <a:lstStyle/>
+          <a:p>
+            <a:r>
               <a:rPr lang="en-US" altLang="zh-CN" dirty="0" smtClean="0"/>
               <a:t>Links</a:t>
             </a:r>
@@ -5470,6 +7322,14 @@
   <p:clrMapOvr>
     <a:masterClrMapping/>
   </p:clrMapOvr>
+  <mc:AlternateContent xmlns:mc="http://schemas.openxmlformats.org/markup-compatibility/2006">
+    <mc:Choice xmlns:p14="http://schemas.microsoft.com/office/powerpoint/2010/main" Requires="p14">
+      <p:transition spd="slow" p14:dur="2000" advTm="20341"/>
+    </mc:Choice>
+    <mc:Fallback>
+      <p:transition spd="slow" advTm="20341"/>
+    </mc:Fallback>
+  </mc:AlternateContent>
   <p:timing>
     <p:tnLst>
       <p:par>
@@ -5480,7 +7340,7 @@
 </p:sld>
 </file>
 
-<file path=ppt/slides/slide18.xml><?xml version="1.0" encoding="utf-8"?>
+<file path=ppt/slides/slide22.xml><?xml version="1.0" encoding="utf-8"?>
 <p:sld xmlns:a="http://schemas.openxmlformats.org/drawingml/2006/main" xmlns:r="http://schemas.openxmlformats.org/officeDocument/2006/relationships" xmlns:p="http://schemas.openxmlformats.org/presentationml/2006/main">
   <p:cSld>
     <p:spTree>
@@ -5533,103 +7393,14 @@
   <p:clrMapOvr>
     <a:masterClrMapping/>
   </p:clrMapOvr>
-  <p:timing>
-    <p:tnLst>
-      <p:par>
-        <p:cTn id="1" dur="indefinite" restart="never" nodeType="tmRoot"/>
-      </p:par>
-    </p:tnLst>
-  </p:timing>
-</p:sld>
-</file>
-
-<file path=ppt/slides/slide2.xml><?xml version="1.0" encoding="utf-8"?>
-<p:sld xmlns:a="http://schemas.openxmlformats.org/drawingml/2006/main" xmlns:r="http://schemas.openxmlformats.org/officeDocument/2006/relationships" xmlns:p="http://schemas.openxmlformats.org/presentationml/2006/main">
-  <p:cSld>
-    <p:spTree>
-      <p:nvGrpSpPr>
-        <p:cNvPr id="1" name=""/>
-        <p:cNvGrpSpPr/>
-        <p:nvPr/>
-      </p:nvGrpSpPr>
-      <p:grpSpPr>
-        <a:xfrm>
-          <a:off x="0" y="0"/>
-          <a:ext cx="0" cy="0"/>
-          <a:chOff x="0" y="0"/>
-          <a:chExt cx="0" cy="0"/>
-        </a:xfrm>
-      </p:grpSpPr>
-      <p:sp>
-        <p:nvSpPr>
-          <p:cNvPr id="2" name="标题 1"/>
-          <p:cNvSpPr>
-            <a:spLocks noGrp="1"/>
-          </p:cNvSpPr>
-          <p:nvPr>
-            <p:ph type="title"/>
-          </p:nvPr>
-        </p:nvSpPr>
-        <p:spPr/>
-        <p:txBody>
-          <a:bodyPr/>
-          <a:lstStyle/>
-          <a:p>
-            <a:r>
-              <a:rPr kumimoji="1" lang="en-US" altLang="zh-CN" dirty="0" smtClean="0"/>
-              <a:t>outline</a:t>
-            </a:r>
-            <a:endParaRPr kumimoji="1" lang="zh-CN" altLang="en-US" dirty="0"/>
-          </a:p>
-        </p:txBody>
-      </p:sp>
-      <p:sp>
-        <p:nvSpPr>
-          <p:cNvPr id="3" name="内容占位符 2"/>
-          <p:cNvSpPr>
-            <a:spLocks noGrp="1"/>
-          </p:cNvSpPr>
-          <p:nvPr>
-            <p:ph idx="1"/>
-          </p:nvPr>
-        </p:nvSpPr>
-        <p:spPr/>
-        <p:txBody>
-          <a:bodyPr/>
-          <a:lstStyle/>
-          <a:p>
-            <a:r>
-              <a:rPr kumimoji="1" lang="en-US" altLang="zh-CN" dirty="0" smtClean="0"/>
-              <a:t>double</a:t>
-            </a:r>
-            <a:r>
-              <a:rPr kumimoji="1" lang="zh-CN" altLang="en-US" dirty="0" smtClean="0"/>
-              <a:t> </a:t>
-            </a:r>
-            <a:r>
-              <a:rPr kumimoji="1" lang="en-US" altLang="zh-CN" dirty="0" smtClean="0"/>
-              <a:t>buffer</a:t>
-            </a:r>
-          </a:p>
-          <a:p>
-            <a:r>
-              <a:rPr kumimoji="1" lang="en-US" altLang="zh-CN" dirty="0" smtClean="0"/>
-              <a:t>checkpoint</a:t>
-            </a:r>
-            <a:endParaRPr kumimoji="1" lang="en-US" altLang="zh-CN" dirty="0" smtClean="0"/>
-          </a:p>
-        </p:txBody>
-      </p:sp>
-    </p:spTree>
-    <p:extLst>
-      <p:ext uri="{BB962C8B-B14F-4D97-AF65-F5344CB8AC3E}">
-        <p14:creationId xmlns:p14="http://schemas.microsoft.com/office/powerpoint/2010/main" val="263371279"/>
-      </p:ext>
-    </p:extLst>
-  </p:cSld>
-  <p:clrMapOvr>
-    <a:masterClrMapping/>
-  </p:clrMapOvr>
+  <mc:AlternateContent xmlns:mc="http://schemas.openxmlformats.org/markup-compatibility/2006">
+    <mc:Choice xmlns:p14="http://schemas.microsoft.com/office/powerpoint/2010/main" Requires="p14">
+      <p:transition spd="slow" p14:dur="2000" advTm="12890"/>
+    </mc:Choice>
+    <mc:Fallback>
+      <p:transition spd="slow" advTm="12890"/>
+    </mc:Fallback>
+  </mc:AlternateContent>
   <p:timing>
     <p:tnLst>
       <p:par>
@@ -5659,7 +7430,7 @@
       </p:grpSpPr>
       <p:sp>
         <p:nvSpPr>
-          <p:cNvPr id="2" name="标题 1"/>
+          <p:cNvPr id="4" name="标题 3"/>
           <p:cNvSpPr>
             <a:spLocks noGrp="1"/>
           </p:cNvSpPr>
@@ -5673,83 +7444,55 @@
           <a:lstStyle/>
           <a:p>
             <a:r>
+              <a:rPr kumimoji="1" lang="zh-CN" altLang="en-US" dirty="0" smtClean="0"/>
+              <a:t>为什么</a:t>
+            </a:r>
+            <a:r>
               <a:rPr kumimoji="1" lang="en-US" altLang="zh-CN" dirty="0" smtClean="0"/>
-              <a:t>Buffer</a:t>
+              <a:t>PostgreSQL</a:t>
             </a:r>
             <a:r>
               <a:rPr kumimoji="1" lang="zh-CN" altLang="en-US" dirty="0" smtClean="0"/>
-              <a:t> </a:t>
+              <a:t>的</a:t>
+            </a:r>
+            <a:r>
+              <a:rPr kumimoji="1" lang="en-US" altLang="zh-CN" dirty="0" err="1" smtClean="0"/>
+              <a:t>shared_buffer</a:t>
+            </a:r>
+            <a:r>
+              <a:rPr kumimoji="1" lang="zh-CN" altLang="en-US" dirty="0" smtClean="0"/>
+              <a:t>推荐只用</a:t>
             </a:r>
             <a:r>
               <a:rPr kumimoji="1" lang="en-US" altLang="zh-CN" dirty="0" smtClean="0"/>
-              <a:t>pool</a:t>
+              <a:t>25%~40%</a:t>
+            </a:r>
+            <a:r>
+              <a:rPr kumimoji="1" lang="zh-CN" altLang="en-US" dirty="0" smtClean="0"/>
+              <a:t>的内存？</a:t>
             </a:r>
             <a:endParaRPr kumimoji="1" lang="zh-CN" altLang="en-US" dirty="0"/>
           </a:p>
         </p:txBody>
       </p:sp>
-      <p:pic>
-        <p:nvPicPr>
-          <p:cNvPr id="9" name="内容占位符 8"/>
-          <p:cNvPicPr>
-            <a:picLocks noGrp="1" noChangeAspect="1"/>
-          </p:cNvPicPr>
-          <p:nvPr>
-            <p:ph sz="half" idx="1"/>
-          </p:nvPr>
-        </p:nvPicPr>
-        <p:blipFill>
-          <a:blip r:embed="rId2"/>
-          <a:stretch>
-            <a:fillRect/>
-          </a:stretch>
-        </p:blipFill>
-        <p:spPr>
-          <a:xfrm>
-            <a:off x="1500188" y="1607554"/>
-            <a:ext cx="3786187" cy="5421719"/>
-          </a:xfrm>
-          <a:prstGeom prst="rect">
-            <a:avLst/>
-          </a:prstGeom>
-        </p:spPr>
-      </p:pic>
-      <p:pic>
-        <p:nvPicPr>
-          <p:cNvPr id="12" name="内容占位符 11"/>
-          <p:cNvPicPr>
-            <a:picLocks noGrp="1" noChangeAspect="1"/>
-          </p:cNvPicPr>
-          <p:nvPr>
-            <p:ph sz="half" idx="2"/>
-          </p:nvPr>
-        </p:nvPicPr>
-        <p:blipFill>
-          <a:blip r:embed="rId3"/>
-          <a:stretch>
-            <a:fillRect/>
-          </a:stretch>
-        </p:blipFill>
-        <p:spPr>
-          <a:xfrm>
-            <a:off x="7229476" y="1678943"/>
-            <a:ext cx="3514724" cy="5322658"/>
-          </a:xfrm>
-          <a:prstGeom prst="rect">
-            <a:avLst/>
-          </a:prstGeom>
-        </p:spPr>
-      </p:pic>
     </p:spTree>
     <p:extLst>
       <p:ext uri="{BB962C8B-B14F-4D97-AF65-F5344CB8AC3E}">
-        <p14:creationId xmlns:p14="http://schemas.microsoft.com/office/powerpoint/2010/main" val="1393019265"/>
+        <p14:creationId xmlns:p14="http://schemas.microsoft.com/office/powerpoint/2010/main" val="1823929011"/>
       </p:ext>
     </p:extLst>
   </p:cSld>
   <p:clrMapOvr>
     <a:masterClrMapping/>
   </p:clrMapOvr>
+  <mc:AlternateContent xmlns:mc="http://schemas.openxmlformats.org/markup-compatibility/2006">
+    <mc:Choice xmlns:p14="http://schemas.microsoft.com/office/powerpoint/2010/main" Requires="p14">
+      <p:transition spd="slow" p14:dur="2000" advTm="755"/>
+    </mc:Choice>
+    <mc:Fallback>
+      <p:transition spd="slow" advTm="755"/>
+    </mc:Fallback>
+  </mc:AlternateContent>
   <p:timing>
     <p:tnLst>
       <p:par>
@@ -5793,71 +7536,128 @@
           <a:lstStyle/>
           <a:p>
             <a:r>
-              <a:rPr kumimoji="1" lang="en-US" altLang="zh-CN" dirty="0"/>
+              <a:rPr lang="en-US" altLang="zh-CN" dirty="0" smtClean="0"/>
               <a:t>Why</a:t>
             </a:r>
             <a:r>
-              <a:rPr kumimoji="1" lang="zh-CN" altLang="en-US" dirty="0"/>
+              <a:rPr lang="zh-CN" altLang="en-US" dirty="0" smtClean="0"/>
               <a:t> </a:t>
             </a:r>
             <a:r>
-              <a:rPr kumimoji="1" lang="en-US" altLang="zh-CN" dirty="0"/>
-              <a:t>PostgreSQL</a:t>
-            </a:r>
-            <a:r>
-              <a:rPr kumimoji="1" lang="zh-CN" altLang="en-US" dirty="0"/>
-              <a:t> </a:t>
-            </a:r>
-            <a:r>
-              <a:rPr kumimoji="1" lang="en-US" altLang="zh-CN" dirty="0"/>
-              <a:t>25%</a:t>
-            </a:r>
-            <a:r>
-              <a:rPr kumimoji="1" lang="zh-CN" altLang="en-US" dirty="0"/>
-              <a:t> </a:t>
-            </a:r>
-            <a:r>
-              <a:rPr kumimoji="1" lang="en-US" altLang="zh-CN" dirty="0"/>
-              <a:t>?</a:t>
-            </a:r>
-            <a:r>
-              <a:rPr kumimoji="1" lang="zh-CN" altLang="en-US" dirty="0"/>
-              <a:t> </a:t>
-            </a:r>
-            <a:r>
-              <a:rPr kumimoji="1" lang="en-US" altLang="zh-CN" dirty="0"/>
-              <a:t>MySQL/</a:t>
-            </a:r>
-            <a:r>
-              <a:rPr kumimoji="1" lang="en-US" altLang="zh-CN" dirty="0" err="1"/>
-              <a:t>InnoDB</a:t>
-            </a:r>
-            <a:r>
-              <a:rPr kumimoji="1" lang="zh-CN" altLang="en-US" dirty="0"/>
-              <a:t> </a:t>
-            </a:r>
-            <a:r>
-              <a:rPr kumimoji="1" lang="en-US" altLang="zh-CN" dirty="0"/>
-              <a:t>80</a:t>
-            </a:r>
-            <a:r>
-              <a:rPr kumimoji="1" lang="en-US" altLang="zh-CN" dirty="0" smtClean="0"/>
-              <a:t>%?</a:t>
+              <a:rPr lang="en-US" altLang="zh-CN" dirty="0" err="1" smtClean="0"/>
+              <a:t>shared_buffers</a:t>
+            </a:r>
+            <a:r>
+              <a:rPr lang="en-US" altLang="zh-CN" dirty="0"/>
+              <a:t> </a:t>
+            </a:r>
+            <a:r>
+              <a:rPr lang="en-US" altLang="zh-CN" dirty="0" smtClean="0"/>
+              <a:t>25%~40%?</a:t>
             </a:r>
             <a:endParaRPr kumimoji="1" lang="zh-CN" altLang="en-US" dirty="0"/>
+          </a:p>
+        </p:txBody>
+      </p:sp>
+      <p:sp>
+        <p:nvSpPr>
+          <p:cNvPr id="5" name="内容占位符 4"/>
+          <p:cNvSpPr>
+            <a:spLocks noGrp="1"/>
+          </p:cNvSpPr>
+          <p:nvPr>
+            <p:ph idx="1"/>
+          </p:nvPr>
+        </p:nvSpPr>
+        <p:spPr/>
+        <p:txBody>
+          <a:bodyPr>
+            <a:normAutofit/>
+          </a:bodyPr>
+          <a:lstStyle/>
+          <a:p>
+            <a:r>
+              <a:rPr lang="en-US" altLang="zh-CN" sz="3100" b="1" dirty="0" smtClean="0"/>
+              <a:t>“PostgreSQL</a:t>
+            </a:r>
+            <a:r>
+              <a:rPr lang="en-US" altLang="zh-CN" sz="3100" b="1" dirty="0"/>
+              <a:t> also relies on the operating system </a:t>
+            </a:r>
+            <a:r>
+              <a:rPr lang="en-US" altLang="zh-CN" sz="3100" b="1" dirty="0" smtClean="0"/>
+              <a:t>cache</a:t>
+            </a:r>
+          </a:p>
+          <a:p>
+            <a:pPr lvl="1"/>
+            <a:endParaRPr lang="en-US" altLang="zh-CN" sz="2700" b="1" dirty="0" smtClean="0"/>
+          </a:p>
+          <a:p>
+            <a:r>
+              <a:rPr lang="en-US" altLang="zh-CN" sz="3100" b="1" dirty="0" smtClean="0"/>
+              <a:t>“</a:t>
+            </a:r>
+            <a:r>
+              <a:rPr lang="en-US" altLang="zh-CN" b="1" dirty="0" smtClean="0"/>
+              <a:t>Larger </a:t>
+            </a:r>
+            <a:r>
+              <a:rPr lang="en-US" altLang="zh-CN" b="1" dirty="0"/>
+              <a:t>settings for </a:t>
+            </a:r>
+            <a:r>
+              <a:rPr lang="en-US" altLang="zh-CN" b="1" dirty="0" err="1"/>
+              <a:t>shared_buffers</a:t>
+            </a:r>
+            <a:r>
+              <a:rPr lang="en-US" altLang="zh-CN" b="1" dirty="0"/>
+              <a:t> usually require a corresponding increase in </a:t>
+            </a:r>
+            <a:r>
+              <a:rPr lang="en-US" altLang="zh-CN" b="1" dirty="0" err="1"/>
+              <a:t>max_wal_size</a:t>
+            </a:r>
+            <a:r>
+              <a:rPr lang="en-US" altLang="zh-CN" b="1" dirty="0"/>
+              <a:t>, in order to spread out the process of writing large quantities of new or changed data over a longer period of time</a:t>
+            </a:r>
+            <a:r>
+              <a:rPr lang="en-US" altLang="zh-CN" dirty="0" smtClean="0"/>
+              <a:t>.”</a:t>
+            </a:r>
+          </a:p>
+          <a:p>
+            <a:pPr lvl="1"/>
+            <a:endParaRPr lang="en-US" altLang="zh-CN" dirty="0"/>
           </a:p>
         </p:txBody>
       </p:sp>
     </p:spTree>
     <p:extLst>
       <p:ext uri="{BB962C8B-B14F-4D97-AF65-F5344CB8AC3E}">
-        <p14:creationId xmlns:p14="http://schemas.microsoft.com/office/powerpoint/2010/main" val="1868427083"/>
+        <p14:creationId xmlns:p14="http://schemas.microsoft.com/office/powerpoint/2010/main" val="516518086"/>
       </p:ext>
     </p:extLst>
   </p:cSld>
   <p:clrMapOvr>
     <a:masterClrMapping/>
   </p:clrMapOvr>
+  <mc:AlternateContent xmlns:mc="http://schemas.openxmlformats.org/markup-compatibility/2006">
+    <mc:Choice xmlns:p14="http://schemas.microsoft.com/office/powerpoint/2010/main" Requires="p14">
+      <p:transition spd="slow" p14:dur="2000" advTm="985"/>
+    </mc:Choice>
+    <mc:Fallback>
+      <p:transition spd="slow" advTm="985"/>
+    </mc:Fallback>
+  </mc:AlternateContent>
+  <p:timing>
+    <p:tnLst>
+      <p:par>
+        <p:cTn id="1" dur="indefinite" restart="never" nodeType="tmRoot"/>
+      </p:par>
+    </p:tnLst>
+  </p:timing>
 </p:sld>
 </file>
 
@@ -5880,7 +7680,7 @@
       </p:grpSpPr>
       <p:sp>
         <p:nvSpPr>
-          <p:cNvPr id="2" name="标题 1"/>
+          <p:cNvPr id="4" name="标题 3"/>
           <p:cNvSpPr>
             <a:spLocks noGrp="1"/>
           </p:cNvSpPr>
@@ -5894,120 +7694,307 @@
           <a:lstStyle/>
           <a:p>
             <a:r>
-              <a:rPr kumimoji="1" lang="en-US" altLang="zh-CN" dirty="0" smtClean="0"/>
-              <a:t>Linux</a:t>
-            </a:r>
-            <a:r>
-              <a:rPr kumimoji="1" lang="zh-CN" altLang="en-US" dirty="0" smtClean="0"/>
+              <a:rPr lang="en-US" altLang="zh-CN" dirty="0" smtClean="0"/>
+              <a:t>Why</a:t>
+            </a:r>
+            <a:r>
+              <a:rPr lang="zh-CN" altLang="en-US" dirty="0" smtClean="0"/>
               <a:t> </a:t>
             </a:r>
             <a:r>
-              <a:rPr kumimoji="1" lang="en-US" altLang="zh-CN" dirty="0" smtClean="0"/>
-              <a:t>File</a:t>
-            </a:r>
-            <a:r>
-              <a:rPr kumimoji="1" lang="zh-CN" altLang="en-US" dirty="0" smtClean="0"/>
+              <a:rPr lang="en-US" altLang="zh-CN" dirty="0" err="1" smtClean="0"/>
+              <a:t>shared_buffers</a:t>
+            </a:r>
+            <a:r>
+              <a:rPr lang="en-US" altLang="zh-CN" dirty="0"/>
+              <a:t> </a:t>
+            </a:r>
+            <a:r>
+              <a:rPr lang="en-US" altLang="zh-CN" dirty="0" smtClean="0"/>
+              <a:t>25%~40%?</a:t>
+            </a:r>
+            <a:endParaRPr kumimoji="1" lang="zh-CN" altLang="en-US" dirty="0"/>
+          </a:p>
+        </p:txBody>
+      </p:sp>
+      <p:sp>
+        <p:nvSpPr>
+          <p:cNvPr id="5" name="内容占位符 4"/>
+          <p:cNvSpPr>
+            <a:spLocks noGrp="1"/>
+          </p:cNvSpPr>
+          <p:nvPr>
+            <p:ph idx="1"/>
+          </p:nvPr>
+        </p:nvSpPr>
+        <p:spPr/>
+        <p:txBody>
+          <a:bodyPr>
+            <a:normAutofit/>
+          </a:bodyPr>
+          <a:lstStyle/>
+          <a:p>
+            <a:r>
+              <a:rPr lang="en-US" altLang="zh-CN" sz="3100" b="1" dirty="0" smtClean="0">
+                <a:solidFill>
+                  <a:schemeClr val="bg1">
+                    <a:lumMod val="50000"/>
+                  </a:schemeClr>
+                </a:solidFill>
+              </a:rPr>
+              <a:t>“PostgreSQL</a:t>
+            </a:r>
+            <a:r>
+              <a:rPr lang="en-US" altLang="zh-CN" sz="3100" b="1" dirty="0">
+                <a:solidFill>
+                  <a:schemeClr val="bg1">
+                    <a:lumMod val="50000"/>
+                  </a:schemeClr>
+                </a:solidFill>
+              </a:rPr>
+              <a:t> also relies on the operating system </a:t>
+            </a:r>
+            <a:r>
+              <a:rPr lang="en-US" altLang="zh-CN" sz="3100" b="1" dirty="0" smtClean="0">
+                <a:solidFill>
+                  <a:schemeClr val="bg1">
+                    <a:lumMod val="50000"/>
+                  </a:schemeClr>
+                </a:solidFill>
+              </a:rPr>
+              <a:t>cache</a:t>
+            </a:r>
+          </a:p>
+          <a:p>
+            <a:pPr lvl="1"/>
+            <a:r>
+              <a:rPr lang="zh-CN" altLang="en-US" sz="2700" dirty="0" smtClean="0"/>
+              <a:t>为什么要用</a:t>
+            </a:r>
+            <a:r>
+              <a:rPr lang="en-US" altLang="zh-CN" sz="2700" dirty="0" smtClean="0"/>
+              <a:t>Kernel</a:t>
+            </a:r>
+            <a:r>
+              <a:rPr lang="zh-CN" altLang="en-US" sz="2700" dirty="0" smtClean="0"/>
               <a:t> </a:t>
             </a:r>
             <a:r>
-              <a:rPr kumimoji="1" lang="en-US" altLang="zh-CN" dirty="0" smtClean="0"/>
+              <a:rPr lang="en-US" altLang="zh-CN" sz="2700" dirty="0" smtClean="0"/>
+              <a:t>cache</a:t>
+            </a:r>
+            <a:r>
+              <a:rPr lang="zh-CN" altLang="en-US" sz="2700" dirty="0" smtClean="0"/>
+              <a:t>？</a:t>
+            </a:r>
+            <a:endParaRPr lang="en-US" altLang="zh-CN" sz="2700" dirty="0" smtClean="0"/>
+          </a:p>
+          <a:p>
+            <a:pPr lvl="2"/>
+            <a:r>
+              <a:rPr lang="en-US" altLang="zh-CN" sz="2400" b="1" dirty="0" smtClean="0"/>
+              <a:t>Kernel</a:t>
+            </a:r>
+            <a:r>
+              <a:rPr lang="zh-CN" altLang="en-US" sz="2400" b="1" dirty="0" smtClean="0"/>
+              <a:t> </a:t>
+            </a:r>
+            <a:r>
+              <a:rPr lang="en-US" altLang="zh-CN" sz="2400" b="1" dirty="0" smtClean="0"/>
+              <a:t>cache</a:t>
+            </a:r>
+            <a:r>
+              <a:rPr lang="zh-CN" altLang="en-US" sz="2300" dirty="0" smtClean="0"/>
+              <a:t>可以看做多进程架构的应用系统的一种共享数据的方式</a:t>
+            </a:r>
+            <a:endParaRPr lang="en-US" altLang="zh-CN" sz="2300" dirty="0" smtClean="0"/>
+          </a:p>
+          <a:p>
+            <a:r>
+              <a:rPr lang="en-US" altLang="zh-CN" sz="3100" b="1" dirty="0" smtClean="0">
+                <a:solidFill>
+                  <a:schemeClr val="bg1">
+                    <a:lumMod val="50000"/>
+                  </a:schemeClr>
+                </a:solidFill>
+              </a:rPr>
+              <a:t>“</a:t>
+            </a:r>
+            <a:r>
+              <a:rPr lang="en-US" altLang="zh-CN" b="1" dirty="0" smtClean="0">
+                <a:solidFill>
+                  <a:schemeClr val="bg1">
+                    <a:lumMod val="50000"/>
+                  </a:schemeClr>
+                </a:solidFill>
+              </a:rPr>
+              <a:t>Larger </a:t>
+            </a:r>
+            <a:r>
+              <a:rPr lang="en-US" altLang="zh-CN" b="1" dirty="0">
+                <a:solidFill>
+                  <a:schemeClr val="bg1">
+                    <a:lumMod val="50000"/>
+                  </a:schemeClr>
+                </a:solidFill>
+              </a:rPr>
+              <a:t>settings for </a:t>
+            </a:r>
+            <a:r>
+              <a:rPr lang="en-US" altLang="zh-CN" b="1" dirty="0" err="1">
+                <a:solidFill>
+                  <a:schemeClr val="bg1">
+                    <a:lumMod val="50000"/>
+                  </a:schemeClr>
+                </a:solidFill>
+              </a:rPr>
+              <a:t>shared_buffers</a:t>
+            </a:r>
+            <a:r>
+              <a:rPr lang="en-US" altLang="zh-CN" b="1" dirty="0">
+                <a:solidFill>
+                  <a:schemeClr val="bg1">
+                    <a:lumMod val="50000"/>
+                  </a:schemeClr>
+                </a:solidFill>
+              </a:rPr>
+              <a:t> usually require a corresponding increase in </a:t>
+            </a:r>
+            <a:r>
+              <a:rPr lang="en-US" altLang="zh-CN" b="1" dirty="0" err="1">
+                <a:solidFill>
+                  <a:schemeClr val="bg1">
+                    <a:lumMod val="50000"/>
+                  </a:schemeClr>
+                </a:solidFill>
+              </a:rPr>
+              <a:t>max_wal_size</a:t>
+            </a:r>
+            <a:r>
+              <a:rPr lang="en-US" altLang="zh-CN" b="1" dirty="0">
+                <a:solidFill>
+                  <a:schemeClr val="bg1">
+                    <a:lumMod val="50000"/>
+                  </a:schemeClr>
+                </a:solidFill>
+              </a:rPr>
+              <a:t>, in order to spread out the process of writing large quantities of new or changed data over a longer period of time</a:t>
+            </a:r>
+            <a:r>
+              <a:rPr lang="en-US" altLang="zh-CN" dirty="0" smtClean="0">
+                <a:solidFill>
+                  <a:schemeClr val="bg1">
+                    <a:lumMod val="50000"/>
+                  </a:schemeClr>
+                </a:solidFill>
+              </a:rPr>
+              <a:t>.”</a:t>
+            </a:r>
+          </a:p>
+          <a:p>
+            <a:pPr lvl="1"/>
+            <a:r>
+              <a:rPr lang="zh-CN" altLang="en-US" dirty="0" smtClean="0"/>
+              <a:t>为什么少用</a:t>
+            </a:r>
+            <a:r>
+              <a:rPr lang="en-US" altLang="zh-CN" dirty="0" err="1" smtClean="0"/>
+              <a:t>shared_buffer</a:t>
+            </a:r>
+            <a:r>
+              <a:rPr lang="zh-CN" altLang="en-US" dirty="0" smtClean="0"/>
+              <a:t>？</a:t>
+            </a:r>
+            <a:endParaRPr lang="en-US" altLang="zh-CN" dirty="0" smtClean="0"/>
+          </a:p>
+          <a:p>
+            <a:pPr lvl="2"/>
+            <a:r>
+              <a:rPr lang="zh-CN" altLang="en-US" dirty="0" smtClean="0"/>
+              <a:t>由于</a:t>
+            </a:r>
+            <a:r>
+              <a:rPr lang="en-US" altLang="zh-CN" dirty="0" smtClean="0"/>
+              <a:t>PostgreSQL</a:t>
+            </a:r>
+            <a:r>
+              <a:rPr lang="zh-CN" altLang="en-US" dirty="0" smtClean="0"/>
+              <a:t>对数据页采用的是</a:t>
+            </a:r>
+            <a:r>
+              <a:rPr lang="en-US" altLang="zh-CN" dirty="0" smtClean="0"/>
+              <a:t>buffer</a:t>
+            </a:r>
+            <a:r>
+              <a:rPr lang="zh-CN" altLang="en-US" dirty="0" smtClean="0"/>
+              <a:t> </a:t>
+            </a:r>
+            <a:r>
+              <a:rPr lang="en-US" altLang="zh-CN" dirty="0" smtClean="0"/>
               <a:t>I/O</a:t>
             </a:r>
-            <a:endParaRPr kumimoji="1" lang="zh-CN" altLang="en-US" dirty="0"/>
-          </a:p>
-        </p:txBody>
-      </p:sp>
-      <p:sp>
-        <p:nvSpPr>
-          <p:cNvPr id="4" name="内容占位符 3"/>
-          <p:cNvSpPr>
-            <a:spLocks noGrp="1"/>
-          </p:cNvSpPr>
-          <p:nvPr>
-            <p:ph sz="half" idx="2"/>
-          </p:nvPr>
-        </p:nvSpPr>
-        <p:spPr/>
-        <p:txBody>
-          <a:bodyPr/>
-          <a:lstStyle/>
-          <a:p>
-            <a:r>
-              <a:rPr kumimoji="1" lang="en-US" altLang="zh-CN" b="1" dirty="0" smtClean="0"/>
-              <a:t>DIRECT</a:t>
-            </a:r>
-            <a:r>
-              <a:rPr kumimoji="1" lang="zh-CN" altLang="en-US" b="1" dirty="0" smtClean="0"/>
-              <a:t> </a:t>
-            </a:r>
-            <a:r>
-              <a:rPr kumimoji="1" lang="en-US" altLang="zh-CN" b="1" dirty="0" smtClean="0"/>
-              <a:t>I/O</a:t>
-            </a:r>
-          </a:p>
-          <a:p>
-            <a:r>
-              <a:rPr kumimoji="1" lang="en-US" altLang="zh-CN" b="1" dirty="0" smtClean="0"/>
-              <a:t>BUFFER</a:t>
-            </a:r>
-            <a:r>
-              <a:rPr kumimoji="1" lang="zh-CN" altLang="en-US" b="1" dirty="0" smtClean="0"/>
-              <a:t> </a:t>
-            </a:r>
-            <a:r>
-              <a:rPr kumimoji="1" lang="en-US" altLang="zh-CN" b="1" dirty="0" smtClean="0"/>
-              <a:t>I/O</a:t>
-            </a:r>
-          </a:p>
-          <a:p>
-            <a:r>
-              <a:rPr lang="en-US" altLang="zh-CN" b="1" dirty="0"/>
-              <a:t>Synchronized </a:t>
-            </a:r>
-            <a:r>
-              <a:rPr lang="en-US" altLang="zh-CN" b="1" dirty="0" smtClean="0"/>
-              <a:t>I/O</a:t>
-            </a:r>
-            <a:endParaRPr kumimoji="1" lang="en-US" altLang="zh-CN" b="1" dirty="0" smtClean="0"/>
-          </a:p>
-        </p:txBody>
-      </p:sp>
-      <p:pic>
-        <p:nvPicPr>
-          <p:cNvPr id="9" name="内容占位符 8"/>
-          <p:cNvPicPr>
-            <a:picLocks noGrp="1" noChangeAspect="1"/>
-          </p:cNvPicPr>
-          <p:nvPr>
-            <p:ph sz="half" idx="1"/>
-          </p:nvPr>
-        </p:nvPicPr>
-        <p:blipFill>
-          <a:blip r:embed="rId3"/>
-          <a:stretch>
-            <a:fillRect/>
-          </a:stretch>
-        </p:blipFill>
-        <p:spPr>
-          <a:xfrm>
-            <a:off x="183620" y="1690688"/>
-            <a:ext cx="5988580" cy="4263675"/>
-          </a:xfrm>
-          <a:prstGeom prst="rect">
-            <a:avLst/>
-          </a:prstGeom>
-        </p:spPr>
-      </p:pic>
+            <a:r>
+              <a:rPr lang="zh-CN" altLang="en-US" dirty="0" smtClean="0"/>
+              <a:t>，那么更大的</a:t>
+            </a:r>
+            <a:r>
+              <a:rPr lang="en-US" altLang="zh-CN" dirty="0" err="1" smtClean="0"/>
+              <a:t>shared_buffer</a:t>
+            </a:r>
+            <a:r>
+              <a:rPr lang="zh-CN" altLang="en-US" dirty="0" smtClean="0"/>
+              <a:t>，意味着</a:t>
+            </a:r>
+            <a:r>
+              <a:rPr lang="en-US" altLang="zh-CN" dirty="0" smtClean="0"/>
+              <a:t>CHECKPOINT</a:t>
+            </a:r>
+            <a:r>
+              <a:rPr lang="zh-CN" altLang="en-US" dirty="0" smtClean="0"/>
+              <a:t>中更多的数据页</a:t>
+            </a:r>
+            <a:r>
+              <a:rPr lang="en-US" altLang="zh-CN" sz="2400" b="1" i="1" dirty="0" err="1" smtClean="0"/>
+              <a:t>writeback</a:t>
+            </a:r>
+            <a:r>
+              <a:rPr lang="zh-CN" altLang="en-US" dirty="0" smtClean="0"/>
+              <a:t>和更大的</a:t>
+            </a:r>
+            <a:r>
+              <a:rPr lang="en-US" altLang="zh-CN" dirty="0" err="1" smtClean="0"/>
+              <a:t>walsize</a:t>
+            </a:r>
+            <a:r>
+              <a:rPr lang="zh-CN" altLang="en-US" dirty="0" smtClean="0"/>
+              <a:t>需要保留。</a:t>
+            </a:r>
+            <a:endParaRPr lang="en-US" altLang="zh-CN" dirty="0" smtClean="0"/>
+          </a:p>
+          <a:p>
+            <a:pPr lvl="1"/>
+            <a:endParaRPr lang="en-US" altLang="zh-CN" dirty="0"/>
+          </a:p>
+        </p:txBody>
+      </p:sp>
     </p:spTree>
     <p:extLst>
       <p:ext uri="{BB962C8B-B14F-4D97-AF65-F5344CB8AC3E}">
-        <p14:creationId xmlns:p14="http://schemas.microsoft.com/office/powerpoint/2010/main" val="1848950178"/>
+        <p14:creationId xmlns:p14="http://schemas.microsoft.com/office/powerpoint/2010/main" val="1342884342"/>
       </p:ext>
     </p:extLst>
   </p:cSld>
   <p:clrMapOvr>
     <a:masterClrMapping/>
   </p:clrMapOvr>
+  <mc:AlternateContent xmlns:mc="http://schemas.openxmlformats.org/markup-compatibility/2006">
+    <mc:Choice xmlns:p14="http://schemas.microsoft.com/office/powerpoint/2010/main" Requires="p14">
+      <p:transition spd="slow" p14:dur="2000" advTm="519"/>
+    </mc:Choice>
+    <mc:Fallback>
+      <p:transition spd="slow" advTm="519"/>
+    </mc:Fallback>
+  </mc:AlternateContent>
   <p:timing>
     <p:tnLst>
       <p:par>
@@ -6051,8 +8038,8 @@
           <a:lstStyle/>
           <a:p>
             <a:r>
-              <a:rPr kumimoji="1" lang="en-US" altLang="zh-CN" dirty="0" err="1" smtClean="0"/>
-              <a:t>bufferpool</a:t>
+              <a:rPr kumimoji="1" lang="en-US" altLang="zh-CN" dirty="0" smtClean="0"/>
+              <a:t>outline</a:t>
             </a:r>
             <a:endParaRPr kumimoji="1" lang="zh-CN" altLang="en-US" dirty="0"/>
           </a:p>
@@ -6065,81 +8052,59 @@
             <a:spLocks noGrp="1"/>
           </p:cNvSpPr>
           <p:nvPr>
-            <p:ph sz="half" idx="2"/>
-          </p:nvPr>
-        </p:nvSpPr>
-        <p:spPr/>
-        <p:txBody>
-          <a:bodyPr/>
-          <a:lstStyle/>
-          <a:p>
-            <a:endParaRPr lang="en-US" altLang="zh-CN" dirty="0" smtClean="0"/>
-          </a:p>
-          <a:p>
-            <a:endParaRPr kumimoji="1" lang="zh-CN" altLang="en-US" dirty="0"/>
-          </a:p>
-        </p:txBody>
-      </p:sp>
-      <p:pic>
-        <p:nvPicPr>
-          <p:cNvPr id="18" name="图片 17"/>
-          <p:cNvPicPr>
-            <a:picLocks noChangeAspect="1"/>
-          </p:cNvPicPr>
-          <p:nvPr/>
-        </p:nvPicPr>
-        <p:blipFill>
-          <a:blip r:embed="rId2"/>
-          <a:stretch>
-            <a:fillRect/>
-          </a:stretch>
-        </p:blipFill>
-        <p:spPr>
-          <a:xfrm>
-            <a:off x="839788" y="1717675"/>
-            <a:ext cx="3848100" cy="4445000"/>
-          </a:xfrm>
-          <a:prstGeom prst="rect">
-            <a:avLst/>
-          </a:prstGeom>
-        </p:spPr>
-      </p:pic>
-      <p:pic>
-        <p:nvPicPr>
-          <p:cNvPr id="22" name="内容占位符 21"/>
-          <p:cNvPicPr>
-            <a:picLocks noGrp="1" noChangeAspect="1"/>
-          </p:cNvPicPr>
-          <p:nvPr>
-            <p:ph sz="quarter" idx="4"/>
-          </p:nvPr>
-        </p:nvPicPr>
-        <p:blipFill>
-          <a:blip r:embed="rId3"/>
-          <a:stretch>
-            <a:fillRect/>
-          </a:stretch>
-        </p:blipFill>
-        <p:spPr>
-          <a:xfrm>
-            <a:off x="6097588" y="1690687"/>
-            <a:ext cx="4696994" cy="4471988"/>
-          </a:xfrm>
-          <a:prstGeom prst="rect">
-            <a:avLst/>
-          </a:prstGeom>
-        </p:spPr>
-      </p:pic>
+            <p:ph idx="1"/>
+          </p:nvPr>
+        </p:nvSpPr>
+        <p:spPr/>
+        <p:txBody>
+          <a:bodyPr/>
+          <a:lstStyle/>
+          <a:p>
+            <a:r>
+              <a:rPr kumimoji="1" lang="en-US" altLang="zh-CN" dirty="0" smtClean="0"/>
+              <a:t>double</a:t>
+            </a:r>
+            <a:r>
+              <a:rPr kumimoji="1" lang="zh-CN" altLang="en-US" dirty="0" smtClean="0"/>
+              <a:t> </a:t>
+            </a:r>
+            <a:r>
+              <a:rPr kumimoji="1" lang="en-US" altLang="zh-CN" dirty="0" smtClean="0"/>
+              <a:t>buffer</a:t>
+            </a:r>
+            <a:r>
+              <a:rPr kumimoji="1" lang="zh-CN" altLang="en-US" dirty="0" smtClean="0"/>
+              <a:t>。</a:t>
+            </a:r>
+            <a:endParaRPr kumimoji="1" lang="en-US" altLang="zh-CN" dirty="0" smtClean="0"/>
+          </a:p>
+          <a:p>
+            <a:r>
+              <a:rPr kumimoji="1" lang="en-US" altLang="zh-CN" dirty="0" smtClean="0"/>
+              <a:t>Write back</a:t>
+            </a:r>
+            <a:endParaRPr kumimoji="1" lang="en-US" altLang="zh-CN" dirty="0" smtClean="0"/>
+          </a:p>
+        </p:txBody>
+      </p:sp>
     </p:spTree>
     <p:extLst>
       <p:ext uri="{BB962C8B-B14F-4D97-AF65-F5344CB8AC3E}">
-        <p14:creationId xmlns:p14="http://schemas.microsoft.com/office/powerpoint/2010/main" val="888379898"/>
+        <p14:creationId xmlns:p14="http://schemas.microsoft.com/office/powerpoint/2010/main" val="263371279"/>
       </p:ext>
     </p:extLst>
   </p:cSld>
   <p:clrMapOvr>
     <a:masterClrMapping/>
   </p:clrMapOvr>
+  <mc:AlternateContent xmlns:mc="http://schemas.openxmlformats.org/markup-compatibility/2006">
+    <mc:Choice xmlns:p14="http://schemas.microsoft.com/office/powerpoint/2010/main" Requires="p14">
+      <p:transition spd="slow" p14:dur="2000" advTm="1081"/>
+    </mc:Choice>
+    <mc:Fallback>
+      <p:transition spd="slow" advTm="1081"/>
+    </mc:Fallback>
+  </mc:AlternateContent>
   <p:timing>
     <p:tnLst>
       <p:par>
@@ -6182,40 +8147,79 @@
           <a:bodyPr/>
           <a:lstStyle/>
           <a:p>
-            <a:pPr algn="ctr"/>
+            <a:r>
+              <a:rPr kumimoji="1" lang="en-US" altLang="zh-CN" dirty="0" smtClean="0"/>
+              <a:t>outline</a:t>
+            </a:r>
+            <a:endParaRPr kumimoji="1" lang="zh-CN" altLang="en-US" dirty="0"/>
+          </a:p>
+        </p:txBody>
+      </p:sp>
+      <p:sp>
+        <p:nvSpPr>
+          <p:cNvPr id="3" name="内容占位符 2"/>
+          <p:cNvSpPr>
+            <a:spLocks noGrp="1"/>
+          </p:cNvSpPr>
+          <p:nvPr>
+            <p:ph idx="1"/>
+          </p:nvPr>
+        </p:nvSpPr>
+        <p:spPr/>
+        <p:txBody>
+          <a:bodyPr/>
+          <a:lstStyle/>
+          <a:p>
             <a:r>
               <a:rPr kumimoji="1" lang="en-US" altLang="zh-CN" dirty="0"/>
-              <a:t>PostgreSQL</a:t>
+              <a:t>double</a:t>
             </a:r>
             <a:r>
               <a:rPr kumimoji="1" lang="zh-CN" altLang="en-US" dirty="0"/>
-              <a:t>为什么这么设计</a:t>
-            </a:r>
-            <a:r>
-              <a:rPr kumimoji="1" lang="zh-CN" altLang="en-US" dirty="0" smtClean="0"/>
-              <a:t>？</a:t>
-            </a:r>
-            <a:r>
-              <a:rPr kumimoji="1" lang="en-US" altLang="zh-CN" dirty="0" smtClean="0"/>
-              <a:t/>
-            </a:r>
-            <a:br>
-              <a:rPr kumimoji="1" lang="en-US" altLang="zh-CN" dirty="0" smtClean="0"/>
-            </a:br>
-            <a:endParaRPr kumimoji="1" lang="zh-CN" altLang="en-US" dirty="0"/>
+              <a:t> </a:t>
+            </a:r>
+            <a:r>
+              <a:rPr kumimoji="1" lang="en-US" altLang="zh-CN" dirty="0"/>
+              <a:t>buffer</a:t>
+            </a:r>
+            <a:r>
+              <a:rPr kumimoji="1" lang="zh-CN" altLang="en-US" dirty="0"/>
+              <a:t>。</a:t>
+            </a:r>
+            <a:endParaRPr kumimoji="1" lang="en-US" altLang="zh-CN" dirty="0"/>
+          </a:p>
+          <a:p>
+            <a:r>
+              <a:rPr kumimoji="1" lang="en-US" altLang="zh-CN" dirty="0">
+                <a:solidFill>
+                  <a:schemeClr val="bg1">
+                    <a:lumMod val="50000"/>
+                  </a:schemeClr>
+                </a:solidFill>
+              </a:rPr>
+              <a:t>Write back</a:t>
+            </a:r>
           </a:p>
         </p:txBody>
       </p:sp>
     </p:spTree>
     <p:extLst>
       <p:ext uri="{BB962C8B-B14F-4D97-AF65-F5344CB8AC3E}">
-        <p14:creationId xmlns:p14="http://schemas.microsoft.com/office/powerpoint/2010/main" val="995632508"/>
+        <p14:creationId xmlns:p14="http://schemas.microsoft.com/office/powerpoint/2010/main" val="1905008652"/>
       </p:ext>
     </p:extLst>
   </p:cSld>
   <p:clrMapOvr>
     <a:masterClrMapping/>
   </p:clrMapOvr>
+  <mc:AlternateContent xmlns:mc="http://schemas.openxmlformats.org/markup-compatibility/2006">
+    <mc:Choice xmlns:p14="http://schemas.microsoft.com/office/powerpoint/2010/main" Requires="p14">
+      <p:transition spd="slow" p14:dur="2000" advTm="1512"/>
+    </mc:Choice>
+    <mc:Fallback>
+      <p:transition spd="slow" advTm="1512"/>
+    </mc:Fallback>
+  </mc:AlternateContent>
   <p:timing>
     <p:tnLst>
       <p:par>
@@ -6259,8 +8263,16 @@
           <a:lstStyle/>
           <a:p>
             <a:r>
+              <a:rPr kumimoji="1" lang="en-US" altLang="zh-CN" dirty="0" smtClean="0"/>
+              <a:t>Linux</a:t>
+            </a:r>
+            <a:r>
               <a:rPr kumimoji="1" lang="zh-CN" altLang="en-US" dirty="0" smtClean="0"/>
-              <a:t>个人见解</a:t>
+              <a:t>文件</a:t>
+            </a:r>
+            <a:r>
+              <a:rPr kumimoji="1" lang="en-US" altLang="zh-CN" dirty="0" smtClean="0"/>
+              <a:t>I/O</a:t>
             </a:r>
             <a:endParaRPr kumimoji="1" lang="zh-CN" altLang="en-US" dirty="0"/>
           </a:p>
@@ -6268,85 +8280,101 @@
       </p:sp>
       <p:sp>
         <p:nvSpPr>
-          <p:cNvPr id="3" name="内容占位符 2"/>
-          <p:cNvSpPr>
-            <a:spLocks noGrp="1"/>
-          </p:cNvSpPr>
-          <p:nvPr>
-            <p:ph idx="1"/>
-          </p:nvPr>
-        </p:nvSpPr>
-        <p:spPr/>
-        <p:txBody>
-          <a:bodyPr/>
-          <a:lstStyle/>
-          <a:p>
-            <a:r>
-              <a:rPr kumimoji="1" lang="zh-CN" altLang="en-US" dirty="0" smtClean="0"/>
-              <a:t>诞生</a:t>
-            </a:r>
-            <a:r>
-              <a:rPr kumimoji="1" lang="en-US" altLang="zh-CN" dirty="0" smtClean="0"/>
-              <a:t>PostgreSQL</a:t>
-            </a:r>
-            <a:r>
-              <a:rPr kumimoji="1" lang="zh-CN" altLang="en-US" dirty="0" smtClean="0"/>
-              <a:t>时的历史原因</a:t>
-            </a:r>
-            <a:endParaRPr kumimoji="1" lang="en-US" altLang="zh-CN" dirty="0" smtClean="0"/>
+          <p:cNvPr id="4" name="内容占位符 3"/>
+          <p:cNvSpPr>
+            <a:spLocks noGrp="1"/>
+          </p:cNvSpPr>
+          <p:nvPr>
+            <p:ph sz="half" idx="2"/>
+          </p:nvPr>
+        </p:nvSpPr>
+        <p:spPr/>
+        <p:txBody>
+          <a:bodyPr/>
+          <a:lstStyle/>
+          <a:p>
+            <a:r>
+              <a:rPr kumimoji="1" lang="en-US" altLang="zh-CN" b="1" dirty="0"/>
+              <a:t>o</a:t>
+            </a:r>
+            <a:r>
+              <a:rPr kumimoji="1" lang="en-US" altLang="zh-CN" b="1" dirty="0" smtClean="0"/>
+              <a:t>pen()</a:t>
+            </a:r>
+            <a:r>
+              <a:rPr kumimoji="1" lang="zh-CN" altLang="en-US" b="1" dirty="0" smtClean="0"/>
+              <a:t>的两个参数</a:t>
+            </a:r>
+            <a:endParaRPr kumimoji="1" lang="en-US" altLang="zh-CN" b="1" dirty="0" smtClean="0"/>
           </a:p>
           <a:p>
             <a:pPr lvl="1"/>
             <a:r>
-              <a:rPr kumimoji="1" lang="zh-CN" altLang="en-US" dirty="0" smtClean="0"/>
-              <a:t>数据库原理的研究性项目，充分利用</a:t>
-            </a:r>
-            <a:r>
-              <a:rPr kumimoji="1" lang="en-US" altLang="zh-CN" dirty="0" err="1" smtClean="0"/>
-              <a:t>Os</a:t>
-            </a:r>
-            <a:r>
-              <a:rPr kumimoji="1" lang="zh-CN" altLang="en-US" dirty="0" smtClean="0"/>
-              <a:t>机制，可以专注在数据库内核上</a:t>
-            </a:r>
-            <a:endParaRPr kumimoji="1" lang="en-US" altLang="zh-CN" dirty="0" smtClean="0"/>
+              <a:rPr kumimoji="1" lang="en-US" altLang="zh-CN" b="1" dirty="0" smtClean="0"/>
+              <a:t>O_DIRECT</a:t>
+            </a:r>
+          </a:p>
+          <a:p>
+            <a:pPr lvl="2"/>
+            <a:r>
+              <a:rPr kumimoji="1" lang="en-US" altLang="zh-CN" b="1" dirty="0"/>
+              <a:t>DIRECT</a:t>
+            </a:r>
+            <a:r>
+              <a:rPr kumimoji="1" lang="zh-CN" altLang="en-US" b="1" dirty="0"/>
+              <a:t> </a:t>
+            </a:r>
+            <a:r>
+              <a:rPr kumimoji="1" lang="en-US" altLang="zh-CN" b="1" dirty="0" smtClean="0"/>
+              <a:t>I/O</a:t>
+            </a:r>
+            <a:endParaRPr kumimoji="1" lang="en-US" altLang="zh-CN" b="1" dirty="0"/>
+          </a:p>
+          <a:p>
+            <a:pPr lvl="2"/>
+            <a:r>
+              <a:rPr kumimoji="1" lang="en-US" altLang="zh-CN" b="1" dirty="0"/>
+              <a:t>BUFFER</a:t>
+            </a:r>
+            <a:r>
+              <a:rPr kumimoji="1" lang="zh-CN" altLang="en-US" b="1" dirty="0"/>
+              <a:t> </a:t>
+            </a:r>
+            <a:r>
+              <a:rPr kumimoji="1" lang="en-US" altLang="zh-CN" b="1" dirty="0" smtClean="0"/>
+              <a:t>I/O</a:t>
+            </a:r>
           </a:p>
           <a:p>
             <a:pPr lvl="1"/>
             <a:r>
-              <a:rPr kumimoji="1" lang="en-US" altLang="zh-CN" dirty="0" smtClean="0"/>
-              <a:t>IO</a:t>
-            </a:r>
-            <a:r>
-              <a:rPr kumimoji="1" lang="zh-CN" altLang="en-US" dirty="0" smtClean="0"/>
-              <a:t>栈的开发需要一定工作量，研究人员有限</a:t>
-            </a:r>
-            <a:endParaRPr kumimoji="1" lang="en-US" altLang="zh-CN" dirty="0" smtClean="0"/>
-          </a:p>
-          <a:p>
-            <a:pPr lvl="1"/>
-            <a:r>
-              <a:rPr kumimoji="1" lang="zh-CN" altLang="en-US" dirty="0" smtClean="0"/>
-              <a:t>其实用起来差不了不少</a:t>
-            </a:r>
-            <a:endParaRPr kumimoji="1" lang="en-US" altLang="zh-CN" dirty="0" smtClean="0"/>
-          </a:p>
-          <a:p>
-            <a:r>
-              <a:rPr kumimoji="1" lang="zh-CN" altLang="en-US" dirty="0" smtClean="0"/>
-              <a:t>多进程和多线程的并发机制的不同，其对内存的使用方式也会有差别。</a:t>
-            </a:r>
-            <a:endParaRPr kumimoji="1" lang="zh-CN" altLang="en-US" dirty="0"/>
+              <a:rPr kumimoji="1" lang="en-US" altLang="zh-CN" b="1" dirty="0" smtClean="0"/>
+              <a:t>O_SYNC</a:t>
+            </a:r>
+          </a:p>
+          <a:p>
+            <a:pPr lvl="2"/>
+            <a:r>
+              <a:rPr lang="en-US" altLang="zh-CN" b="1" dirty="0" smtClean="0"/>
+              <a:t>Synchronized </a:t>
+            </a:r>
+            <a:r>
+              <a:rPr lang="en-US" altLang="zh-CN" b="1" dirty="0" smtClean="0"/>
+              <a:t>I/O</a:t>
+            </a:r>
+            <a:endParaRPr kumimoji="1" lang="en-US" altLang="zh-CN" b="1" dirty="0" smtClean="0"/>
           </a:p>
         </p:txBody>
       </p:sp>
       <p:pic>
         <p:nvPicPr>
-          <p:cNvPr id="4" name="图片 3"/>
+          <p:cNvPr id="7" name="内容占位符 6"/>
           <p:cNvPicPr>
-            <a:picLocks noChangeAspect="1"/>
+            <a:picLocks noGrp="1" noChangeAspect="1"/>
           </p:cNvPicPr>
-          <p:nvPr/>
+          <p:nvPr>
+            <p:ph sz="half" idx="1"/>
+          </p:nvPr>
         </p:nvPicPr>
         <p:blipFill>
           <a:blip r:embed="rId3"/>
@@ -6356,8 +8384,8 @@
         </p:blipFill>
         <p:spPr>
           <a:xfrm>
-            <a:off x="4892202" y="4169282"/>
-            <a:ext cx="6461598" cy="2688718"/>
+            <a:off x="838200" y="2028689"/>
+            <a:ext cx="5181600" cy="3945209"/>
           </a:xfrm>
           <a:prstGeom prst="rect">
             <a:avLst/>
@@ -6367,13 +8395,21 @@
     </p:spTree>
     <p:extLst>
       <p:ext uri="{BB962C8B-B14F-4D97-AF65-F5344CB8AC3E}">
-        <p14:creationId xmlns:p14="http://schemas.microsoft.com/office/powerpoint/2010/main" val="1869688028"/>
+        <p14:creationId xmlns:p14="http://schemas.microsoft.com/office/powerpoint/2010/main" val="1848950178"/>
       </p:ext>
     </p:extLst>
   </p:cSld>
   <p:clrMapOvr>
     <a:masterClrMapping/>
   </p:clrMapOvr>
+  <mc:AlternateContent xmlns:mc="http://schemas.openxmlformats.org/markup-compatibility/2006">
+    <mc:Choice xmlns:p14="http://schemas.microsoft.com/office/powerpoint/2010/main" Requires="p14">
+      <p:transition spd="slow" p14:dur="2000" advTm="1039"/>
+    </mc:Choice>
+    <mc:Fallback>
+      <p:transition spd="slow" advTm="1039"/>
+    </mc:Fallback>
+  </mc:AlternateContent>
   <p:timing>
     <p:tnLst>
       <p:par>
@@ -6417,85 +8453,65 @@
           <a:lstStyle/>
           <a:p>
             <a:r>
-              <a:rPr lang="en-US" altLang="zh-CN" smtClean="0"/>
-              <a:t>xlog.c</a:t>
-            </a:r>
-            <a:endParaRPr lang="zh-CN" altLang="en-US" dirty="0"/>
+              <a:rPr kumimoji="1" lang="en-US" altLang="zh-CN" dirty="0" smtClean="0"/>
+              <a:t>PostgreSQL</a:t>
+            </a:r>
+            <a:r>
+              <a:rPr kumimoji="1" lang="zh-CN" altLang="en-US" dirty="0" smtClean="0"/>
+              <a:t>的</a:t>
+            </a:r>
+            <a:r>
+              <a:rPr kumimoji="1" lang="en-US" altLang="zh-CN" dirty="0" smtClean="0"/>
+              <a:t>double buffer</a:t>
+            </a:r>
+            <a:endParaRPr kumimoji="1" lang="zh-CN" altLang="en-US" dirty="0"/>
           </a:p>
         </p:txBody>
       </p:sp>
       <p:pic>
         <p:nvPicPr>
-          <p:cNvPr id="4" name="内容占位符 3"/>
+          <p:cNvPr id="20" name="内容占位符 19"/>
           <p:cNvPicPr>
             <a:picLocks noGrp="1" noChangeAspect="1"/>
           </p:cNvPicPr>
           <p:nvPr>
-            <p:ph sz="half" idx="1"/>
+            <p:ph idx="1"/>
           </p:nvPr>
         </p:nvPicPr>
         <p:blipFill>
-          <a:blip r:embed="rId2"/>
+          <a:blip r:embed="rId3"/>
           <a:stretch>
             <a:fillRect/>
           </a:stretch>
         </p:blipFill>
         <p:spPr>
           <a:xfrm>
-            <a:off x="838200" y="1917121"/>
-            <a:ext cx="5181600" cy="4168345"/>
+            <a:off x="1831496" y="1825625"/>
+            <a:ext cx="8529008" cy="4351338"/>
           </a:xfrm>
+          <a:prstGeom prst="rect">
+            <a:avLst/>
+          </a:prstGeom>
         </p:spPr>
       </p:pic>
-      <p:sp>
-        <p:nvSpPr>
-          <p:cNvPr id="7" name="内容占位符 6"/>
-          <p:cNvSpPr>
-            <a:spLocks noGrp="1"/>
-          </p:cNvSpPr>
-          <p:nvPr>
-            <p:ph sz="half" idx="2"/>
-          </p:nvPr>
-        </p:nvSpPr>
-        <p:spPr/>
-        <p:txBody>
-          <a:bodyPr/>
-          <a:lstStyle/>
-          <a:p>
-            <a:r>
-              <a:rPr kumimoji="1" lang="en-US" altLang="zh-CN" dirty="0" err="1" smtClean="0"/>
-              <a:t>Wal</a:t>
-            </a:r>
-            <a:r>
-              <a:rPr kumimoji="1" lang="zh-CN" altLang="en-US" dirty="0" smtClean="0"/>
-              <a:t>会使用</a:t>
-            </a:r>
-            <a:r>
-              <a:rPr kumimoji="1" lang="en-US" altLang="zh-CN" dirty="0" smtClean="0"/>
-              <a:t>DIRECT</a:t>
-            </a:r>
-            <a:r>
-              <a:rPr kumimoji="1" lang="zh-CN" altLang="en-US" dirty="0" smtClean="0"/>
-              <a:t> </a:t>
-            </a:r>
-            <a:r>
-              <a:rPr kumimoji="1" lang="en-US" altLang="zh-CN" dirty="0" smtClean="0"/>
-              <a:t>IO</a:t>
-            </a:r>
-            <a:endParaRPr kumimoji="1" lang="zh-CN" altLang="en-US" dirty="0"/>
-          </a:p>
-        </p:txBody>
-      </p:sp>
     </p:spTree>
     <p:extLst>
       <p:ext uri="{BB962C8B-B14F-4D97-AF65-F5344CB8AC3E}">
-        <p14:creationId xmlns:p14="http://schemas.microsoft.com/office/powerpoint/2010/main" val="1466639998"/>
+        <p14:creationId xmlns:p14="http://schemas.microsoft.com/office/powerpoint/2010/main" val="1393019265"/>
       </p:ext>
     </p:extLst>
   </p:cSld>
   <p:clrMapOvr>
     <a:masterClrMapping/>
   </p:clrMapOvr>
+  <mc:AlternateContent xmlns:mc="http://schemas.openxmlformats.org/markup-compatibility/2006">
+    <mc:Choice xmlns:p14="http://schemas.microsoft.com/office/powerpoint/2010/main" Requires="p14">
+      <p:transition spd="slow" p14:dur="2000" advTm="136384"/>
+    </mc:Choice>
+    <mc:Fallback>
+      <p:transition spd="slow" advTm="136384"/>
+    </mc:Fallback>
+  </mc:AlternateContent>
   <p:timing>
     <p:tnLst>
       <p:par>
@@ -6504,6 +8520,24 @@
     </p:tnLst>
   </p:timing>
 </p:sld>
+</file>
+
+<file path=ppt/tags/tag1.xml><?xml version="1.0" encoding="utf-8"?>
+<p:tagLst xmlns:a="http://schemas.openxmlformats.org/drawingml/2006/main" xmlns:r="http://schemas.openxmlformats.org/officeDocument/2006/relationships" xmlns:p="http://schemas.openxmlformats.org/presentationml/2006/main">
+  <p:tag name="TIMING" val="|126.7|23.8"/>
+</p:tagLst>
+</file>
+
+<file path=ppt/tags/tag2.xml><?xml version="1.0" encoding="utf-8"?>
+<p:tagLst xmlns:a="http://schemas.openxmlformats.org/drawingml/2006/main" xmlns:r="http://schemas.openxmlformats.org/officeDocument/2006/relationships" xmlns:p="http://schemas.openxmlformats.org/presentationml/2006/main">
+  <p:tag name="TIMING" val="|0.9"/>
+</p:tagLst>
+</file>
+
+<file path=ppt/tags/tag3.xml><?xml version="1.0" encoding="utf-8"?>
+<p:tagLst xmlns:a="http://schemas.openxmlformats.org/drawingml/2006/main" xmlns:r="http://schemas.openxmlformats.org/officeDocument/2006/relationships" xmlns:p="http://schemas.openxmlformats.org/presentationml/2006/main">
+  <p:tag name="TIMING" val="|68.6"/>
+</p:tagLst>
 </file>
 
 <file path=ppt/theme/theme1.xml><?xml version="1.0" encoding="utf-8"?>
